--- a/training-pull-requests.pptx
+++ b/training-pull-requests.pptx
@@ -128,6 +128,7 @@
     <p1510:client id="{AEE67D14-C231-D088-332E-6AA2A31138CE}" v="852" dt="2020-12-03T15:48:40.188"/>
     <p1510:client id="{C77B6880-4B78-BB5D-1BBF-C1946A688432}" v="1014" dt="2020-12-03T17:07:20.446"/>
     <p1510:client id="{F4DC7E2F-484E-F488-FDB3-B634135B6384}" v="93" dt="2020-11-30T13:44:46.320"/>
+    <p1510:client id="{F9E4E89D-5271-49F1-7634-96B2C3CE85DA}" v="12" dt="2020-12-04T10:10:23.232"/>
   </p1510:revLst>
 </p1510:revInfo>
 </file>
@@ -2372,19 +2373,7 @@
             <a:rPr lang="en-US" dirty="0">
               <a:latin typeface="Calibri Light" panose="020F0302020204030204"/>
             </a:rPr>
-            <a:t>Read the content of the PR and </a:t>
-          </a:r>
-          <a:r>
-            <a:rPr lang="en-US" dirty="0" err="1">
-              <a:latin typeface="Calibri Light" panose="020F0302020204030204"/>
-            </a:rPr>
-            <a:t>tha</a:t>
-          </a:r>
-          <a:r>
-            <a:rPr lang="en-US" dirty="0">
-              <a:latin typeface="Calibri Light" panose="020F0302020204030204"/>
-            </a:rPr>
-            <a:t> files changed</a:t>
+            <a:t>Read the content of the PR and check the files changed</a:t>
           </a:r>
           <a:endParaRPr lang="en-US" dirty="0"/>
         </a:p>
@@ -2543,7 +2532,7 @@
             <a:rPr lang="en-US" dirty="0">
               <a:latin typeface="Calibri Light" panose="020F0302020204030204"/>
             </a:rPr>
-            <a:t>If change requested approve the them</a:t>
+            <a:t>If change requested approve them</a:t>
           </a:r>
           <a:endParaRPr lang="en-US" dirty="0"/>
         </a:p>
@@ -2807,44 +2796,44 @@
     </dgm:pt>
   </dgm:ptLst>
   <dgm:cxnLst>
-    <dgm:cxn modelId="{03B47201-6325-47D6-AAAA-67B96570287C}" type="presOf" srcId="{7063B249-1C0F-4D67-8BE0-B9A90919E07D}" destId="{9865E62D-BAAD-460E-8F52-D5F4617B4A1C}" srcOrd="0" destOrd="0" presId="urn:microsoft.com/office/officeart/2016/7/layout/ChevronBlockProcess"/>
+    <dgm:cxn modelId="{13484200-64CF-40EC-AA26-A7508F114DE9}" type="presOf" srcId="{E679CB7F-0EC5-4B1A-B66B-97AE1C8DAE0D}" destId="{3FB81F9A-9101-4634-95F3-90E526C7215D}" srcOrd="0" destOrd="0" presId="urn:microsoft.com/office/officeart/2016/7/layout/ChevronBlockProcess"/>
     <dgm:cxn modelId="{93B29B0B-1F05-4AA4-9755-16CD0B65EDDE}" srcId="{74BD9F29-841E-4744-A2A6-A357310502C1}" destId="{E679CB7F-0EC5-4B1A-B66B-97AE1C8DAE0D}" srcOrd="0" destOrd="0" parTransId="{005673B8-1945-4538-9F04-6D50381D2B7F}" sibTransId="{A2D87FEC-4611-4498-8AE9-659D63780FEC}"/>
     <dgm:cxn modelId="{7C4C0517-2130-4EA2-A807-980E286F4824}" srcId="{F226FA51-16FD-4895-A268-F589EC2C0E05}" destId="{739D88F3-1E10-47A5-90F4-DDC650273AEC}" srcOrd="0" destOrd="0" parTransId="{28CE9ED2-EF3A-41DD-8967-3BECFF7716FE}" sibTransId="{0A0CF397-9708-4F2A-A49C-3C2E53276655}"/>
+    <dgm:cxn modelId="{F2EC631C-FF19-49AD-B142-FC69839160F7}" type="presOf" srcId="{7063B249-1C0F-4D67-8BE0-B9A90919E07D}" destId="{9865E62D-BAAD-460E-8F52-D5F4617B4A1C}" srcOrd="0" destOrd="0" presId="urn:microsoft.com/office/officeart/2016/7/layout/ChevronBlockProcess"/>
     <dgm:cxn modelId="{881D641F-0007-43EF-98EA-7638D08727BA}" srcId="{B0BEBE0D-0426-4D8D-AFFA-032B4DC72771}" destId="{43F07D76-5B5D-4F9F-9108-46FC7B9474F2}" srcOrd="0" destOrd="0" parTransId="{FD7802A0-E5BF-4177-9B68-C9C97F6A7E54}" sibTransId="{352AEC4C-BF97-471F-844D-CA36C2EED54A}"/>
-    <dgm:cxn modelId="{B665DD2F-A0F0-4D51-AAA3-BE8449B6A446}" type="presOf" srcId="{C8A354FF-D529-4C18-B368-6BE9B7856A8A}" destId="{D733675F-B879-49BD-A715-8A27284F454A}" srcOrd="0" destOrd="0" presId="urn:microsoft.com/office/officeart/2016/7/layout/ChevronBlockProcess"/>
     <dgm:cxn modelId="{C4B4893B-F92A-4799-8D33-30B32B764087}" srcId="{74BD9F29-841E-4744-A2A6-A357310502C1}" destId="{E8B6B01E-D6B8-49D9-8FAD-5E371DE74BB0}" srcOrd="1" destOrd="0" parTransId="{B2248585-A79C-4CDA-9289-27E370944C1A}" sibTransId="{0CC398EB-F978-4BF3-855C-8AABD939A45C}"/>
     <dgm:cxn modelId="{4ED17366-B183-4263-A6C2-6DEFF1136291}" type="presOf" srcId="{74BD9F29-841E-4744-A2A6-A357310502C1}" destId="{A72AA21A-C1EE-4838-ADC3-60B0FF1E405B}" srcOrd="0" destOrd="0" presId="urn:microsoft.com/office/officeart/2016/7/layout/ChevronBlockProcess"/>
-    <dgm:cxn modelId="{8398D652-7E96-4108-98A3-509BCA3A2056}" type="presOf" srcId="{739D88F3-1E10-47A5-90F4-DDC650273AEC}" destId="{1C5EC7DC-DF21-41DE-B8B3-EED110D11954}" srcOrd="0" destOrd="0" presId="urn:microsoft.com/office/officeart/2016/7/layout/ChevronBlockProcess"/>
+    <dgm:cxn modelId="{1B809B57-BD7C-48AF-AFCD-7977363A9C8E}" type="presOf" srcId="{F226FA51-16FD-4895-A268-F589EC2C0E05}" destId="{B43C67AC-27E4-4561-9945-BA3980B01CB6}" srcOrd="0" destOrd="0" presId="urn:microsoft.com/office/officeart/2016/7/layout/ChevronBlockProcess"/>
     <dgm:cxn modelId="{AFABB187-1FF0-4F43-9529-249847111AA8}" srcId="{B0BEBE0D-0426-4D8D-AFFA-032B4DC72771}" destId="{AACA55E6-2987-4B03-9240-CF4A7704C5DC}" srcOrd="1" destOrd="0" parTransId="{BEADEB8C-6BD4-45F5-B063-6DDE9C0FCE33}" sibTransId="{4CF76E79-B35E-46CF-8DD9-D1D5AA89C4C0}"/>
-    <dgm:cxn modelId="{5BB00A8B-D047-42DA-8FAF-8F91C32C81F7}" type="presOf" srcId="{E679CB7F-0EC5-4B1A-B66B-97AE1C8DAE0D}" destId="{3FB81F9A-9101-4634-95F3-90E526C7215D}" srcOrd="0" destOrd="0" presId="urn:microsoft.com/office/officeart/2016/7/layout/ChevronBlockProcess"/>
-    <dgm:cxn modelId="{387B5295-1EE7-4E0A-8E1E-223564963016}" type="presOf" srcId="{AACA55E6-2987-4B03-9240-CF4A7704C5DC}" destId="{3DE15086-F8DC-4323-95A7-8F4F3BDAD0C3}" srcOrd="0" destOrd="1" presId="urn:microsoft.com/office/officeart/2016/7/layout/ChevronBlockProcess"/>
+    <dgm:cxn modelId="{77D6918E-2327-4A85-B5F8-37ADF814652E}" type="presOf" srcId="{E8B6B01E-D6B8-49D9-8FAD-5E371DE74BB0}" destId="{7B2F2EAF-8610-4DC9-B1C8-9E4E33D97A56}" srcOrd="0" destOrd="0" presId="urn:microsoft.com/office/officeart/2016/7/layout/ChevronBlockProcess"/>
     <dgm:cxn modelId="{1099BD9E-CDD4-4424-BD93-CB1B600C4071}" srcId="{74BD9F29-841E-4744-A2A6-A357310502C1}" destId="{B0BEBE0D-0426-4D8D-AFFA-032B4DC72771}" srcOrd="3" destOrd="0" parTransId="{A7CD12D8-8EF2-4C10-83CD-560D9B69E43E}" sibTransId="{E53B8F1E-9CD9-46F6-83A5-F894E1BB3153}"/>
+    <dgm:cxn modelId="{61591FA4-2B2F-49F9-972D-C0D43D41170F}" type="presOf" srcId="{43F07D76-5B5D-4F9F-9108-46FC7B9474F2}" destId="{3DE15086-F8DC-4323-95A7-8F4F3BDAD0C3}" srcOrd="0" destOrd="0" presId="urn:microsoft.com/office/officeart/2016/7/layout/ChevronBlockProcess"/>
     <dgm:cxn modelId="{A55FBCA4-E609-4014-826C-0D9959F289F1}" srcId="{E679CB7F-0EC5-4B1A-B66B-97AE1C8DAE0D}" destId="{C8A354FF-D529-4C18-B368-6BE9B7856A8A}" srcOrd="0" destOrd="0" parTransId="{C9F27CA6-7768-4591-A4FA-E2874F03AF6B}" sibTransId="{2BEEAD15-59D7-4DE0-A875-69D39197EB70}"/>
+    <dgm:cxn modelId="{00CE6AAB-135A-4320-96A5-87E826B47B7A}" type="presOf" srcId="{B0BEBE0D-0426-4D8D-AFFA-032B4DC72771}" destId="{5A4EA1AD-6123-42BB-83C9-01F7F3CDAE01}" srcOrd="0" destOrd="0" presId="urn:microsoft.com/office/officeart/2016/7/layout/ChevronBlockProcess"/>
+    <dgm:cxn modelId="{468CA4B5-365F-4B19-ADC4-22A62620DC10}" type="presOf" srcId="{D242C9CD-5245-459D-B79B-078661A0BBB4}" destId="{3DE15086-F8DC-4323-95A7-8F4F3BDAD0C3}" srcOrd="0" destOrd="3" presId="urn:microsoft.com/office/officeart/2016/7/layout/ChevronBlockProcess"/>
     <dgm:cxn modelId="{A766E5B8-3FBD-47EA-8AB5-9CAD3F716BA0}" srcId="{B0BEBE0D-0426-4D8D-AFFA-032B4DC72771}" destId="{D242C9CD-5245-459D-B79B-078661A0BBB4}" srcOrd="3" destOrd="0" parTransId="{122E524F-A085-4FE9-A1CC-459D4FA2EB09}" sibTransId="{0BA41161-2A50-4A47-BF92-60ECA8834D85}"/>
+    <dgm:cxn modelId="{236E3ABA-0B1B-48F0-8E21-3BFA96D86C38}" type="presOf" srcId="{C8A354FF-D529-4C18-B368-6BE9B7856A8A}" destId="{D733675F-B879-49BD-A715-8A27284F454A}" srcOrd="0" destOrd="0" presId="urn:microsoft.com/office/officeart/2016/7/layout/ChevronBlockProcess"/>
     <dgm:cxn modelId="{A1E5AFBC-B8AA-4222-90A3-46D1D4DDA847}" srcId="{B0BEBE0D-0426-4D8D-AFFA-032B4DC72771}" destId="{C9DB58D5-6F71-4B6B-A4F4-0AD19F3883D2}" srcOrd="2" destOrd="0" parTransId="{98AD56FD-058E-40A2-BBFE-FDF65B709564}" sibTransId="{BCB336DE-994C-4F00-8FE6-3ACF9640A2BF}"/>
-    <dgm:cxn modelId="{E21475BF-A196-4908-950D-A271908F6581}" type="presOf" srcId="{B0BEBE0D-0426-4D8D-AFFA-032B4DC72771}" destId="{5A4EA1AD-6123-42BB-83C9-01F7F3CDAE01}" srcOrd="0" destOrd="0" presId="urn:microsoft.com/office/officeart/2016/7/layout/ChevronBlockProcess"/>
+    <dgm:cxn modelId="{BBE623C8-6F6E-49DF-8C74-6E90E8578BEA}" type="presOf" srcId="{739D88F3-1E10-47A5-90F4-DDC650273AEC}" destId="{1C5EC7DC-DF21-41DE-B8B3-EED110D11954}" srcOrd="0" destOrd="0" presId="urn:microsoft.com/office/officeart/2016/7/layout/ChevronBlockProcess"/>
     <dgm:cxn modelId="{5FA945C8-4AB2-4261-8BD2-8F11971933CA}" srcId="{E8B6B01E-D6B8-49D9-8FAD-5E371DE74BB0}" destId="{7063B249-1C0F-4D67-8BE0-B9A90919E07D}" srcOrd="0" destOrd="0" parTransId="{F8AE0501-8BB0-4757-9574-68E0CF36CD4F}" sibTransId="{1B81C672-D373-4646-B838-9ECB464D13A1}"/>
-    <dgm:cxn modelId="{72AD06D2-A781-4182-9F3C-CD12CBBE85B2}" type="presOf" srcId="{43F07D76-5B5D-4F9F-9108-46FC7B9474F2}" destId="{3DE15086-F8DC-4323-95A7-8F4F3BDAD0C3}" srcOrd="0" destOrd="0" presId="urn:microsoft.com/office/officeart/2016/7/layout/ChevronBlockProcess"/>
-    <dgm:cxn modelId="{0314EBD7-ED4E-462B-8760-D6D85C299B99}" type="presOf" srcId="{D242C9CD-5245-459D-B79B-078661A0BBB4}" destId="{3DE15086-F8DC-4323-95A7-8F4F3BDAD0C3}" srcOrd="0" destOrd="3" presId="urn:microsoft.com/office/officeart/2016/7/layout/ChevronBlockProcess"/>
-    <dgm:cxn modelId="{62F3E7E3-9769-4540-8F8E-0F99D7035DA2}" type="presOf" srcId="{E8B6B01E-D6B8-49D9-8FAD-5E371DE74BB0}" destId="{7B2F2EAF-8610-4DC9-B1C8-9E4E33D97A56}" srcOrd="0" destOrd="0" presId="urn:microsoft.com/office/officeart/2016/7/layout/ChevronBlockProcess"/>
+    <dgm:cxn modelId="{F7B0EFE1-9C6B-42A9-9780-BD7846E6C587}" type="presOf" srcId="{AACA55E6-2987-4B03-9240-CF4A7704C5DC}" destId="{3DE15086-F8DC-4323-95A7-8F4F3BDAD0C3}" srcOrd="0" destOrd="1" presId="urn:microsoft.com/office/officeart/2016/7/layout/ChevronBlockProcess"/>
     <dgm:cxn modelId="{1F896EEF-E3D2-4AA4-89C2-9C216415D93C}" srcId="{74BD9F29-841E-4744-A2A6-A357310502C1}" destId="{F226FA51-16FD-4895-A268-F589EC2C0E05}" srcOrd="2" destOrd="0" parTransId="{857FEB2C-7431-4A1A-B5E7-A4D89FB0CC06}" sibTransId="{C4264290-7C97-4835-930A-DF6D56742F53}"/>
-    <dgm:cxn modelId="{771D12F6-F076-4E16-A674-44E6F0FD3926}" type="presOf" srcId="{F226FA51-16FD-4895-A268-F589EC2C0E05}" destId="{B43C67AC-27E4-4561-9945-BA3980B01CB6}" srcOrd="0" destOrd="0" presId="urn:microsoft.com/office/officeart/2016/7/layout/ChevronBlockProcess"/>
-    <dgm:cxn modelId="{8B6546FE-D512-4AFE-8661-317691D504DA}" type="presOf" srcId="{C9DB58D5-6F71-4B6B-A4F4-0AD19F3883D2}" destId="{3DE15086-F8DC-4323-95A7-8F4F3BDAD0C3}" srcOrd="0" destOrd="2" presId="urn:microsoft.com/office/officeart/2016/7/layout/ChevronBlockProcess"/>
+    <dgm:cxn modelId="{78266AFD-E60F-482D-9F6D-CF1A2EC5D702}" type="presOf" srcId="{C9DB58D5-6F71-4B6B-A4F4-0AD19F3883D2}" destId="{3DE15086-F8DC-4323-95A7-8F4F3BDAD0C3}" srcOrd="0" destOrd="2" presId="urn:microsoft.com/office/officeart/2016/7/layout/ChevronBlockProcess"/>
     <dgm:cxn modelId="{9F015551-1BAE-4879-BBF7-29F6B2F1B2FB}" type="presParOf" srcId="{A72AA21A-C1EE-4838-ADC3-60B0FF1E405B}" destId="{642263DD-9088-4AFF-AA2D-77D6620603D1}" srcOrd="0" destOrd="0" presId="urn:microsoft.com/office/officeart/2016/7/layout/ChevronBlockProcess"/>
-    <dgm:cxn modelId="{EAC77E5C-31B6-47CE-B3C5-84D5FC7FE823}" type="presParOf" srcId="{642263DD-9088-4AFF-AA2D-77D6620603D1}" destId="{3FB81F9A-9101-4634-95F3-90E526C7215D}" srcOrd="0" destOrd="0" presId="urn:microsoft.com/office/officeart/2016/7/layout/ChevronBlockProcess"/>
-    <dgm:cxn modelId="{50056E10-CBCD-4E03-B1FB-1FAB09CB58F9}" type="presParOf" srcId="{642263DD-9088-4AFF-AA2D-77D6620603D1}" destId="{D733675F-B879-49BD-A715-8A27284F454A}" srcOrd="1" destOrd="0" presId="urn:microsoft.com/office/officeart/2016/7/layout/ChevronBlockProcess"/>
+    <dgm:cxn modelId="{C89A9134-6549-4F65-AD3E-AD4BBDD49C83}" type="presParOf" srcId="{642263DD-9088-4AFF-AA2D-77D6620603D1}" destId="{3FB81F9A-9101-4634-95F3-90E526C7215D}" srcOrd="0" destOrd="0" presId="urn:microsoft.com/office/officeart/2016/7/layout/ChevronBlockProcess"/>
+    <dgm:cxn modelId="{70651618-36A3-4311-AA6F-98736C3C8DEF}" type="presParOf" srcId="{642263DD-9088-4AFF-AA2D-77D6620603D1}" destId="{D733675F-B879-49BD-A715-8A27284F454A}" srcOrd="1" destOrd="0" presId="urn:microsoft.com/office/officeart/2016/7/layout/ChevronBlockProcess"/>
     <dgm:cxn modelId="{E14C732C-0F7D-4E8C-BE78-DAEED09E1FD9}" type="presParOf" srcId="{A72AA21A-C1EE-4838-ADC3-60B0FF1E405B}" destId="{35ADCD41-8349-4E8E-B7ED-C957140D1E43}" srcOrd="1" destOrd="0" presId="urn:microsoft.com/office/officeart/2016/7/layout/ChevronBlockProcess"/>
     <dgm:cxn modelId="{14E24316-3020-469B-8EDE-35C4D45749BF}" type="presParOf" srcId="{A72AA21A-C1EE-4838-ADC3-60B0FF1E405B}" destId="{8B6DD8DB-B030-4092-A192-B03277C2DA31}" srcOrd="2" destOrd="0" presId="urn:microsoft.com/office/officeart/2016/7/layout/ChevronBlockProcess"/>
-    <dgm:cxn modelId="{AF25D57E-36AC-4B42-986F-AC890443BF64}" type="presParOf" srcId="{8B6DD8DB-B030-4092-A192-B03277C2DA31}" destId="{7B2F2EAF-8610-4DC9-B1C8-9E4E33D97A56}" srcOrd="0" destOrd="0" presId="urn:microsoft.com/office/officeart/2016/7/layout/ChevronBlockProcess"/>
-    <dgm:cxn modelId="{083C9B88-0169-4519-8C41-CBD61D2E6919}" type="presParOf" srcId="{8B6DD8DB-B030-4092-A192-B03277C2DA31}" destId="{9865E62D-BAAD-460E-8F52-D5F4617B4A1C}" srcOrd="1" destOrd="0" presId="urn:microsoft.com/office/officeart/2016/7/layout/ChevronBlockProcess"/>
+    <dgm:cxn modelId="{9A9C7CB3-DD7B-4E87-A85F-4712BE7EA4F3}" type="presParOf" srcId="{8B6DD8DB-B030-4092-A192-B03277C2DA31}" destId="{7B2F2EAF-8610-4DC9-B1C8-9E4E33D97A56}" srcOrd="0" destOrd="0" presId="urn:microsoft.com/office/officeart/2016/7/layout/ChevronBlockProcess"/>
+    <dgm:cxn modelId="{E7EA6547-DC27-46F5-8ACB-69ABEDDE00C6}" type="presParOf" srcId="{8B6DD8DB-B030-4092-A192-B03277C2DA31}" destId="{9865E62D-BAAD-460E-8F52-D5F4617B4A1C}" srcOrd="1" destOrd="0" presId="urn:microsoft.com/office/officeart/2016/7/layout/ChevronBlockProcess"/>
     <dgm:cxn modelId="{F9773047-C6B4-4C7D-94F9-8642155DBD72}" type="presParOf" srcId="{A72AA21A-C1EE-4838-ADC3-60B0FF1E405B}" destId="{C86157D2-5FB4-410F-ABF3-1A233904C7C2}" srcOrd="3" destOrd="0" presId="urn:microsoft.com/office/officeart/2016/7/layout/ChevronBlockProcess"/>
     <dgm:cxn modelId="{AE27637F-E216-4B9F-9B34-A59D5AAE08E7}" type="presParOf" srcId="{A72AA21A-C1EE-4838-ADC3-60B0FF1E405B}" destId="{A0E4728F-445B-47D1-AD45-C860E4C11D26}" srcOrd="4" destOrd="0" presId="urn:microsoft.com/office/officeart/2016/7/layout/ChevronBlockProcess"/>
-    <dgm:cxn modelId="{B77B53D6-6ED9-40F9-9679-799A01A301F6}" type="presParOf" srcId="{A0E4728F-445B-47D1-AD45-C860E4C11D26}" destId="{B43C67AC-27E4-4561-9945-BA3980B01CB6}" srcOrd="0" destOrd="0" presId="urn:microsoft.com/office/officeart/2016/7/layout/ChevronBlockProcess"/>
-    <dgm:cxn modelId="{BB9BB47C-A5B7-4EA9-A767-31644566ADFE}" type="presParOf" srcId="{A0E4728F-445B-47D1-AD45-C860E4C11D26}" destId="{1C5EC7DC-DF21-41DE-B8B3-EED110D11954}" srcOrd="1" destOrd="0" presId="urn:microsoft.com/office/officeart/2016/7/layout/ChevronBlockProcess"/>
+    <dgm:cxn modelId="{1810A4D0-F2BC-4E0C-B2EA-7D87C82F29F3}" type="presParOf" srcId="{A0E4728F-445B-47D1-AD45-C860E4C11D26}" destId="{B43C67AC-27E4-4561-9945-BA3980B01CB6}" srcOrd="0" destOrd="0" presId="urn:microsoft.com/office/officeart/2016/7/layout/ChevronBlockProcess"/>
+    <dgm:cxn modelId="{8C788B3B-A876-4C68-BACD-1FE436F68567}" type="presParOf" srcId="{A0E4728F-445B-47D1-AD45-C860E4C11D26}" destId="{1C5EC7DC-DF21-41DE-B8B3-EED110D11954}" srcOrd="1" destOrd="0" presId="urn:microsoft.com/office/officeart/2016/7/layout/ChevronBlockProcess"/>
     <dgm:cxn modelId="{E1984B86-583A-482E-ABA1-7D521ED8538D}" type="presParOf" srcId="{A72AA21A-C1EE-4838-ADC3-60B0FF1E405B}" destId="{90F04AE4-14C7-428C-8CB9-7D75AD48D4B1}" srcOrd="5" destOrd="0" presId="urn:microsoft.com/office/officeart/2016/7/layout/ChevronBlockProcess"/>
     <dgm:cxn modelId="{929493B2-DED8-47E5-880A-F6A022703CBA}" type="presParOf" srcId="{A72AA21A-C1EE-4838-ADC3-60B0FF1E405B}" destId="{C87AC7D7-9D6C-4883-9D59-6E38029E6B66}" srcOrd="6" destOrd="0" presId="urn:microsoft.com/office/officeart/2016/7/layout/ChevronBlockProcess"/>
-    <dgm:cxn modelId="{89455F92-9CE1-4A93-8EC4-7028D67089C6}" type="presParOf" srcId="{C87AC7D7-9D6C-4883-9D59-6E38029E6B66}" destId="{5A4EA1AD-6123-42BB-83C9-01F7F3CDAE01}" srcOrd="0" destOrd="0" presId="urn:microsoft.com/office/officeart/2016/7/layout/ChevronBlockProcess"/>
-    <dgm:cxn modelId="{876AD94D-0EE6-4D8C-993B-C504BB02014E}" type="presParOf" srcId="{C87AC7D7-9D6C-4883-9D59-6E38029E6B66}" destId="{3DE15086-F8DC-4323-95A7-8F4F3BDAD0C3}" srcOrd="1" destOrd="0" presId="urn:microsoft.com/office/officeart/2016/7/layout/ChevronBlockProcess"/>
+    <dgm:cxn modelId="{F87EC3A8-D083-4CE7-B0D3-06B77876780C}" type="presParOf" srcId="{C87AC7D7-9D6C-4883-9D59-6E38029E6B66}" destId="{5A4EA1AD-6123-42BB-83C9-01F7F3CDAE01}" srcOrd="0" destOrd="0" presId="urn:microsoft.com/office/officeart/2016/7/layout/ChevronBlockProcess"/>
+    <dgm:cxn modelId="{1B9BBC53-83AF-4AFF-85A2-0E4192737282}" type="presParOf" srcId="{C87AC7D7-9D6C-4883-9D59-6E38029E6B66}" destId="{3DE15086-F8DC-4323-95A7-8F4F3BDAD0C3}" srcOrd="1" destOrd="0" presId="urn:microsoft.com/office/officeart/2016/7/layout/ChevronBlockProcess"/>
   </dgm:cxnLst>
   <dgm:bg/>
   <dgm:whole/>
@@ -3862,8 +3851,8 @@
       </dsp:nvSpPr>
       <dsp:spPr>
         <a:xfrm>
-          <a:off x="9427" y="531232"/>
-          <a:ext cx="2072423" cy="621726"/>
+          <a:off x="3661" y="273512"/>
+          <a:ext cx="1397407" cy="419222"/>
         </a:xfrm>
         <a:prstGeom prst="chevron">
           <a:avLst>
@@ -3907,12 +3896,12 @@
         </a:fontRef>
       </dsp:style>
       <dsp:txBody>
-        <a:bodyPr spcFirstLastPara="0" vert="horz" wrap="square" lIns="76766" tIns="76766" rIns="76766" bIns="76766" numCol="1" spcCol="1270" anchor="ctr" anchorCtr="0">
+        <a:bodyPr spcFirstLastPara="0" vert="horz" wrap="square" lIns="51762" tIns="51762" rIns="51762" bIns="51762" numCol="1" spcCol="1270" anchor="ctr" anchorCtr="0">
           <a:noAutofit/>
         </a:bodyPr>
         <a:lstStyle/>
         <a:p>
-          <a:pPr marL="0" lvl="0" indent="0" algn="ctr" defTabSz="800100" rtl="0">
+          <a:pPr marL="0" lvl="0" indent="0" algn="ctr" defTabSz="622300" rtl="0">
             <a:lnSpc>
               <a:spcPct val="90000"/>
             </a:lnSpc>
@@ -3925,17 +3914,17 @@
             <a:buNone/>
           </a:pPr>
           <a:r>
-            <a:rPr lang="en-US" sz="1800" kern="1200" dirty="0">
+            <a:rPr lang="en-US" sz="1400" kern="1200" dirty="0">
               <a:latin typeface="Calibri Light" panose="020F0302020204030204"/>
             </a:rPr>
             <a:t>Read </a:t>
           </a:r>
-          <a:endParaRPr lang="en-US" sz="1800" kern="1200" dirty="0"/>
+          <a:endParaRPr lang="en-US" sz="1400" kern="1200" dirty="0"/>
         </a:p>
       </dsp:txBody>
       <dsp:txXfrm>
-        <a:off x="195945" y="531232"/>
-        <a:ext cx="1699387" cy="621726"/>
+        <a:off x="129428" y="273512"/>
+        <a:ext cx="1145873" cy="419222"/>
       </dsp:txXfrm>
     </dsp:sp>
     <dsp:sp modelId="{D733675F-B879-49BD-A715-8A27284F454A}">
@@ -3945,8 +3934,8 @@
       </dsp:nvSpPr>
       <dsp:spPr>
         <a:xfrm>
-          <a:off x="9427" y="1152959"/>
-          <a:ext cx="1885905" cy="1467873"/>
+          <a:off x="3661" y="692734"/>
+          <a:ext cx="1271640" cy="1116560"/>
         </a:xfrm>
         <a:prstGeom prst="rect">
           <a:avLst/>
@@ -3990,12 +3979,12 @@
         <a:fontRef idx="minor"/>
       </dsp:style>
       <dsp:txBody>
-        <a:bodyPr spcFirstLastPara="0" vert="horz" wrap="square" lIns="149028" tIns="149028" rIns="149028" bIns="298057" numCol="1" spcCol="1270" anchor="t" anchorCtr="0">
+        <a:bodyPr spcFirstLastPara="0" vert="horz" wrap="square" lIns="100488" tIns="100488" rIns="100488" bIns="200976" numCol="1" spcCol="1270" anchor="t" anchorCtr="0">
           <a:noAutofit/>
         </a:bodyPr>
         <a:lstStyle/>
         <a:p>
-          <a:pPr marL="0" lvl="0" indent="0" algn="l" defTabSz="622300" rtl="0">
+          <a:pPr marL="0" lvl="0" indent="0" algn="l" defTabSz="488950" rtl="0">
             <a:lnSpc>
               <a:spcPct val="90000"/>
             </a:lnSpc>
@@ -4008,29 +3997,17 @@
             <a:buNone/>
           </a:pPr>
           <a:r>
-            <a:rPr lang="en-US" sz="1400" kern="1200" dirty="0">
+            <a:rPr lang="en-US" sz="1100" kern="1200" dirty="0">
               <a:latin typeface="Calibri Light" panose="020F0302020204030204"/>
             </a:rPr>
-            <a:t>Read the content of the PR and </a:t>
+            <a:t>Read the content of the PR and check the files changed</a:t>
           </a:r>
-          <a:r>
-            <a:rPr lang="en-US" sz="1400" kern="1200" dirty="0" err="1">
-              <a:latin typeface="Calibri Light" panose="020F0302020204030204"/>
-            </a:rPr>
-            <a:t>tha</a:t>
-          </a:r>
-          <a:r>
-            <a:rPr lang="en-US" sz="1400" kern="1200" dirty="0">
-              <a:latin typeface="Calibri Light" panose="020F0302020204030204"/>
-            </a:rPr>
-            <a:t> files changed</a:t>
-          </a:r>
-          <a:endParaRPr lang="en-US" sz="1400" kern="1200" dirty="0"/>
+          <a:endParaRPr lang="en-US" sz="1100" kern="1200" dirty="0"/>
         </a:p>
       </dsp:txBody>
       <dsp:txXfrm>
-        <a:off x="9427" y="1152959"/>
-        <a:ext cx="1885905" cy="1467873"/>
+        <a:off x="3661" y="692734"/>
+        <a:ext cx="1271640" cy="1116560"/>
       </dsp:txXfrm>
     </dsp:sp>
     <dsp:sp modelId="{7B2F2EAF-8610-4DC9-B1C8-9E4E33D97A56}">
@@ -4040,8 +4017,8 @@
       </dsp:nvSpPr>
       <dsp:spPr>
         <a:xfrm>
-          <a:off x="2040961" y="531232"/>
-          <a:ext cx="2072423" cy="621726"/>
+          <a:off x="1373498" y="273512"/>
+          <a:ext cx="1397407" cy="419222"/>
         </a:xfrm>
         <a:prstGeom prst="chevron">
           <a:avLst>
@@ -4085,12 +4062,12 @@
         </a:fontRef>
       </dsp:style>
       <dsp:txBody>
-        <a:bodyPr spcFirstLastPara="0" vert="horz" wrap="square" lIns="76766" tIns="76766" rIns="76766" bIns="76766" numCol="1" spcCol="1270" anchor="ctr" anchorCtr="0">
+        <a:bodyPr spcFirstLastPara="0" vert="horz" wrap="square" lIns="51762" tIns="51762" rIns="51762" bIns="51762" numCol="1" spcCol="1270" anchor="ctr" anchorCtr="0">
           <a:noAutofit/>
         </a:bodyPr>
         <a:lstStyle/>
         <a:p>
-          <a:pPr marL="0" lvl="0" indent="0" algn="ctr" defTabSz="800100" rtl="0">
+          <a:pPr marL="0" lvl="0" indent="0" algn="ctr" defTabSz="622300" rtl="0">
             <a:lnSpc>
               <a:spcPct val="90000"/>
             </a:lnSpc>
@@ -4103,17 +4080,17 @@
             <a:buNone/>
           </a:pPr>
           <a:r>
-            <a:rPr lang="en-US" sz="1800" kern="1200" dirty="0">
+            <a:rPr lang="en-US" sz="1400" kern="1200" dirty="0">
               <a:latin typeface="Calibri Light" panose="020F0302020204030204"/>
             </a:rPr>
             <a:t>Change Request</a:t>
           </a:r>
-          <a:endParaRPr lang="en-US" sz="1800" kern="1200" dirty="0"/>
+          <a:endParaRPr lang="en-US" sz="1400" kern="1200" dirty="0"/>
         </a:p>
       </dsp:txBody>
       <dsp:txXfrm>
-        <a:off x="2227479" y="531232"/>
-        <a:ext cx="1699387" cy="621726"/>
+        <a:off x="1499265" y="273512"/>
+        <a:ext cx="1145873" cy="419222"/>
       </dsp:txXfrm>
     </dsp:sp>
     <dsp:sp modelId="{9865E62D-BAAD-460E-8F52-D5F4617B4A1C}">
@@ -4123,8 +4100,8 @@
       </dsp:nvSpPr>
       <dsp:spPr>
         <a:xfrm>
-          <a:off x="2040961" y="1152959"/>
-          <a:ext cx="1885905" cy="1467873"/>
+          <a:off x="1373498" y="692734"/>
+          <a:ext cx="1271640" cy="1116560"/>
         </a:xfrm>
         <a:prstGeom prst="rect">
           <a:avLst/>
@@ -4168,12 +4145,12 @@
         <a:fontRef idx="minor"/>
       </dsp:style>
       <dsp:txBody>
-        <a:bodyPr spcFirstLastPara="0" vert="horz" wrap="square" lIns="149028" tIns="149028" rIns="149028" bIns="298057" numCol="1" spcCol="1270" anchor="t" anchorCtr="0">
+        <a:bodyPr spcFirstLastPara="0" vert="horz" wrap="square" lIns="100488" tIns="100488" rIns="100488" bIns="200976" numCol="1" spcCol="1270" anchor="t" anchorCtr="0">
           <a:noAutofit/>
         </a:bodyPr>
         <a:lstStyle/>
         <a:p>
-          <a:pPr marL="0" lvl="0" indent="0" algn="l" defTabSz="622300" rtl="0">
+          <a:pPr marL="0" lvl="0" indent="0" algn="l" defTabSz="488950" rtl="0">
             <a:lnSpc>
               <a:spcPct val="90000"/>
             </a:lnSpc>
@@ -4186,17 +4163,17 @@
             <a:buNone/>
           </a:pPr>
           <a:r>
-            <a:rPr lang="en-US" sz="1400" kern="1200" dirty="0">
+            <a:rPr lang="en-US" sz="1100" kern="1200" dirty="0">
               <a:latin typeface="Calibri Light" panose="020F0302020204030204"/>
             </a:rPr>
             <a:t>If needed ask for a change </a:t>
           </a:r>
-          <a:endParaRPr lang="en-US" sz="1400" kern="1200" dirty="0"/>
+          <a:endParaRPr lang="en-US" sz="1100" kern="1200" dirty="0"/>
         </a:p>
       </dsp:txBody>
       <dsp:txXfrm>
-        <a:off x="2040961" y="1152959"/>
-        <a:ext cx="1885905" cy="1467873"/>
+        <a:off x="1373498" y="692734"/>
+        <a:ext cx="1271640" cy="1116560"/>
       </dsp:txXfrm>
     </dsp:sp>
     <dsp:sp modelId="{B43C67AC-27E4-4561-9945-BA3980B01CB6}">
@@ -4206,8 +4183,8 @@
       </dsp:nvSpPr>
       <dsp:spPr>
         <a:xfrm>
-          <a:off x="4072495" y="531232"/>
-          <a:ext cx="2072423" cy="621726"/>
+          <a:off x="2743334" y="273512"/>
+          <a:ext cx="1397407" cy="419222"/>
         </a:xfrm>
         <a:prstGeom prst="chevron">
           <a:avLst>
@@ -4251,12 +4228,12 @@
         </a:fontRef>
       </dsp:style>
       <dsp:txBody>
-        <a:bodyPr spcFirstLastPara="0" vert="horz" wrap="square" lIns="76766" tIns="76766" rIns="76766" bIns="76766" numCol="1" spcCol="1270" anchor="ctr" anchorCtr="0">
+        <a:bodyPr spcFirstLastPara="0" vert="horz" wrap="square" lIns="51762" tIns="51762" rIns="51762" bIns="51762" numCol="1" spcCol="1270" anchor="ctr" anchorCtr="0">
           <a:noAutofit/>
         </a:bodyPr>
         <a:lstStyle/>
         <a:p>
-          <a:pPr marL="0" lvl="0" indent="0" algn="ctr" defTabSz="800100">
+          <a:pPr marL="0" lvl="0" indent="0" algn="ctr" defTabSz="622300">
             <a:lnSpc>
               <a:spcPct val="90000"/>
             </a:lnSpc>
@@ -4269,17 +4246,17 @@
             <a:buNone/>
           </a:pPr>
           <a:r>
-            <a:rPr lang="en-US" sz="1800" kern="1200" dirty="0">
+            <a:rPr lang="en-US" sz="1400" kern="1200" dirty="0">
               <a:latin typeface="Calibri Light" panose="020F0302020204030204"/>
             </a:rPr>
             <a:t>Approve</a:t>
           </a:r>
-          <a:endParaRPr lang="en-US" sz="1800" kern="1200" dirty="0"/>
+          <a:endParaRPr lang="en-US" sz="1400" kern="1200" dirty="0"/>
         </a:p>
       </dsp:txBody>
       <dsp:txXfrm>
-        <a:off x="4259013" y="531232"/>
-        <a:ext cx="1699387" cy="621726"/>
+        <a:off x="2869101" y="273512"/>
+        <a:ext cx="1145873" cy="419222"/>
       </dsp:txXfrm>
     </dsp:sp>
     <dsp:sp modelId="{1C5EC7DC-DF21-41DE-B8B3-EED110D11954}">
@@ -4289,8 +4266,8 @@
       </dsp:nvSpPr>
       <dsp:spPr>
         <a:xfrm>
-          <a:off x="4072495" y="1152959"/>
-          <a:ext cx="1885905" cy="1467873"/>
+          <a:off x="2743334" y="692734"/>
+          <a:ext cx="1271640" cy="1116560"/>
         </a:xfrm>
         <a:prstGeom prst="rect">
           <a:avLst/>
@@ -4334,12 +4311,12 @@
         <a:fontRef idx="minor"/>
       </dsp:style>
       <dsp:txBody>
-        <a:bodyPr spcFirstLastPara="0" vert="horz" wrap="square" lIns="149028" tIns="149028" rIns="149028" bIns="298057" numCol="1" spcCol="1270" anchor="t" anchorCtr="0">
+        <a:bodyPr spcFirstLastPara="0" vert="horz" wrap="square" lIns="100488" tIns="100488" rIns="100488" bIns="200976" numCol="1" spcCol="1270" anchor="t" anchorCtr="0">
           <a:noAutofit/>
         </a:bodyPr>
         <a:lstStyle/>
         <a:p>
-          <a:pPr marL="0" lvl="0" indent="0" algn="l" defTabSz="622300" rtl="0">
+          <a:pPr marL="0" lvl="0" indent="0" algn="l" defTabSz="488950" rtl="0">
             <a:lnSpc>
               <a:spcPct val="90000"/>
             </a:lnSpc>
@@ -4352,17 +4329,17 @@
             <a:buNone/>
           </a:pPr>
           <a:r>
-            <a:rPr lang="en-US" sz="1400" kern="1200" dirty="0">
+            <a:rPr lang="en-US" sz="1100" kern="1200" dirty="0">
               <a:latin typeface="Calibri Light" panose="020F0302020204030204"/>
             </a:rPr>
-            <a:t>If change requested approve the them</a:t>
+            <a:t>If change requested approve them</a:t>
           </a:r>
-          <a:endParaRPr lang="en-US" sz="1400" kern="1200" dirty="0"/>
+          <a:endParaRPr lang="en-US" sz="1100" kern="1200" dirty="0"/>
         </a:p>
       </dsp:txBody>
       <dsp:txXfrm>
-        <a:off x="4072495" y="1152959"/>
-        <a:ext cx="1885905" cy="1467873"/>
+        <a:off x="2743334" y="692734"/>
+        <a:ext cx="1271640" cy="1116560"/>
       </dsp:txXfrm>
     </dsp:sp>
     <dsp:sp modelId="{5A4EA1AD-6123-42BB-83C9-01F7F3CDAE01}">
@@ -4372,8 +4349,8 @@
       </dsp:nvSpPr>
       <dsp:spPr>
         <a:xfrm>
-          <a:off x="6104029" y="531232"/>
-          <a:ext cx="2072423" cy="621726"/>
+          <a:off x="4113170" y="273512"/>
+          <a:ext cx="1397407" cy="419222"/>
         </a:xfrm>
         <a:prstGeom prst="chevron">
           <a:avLst>
@@ -4417,12 +4394,12 @@
         </a:fontRef>
       </dsp:style>
       <dsp:txBody>
-        <a:bodyPr spcFirstLastPara="0" vert="horz" wrap="square" lIns="76766" tIns="76766" rIns="76766" bIns="76766" numCol="1" spcCol="1270" anchor="ctr" anchorCtr="0">
+        <a:bodyPr spcFirstLastPara="0" vert="horz" wrap="square" lIns="51762" tIns="51762" rIns="51762" bIns="51762" numCol="1" spcCol="1270" anchor="ctr" anchorCtr="0">
           <a:noAutofit/>
         </a:bodyPr>
         <a:lstStyle/>
         <a:p>
-          <a:pPr marL="0" lvl="0" indent="0" algn="ctr" defTabSz="800100" rtl="0">
+          <a:pPr marL="0" lvl="0" indent="0" algn="ctr" defTabSz="622300" rtl="0">
             <a:lnSpc>
               <a:spcPct val="90000"/>
             </a:lnSpc>
@@ -4435,17 +4412,17 @@
             <a:buNone/>
           </a:pPr>
           <a:r>
-            <a:rPr lang="en-US" sz="1800" kern="1200" dirty="0">
+            <a:rPr lang="en-US" sz="1400" kern="1200" dirty="0">
               <a:latin typeface="Calibri Light" panose="020F0302020204030204"/>
             </a:rPr>
             <a:t>Merge the PR</a:t>
           </a:r>
-          <a:endParaRPr lang="en-US" sz="1800" kern="1200" dirty="0"/>
+          <a:endParaRPr lang="en-US" sz="1400" kern="1200" dirty="0"/>
         </a:p>
       </dsp:txBody>
       <dsp:txXfrm>
-        <a:off x="6290547" y="531232"/>
-        <a:ext cx="1699387" cy="621726"/>
+        <a:off x="4238937" y="273512"/>
+        <a:ext cx="1145873" cy="419222"/>
       </dsp:txXfrm>
     </dsp:sp>
     <dsp:sp modelId="{3DE15086-F8DC-4323-95A7-8F4F3BDAD0C3}">
@@ -4455,8 +4432,8 @@
       </dsp:nvSpPr>
       <dsp:spPr>
         <a:xfrm>
-          <a:off x="6104029" y="1152959"/>
-          <a:ext cx="1885905" cy="1467873"/>
+          <a:off x="4113170" y="692734"/>
+          <a:ext cx="1271640" cy="1116560"/>
         </a:xfrm>
         <a:prstGeom prst="rect">
           <a:avLst/>
@@ -4500,12 +4477,12 @@
         <a:fontRef idx="minor"/>
       </dsp:style>
       <dsp:txBody>
-        <a:bodyPr spcFirstLastPara="0" vert="horz" wrap="square" lIns="149028" tIns="149028" rIns="149028" bIns="298057" numCol="1" spcCol="1270" anchor="t" anchorCtr="0">
+        <a:bodyPr spcFirstLastPara="0" vert="horz" wrap="square" lIns="100488" tIns="100488" rIns="100488" bIns="200976" numCol="1" spcCol="1270" anchor="t" anchorCtr="0">
           <a:noAutofit/>
         </a:bodyPr>
         <a:lstStyle/>
         <a:p>
-          <a:pPr marL="0" lvl="0" indent="0" algn="l" defTabSz="622300" rtl="0">
+          <a:pPr marL="0" lvl="0" indent="0" algn="l" defTabSz="488950" rtl="0">
             <a:lnSpc>
               <a:spcPct val="90000"/>
             </a:lnSpc>
@@ -4518,14 +4495,14 @@
             <a:buNone/>
           </a:pPr>
           <a:r>
-            <a:rPr lang="en-US" sz="1400" kern="1200" dirty="0">
+            <a:rPr lang="en-US" sz="1100" kern="1200" dirty="0">
               <a:latin typeface="Calibri Light" panose="020F0302020204030204"/>
             </a:rPr>
             <a:t>Merge</a:t>
           </a:r>
         </a:p>
         <a:p>
-          <a:pPr marL="0" lvl="0" indent="0" algn="l" defTabSz="622300">
+          <a:pPr marL="0" lvl="0" indent="0" algn="l" defTabSz="488950">
             <a:lnSpc>
               <a:spcPct val="90000"/>
             </a:lnSpc>
@@ -4538,15 +4515,15 @@
             <a:buNone/>
           </a:pPr>
           <a:r>
-            <a:rPr lang="en-US" sz="1400" kern="1200" dirty="0">
+            <a:rPr lang="en-US" sz="1100" kern="1200" dirty="0">
               <a:latin typeface="Calibri Light" panose="020F0302020204030204"/>
             </a:rPr>
             <a:t>Merge and squash</a:t>
           </a:r>
-          <a:endParaRPr lang="en-US" sz="1400" kern="1200" dirty="0"/>
+          <a:endParaRPr lang="en-US" sz="1100" kern="1200" dirty="0"/>
         </a:p>
         <a:p>
-          <a:pPr marL="0" lvl="0" indent="0" algn="l" defTabSz="622300" rtl="0">
+          <a:pPr marL="0" lvl="0" indent="0" algn="l" defTabSz="488950" rtl="0">
             <a:lnSpc>
               <a:spcPct val="90000"/>
             </a:lnSpc>
@@ -4559,14 +4536,14 @@
             <a:buNone/>
           </a:pPr>
           <a:r>
-            <a:rPr lang="en-US" sz="1400" kern="1200" dirty="0">
+            <a:rPr lang="en-US" sz="1100" kern="1200" dirty="0">
               <a:latin typeface="Calibri Light" panose="020F0302020204030204"/>
             </a:rPr>
             <a:t>Rebase and Merge</a:t>
           </a:r>
         </a:p>
         <a:p>
-          <a:pPr marL="0" lvl="0" indent="0" algn="l" defTabSz="622300">
+          <a:pPr marL="0" lvl="0" indent="0" algn="l" defTabSz="488950">
             <a:lnSpc>
               <a:spcPct val="90000"/>
             </a:lnSpc>
@@ -4578,14 +4555,14 @@
             </a:spcAft>
             <a:buNone/>
           </a:pPr>
-          <a:endParaRPr lang="en-US" sz="1400" kern="1200" dirty="0">
+          <a:endParaRPr lang="en-US" sz="1100" kern="1200" dirty="0">
             <a:latin typeface="Calibri Light" panose="020F0302020204030204"/>
           </a:endParaRPr>
         </a:p>
       </dsp:txBody>
       <dsp:txXfrm>
-        <a:off x="6104029" y="1152959"/>
-        <a:ext cx="1885905" cy="1467873"/>
+        <a:off x="4113170" y="692734"/>
+        <a:ext cx="1271640" cy="1116560"/>
       </dsp:txXfrm>
     </dsp:sp>
   </dsp:spTree>
@@ -7219,7 +7196,7 @@
           <a:p>
             <a:fld id="{D996A015-6464-43CD-86FB-8401A10589FF}" type="datetimeFigureOut">
               <a:rPr lang="en-US" smtClean="0"/>
-              <a:t>12/3/2020</a:t>
+              <a:t>12/4/2020</a:t>
             </a:fld>
             <a:endParaRPr lang="en-US"/>
           </a:p>
@@ -7417,7 +7394,7 @@
           <a:p>
             <a:fld id="{D996A015-6464-43CD-86FB-8401A10589FF}" type="datetimeFigureOut">
               <a:rPr lang="en-US" smtClean="0"/>
-              <a:t>12/3/2020</a:t>
+              <a:t>12/4/2020</a:t>
             </a:fld>
             <a:endParaRPr lang="en-US"/>
           </a:p>
@@ -7625,7 +7602,7 @@
           <a:p>
             <a:fld id="{D996A015-6464-43CD-86FB-8401A10589FF}" type="datetimeFigureOut">
               <a:rPr lang="en-US" smtClean="0"/>
-              <a:t>12/3/2020</a:t>
+              <a:t>12/4/2020</a:t>
             </a:fld>
             <a:endParaRPr lang="en-US"/>
           </a:p>
@@ -7823,7 +7800,7 @@
           <a:p>
             <a:fld id="{D996A015-6464-43CD-86FB-8401A10589FF}" type="datetimeFigureOut">
               <a:rPr lang="en-US" smtClean="0"/>
-              <a:t>12/3/2020</a:t>
+              <a:t>12/4/2020</a:t>
             </a:fld>
             <a:endParaRPr lang="en-US"/>
           </a:p>
@@ -8098,7 +8075,7 @@
           <a:p>
             <a:fld id="{D996A015-6464-43CD-86FB-8401A10589FF}" type="datetimeFigureOut">
               <a:rPr lang="en-US" smtClean="0"/>
-              <a:t>12/3/2020</a:t>
+              <a:t>12/4/2020</a:t>
             </a:fld>
             <a:endParaRPr lang="en-US"/>
           </a:p>
@@ -8363,7 +8340,7 @@
           <a:p>
             <a:fld id="{D996A015-6464-43CD-86FB-8401A10589FF}" type="datetimeFigureOut">
               <a:rPr lang="en-US" smtClean="0"/>
-              <a:t>12/3/2020</a:t>
+              <a:t>12/4/2020</a:t>
             </a:fld>
             <a:endParaRPr lang="en-US"/>
           </a:p>
@@ -8775,7 +8752,7 @@
           <a:p>
             <a:fld id="{D996A015-6464-43CD-86FB-8401A10589FF}" type="datetimeFigureOut">
               <a:rPr lang="en-US" smtClean="0"/>
-              <a:t>12/3/2020</a:t>
+              <a:t>12/4/2020</a:t>
             </a:fld>
             <a:endParaRPr lang="en-US"/>
           </a:p>
@@ -8916,7 +8893,7 @@
           <a:p>
             <a:fld id="{D996A015-6464-43CD-86FB-8401A10589FF}" type="datetimeFigureOut">
               <a:rPr lang="en-US" smtClean="0"/>
-              <a:t>12/3/2020</a:t>
+              <a:t>12/4/2020</a:t>
             </a:fld>
             <a:endParaRPr lang="en-US"/>
           </a:p>
@@ -9029,7 +9006,7 @@
           <a:p>
             <a:fld id="{D996A015-6464-43CD-86FB-8401A10589FF}" type="datetimeFigureOut">
               <a:rPr lang="en-US" smtClean="0"/>
-              <a:t>12/3/2020</a:t>
+              <a:t>12/4/2020</a:t>
             </a:fld>
             <a:endParaRPr lang="en-US"/>
           </a:p>
@@ -9340,7 +9317,7 @@
           <a:p>
             <a:fld id="{D996A015-6464-43CD-86FB-8401A10589FF}" type="datetimeFigureOut">
               <a:rPr lang="en-US" smtClean="0"/>
-              <a:t>12/3/2020</a:t>
+              <a:t>12/4/2020</a:t>
             </a:fld>
             <a:endParaRPr lang="en-US"/>
           </a:p>
@@ -9628,7 +9605,7 @@
           <a:p>
             <a:fld id="{D996A015-6464-43CD-86FB-8401A10589FF}" type="datetimeFigureOut">
               <a:rPr lang="en-US" smtClean="0"/>
-              <a:t>12/3/2020</a:t>
+              <a:t>12/4/2020</a:t>
             </a:fld>
             <a:endParaRPr lang="en-US"/>
           </a:p>
@@ -9869,7 +9846,7 @@
           <a:p>
             <a:fld id="{D996A015-6464-43CD-86FB-8401A10589FF}" type="datetimeFigureOut">
               <a:rPr lang="en-US" smtClean="0"/>
-              <a:t>12/3/2020</a:t>
+              <a:t>12/4/2020</a:t>
             </a:fld>
             <a:endParaRPr lang="en-US"/>
           </a:p>
@@ -14673,14 +14650,14 @@
           <p:nvPr>
             <p:extLst>
               <p:ext uri="{D42A27DB-BD31-4B8C-83A1-F6EECF244321}">
-                <p14:modId xmlns:p14="http://schemas.microsoft.com/office/powerpoint/2010/main" val="2259039956"/>
+                <p14:modId xmlns:p14="http://schemas.microsoft.com/office/powerpoint/2010/main" val="868417084"/>
               </p:ext>
             </p:extLst>
           </p:nvPr>
         </p:nvGraphicFramePr>
         <p:xfrm>
-          <a:off x="800724" y="3762561"/>
-          <a:ext cx="8185880" cy="3152066"/>
+          <a:off x="806869" y="4082109"/>
+          <a:ext cx="5525026" cy="2082808"/>
         </p:xfrm>
         <a:graphic>
           <a:graphicData uri="http://schemas.openxmlformats.org/drawingml/2006/diagram">

--- a/training-pull-requests.pptx
+++ b/training-pull-requests.pptx
@@ -11,6 +11,7 @@
     <p:sldId id="260" r:id="rId5"/>
     <p:sldId id="265" r:id="rId6"/>
     <p:sldId id="264" r:id="rId7"/>
+    <p:sldId id="266" r:id="rId8"/>
   </p:sldIdLst>
   <p:sldSz cx="12192000" cy="6858000"/>
   <p:notesSz cx="6858000" cy="9144000"/>
@@ -121,6 +122,7 @@
 <p1510:revInfo xmlns:a="http://schemas.openxmlformats.org/drawingml/2006/main" xmlns:r="http://schemas.openxmlformats.org/officeDocument/2006/relationships" xmlns:p1510="http://schemas.microsoft.com/office/powerpoint/2015/10/main">
   <p1510:revLst>
     <p1510:client id="{15229782-4B9A-7E68-4596-FC5BA2ABDB7A}" v="222" dt="2020-12-01T12:44:57.907"/>
+    <p1510:client id="{72B65285-DD76-0B0F-4B59-963E989E1D00}" v="159" dt="2020-12-14T16:23:40.892"/>
     <p1510:client id="{7F452304-6D05-BDCF-FEAD-EC30F1164B22}" v="6" dt="2020-12-03T08:11:31.011"/>
     <p1510:client id="{92BE18D3-ED9A-2B3B-077B-C50AA3B29876}" v="16" dt="2020-12-03T15:50:07.863"/>
     <p1510:client id="{9F8A7BF2-CD49-D08B-40EA-2726774B76C6}" v="904" dt="2020-12-02T17:04:37.596"/>
@@ -885,6 +887,1508 @@
 </file>
 
 <file path=ppt/diagrams/colors2.xml><?xml version="1.0" encoding="utf-8"?>
+<dgm:colorsDef xmlns:dgm="http://schemas.openxmlformats.org/drawingml/2006/diagram" xmlns:a="http://schemas.openxmlformats.org/drawingml/2006/main" uniqueId="urn:microsoft.com/office/officeart/2005/8/colors/accent0_3">
+  <dgm:title val=""/>
+  <dgm:desc val=""/>
+  <dgm:catLst>
+    <dgm:cat type="mainScheme" pri="10300"/>
+  </dgm:catLst>
+  <dgm:styleLbl name="node0">
+    <dgm:fillClrLst meth="repeat">
+      <a:schemeClr val="dk2"/>
+    </dgm:fillClrLst>
+    <dgm:linClrLst meth="repeat">
+      <a:schemeClr val="lt2"/>
+    </dgm:linClrLst>
+    <dgm:effectClrLst/>
+    <dgm:txLinClrLst/>
+    <dgm:txFillClrLst/>
+    <dgm:txEffectClrLst/>
+  </dgm:styleLbl>
+  <dgm:styleLbl name="alignNode1">
+    <dgm:fillClrLst meth="repeat">
+      <a:schemeClr val="dk2"/>
+    </dgm:fillClrLst>
+    <dgm:linClrLst meth="repeat">
+      <a:schemeClr val="dk2"/>
+    </dgm:linClrLst>
+    <dgm:effectClrLst/>
+    <dgm:txLinClrLst/>
+    <dgm:txFillClrLst/>
+    <dgm:txEffectClrLst/>
+  </dgm:styleLbl>
+  <dgm:styleLbl name="node1">
+    <dgm:fillClrLst meth="repeat">
+      <a:schemeClr val="dk2"/>
+    </dgm:fillClrLst>
+    <dgm:linClrLst meth="repeat">
+      <a:schemeClr val="lt2"/>
+    </dgm:linClrLst>
+    <dgm:effectClrLst/>
+    <dgm:txLinClrLst/>
+    <dgm:txFillClrLst/>
+    <dgm:txEffectClrLst/>
+  </dgm:styleLbl>
+  <dgm:styleLbl name="lnNode1">
+    <dgm:fillClrLst meth="repeat">
+      <a:schemeClr val="dk2"/>
+    </dgm:fillClrLst>
+    <dgm:linClrLst meth="repeat">
+      <a:schemeClr val="lt2"/>
+    </dgm:linClrLst>
+    <dgm:effectClrLst/>
+    <dgm:txLinClrLst/>
+    <dgm:txFillClrLst/>
+    <dgm:txEffectClrLst/>
+  </dgm:styleLbl>
+  <dgm:styleLbl name="vennNode1">
+    <dgm:fillClrLst meth="repeat">
+      <a:schemeClr val="dk2">
+        <a:alpha val="50000"/>
+      </a:schemeClr>
+    </dgm:fillClrLst>
+    <dgm:linClrLst meth="repeat">
+      <a:schemeClr val="lt2"/>
+    </dgm:linClrLst>
+    <dgm:effectClrLst/>
+    <dgm:txLinClrLst/>
+    <dgm:txFillClrLst/>
+    <dgm:txEffectClrLst/>
+  </dgm:styleLbl>
+  <dgm:styleLbl name="node2">
+    <dgm:fillClrLst meth="repeat">
+      <a:schemeClr val="dk2"/>
+    </dgm:fillClrLst>
+    <dgm:linClrLst meth="repeat">
+      <a:schemeClr val="lt2"/>
+    </dgm:linClrLst>
+    <dgm:effectClrLst/>
+    <dgm:txLinClrLst/>
+    <dgm:txFillClrLst/>
+    <dgm:txEffectClrLst/>
+  </dgm:styleLbl>
+  <dgm:styleLbl name="node3">
+    <dgm:fillClrLst meth="repeat">
+      <a:schemeClr val="dk2"/>
+    </dgm:fillClrLst>
+    <dgm:linClrLst meth="repeat">
+      <a:schemeClr val="lt2"/>
+    </dgm:linClrLst>
+    <dgm:effectClrLst/>
+    <dgm:txLinClrLst/>
+    <dgm:txFillClrLst/>
+    <dgm:txEffectClrLst/>
+  </dgm:styleLbl>
+  <dgm:styleLbl name="node4">
+    <dgm:fillClrLst meth="repeat">
+      <a:schemeClr val="dk2"/>
+    </dgm:fillClrLst>
+    <dgm:linClrLst meth="repeat">
+      <a:schemeClr val="lt2"/>
+    </dgm:linClrLst>
+    <dgm:effectClrLst/>
+    <dgm:txLinClrLst/>
+    <dgm:txFillClrLst/>
+    <dgm:txEffectClrLst/>
+  </dgm:styleLbl>
+  <dgm:styleLbl name="fgImgPlace1">
+    <dgm:fillClrLst meth="repeat">
+      <a:schemeClr val="dk2">
+        <a:tint val="50000"/>
+      </a:schemeClr>
+    </dgm:fillClrLst>
+    <dgm:linClrLst meth="repeat">
+      <a:schemeClr val="lt2"/>
+    </dgm:linClrLst>
+    <dgm:effectClrLst/>
+    <dgm:txLinClrLst/>
+    <dgm:txFillClrLst meth="repeat">
+      <a:schemeClr val="lt2"/>
+    </dgm:txFillClrLst>
+    <dgm:txEffectClrLst/>
+  </dgm:styleLbl>
+  <dgm:styleLbl name="alignImgPlace1">
+    <dgm:fillClrLst meth="repeat">
+      <a:schemeClr val="dk2">
+        <a:tint val="50000"/>
+      </a:schemeClr>
+    </dgm:fillClrLst>
+    <dgm:linClrLst meth="repeat">
+      <a:schemeClr val="dk2">
+        <a:shade val="80000"/>
+      </a:schemeClr>
+    </dgm:linClrLst>
+    <dgm:effectClrLst/>
+    <dgm:txLinClrLst/>
+    <dgm:txFillClrLst meth="repeat">
+      <a:schemeClr val="lt2"/>
+    </dgm:txFillClrLst>
+    <dgm:txEffectClrLst/>
+  </dgm:styleLbl>
+  <dgm:styleLbl name="bgImgPlace1">
+    <dgm:fillClrLst meth="repeat">
+      <a:schemeClr val="dk2">
+        <a:tint val="50000"/>
+      </a:schemeClr>
+    </dgm:fillClrLst>
+    <dgm:linClrLst meth="repeat">
+      <a:schemeClr val="dk2">
+        <a:shade val="80000"/>
+      </a:schemeClr>
+    </dgm:linClrLst>
+    <dgm:effectClrLst/>
+    <dgm:txLinClrLst/>
+    <dgm:txFillClrLst meth="repeat">
+      <a:schemeClr val="lt2"/>
+    </dgm:txFillClrLst>
+    <dgm:txEffectClrLst/>
+  </dgm:styleLbl>
+  <dgm:styleLbl name="sibTrans2D1">
+    <dgm:fillClrLst meth="repeat">
+      <a:schemeClr val="dk2">
+        <a:tint val="60000"/>
+      </a:schemeClr>
+    </dgm:fillClrLst>
+    <dgm:linClrLst meth="repeat">
+      <a:schemeClr val="dk2">
+        <a:tint val="60000"/>
+      </a:schemeClr>
+    </dgm:linClrLst>
+    <dgm:effectClrLst/>
+    <dgm:txLinClrLst/>
+    <dgm:txFillClrLst/>
+    <dgm:txEffectClrLst/>
+  </dgm:styleLbl>
+  <dgm:styleLbl name="fgSibTrans2D1">
+    <dgm:fillClrLst meth="repeat">
+      <a:schemeClr val="dk2">
+        <a:tint val="60000"/>
+      </a:schemeClr>
+    </dgm:fillClrLst>
+    <dgm:linClrLst meth="repeat">
+      <a:schemeClr val="dk2">
+        <a:tint val="60000"/>
+      </a:schemeClr>
+    </dgm:linClrLst>
+    <dgm:effectClrLst/>
+    <dgm:txLinClrLst/>
+    <dgm:txFillClrLst/>
+    <dgm:txEffectClrLst/>
+  </dgm:styleLbl>
+  <dgm:styleLbl name="bgSibTrans2D1">
+    <dgm:fillClrLst meth="repeat">
+      <a:schemeClr val="dk2">
+        <a:tint val="60000"/>
+      </a:schemeClr>
+    </dgm:fillClrLst>
+    <dgm:linClrLst meth="repeat">
+      <a:schemeClr val="dk2">
+        <a:tint val="60000"/>
+      </a:schemeClr>
+    </dgm:linClrLst>
+    <dgm:effectClrLst/>
+    <dgm:txLinClrLst/>
+    <dgm:txFillClrLst/>
+    <dgm:txEffectClrLst/>
+  </dgm:styleLbl>
+  <dgm:styleLbl name="sibTrans1D1">
+    <dgm:fillClrLst meth="repeat">
+      <a:schemeClr val="dk2"/>
+    </dgm:fillClrLst>
+    <dgm:linClrLst meth="repeat">
+      <a:schemeClr val="dk2"/>
+    </dgm:linClrLst>
+    <dgm:effectClrLst/>
+    <dgm:txLinClrLst/>
+    <dgm:txFillClrLst meth="repeat">
+      <a:schemeClr val="lt2"/>
+    </dgm:txFillClrLst>
+    <dgm:txEffectClrLst/>
+  </dgm:styleLbl>
+  <dgm:styleLbl name="callout">
+    <dgm:fillClrLst meth="repeat">
+      <a:schemeClr val="dk2"/>
+    </dgm:fillClrLst>
+    <dgm:linClrLst meth="repeat">
+      <a:schemeClr val="dk2">
+        <a:tint val="50000"/>
+      </a:schemeClr>
+    </dgm:linClrLst>
+    <dgm:effectClrLst/>
+    <dgm:txLinClrLst/>
+    <dgm:txFillClrLst meth="repeat">
+      <a:schemeClr val="lt2"/>
+    </dgm:txFillClrLst>
+    <dgm:txEffectClrLst/>
+  </dgm:styleLbl>
+  <dgm:styleLbl name="asst0">
+    <dgm:fillClrLst meth="repeat">
+      <a:schemeClr val="dk2"/>
+    </dgm:fillClrLst>
+    <dgm:linClrLst meth="repeat">
+      <a:schemeClr val="lt2"/>
+    </dgm:linClrLst>
+    <dgm:effectClrLst/>
+    <dgm:txLinClrLst/>
+    <dgm:txFillClrLst/>
+    <dgm:txEffectClrLst/>
+  </dgm:styleLbl>
+  <dgm:styleLbl name="asst1">
+    <dgm:fillClrLst meth="repeat">
+      <a:schemeClr val="dk2"/>
+    </dgm:fillClrLst>
+    <dgm:linClrLst meth="repeat">
+      <a:schemeClr val="lt2"/>
+    </dgm:linClrLst>
+    <dgm:effectClrLst/>
+    <dgm:txLinClrLst/>
+    <dgm:txFillClrLst/>
+    <dgm:txEffectClrLst/>
+  </dgm:styleLbl>
+  <dgm:styleLbl name="asst2">
+    <dgm:fillClrLst meth="repeat">
+      <a:schemeClr val="dk2"/>
+    </dgm:fillClrLst>
+    <dgm:linClrLst meth="repeat">
+      <a:schemeClr val="lt2"/>
+    </dgm:linClrLst>
+    <dgm:effectClrLst/>
+    <dgm:txLinClrLst/>
+    <dgm:txFillClrLst/>
+    <dgm:txEffectClrLst/>
+  </dgm:styleLbl>
+  <dgm:styleLbl name="asst3">
+    <dgm:fillClrLst meth="repeat">
+      <a:schemeClr val="dk2"/>
+    </dgm:fillClrLst>
+    <dgm:linClrLst meth="repeat">
+      <a:schemeClr val="lt2"/>
+    </dgm:linClrLst>
+    <dgm:effectClrLst/>
+    <dgm:txLinClrLst/>
+    <dgm:txFillClrLst/>
+    <dgm:txEffectClrLst/>
+  </dgm:styleLbl>
+  <dgm:styleLbl name="asst4">
+    <dgm:fillClrLst meth="repeat">
+      <a:schemeClr val="dk2"/>
+    </dgm:fillClrLst>
+    <dgm:linClrLst meth="repeat">
+      <a:schemeClr val="lt2"/>
+    </dgm:linClrLst>
+    <dgm:effectClrLst/>
+    <dgm:txLinClrLst/>
+    <dgm:txFillClrLst/>
+    <dgm:txEffectClrLst/>
+  </dgm:styleLbl>
+  <dgm:styleLbl name="parChTrans2D1">
+    <dgm:fillClrLst meth="repeat">
+      <a:schemeClr val="dk2">
+        <a:tint val="60000"/>
+      </a:schemeClr>
+    </dgm:fillClrLst>
+    <dgm:linClrLst meth="repeat">
+      <a:schemeClr val="dk2">
+        <a:tint val="60000"/>
+      </a:schemeClr>
+    </dgm:linClrLst>
+    <dgm:effectClrLst/>
+    <dgm:txLinClrLst/>
+    <dgm:txFillClrLst meth="repeat">
+      <a:schemeClr val="lt2"/>
+    </dgm:txFillClrLst>
+    <dgm:txEffectClrLst/>
+  </dgm:styleLbl>
+  <dgm:styleLbl name="parChTrans2D2">
+    <dgm:fillClrLst meth="repeat">
+      <a:schemeClr val="dk2"/>
+    </dgm:fillClrLst>
+    <dgm:linClrLst meth="repeat">
+      <a:schemeClr val="dk2"/>
+    </dgm:linClrLst>
+    <dgm:effectClrLst/>
+    <dgm:txLinClrLst/>
+    <dgm:txFillClrLst meth="repeat">
+      <a:schemeClr val="lt2"/>
+    </dgm:txFillClrLst>
+    <dgm:txEffectClrLst/>
+  </dgm:styleLbl>
+  <dgm:styleLbl name="parChTrans2D3">
+    <dgm:fillClrLst meth="repeat">
+      <a:schemeClr val="dk2"/>
+    </dgm:fillClrLst>
+    <dgm:linClrLst meth="repeat">
+      <a:schemeClr val="dk2"/>
+    </dgm:linClrLst>
+    <dgm:effectClrLst/>
+    <dgm:txLinClrLst/>
+    <dgm:txFillClrLst meth="repeat">
+      <a:schemeClr val="lt2"/>
+    </dgm:txFillClrLst>
+    <dgm:txEffectClrLst/>
+  </dgm:styleLbl>
+  <dgm:styleLbl name="parChTrans2D4">
+    <dgm:fillClrLst meth="repeat">
+      <a:schemeClr val="dk2"/>
+    </dgm:fillClrLst>
+    <dgm:linClrLst meth="repeat">
+      <a:schemeClr val="dk2"/>
+    </dgm:linClrLst>
+    <dgm:effectClrLst/>
+    <dgm:txLinClrLst/>
+    <dgm:txFillClrLst meth="repeat">
+      <a:schemeClr val="lt2"/>
+    </dgm:txFillClrLst>
+    <dgm:txEffectClrLst/>
+  </dgm:styleLbl>
+  <dgm:styleLbl name="parChTrans1D1">
+    <dgm:fillClrLst meth="repeat">
+      <a:schemeClr val="dk2"/>
+    </dgm:fillClrLst>
+    <dgm:linClrLst meth="repeat">
+      <a:schemeClr val="dk2">
+        <a:shade val="60000"/>
+      </a:schemeClr>
+    </dgm:linClrLst>
+    <dgm:effectClrLst/>
+    <dgm:txLinClrLst/>
+    <dgm:txFillClrLst meth="repeat">
+      <a:schemeClr val="tx1"/>
+    </dgm:txFillClrLst>
+    <dgm:txEffectClrLst/>
+  </dgm:styleLbl>
+  <dgm:styleLbl name="parChTrans1D2">
+    <dgm:fillClrLst meth="repeat">
+      <a:schemeClr val="dk2"/>
+    </dgm:fillClrLst>
+    <dgm:linClrLst meth="repeat">
+      <a:schemeClr val="dk2">
+        <a:shade val="60000"/>
+      </a:schemeClr>
+    </dgm:linClrLst>
+    <dgm:effectClrLst/>
+    <dgm:txLinClrLst/>
+    <dgm:txFillClrLst meth="repeat">
+      <a:schemeClr val="tx1"/>
+    </dgm:txFillClrLst>
+    <dgm:txEffectClrLst/>
+  </dgm:styleLbl>
+  <dgm:styleLbl name="parChTrans1D3">
+    <dgm:fillClrLst meth="repeat">
+      <a:schemeClr val="dk2"/>
+    </dgm:fillClrLst>
+    <dgm:linClrLst meth="repeat">
+      <a:schemeClr val="dk2">
+        <a:shade val="80000"/>
+      </a:schemeClr>
+    </dgm:linClrLst>
+    <dgm:effectClrLst/>
+    <dgm:txLinClrLst/>
+    <dgm:txFillClrLst meth="repeat">
+      <a:schemeClr val="tx1"/>
+    </dgm:txFillClrLst>
+    <dgm:txEffectClrLst/>
+  </dgm:styleLbl>
+  <dgm:styleLbl name="parChTrans1D4">
+    <dgm:fillClrLst meth="repeat">
+      <a:schemeClr val="dk2"/>
+    </dgm:fillClrLst>
+    <dgm:linClrLst meth="repeat">
+      <a:schemeClr val="dk2">
+        <a:shade val="80000"/>
+      </a:schemeClr>
+    </dgm:linClrLst>
+    <dgm:effectClrLst/>
+    <dgm:txLinClrLst/>
+    <dgm:txFillClrLst meth="repeat">
+      <a:schemeClr val="tx1"/>
+    </dgm:txFillClrLst>
+    <dgm:txEffectClrLst/>
+  </dgm:styleLbl>
+  <dgm:styleLbl name="fgAcc1">
+    <dgm:fillClrLst meth="repeat">
+      <a:schemeClr val="lt2">
+        <a:alpha val="90000"/>
+      </a:schemeClr>
+    </dgm:fillClrLst>
+    <dgm:linClrLst meth="repeat">
+      <a:schemeClr val="dk2"/>
+    </dgm:linClrLst>
+    <dgm:effectClrLst/>
+    <dgm:txLinClrLst/>
+    <dgm:txFillClrLst meth="repeat">
+      <a:schemeClr val="dk1"/>
+    </dgm:txFillClrLst>
+    <dgm:txEffectClrLst/>
+  </dgm:styleLbl>
+  <dgm:styleLbl name="conFgAcc1">
+    <dgm:fillClrLst meth="repeat">
+      <a:schemeClr val="lt2">
+        <a:alpha val="90000"/>
+      </a:schemeClr>
+    </dgm:fillClrLst>
+    <dgm:linClrLst meth="repeat">
+      <a:schemeClr val="dk2"/>
+    </dgm:linClrLst>
+    <dgm:effectClrLst/>
+    <dgm:txLinClrLst/>
+    <dgm:txFillClrLst meth="repeat">
+      <a:schemeClr val="dk1"/>
+    </dgm:txFillClrLst>
+    <dgm:txEffectClrLst/>
+  </dgm:styleLbl>
+  <dgm:styleLbl name="alignAcc1">
+    <dgm:fillClrLst meth="repeat">
+      <a:schemeClr val="lt2">
+        <a:alpha val="90000"/>
+      </a:schemeClr>
+    </dgm:fillClrLst>
+    <dgm:linClrLst meth="repeat">
+      <a:schemeClr val="dk2"/>
+    </dgm:linClrLst>
+    <dgm:effectClrLst/>
+    <dgm:txLinClrLst/>
+    <dgm:txFillClrLst meth="repeat">
+      <a:schemeClr val="dk1"/>
+    </dgm:txFillClrLst>
+    <dgm:txEffectClrLst/>
+  </dgm:styleLbl>
+  <dgm:styleLbl name="trAlignAcc1">
+    <dgm:fillClrLst meth="repeat">
+      <a:schemeClr val="lt2">
+        <a:alpha val="40000"/>
+      </a:schemeClr>
+    </dgm:fillClrLst>
+    <dgm:linClrLst meth="repeat">
+      <a:schemeClr val="dk2"/>
+    </dgm:linClrLst>
+    <dgm:effectClrLst/>
+    <dgm:txLinClrLst/>
+    <dgm:txFillClrLst meth="repeat">
+      <a:schemeClr val="dk1"/>
+    </dgm:txFillClrLst>
+    <dgm:txEffectClrLst/>
+  </dgm:styleLbl>
+  <dgm:styleLbl name="bgAcc1">
+    <dgm:fillClrLst meth="repeat">
+      <a:schemeClr val="lt2">
+        <a:alpha val="90000"/>
+      </a:schemeClr>
+    </dgm:fillClrLst>
+    <dgm:linClrLst meth="repeat">
+      <a:schemeClr val="dk2"/>
+    </dgm:linClrLst>
+    <dgm:effectClrLst/>
+    <dgm:txLinClrLst/>
+    <dgm:txFillClrLst meth="repeat">
+      <a:schemeClr val="dk1"/>
+    </dgm:txFillClrLst>
+    <dgm:txEffectClrLst/>
+  </dgm:styleLbl>
+  <dgm:styleLbl name="solidFgAcc1">
+    <dgm:fillClrLst meth="repeat">
+      <a:schemeClr val="lt2"/>
+    </dgm:fillClrLst>
+    <dgm:linClrLst meth="repeat">
+      <a:schemeClr val="dk2"/>
+    </dgm:linClrLst>
+    <dgm:effectClrLst/>
+    <dgm:txLinClrLst/>
+    <dgm:txFillClrLst meth="repeat">
+      <a:schemeClr val="dk1"/>
+    </dgm:txFillClrLst>
+    <dgm:txEffectClrLst/>
+  </dgm:styleLbl>
+  <dgm:styleLbl name="solidAlignAcc1">
+    <dgm:fillClrLst meth="repeat">
+      <a:schemeClr val="lt2"/>
+    </dgm:fillClrLst>
+    <dgm:linClrLst meth="repeat">
+      <a:schemeClr val="dk2"/>
+    </dgm:linClrLst>
+    <dgm:effectClrLst/>
+    <dgm:txLinClrLst/>
+    <dgm:txFillClrLst meth="repeat">
+      <a:schemeClr val="dk1"/>
+    </dgm:txFillClrLst>
+    <dgm:txEffectClrLst/>
+  </dgm:styleLbl>
+  <dgm:styleLbl name="solidBgAcc1">
+    <dgm:fillClrLst meth="repeat">
+      <a:schemeClr val="lt2"/>
+    </dgm:fillClrLst>
+    <dgm:linClrLst meth="repeat">
+      <a:schemeClr val="dk2"/>
+    </dgm:linClrLst>
+    <dgm:effectClrLst/>
+    <dgm:txLinClrLst/>
+    <dgm:txFillClrLst meth="repeat">
+      <a:schemeClr val="dk1"/>
+    </dgm:txFillClrLst>
+    <dgm:txEffectClrLst/>
+  </dgm:styleLbl>
+  <dgm:styleLbl name="fgAccFollowNode1">
+    <dgm:fillClrLst meth="repeat">
+      <a:schemeClr val="dk2">
+        <a:alpha val="90000"/>
+        <a:tint val="40000"/>
+      </a:schemeClr>
+    </dgm:fillClrLst>
+    <dgm:linClrLst meth="repeat">
+      <a:schemeClr val="dk2">
+        <a:alpha val="90000"/>
+        <a:tint val="40000"/>
+      </a:schemeClr>
+    </dgm:linClrLst>
+    <dgm:effectClrLst/>
+    <dgm:txLinClrLst/>
+    <dgm:txFillClrLst meth="repeat">
+      <a:schemeClr val="dk1"/>
+    </dgm:txFillClrLst>
+    <dgm:txEffectClrLst/>
+  </dgm:styleLbl>
+  <dgm:styleLbl name="alignAccFollowNode1">
+    <dgm:fillClrLst meth="repeat">
+      <a:schemeClr val="dk2">
+        <a:alpha val="90000"/>
+        <a:tint val="40000"/>
+      </a:schemeClr>
+    </dgm:fillClrLst>
+    <dgm:linClrLst meth="repeat">
+      <a:schemeClr val="dk2">
+        <a:alpha val="90000"/>
+        <a:tint val="40000"/>
+      </a:schemeClr>
+    </dgm:linClrLst>
+    <dgm:effectClrLst/>
+    <dgm:txLinClrLst/>
+    <dgm:txFillClrLst meth="repeat">
+      <a:schemeClr val="dk1"/>
+    </dgm:txFillClrLst>
+    <dgm:txEffectClrLst/>
+  </dgm:styleLbl>
+  <dgm:styleLbl name="bgAccFollowNode1">
+    <dgm:fillClrLst meth="repeat">
+      <a:schemeClr val="dk2">
+        <a:alpha val="90000"/>
+        <a:tint val="40000"/>
+      </a:schemeClr>
+    </dgm:fillClrLst>
+    <dgm:linClrLst meth="repeat">
+      <a:schemeClr val="dk2">
+        <a:alpha val="90000"/>
+        <a:tint val="40000"/>
+      </a:schemeClr>
+    </dgm:linClrLst>
+    <dgm:effectClrLst/>
+    <dgm:txLinClrLst/>
+    <dgm:txFillClrLst meth="repeat">
+      <a:schemeClr val="dk1"/>
+    </dgm:txFillClrLst>
+    <dgm:txEffectClrLst/>
+  </dgm:styleLbl>
+  <dgm:styleLbl name="fgAcc0">
+    <dgm:fillClrLst meth="repeat">
+      <a:schemeClr val="lt2">
+        <a:alpha val="90000"/>
+      </a:schemeClr>
+    </dgm:fillClrLst>
+    <dgm:linClrLst meth="repeat">
+      <a:schemeClr val="dk2"/>
+    </dgm:linClrLst>
+    <dgm:effectClrLst/>
+    <dgm:txLinClrLst/>
+    <dgm:txFillClrLst meth="repeat">
+      <a:schemeClr val="dk1"/>
+    </dgm:txFillClrLst>
+    <dgm:txEffectClrLst/>
+  </dgm:styleLbl>
+  <dgm:styleLbl name="fgAcc2">
+    <dgm:fillClrLst meth="repeat">
+      <a:schemeClr val="lt2">
+        <a:alpha val="90000"/>
+      </a:schemeClr>
+    </dgm:fillClrLst>
+    <dgm:linClrLst meth="repeat">
+      <a:schemeClr val="dk2"/>
+    </dgm:linClrLst>
+    <dgm:effectClrLst/>
+    <dgm:txLinClrLst/>
+    <dgm:txFillClrLst meth="repeat">
+      <a:schemeClr val="dk1"/>
+    </dgm:txFillClrLst>
+    <dgm:txEffectClrLst/>
+  </dgm:styleLbl>
+  <dgm:styleLbl name="fgAcc3">
+    <dgm:fillClrLst meth="repeat">
+      <a:schemeClr val="lt2">
+        <a:alpha val="90000"/>
+      </a:schemeClr>
+    </dgm:fillClrLst>
+    <dgm:linClrLst meth="repeat">
+      <a:schemeClr val="dk2"/>
+    </dgm:linClrLst>
+    <dgm:effectClrLst/>
+    <dgm:txLinClrLst/>
+    <dgm:txFillClrLst meth="repeat">
+      <a:schemeClr val="dk1"/>
+    </dgm:txFillClrLst>
+    <dgm:txEffectClrLst/>
+  </dgm:styleLbl>
+  <dgm:styleLbl name="fgAcc4">
+    <dgm:fillClrLst meth="repeat">
+      <a:schemeClr val="lt2">
+        <a:alpha val="90000"/>
+      </a:schemeClr>
+    </dgm:fillClrLst>
+    <dgm:linClrLst meth="repeat">
+      <a:schemeClr val="dk2"/>
+    </dgm:linClrLst>
+    <dgm:effectClrLst/>
+    <dgm:txLinClrLst/>
+    <dgm:txFillClrLst meth="repeat">
+      <a:schemeClr val="dk1"/>
+    </dgm:txFillClrLst>
+    <dgm:txEffectClrLst/>
+  </dgm:styleLbl>
+  <dgm:styleLbl name="bgShp">
+    <dgm:fillClrLst meth="repeat">
+      <a:schemeClr val="dk2">
+        <a:tint val="40000"/>
+      </a:schemeClr>
+    </dgm:fillClrLst>
+    <dgm:linClrLst meth="repeat">
+      <a:schemeClr val="dk2"/>
+    </dgm:linClrLst>
+    <dgm:effectClrLst/>
+    <dgm:txLinClrLst/>
+    <dgm:txFillClrLst meth="repeat">
+      <a:schemeClr val="dk1"/>
+    </dgm:txFillClrLst>
+    <dgm:txEffectClrLst/>
+  </dgm:styleLbl>
+  <dgm:styleLbl name="dkBgShp">
+    <dgm:fillClrLst meth="repeat">
+      <a:schemeClr val="dk2">
+        <a:shade val="80000"/>
+      </a:schemeClr>
+    </dgm:fillClrLst>
+    <dgm:linClrLst meth="repeat">
+      <a:schemeClr val="dk2"/>
+    </dgm:linClrLst>
+    <dgm:effectClrLst/>
+    <dgm:txLinClrLst/>
+    <dgm:txFillClrLst meth="repeat">
+      <a:schemeClr val="lt1"/>
+    </dgm:txFillClrLst>
+    <dgm:txEffectClrLst/>
+  </dgm:styleLbl>
+  <dgm:styleLbl name="trBgShp">
+    <dgm:fillClrLst meth="repeat">
+      <a:schemeClr val="dk2">
+        <a:tint val="50000"/>
+        <a:alpha val="40000"/>
+      </a:schemeClr>
+    </dgm:fillClrLst>
+    <dgm:linClrLst meth="repeat">
+      <a:schemeClr val="dk2"/>
+    </dgm:linClrLst>
+    <dgm:effectClrLst/>
+    <dgm:txLinClrLst/>
+    <dgm:txFillClrLst meth="repeat">
+      <a:schemeClr val="lt1"/>
+    </dgm:txFillClrLst>
+    <dgm:txEffectClrLst/>
+  </dgm:styleLbl>
+  <dgm:styleLbl name="fgShp">
+    <dgm:fillClrLst meth="repeat">
+      <a:schemeClr val="dk2">
+        <a:tint val="60000"/>
+      </a:schemeClr>
+    </dgm:fillClrLst>
+    <dgm:linClrLst meth="repeat">
+      <a:schemeClr val="lt2"/>
+    </dgm:linClrLst>
+    <dgm:effectClrLst/>
+    <dgm:txLinClrLst/>
+    <dgm:txFillClrLst meth="repeat">
+      <a:schemeClr val="dk1"/>
+    </dgm:txFillClrLst>
+    <dgm:txEffectClrLst/>
+  </dgm:styleLbl>
+  <dgm:styleLbl name="revTx">
+    <dgm:fillClrLst meth="repeat">
+      <a:schemeClr val="lt2">
+        <a:alpha val="0"/>
+      </a:schemeClr>
+    </dgm:fillClrLst>
+    <dgm:linClrLst meth="repeat">
+      <a:schemeClr val="dk1">
+        <a:alpha val="0"/>
+      </a:schemeClr>
+    </dgm:linClrLst>
+    <dgm:effectClrLst/>
+    <dgm:txLinClrLst/>
+    <dgm:txFillClrLst meth="repeat">
+      <a:schemeClr val="tx1"/>
+    </dgm:txFillClrLst>
+    <dgm:txEffectClrLst/>
+  </dgm:styleLbl>
+</dgm:colorsDef>
+</file>
+
+<file path=ppt/diagrams/colors3.xml><?xml version="1.0" encoding="utf-8"?>
+<dgm:colorsDef xmlns:dgm="http://schemas.openxmlformats.org/drawingml/2006/diagram" xmlns:a="http://schemas.openxmlformats.org/drawingml/2006/main" uniqueId="urn:microsoft.com/office/officeart/2005/8/colors/accent0_3">
+  <dgm:title val=""/>
+  <dgm:desc val=""/>
+  <dgm:catLst>
+    <dgm:cat type="mainScheme" pri="10300"/>
+  </dgm:catLst>
+  <dgm:styleLbl name="node0">
+    <dgm:fillClrLst meth="repeat">
+      <a:schemeClr val="dk2"/>
+    </dgm:fillClrLst>
+    <dgm:linClrLst meth="repeat">
+      <a:schemeClr val="lt2"/>
+    </dgm:linClrLst>
+    <dgm:effectClrLst/>
+    <dgm:txLinClrLst/>
+    <dgm:txFillClrLst/>
+    <dgm:txEffectClrLst/>
+  </dgm:styleLbl>
+  <dgm:styleLbl name="alignNode1">
+    <dgm:fillClrLst meth="repeat">
+      <a:schemeClr val="dk2"/>
+    </dgm:fillClrLst>
+    <dgm:linClrLst meth="repeat">
+      <a:schemeClr val="dk2"/>
+    </dgm:linClrLst>
+    <dgm:effectClrLst/>
+    <dgm:txLinClrLst/>
+    <dgm:txFillClrLst/>
+    <dgm:txEffectClrLst/>
+  </dgm:styleLbl>
+  <dgm:styleLbl name="node1">
+    <dgm:fillClrLst meth="repeat">
+      <a:schemeClr val="dk2"/>
+    </dgm:fillClrLst>
+    <dgm:linClrLst meth="repeat">
+      <a:schemeClr val="lt2"/>
+    </dgm:linClrLst>
+    <dgm:effectClrLst/>
+    <dgm:txLinClrLst/>
+    <dgm:txFillClrLst/>
+    <dgm:txEffectClrLst/>
+  </dgm:styleLbl>
+  <dgm:styleLbl name="lnNode1">
+    <dgm:fillClrLst meth="repeat">
+      <a:schemeClr val="dk2"/>
+    </dgm:fillClrLst>
+    <dgm:linClrLst meth="repeat">
+      <a:schemeClr val="lt2"/>
+    </dgm:linClrLst>
+    <dgm:effectClrLst/>
+    <dgm:txLinClrLst/>
+    <dgm:txFillClrLst/>
+    <dgm:txEffectClrLst/>
+  </dgm:styleLbl>
+  <dgm:styleLbl name="vennNode1">
+    <dgm:fillClrLst meth="repeat">
+      <a:schemeClr val="dk2">
+        <a:alpha val="50000"/>
+      </a:schemeClr>
+    </dgm:fillClrLst>
+    <dgm:linClrLst meth="repeat">
+      <a:schemeClr val="lt2"/>
+    </dgm:linClrLst>
+    <dgm:effectClrLst/>
+    <dgm:txLinClrLst/>
+    <dgm:txFillClrLst/>
+    <dgm:txEffectClrLst/>
+  </dgm:styleLbl>
+  <dgm:styleLbl name="node2">
+    <dgm:fillClrLst meth="repeat">
+      <a:schemeClr val="dk2"/>
+    </dgm:fillClrLst>
+    <dgm:linClrLst meth="repeat">
+      <a:schemeClr val="lt2"/>
+    </dgm:linClrLst>
+    <dgm:effectClrLst/>
+    <dgm:txLinClrLst/>
+    <dgm:txFillClrLst/>
+    <dgm:txEffectClrLst/>
+  </dgm:styleLbl>
+  <dgm:styleLbl name="node3">
+    <dgm:fillClrLst meth="repeat">
+      <a:schemeClr val="dk2"/>
+    </dgm:fillClrLst>
+    <dgm:linClrLst meth="repeat">
+      <a:schemeClr val="lt2"/>
+    </dgm:linClrLst>
+    <dgm:effectClrLst/>
+    <dgm:txLinClrLst/>
+    <dgm:txFillClrLst/>
+    <dgm:txEffectClrLst/>
+  </dgm:styleLbl>
+  <dgm:styleLbl name="node4">
+    <dgm:fillClrLst meth="repeat">
+      <a:schemeClr val="dk2"/>
+    </dgm:fillClrLst>
+    <dgm:linClrLst meth="repeat">
+      <a:schemeClr val="lt2"/>
+    </dgm:linClrLst>
+    <dgm:effectClrLst/>
+    <dgm:txLinClrLst/>
+    <dgm:txFillClrLst/>
+    <dgm:txEffectClrLst/>
+  </dgm:styleLbl>
+  <dgm:styleLbl name="fgImgPlace1">
+    <dgm:fillClrLst meth="repeat">
+      <a:schemeClr val="dk2">
+        <a:tint val="50000"/>
+      </a:schemeClr>
+    </dgm:fillClrLst>
+    <dgm:linClrLst meth="repeat">
+      <a:schemeClr val="lt2"/>
+    </dgm:linClrLst>
+    <dgm:effectClrLst/>
+    <dgm:txLinClrLst/>
+    <dgm:txFillClrLst meth="repeat">
+      <a:schemeClr val="lt2"/>
+    </dgm:txFillClrLst>
+    <dgm:txEffectClrLst/>
+  </dgm:styleLbl>
+  <dgm:styleLbl name="alignImgPlace1">
+    <dgm:fillClrLst meth="repeat">
+      <a:schemeClr val="dk2">
+        <a:tint val="50000"/>
+      </a:schemeClr>
+    </dgm:fillClrLst>
+    <dgm:linClrLst meth="repeat">
+      <a:schemeClr val="dk2">
+        <a:shade val="80000"/>
+      </a:schemeClr>
+    </dgm:linClrLst>
+    <dgm:effectClrLst/>
+    <dgm:txLinClrLst/>
+    <dgm:txFillClrLst meth="repeat">
+      <a:schemeClr val="lt2"/>
+    </dgm:txFillClrLst>
+    <dgm:txEffectClrLst/>
+  </dgm:styleLbl>
+  <dgm:styleLbl name="bgImgPlace1">
+    <dgm:fillClrLst meth="repeat">
+      <a:schemeClr val="dk2">
+        <a:tint val="50000"/>
+      </a:schemeClr>
+    </dgm:fillClrLst>
+    <dgm:linClrLst meth="repeat">
+      <a:schemeClr val="dk2">
+        <a:shade val="80000"/>
+      </a:schemeClr>
+    </dgm:linClrLst>
+    <dgm:effectClrLst/>
+    <dgm:txLinClrLst/>
+    <dgm:txFillClrLst meth="repeat">
+      <a:schemeClr val="lt2"/>
+    </dgm:txFillClrLst>
+    <dgm:txEffectClrLst/>
+  </dgm:styleLbl>
+  <dgm:styleLbl name="sibTrans2D1">
+    <dgm:fillClrLst meth="repeat">
+      <a:schemeClr val="dk2">
+        <a:tint val="60000"/>
+      </a:schemeClr>
+    </dgm:fillClrLst>
+    <dgm:linClrLst meth="repeat">
+      <a:schemeClr val="dk2">
+        <a:tint val="60000"/>
+      </a:schemeClr>
+    </dgm:linClrLst>
+    <dgm:effectClrLst/>
+    <dgm:txLinClrLst/>
+    <dgm:txFillClrLst/>
+    <dgm:txEffectClrLst/>
+  </dgm:styleLbl>
+  <dgm:styleLbl name="fgSibTrans2D1">
+    <dgm:fillClrLst meth="repeat">
+      <a:schemeClr val="dk2">
+        <a:tint val="60000"/>
+      </a:schemeClr>
+    </dgm:fillClrLst>
+    <dgm:linClrLst meth="repeat">
+      <a:schemeClr val="dk2">
+        <a:tint val="60000"/>
+      </a:schemeClr>
+    </dgm:linClrLst>
+    <dgm:effectClrLst/>
+    <dgm:txLinClrLst/>
+    <dgm:txFillClrLst/>
+    <dgm:txEffectClrLst/>
+  </dgm:styleLbl>
+  <dgm:styleLbl name="bgSibTrans2D1">
+    <dgm:fillClrLst meth="repeat">
+      <a:schemeClr val="dk2">
+        <a:tint val="60000"/>
+      </a:schemeClr>
+    </dgm:fillClrLst>
+    <dgm:linClrLst meth="repeat">
+      <a:schemeClr val="dk2">
+        <a:tint val="60000"/>
+      </a:schemeClr>
+    </dgm:linClrLst>
+    <dgm:effectClrLst/>
+    <dgm:txLinClrLst/>
+    <dgm:txFillClrLst/>
+    <dgm:txEffectClrLst/>
+  </dgm:styleLbl>
+  <dgm:styleLbl name="sibTrans1D1">
+    <dgm:fillClrLst meth="repeat">
+      <a:schemeClr val="dk2"/>
+    </dgm:fillClrLst>
+    <dgm:linClrLst meth="repeat">
+      <a:schemeClr val="dk2"/>
+    </dgm:linClrLst>
+    <dgm:effectClrLst/>
+    <dgm:txLinClrLst/>
+    <dgm:txFillClrLst meth="repeat">
+      <a:schemeClr val="lt2"/>
+    </dgm:txFillClrLst>
+    <dgm:txEffectClrLst/>
+  </dgm:styleLbl>
+  <dgm:styleLbl name="callout">
+    <dgm:fillClrLst meth="repeat">
+      <a:schemeClr val="dk2"/>
+    </dgm:fillClrLst>
+    <dgm:linClrLst meth="repeat">
+      <a:schemeClr val="dk2">
+        <a:tint val="50000"/>
+      </a:schemeClr>
+    </dgm:linClrLst>
+    <dgm:effectClrLst/>
+    <dgm:txLinClrLst/>
+    <dgm:txFillClrLst meth="repeat">
+      <a:schemeClr val="lt2"/>
+    </dgm:txFillClrLst>
+    <dgm:txEffectClrLst/>
+  </dgm:styleLbl>
+  <dgm:styleLbl name="asst0">
+    <dgm:fillClrLst meth="repeat">
+      <a:schemeClr val="dk2"/>
+    </dgm:fillClrLst>
+    <dgm:linClrLst meth="repeat">
+      <a:schemeClr val="lt2"/>
+    </dgm:linClrLst>
+    <dgm:effectClrLst/>
+    <dgm:txLinClrLst/>
+    <dgm:txFillClrLst/>
+    <dgm:txEffectClrLst/>
+  </dgm:styleLbl>
+  <dgm:styleLbl name="asst1">
+    <dgm:fillClrLst meth="repeat">
+      <a:schemeClr val="dk2"/>
+    </dgm:fillClrLst>
+    <dgm:linClrLst meth="repeat">
+      <a:schemeClr val="lt2"/>
+    </dgm:linClrLst>
+    <dgm:effectClrLst/>
+    <dgm:txLinClrLst/>
+    <dgm:txFillClrLst/>
+    <dgm:txEffectClrLst/>
+  </dgm:styleLbl>
+  <dgm:styleLbl name="asst2">
+    <dgm:fillClrLst meth="repeat">
+      <a:schemeClr val="dk2"/>
+    </dgm:fillClrLst>
+    <dgm:linClrLst meth="repeat">
+      <a:schemeClr val="lt2"/>
+    </dgm:linClrLst>
+    <dgm:effectClrLst/>
+    <dgm:txLinClrLst/>
+    <dgm:txFillClrLst/>
+    <dgm:txEffectClrLst/>
+  </dgm:styleLbl>
+  <dgm:styleLbl name="asst3">
+    <dgm:fillClrLst meth="repeat">
+      <a:schemeClr val="dk2"/>
+    </dgm:fillClrLst>
+    <dgm:linClrLst meth="repeat">
+      <a:schemeClr val="lt2"/>
+    </dgm:linClrLst>
+    <dgm:effectClrLst/>
+    <dgm:txLinClrLst/>
+    <dgm:txFillClrLst/>
+    <dgm:txEffectClrLst/>
+  </dgm:styleLbl>
+  <dgm:styleLbl name="asst4">
+    <dgm:fillClrLst meth="repeat">
+      <a:schemeClr val="dk2"/>
+    </dgm:fillClrLst>
+    <dgm:linClrLst meth="repeat">
+      <a:schemeClr val="lt2"/>
+    </dgm:linClrLst>
+    <dgm:effectClrLst/>
+    <dgm:txLinClrLst/>
+    <dgm:txFillClrLst/>
+    <dgm:txEffectClrLst/>
+  </dgm:styleLbl>
+  <dgm:styleLbl name="parChTrans2D1">
+    <dgm:fillClrLst meth="repeat">
+      <a:schemeClr val="dk2">
+        <a:tint val="60000"/>
+      </a:schemeClr>
+    </dgm:fillClrLst>
+    <dgm:linClrLst meth="repeat">
+      <a:schemeClr val="dk2">
+        <a:tint val="60000"/>
+      </a:schemeClr>
+    </dgm:linClrLst>
+    <dgm:effectClrLst/>
+    <dgm:txLinClrLst/>
+    <dgm:txFillClrLst meth="repeat">
+      <a:schemeClr val="lt2"/>
+    </dgm:txFillClrLst>
+    <dgm:txEffectClrLst/>
+  </dgm:styleLbl>
+  <dgm:styleLbl name="parChTrans2D2">
+    <dgm:fillClrLst meth="repeat">
+      <a:schemeClr val="dk2"/>
+    </dgm:fillClrLst>
+    <dgm:linClrLst meth="repeat">
+      <a:schemeClr val="dk2"/>
+    </dgm:linClrLst>
+    <dgm:effectClrLst/>
+    <dgm:txLinClrLst/>
+    <dgm:txFillClrLst meth="repeat">
+      <a:schemeClr val="lt2"/>
+    </dgm:txFillClrLst>
+    <dgm:txEffectClrLst/>
+  </dgm:styleLbl>
+  <dgm:styleLbl name="parChTrans2D3">
+    <dgm:fillClrLst meth="repeat">
+      <a:schemeClr val="dk2"/>
+    </dgm:fillClrLst>
+    <dgm:linClrLst meth="repeat">
+      <a:schemeClr val="dk2"/>
+    </dgm:linClrLst>
+    <dgm:effectClrLst/>
+    <dgm:txLinClrLst/>
+    <dgm:txFillClrLst meth="repeat">
+      <a:schemeClr val="lt2"/>
+    </dgm:txFillClrLst>
+    <dgm:txEffectClrLst/>
+  </dgm:styleLbl>
+  <dgm:styleLbl name="parChTrans2D4">
+    <dgm:fillClrLst meth="repeat">
+      <a:schemeClr val="dk2"/>
+    </dgm:fillClrLst>
+    <dgm:linClrLst meth="repeat">
+      <a:schemeClr val="dk2"/>
+    </dgm:linClrLst>
+    <dgm:effectClrLst/>
+    <dgm:txLinClrLst/>
+    <dgm:txFillClrLst meth="repeat">
+      <a:schemeClr val="lt2"/>
+    </dgm:txFillClrLst>
+    <dgm:txEffectClrLst/>
+  </dgm:styleLbl>
+  <dgm:styleLbl name="parChTrans1D1">
+    <dgm:fillClrLst meth="repeat">
+      <a:schemeClr val="dk2"/>
+    </dgm:fillClrLst>
+    <dgm:linClrLst meth="repeat">
+      <a:schemeClr val="dk2">
+        <a:shade val="60000"/>
+      </a:schemeClr>
+    </dgm:linClrLst>
+    <dgm:effectClrLst/>
+    <dgm:txLinClrLst/>
+    <dgm:txFillClrLst meth="repeat">
+      <a:schemeClr val="tx1"/>
+    </dgm:txFillClrLst>
+    <dgm:txEffectClrLst/>
+  </dgm:styleLbl>
+  <dgm:styleLbl name="parChTrans1D2">
+    <dgm:fillClrLst meth="repeat">
+      <a:schemeClr val="dk2"/>
+    </dgm:fillClrLst>
+    <dgm:linClrLst meth="repeat">
+      <a:schemeClr val="dk2">
+        <a:shade val="60000"/>
+      </a:schemeClr>
+    </dgm:linClrLst>
+    <dgm:effectClrLst/>
+    <dgm:txLinClrLst/>
+    <dgm:txFillClrLst meth="repeat">
+      <a:schemeClr val="tx1"/>
+    </dgm:txFillClrLst>
+    <dgm:txEffectClrLst/>
+  </dgm:styleLbl>
+  <dgm:styleLbl name="parChTrans1D3">
+    <dgm:fillClrLst meth="repeat">
+      <a:schemeClr val="dk2"/>
+    </dgm:fillClrLst>
+    <dgm:linClrLst meth="repeat">
+      <a:schemeClr val="dk2">
+        <a:shade val="80000"/>
+      </a:schemeClr>
+    </dgm:linClrLst>
+    <dgm:effectClrLst/>
+    <dgm:txLinClrLst/>
+    <dgm:txFillClrLst meth="repeat">
+      <a:schemeClr val="tx1"/>
+    </dgm:txFillClrLst>
+    <dgm:txEffectClrLst/>
+  </dgm:styleLbl>
+  <dgm:styleLbl name="parChTrans1D4">
+    <dgm:fillClrLst meth="repeat">
+      <a:schemeClr val="dk2"/>
+    </dgm:fillClrLst>
+    <dgm:linClrLst meth="repeat">
+      <a:schemeClr val="dk2">
+        <a:shade val="80000"/>
+      </a:schemeClr>
+    </dgm:linClrLst>
+    <dgm:effectClrLst/>
+    <dgm:txLinClrLst/>
+    <dgm:txFillClrLst meth="repeat">
+      <a:schemeClr val="tx1"/>
+    </dgm:txFillClrLst>
+    <dgm:txEffectClrLst/>
+  </dgm:styleLbl>
+  <dgm:styleLbl name="fgAcc1">
+    <dgm:fillClrLst meth="repeat">
+      <a:schemeClr val="lt2">
+        <a:alpha val="90000"/>
+      </a:schemeClr>
+    </dgm:fillClrLst>
+    <dgm:linClrLst meth="repeat">
+      <a:schemeClr val="dk2"/>
+    </dgm:linClrLst>
+    <dgm:effectClrLst/>
+    <dgm:txLinClrLst/>
+    <dgm:txFillClrLst meth="repeat">
+      <a:schemeClr val="dk1"/>
+    </dgm:txFillClrLst>
+    <dgm:txEffectClrLst/>
+  </dgm:styleLbl>
+  <dgm:styleLbl name="conFgAcc1">
+    <dgm:fillClrLst meth="repeat">
+      <a:schemeClr val="lt2">
+        <a:alpha val="90000"/>
+      </a:schemeClr>
+    </dgm:fillClrLst>
+    <dgm:linClrLst meth="repeat">
+      <a:schemeClr val="dk2"/>
+    </dgm:linClrLst>
+    <dgm:effectClrLst/>
+    <dgm:txLinClrLst/>
+    <dgm:txFillClrLst meth="repeat">
+      <a:schemeClr val="dk1"/>
+    </dgm:txFillClrLst>
+    <dgm:txEffectClrLst/>
+  </dgm:styleLbl>
+  <dgm:styleLbl name="alignAcc1">
+    <dgm:fillClrLst meth="repeat">
+      <a:schemeClr val="lt2">
+        <a:alpha val="90000"/>
+      </a:schemeClr>
+    </dgm:fillClrLst>
+    <dgm:linClrLst meth="repeat">
+      <a:schemeClr val="dk2"/>
+    </dgm:linClrLst>
+    <dgm:effectClrLst/>
+    <dgm:txLinClrLst/>
+    <dgm:txFillClrLst meth="repeat">
+      <a:schemeClr val="dk1"/>
+    </dgm:txFillClrLst>
+    <dgm:txEffectClrLst/>
+  </dgm:styleLbl>
+  <dgm:styleLbl name="trAlignAcc1">
+    <dgm:fillClrLst meth="repeat">
+      <a:schemeClr val="lt2">
+        <a:alpha val="40000"/>
+      </a:schemeClr>
+    </dgm:fillClrLst>
+    <dgm:linClrLst meth="repeat">
+      <a:schemeClr val="dk2"/>
+    </dgm:linClrLst>
+    <dgm:effectClrLst/>
+    <dgm:txLinClrLst/>
+    <dgm:txFillClrLst meth="repeat">
+      <a:schemeClr val="dk1"/>
+    </dgm:txFillClrLst>
+    <dgm:txEffectClrLst/>
+  </dgm:styleLbl>
+  <dgm:styleLbl name="bgAcc1">
+    <dgm:fillClrLst meth="repeat">
+      <a:schemeClr val="lt2">
+        <a:alpha val="90000"/>
+      </a:schemeClr>
+    </dgm:fillClrLst>
+    <dgm:linClrLst meth="repeat">
+      <a:schemeClr val="dk2"/>
+    </dgm:linClrLst>
+    <dgm:effectClrLst/>
+    <dgm:txLinClrLst/>
+    <dgm:txFillClrLst meth="repeat">
+      <a:schemeClr val="dk1"/>
+    </dgm:txFillClrLst>
+    <dgm:txEffectClrLst/>
+  </dgm:styleLbl>
+  <dgm:styleLbl name="solidFgAcc1">
+    <dgm:fillClrLst meth="repeat">
+      <a:schemeClr val="lt2"/>
+    </dgm:fillClrLst>
+    <dgm:linClrLst meth="repeat">
+      <a:schemeClr val="dk2"/>
+    </dgm:linClrLst>
+    <dgm:effectClrLst/>
+    <dgm:txLinClrLst/>
+    <dgm:txFillClrLst meth="repeat">
+      <a:schemeClr val="dk1"/>
+    </dgm:txFillClrLst>
+    <dgm:txEffectClrLst/>
+  </dgm:styleLbl>
+  <dgm:styleLbl name="solidAlignAcc1">
+    <dgm:fillClrLst meth="repeat">
+      <a:schemeClr val="lt2"/>
+    </dgm:fillClrLst>
+    <dgm:linClrLst meth="repeat">
+      <a:schemeClr val="dk2"/>
+    </dgm:linClrLst>
+    <dgm:effectClrLst/>
+    <dgm:txLinClrLst/>
+    <dgm:txFillClrLst meth="repeat">
+      <a:schemeClr val="dk1"/>
+    </dgm:txFillClrLst>
+    <dgm:txEffectClrLst/>
+  </dgm:styleLbl>
+  <dgm:styleLbl name="solidBgAcc1">
+    <dgm:fillClrLst meth="repeat">
+      <a:schemeClr val="lt2"/>
+    </dgm:fillClrLst>
+    <dgm:linClrLst meth="repeat">
+      <a:schemeClr val="dk2"/>
+    </dgm:linClrLst>
+    <dgm:effectClrLst/>
+    <dgm:txLinClrLst/>
+    <dgm:txFillClrLst meth="repeat">
+      <a:schemeClr val="dk1"/>
+    </dgm:txFillClrLst>
+    <dgm:txEffectClrLst/>
+  </dgm:styleLbl>
+  <dgm:styleLbl name="fgAccFollowNode1">
+    <dgm:fillClrLst meth="repeat">
+      <a:schemeClr val="dk2">
+        <a:alpha val="90000"/>
+        <a:tint val="40000"/>
+      </a:schemeClr>
+    </dgm:fillClrLst>
+    <dgm:linClrLst meth="repeat">
+      <a:schemeClr val="dk2">
+        <a:alpha val="90000"/>
+        <a:tint val="40000"/>
+      </a:schemeClr>
+    </dgm:linClrLst>
+    <dgm:effectClrLst/>
+    <dgm:txLinClrLst/>
+    <dgm:txFillClrLst meth="repeat">
+      <a:schemeClr val="dk1"/>
+    </dgm:txFillClrLst>
+    <dgm:txEffectClrLst/>
+  </dgm:styleLbl>
+  <dgm:styleLbl name="alignAccFollowNode1">
+    <dgm:fillClrLst meth="repeat">
+      <a:schemeClr val="dk2">
+        <a:alpha val="90000"/>
+        <a:tint val="40000"/>
+      </a:schemeClr>
+    </dgm:fillClrLst>
+    <dgm:linClrLst meth="repeat">
+      <a:schemeClr val="dk2">
+        <a:alpha val="90000"/>
+        <a:tint val="40000"/>
+      </a:schemeClr>
+    </dgm:linClrLst>
+    <dgm:effectClrLst/>
+    <dgm:txLinClrLst/>
+    <dgm:txFillClrLst meth="repeat">
+      <a:schemeClr val="dk1"/>
+    </dgm:txFillClrLst>
+    <dgm:txEffectClrLst/>
+  </dgm:styleLbl>
+  <dgm:styleLbl name="bgAccFollowNode1">
+    <dgm:fillClrLst meth="repeat">
+      <a:schemeClr val="dk2">
+        <a:alpha val="90000"/>
+        <a:tint val="40000"/>
+      </a:schemeClr>
+    </dgm:fillClrLst>
+    <dgm:linClrLst meth="repeat">
+      <a:schemeClr val="dk2">
+        <a:alpha val="90000"/>
+        <a:tint val="40000"/>
+      </a:schemeClr>
+    </dgm:linClrLst>
+    <dgm:effectClrLst/>
+    <dgm:txLinClrLst/>
+    <dgm:txFillClrLst meth="repeat">
+      <a:schemeClr val="dk1"/>
+    </dgm:txFillClrLst>
+    <dgm:txEffectClrLst/>
+  </dgm:styleLbl>
+  <dgm:styleLbl name="fgAcc0">
+    <dgm:fillClrLst meth="repeat">
+      <a:schemeClr val="lt2">
+        <a:alpha val="90000"/>
+      </a:schemeClr>
+    </dgm:fillClrLst>
+    <dgm:linClrLst meth="repeat">
+      <a:schemeClr val="dk2"/>
+    </dgm:linClrLst>
+    <dgm:effectClrLst/>
+    <dgm:txLinClrLst/>
+    <dgm:txFillClrLst meth="repeat">
+      <a:schemeClr val="dk1"/>
+    </dgm:txFillClrLst>
+    <dgm:txEffectClrLst/>
+  </dgm:styleLbl>
+  <dgm:styleLbl name="fgAcc2">
+    <dgm:fillClrLst meth="repeat">
+      <a:schemeClr val="lt2">
+        <a:alpha val="90000"/>
+      </a:schemeClr>
+    </dgm:fillClrLst>
+    <dgm:linClrLst meth="repeat">
+      <a:schemeClr val="dk2"/>
+    </dgm:linClrLst>
+    <dgm:effectClrLst/>
+    <dgm:txLinClrLst/>
+    <dgm:txFillClrLst meth="repeat">
+      <a:schemeClr val="dk1"/>
+    </dgm:txFillClrLst>
+    <dgm:txEffectClrLst/>
+  </dgm:styleLbl>
+  <dgm:styleLbl name="fgAcc3">
+    <dgm:fillClrLst meth="repeat">
+      <a:schemeClr val="lt2">
+        <a:alpha val="90000"/>
+      </a:schemeClr>
+    </dgm:fillClrLst>
+    <dgm:linClrLst meth="repeat">
+      <a:schemeClr val="dk2"/>
+    </dgm:linClrLst>
+    <dgm:effectClrLst/>
+    <dgm:txLinClrLst/>
+    <dgm:txFillClrLst meth="repeat">
+      <a:schemeClr val="dk1"/>
+    </dgm:txFillClrLst>
+    <dgm:txEffectClrLst/>
+  </dgm:styleLbl>
+  <dgm:styleLbl name="fgAcc4">
+    <dgm:fillClrLst meth="repeat">
+      <a:schemeClr val="lt2">
+        <a:alpha val="90000"/>
+      </a:schemeClr>
+    </dgm:fillClrLst>
+    <dgm:linClrLst meth="repeat">
+      <a:schemeClr val="dk2"/>
+    </dgm:linClrLst>
+    <dgm:effectClrLst/>
+    <dgm:txLinClrLst/>
+    <dgm:txFillClrLst meth="repeat">
+      <a:schemeClr val="dk1"/>
+    </dgm:txFillClrLst>
+    <dgm:txEffectClrLst/>
+  </dgm:styleLbl>
+  <dgm:styleLbl name="bgShp">
+    <dgm:fillClrLst meth="repeat">
+      <a:schemeClr val="dk2">
+        <a:tint val="40000"/>
+      </a:schemeClr>
+    </dgm:fillClrLst>
+    <dgm:linClrLst meth="repeat">
+      <a:schemeClr val="dk2"/>
+    </dgm:linClrLst>
+    <dgm:effectClrLst/>
+    <dgm:txLinClrLst/>
+    <dgm:txFillClrLst meth="repeat">
+      <a:schemeClr val="dk1"/>
+    </dgm:txFillClrLst>
+    <dgm:txEffectClrLst/>
+  </dgm:styleLbl>
+  <dgm:styleLbl name="dkBgShp">
+    <dgm:fillClrLst meth="repeat">
+      <a:schemeClr val="dk2">
+        <a:shade val="80000"/>
+      </a:schemeClr>
+    </dgm:fillClrLst>
+    <dgm:linClrLst meth="repeat">
+      <a:schemeClr val="dk2"/>
+    </dgm:linClrLst>
+    <dgm:effectClrLst/>
+    <dgm:txLinClrLst/>
+    <dgm:txFillClrLst meth="repeat">
+      <a:schemeClr val="lt1"/>
+    </dgm:txFillClrLst>
+    <dgm:txEffectClrLst/>
+  </dgm:styleLbl>
+  <dgm:styleLbl name="trBgShp">
+    <dgm:fillClrLst meth="repeat">
+      <a:schemeClr val="dk2">
+        <a:tint val="50000"/>
+        <a:alpha val="40000"/>
+      </a:schemeClr>
+    </dgm:fillClrLst>
+    <dgm:linClrLst meth="repeat">
+      <a:schemeClr val="dk2"/>
+    </dgm:linClrLst>
+    <dgm:effectClrLst/>
+    <dgm:txLinClrLst/>
+    <dgm:txFillClrLst meth="repeat">
+      <a:schemeClr val="lt1"/>
+    </dgm:txFillClrLst>
+    <dgm:txEffectClrLst/>
+  </dgm:styleLbl>
+  <dgm:styleLbl name="fgShp">
+    <dgm:fillClrLst meth="repeat">
+      <a:schemeClr val="dk2">
+        <a:tint val="60000"/>
+      </a:schemeClr>
+    </dgm:fillClrLst>
+    <dgm:linClrLst meth="repeat">
+      <a:schemeClr val="lt2"/>
+    </dgm:linClrLst>
+    <dgm:effectClrLst/>
+    <dgm:txLinClrLst/>
+    <dgm:txFillClrLst meth="repeat">
+      <a:schemeClr val="dk1"/>
+    </dgm:txFillClrLst>
+    <dgm:txEffectClrLst/>
+  </dgm:styleLbl>
+  <dgm:styleLbl name="revTx">
+    <dgm:fillClrLst meth="repeat">
+      <a:schemeClr val="lt2">
+        <a:alpha val="0"/>
+      </a:schemeClr>
+    </dgm:fillClrLst>
+    <dgm:linClrLst meth="repeat">
+      <a:schemeClr val="dk1">
+        <a:alpha val="0"/>
+      </a:schemeClr>
+    </dgm:linClrLst>
+    <dgm:effectClrLst/>
+    <dgm:txLinClrLst/>
+    <dgm:txFillClrLst meth="repeat">
+      <a:schemeClr val="tx1"/>
+    </dgm:txFillClrLst>
+    <dgm:txEffectClrLst/>
+  </dgm:styleLbl>
+</dgm:colorsDef>
+</file>
+
+<file path=ppt/diagrams/colors4.xml><?xml version="1.0" encoding="utf-8"?>
 <dgm:colorsDef xmlns:dgm="http://schemas.openxmlformats.org/drawingml/2006/diagram" xmlns:a="http://schemas.openxmlformats.org/drawingml/2006/main" uniqueId="urn:microsoft.com/office/officeart/2005/8/colors/accent0_3">
   <dgm:title val=""/>
   <dgm:desc val=""/>
@@ -1777,9 +3281,12 @@
         <a:bodyPr/>
         <a:lstStyle/>
         <a:p>
+          <a:pPr rtl="0"/>
           <a:r>
-            <a:rPr lang="en-US" dirty="0"/>
-            <a:t>Make a change on file a.txt</a:t>
+            <a:rPr lang="en-US" dirty="0">
+              <a:latin typeface="Calibri Light" panose="020F0302020204030204"/>
+            </a:rPr>
+            <a:t>Switch to the "hands-on-1" branch. In this branch a.txt and b.txt files have been modified</a:t>
           </a:r>
         </a:p>
       </dgm:t>
@@ -2248,54 +3755,54 @@
     </dgm:pt>
   </dgm:ptLst>
   <dgm:cxnLst>
-    <dgm:cxn modelId="{23790A06-0DC4-4A49-97AD-E62E80A52D17}" type="presOf" srcId="{7063B249-1C0F-4D67-8BE0-B9A90919E07D}" destId="{9865E62D-BAAD-460E-8F52-D5F4617B4A1C}" srcOrd="0" destOrd="0" presId="urn:microsoft.com/office/officeart/2016/7/layout/ChevronBlockProcess"/>
-    <dgm:cxn modelId="{43EC460A-E181-465E-9EF1-3C450E25AA90}" type="presOf" srcId="{F226FA51-16FD-4895-A268-F589EC2C0E05}" destId="{B43C67AC-27E4-4561-9945-BA3980B01CB6}" srcOrd="0" destOrd="0" presId="urn:microsoft.com/office/officeart/2016/7/layout/ChevronBlockProcess"/>
+    <dgm:cxn modelId="{25616302-DEB0-4012-A094-1F4793B8C9AB}" type="presOf" srcId="{F226FA51-16FD-4895-A268-F589EC2C0E05}" destId="{B43C67AC-27E4-4561-9945-BA3980B01CB6}" srcOrd="0" destOrd="0" presId="urn:microsoft.com/office/officeart/2016/7/layout/ChevronBlockProcess"/>
     <dgm:cxn modelId="{93B29B0B-1F05-4AA4-9755-16CD0B65EDDE}" srcId="{74BD9F29-841E-4744-A2A6-A357310502C1}" destId="{E679CB7F-0EC5-4B1A-B66B-97AE1C8DAE0D}" srcOrd="0" destOrd="0" parTransId="{005673B8-1945-4538-9F04-6D50381D2B7F}" sibTransId="{A2D87FEC-4611-4498-8AE9-659D63780FEC}"/>
-    <dgm:cxn modelId="{EEBB6D16-F18A-47E1-A58C-A8EDAC6FA654}" type="presOf" srcId="{177B6383-68D4-4F8E-B50D-328BEB536FDF}" destId="{127137F1-1257-4E3D-B3BC-CBB9FD586019}" srcOrd="0" destOrd="0" presId="urn:microsoft.com/office/officeart/2016/7/layout/ChevronBlockProcess"/>
+    <dgm:cxn modelId="{41A3110C-442B-4A4A-AFAA-96FD8118ED8E}" type="presOf" srcId="{34185EF5-50F3-44D7-9132-CDFF3EF6C27A}" destId="{9301E6A2-92F8-4CF4-9DB4-161729A64B0F}" srcOrd="0" destOrd="0" presId="urn:microsoft.com/office/officeart/2016/7/layout/ChevronBlockProcess"/>
+    <dgm:cxn modelId="{973AEC15-A6A2-46DC-BAAB-ED3756E1591A}" type="presOf" srcId="{177B6383-68D4-4F8E-B50D-328BEB536FDF}" destId="{127137F1-1257-4E3D-B3BC-CBB9FD586019}" srcOrd="0" destOrd="0" presId="urn:microsoft.com/office/officeart/2016/7/layout/ChevronBlockProcess"/>
     <dgm:cxn modelId="{7C4C0517-2130-4EA2-A807-980E286F4824}" srcId="{F226FA51-16FD-4895-A268-F589EC2C0E05}" destId="{739D88F3-1E10-47A5-90F4-DDC650273AEC}" srcOrd="0" destOrd="0" parTransId="{28CE9ED2-EF3A-41DD-8967-3BECFF7716FE}" sibTransId="{0A0CF397-9708-4F2A-A49C-3C2E53276655}"/>
-    <dgm:cxn modelId="{946CCA1E-1F49-44D8-BE49-2A1C8C6A793B}" type="presOf" srcId="{C8A354FF-D529-4C18-B368-6BE9B7856A8A}" destId="{D733675F-B879-49BD-A715-8A27284F454A}" srcOrd="0" destOrd="0" presId="urn:microsoft.com/office/officeart/2016/7/layout/ChevronBlockProcess"/>
-    <dgm:cxn modelId="{ED5CAA38-0670-4B28-A3B2-6D1CECE7A2B0}" type="presOf" srcId="{B0BEBE0D-0426-4D8D-AFFA-032B4DC72771}" destId="{5A4EA1AD-6123-42BB-83C9-01F7F3CDAE01}" srcOrd="0" destOrd="0" presId="urn:microsoft.com/office/officeart/2016/7/layout/ChevronBlockProcess"/>
+    <dgm:cxn modelId="{391E451C-9711-4504-BF73-F1A7C1555B52}" type="presOf" srcId="{E679CB7F-0EC5-4B1A-B66B-97AE1C8DAE0D}" destId="{3FB81F9A-9101-4634-95F3-90E526C7215D}" srcOrd="0" destOrd="0" presId="urn:microsoft.com/office/officeart/2016/7/layout/ChevronBlockProcess"/>
+    <dgm:cxn modelId="{35A6D824-053A-41F3-8555-B6A6F68D3464}" type="presOf" srcId="{B0BEBE0D-0426-4D8D-AFFA-032B4DC72771}" destId="{5A4EA1AD-6123-42BB-83C9-01F7F3CDAE01}" srcOrd="0" destOrd="0" presId="urn:microsoft.com/office/officeart/2016/7/layout/ChevronBlockProcess"/>
+    <dgm:cxn modelId="{08721237-64C9-4220-A0BA-533B3D7B5C3A}" type="presOf" srcId="{7063B249-1C0F-4D67-8BE0-B9A90919E07D}" destId="{9865E62D-BAAD-460E-8F52-D5F4617B4A1C}" srcOrd="0" destOrd="0" presId="urn:microsoft.com/office/officeart/2016/7/layout/ChevronBlockProcess"/>
+    <dgm:cxn modelId="{A291C539-620B-4E97-98F4-D33BBE205CEF}" type="presOf" srcId="{65A32F56-FFBA-4E66-A2AC-D99E83528F0C}" destId="{3DE15086-F8DC-4323-95A7-8F4F3BDAD0C3}" srcOrd="0" destOrd="0" presId="urn:microsoft.com/office/officeart/2016/7/layout/ChevronBlockProcess"/>
     <dgm:cxn modelId="{C4B4893B-F92A-4799-8D33-30B32B764087}" srcId="{74BD9F29-841E-4744-A2A6-A357310502C1}" destId="{E8B6B01E-D6B8-49D9-8FAD-5E371DE74BB0}" srcOrd="1" destOrd="0" parTransId="{B2248585-A79C-4CDA-9289-27E370944C1A}" sibTransId="{0CC398EB-F978-4BF3-855C-8AABD939A45C}"/>
     <dgm:cxn modelId="{8F11305F-C928-4A4C-8ADD-9AB246EDCE36}" srcId="{319F0DBC-5E89-4AB8-8921-2DD67018375A}" destId="{177B6383-68D4-4F8E-B50D-328BEB536FDF}" srcOrd="0" destOrd="0" parTransId="{71C1D739-5761-4FD0-84C8-0A4ED9F779E4}" sibTransId="{55E62B3B-99F6-4A31-B0EC-80D7E84FE36A}"/>
+    <dgm:cxn modelId="{9C443664-558C-4D55-807E-E21F1D19F8EF}" type="presOf" srcId="{E8B6B01E-D6B8-49D9-8FAD-5E371DE74BB0}" destId="{7B2F2EAF-8610-4DC9-B1C8-9E4E33D97A56}" srcOrd="0" destOrd="0" presId="urn:microsoft.com/office/officeart/2016/7/layout/ChevronBlockProcess"/>
     <dgm:cxn modelId="{7E0C0A66-77C1-46AE-99D1-A26D1CD27809}" srcId="{74BD9F29-841E-4744-A2A6-A357310502C1}" destId="{319F0DBC-5E89-4AB8-8921-2DD67018375A}" srcOrd="4" destOrd="0" parTransId="{FD83D764-6A68-47C5-906E-65E58024CF44}" sibTransId="{8FF0F7FF-01B2-437E-BF0C-A3809E2BEC3D}"/>
     <dgm:cxn modelId="{4ED17366-B183-4263-A6C2-6DEFF1136291}" type="presOf" srcId="{74BD9F29-841E-4744-A2A6-A357310502C1}" destId="{A72AA21A-C1EE-4838-ADC3-60B0FF1E405B}" srcOrd="0" destOrd="0" presId="urn:microsoft.com/office/officeart/2016/7/layout/ChevronBlockProcess"/>
-    <dgm:cxn modelId="{237E9058-6AAC-429B-991B-BF068BC4092D}" type="presOf" srcId="{E8B6B01E-D6B8-49D9-8FAD-5E371DE74BB0}" destId="{7B2F2EAF-8610-4DC9-B1C8-9E4E33D97A56}" srcOrd="0" destOrd="0" presId="urn:microsoft.com/office/officeart/2016/7/layout/ChevronBlockProcess"/>
     <dgm:cxn modelId="{EE82F78B-224A-4BE9-80BD-84EFD67DC985}" srcId="{74BD9F29-841E-4744-A2A6-A357310502C1}" destId="{A1B8C60C-7FE3-4849-B298-3BBC4A7D7281}" srcOrd="5" destOrd="0" parTransId="{8AF2A14B-A4AF-4727-9D7C-5AFFA4277C6E}" sibTransId="{FD7891DE-DF2D-4A56-99C7-86020DFDE4DB}"/>
     <dgm:cxn modelId="{1099BD9E-CDD4-4424-BD93-CB1B600C4071}" srcId="{74BD9F29-841E-4744-A2A6-A357310502C1}" destId="{B0BEBE0D-0426-4D8D-AFFA-032B4DC72771}" srcOrd="3" destOrd="0" parTransId="{A7CD12D8-8EF2-4C10-83CD-560D9B69E43E}" sibTransId="{E53B8F1E-9CD9-46F6-83A5-F894E1BB3153}"/>
-    <dgm:cxn modelId="{D77265A4-2978-4DFE-A3BC-B476D37F62FB}" type="presOf" srcId="{319F0DBC-5E89-4AB8-8921-2DD67018375A}" destId="{A81DD7F7-7048-4B36-B578-47D266510B3E}" srcOrd="0" destOrd="0" presId="urn:microsoft.com/office/officeart/2016/7/layout/ChevronBlockProcess"/>
+    <dgm:cxn modelId="{F76928A3-FC9F-48AF-8E29-51D61335EB82}" type="presOf" srcId="{739D88F3-1E10-47A5-90F4-DDC650273AEC}" destId="{1C5EC7DC-DF21-41DE-B8B3-EED110D11954}" srcOrd="0" destOrd="0" presId="urn:microsoft.com/office/officeart/2016/7/layout/ChevronBlockProcess"/>
     <dgm:cxn modelId="{A55FBCA4-E609-4014-826C-0D9959F289F1}" srcId="{E679CB7F-0EC5-4B1A-B66B-97AE1C8DAE0D}" destId="{C8A354FF-D529-4C18-B368-6BE9B7856A8A}" srcOrd="0" destOrd="0" parTransId="{C9F27CA6-7768-4591-A4FA-E2874F03AF6B}" sibTransId="{2BEEAD15-59D7-4DE0-A875-69D39197EB70}"/>
-    <dgm:cxn modelId="{E1F652AF-32F4-43DE-B42F-6ADA6722B43C}" type="presOf" srcId="{A1B8C60C-7FE3-4849-B298-3BBC4A7D7281}" destId="{CAC99054-4D22-459A-BA4A-E4EA5D24FE8A}" srcOrd="0" destOrd="0" presId="urn:microsoft.com/office/officeart/2016/7/layout/ChevronBlockProcess"/>
-    <dgm:cxn modelId="{FBFF18BF-B5F5-44F0-9CD4-80C9ED6B5F07}" type="presOf" srcId="{65A32F56-FFBA-4E66-A2AC-D99E83528F0C}" destId="{3DE15086-F8DC-4323-95A7-8F4F3BDAD0C3}" srcOrd="0" destOrd="0" presId="urn:microsoft.com/office/officeart/2016/7/layout/ChevronBlockProcess"/>
+    <dgm:cxn modelId="{3BBD0BBB-A6C9-45DC-A435-7D8D74D50D3C}" type="presOf" srcId="{C8A354FF-D529-4C18-B368-6BE9B7856A8A}" destId="{D733675F-B879-49BD-A715-8A27284F454A}" srcOrd="0" destOrd="0" presId="urn:microsoft.com/office/officeart/2016/7/layout/ChevronBlockProcess"/>
     <dgm:cxn modelId="{5FA945C8-4AB2-4261-8BD2-8F11971933CA}" srcId="{E8B6B01E-D6B8-49D9-8FAD-5E371DE74BB0}" destId="{7063B249-1C0F-4D67-8BE0-B9A90919E07D}" srcOrd="0" destOrd="0" parTransId="{F8AE0501-8BB0-4757-9574-68E0CF36CD4F}" sibTransId="{1B81C672-D373-4646-B838-9ECB464D13A1}"/>
-    <dgm:cxn modelId="{47DA7BDF-3996-46BC-99CF-A63B516BC3F8}" type="presOf" srcId="{739D88F3-1E10-47A5-90F4-DDC650273AEC}" destId="{1C5EC7DC-DF21-41DE-B8B3-EED110D11954}" srcOrd="0" destOrd="0" presId="urn:microsoft.com/office/officeart/2016/7/layout/ChevronBlockProcess"/>
     <dgm:cxn modelId="{AB058DDF-6F31-4640-92C6-B8DD9BFE2DF8}" srcId="{A1B8C60C-7FE3-4849-B298-3BBC4A7D7281}" destId="{34185EF5-50F3-44D7-9132-CDFF3EF6C27A}" srcOrd="0" destOrd="0" parTransId="{7B747D64-A6E3-4461-9013-4ACE02A1EB13}" sibTransId="{D5428A11-D47D-417D-A883-609DFA98DB35}"/>
+    <dgm:cxn modelId="{270103E4-36A5-43FA-8A8D-6FFC93C30A58}" type="presOf" srcId="{A1B8C60C-7FE3-4849-B298-3BBC4A7D7281}" destId="{CAC99054-4D22-459A-BA4A-E4EA5D24FE8A}" srcOrd="0" destOrd="0" presId="urn:microsoft.com/office/officeart/2016/7/layout/ChevronBlockProcess"/>
+    <dgm:cxn modelId="{7EFD3EE7-CE66-4B87-A7F7-33261EF81058}" type="presOf" srcId="{319F0DBC-5E89-4AB8-8921-2DD67018375A}" destId="{A81DD7F7-7048-4B36-B578-47D266510B3E}" srcOrd="0" destOrd="0" presId="urn:microsoft.com/office/officeart/2016/7/layout/ChevronBlockProcess"/>
     <dgm:cxn modelId="{1F896EEF-E3D2-4AA4-89C2-9C216415D93C}" srcId="{74BD9F29-841E-4744-A2A6-A357310502C1}" destId="{F226FA51-16FD-4895-A268-F589EC2C0E05}" srcOrd="2" destOrd="0" parTransId="{857FEB2C-7431-4A1A-B5E7-A4D89FB0CC06}" sibTransId="{C4264290-7C97-4835-930A-DF6D56742F53}"/>
-    <dgm:cxn modelId="{B91220F6-C099-46A6-99CC-A4E0111705F7}" type="presOf" srcId="{E679CB7F-0EC5-4B1A-B66B-97AE1C8DAE0D}" destId="{3FB81F9A-9101-4634-95F3-90E526C7215D}" srcOrd="0" destOrd="0" presId="urn:microsoft.com/office/officeart/2016/7/layout/ChevronBlockProcess"/>
-    <dgm:cxn modelId="{3A06A9F9-65E0-45D0-B69E-1F709E86A220}" type="presOf" srcId="{34185EF5-50F3-44D7-9132-CDFF3EF6C27A}" destId="{9301E6A2-92F8-4CF4-9DB4-161729A64B0F}" srcOrd="0" destOrd="0" presId="urn:microsoft.com/office/officeart/2016/7/layout/ChevronBlockProcess"/>
     <dgm:cxn modelId="{608BA3FC-857D-4DC2-A844-8E8D9EA0C554}" srcId="{B0BEBE0D-0426-4D8D-AFFA-032B4DC72771}" destId="{65A32F56-FFBA-4E66-A2AC-D99E83528F0C}" srcOrd="0" destOrd="0" parTransId="{1B5831F6-A5BC-4F34-BAA6-E1396EDA835A}" sibTransId="{ED7B0605-47FC-4AE1-8563-E9986F1C025D}"/>
-    <dgm:cxn modelId="{85D0C388-3319-4041-9B65-FFB1A46D36DF}" type="presParOf" srcId="{A72AA21A-C1EE-4838-ADC3-60B0FF1E405B}" destId="{642263DD-9088-4AFF-AA2D-77D6620603D1}" srcOrd="0" destOrd="0" presId="urn:microsoft.com/office/officeart/2016/7/layout/ChevronBlockProcess"/>
-    <dgm:cxn modelId="{A3BA9341-0080-4D1E-8B13-62785E78FFE3}" type="presParOf" srcId="{642263DD-9088-4AFF-AA2D-77D6620603D1}" destId="{3FB81F9A-9101-4634-95F3-90E526C7215D}" srcOrd="0" destOrd="0" presId="urn:microsoft.com/office/officeart/2016/7/layout/ChevronBlockProcess"/>
-    <dgm:cxn modelId="{BD879767-EE17-4A17-80EC-5734353F438D}" type="presParOf" srcId="{642263DD-9088-4AFF-AA2D-77D6620603D1}" destId="{D733675F-B879-49BD-A715-8A27284F454A}" srcOrd="1" destOrd="0" presId="urn:microsoft.com/office/officeart/2016/7/layout/ChevronBlockProcess"/>
-    <dgm:cxn modelId="{BD537A34-C89F-4986-A93A-4B1E6A2BBBF1}" type="presParOf" srcId="{A72AA21A-C1EE-4838-ADC3-60B0FF1E405B}" destId="{35ADCD41-8349-4E8E-B7ED-C957140D1E43}" srcOrd="1" destOrd="0" presId="urn:microsoft.com/office/officeart/2016/7/layout/ChevronBlockProcess"/>
-    <dgm:cxn modelId="{5BD982D3-FEFA-46F6-BE48-F59E3CBD94D3}" type="presParOf" srcId="{A72AA21A-C1EE-4838-ADC3-60B0FF1E405B}" destId="{8B6DD8DB-B030-4092-A192-B03277C2DA31}" srcOrd="2" destOrd="0" presId="urn:microsoft.com/office/officeart/2016/7/layout/ChevronBlockProcess"/>
-    <dgm:cxn modelId="{34971EF7-F5A4-44F3-84D5-29F213235945}" type="presParOf" srcId="{8B6DD8DB-B030-4092-A192-B03277C2DA31}" destId="{7B2F2EAF-8610-4DC9-B1C8-9E4E33D97A56}" srcOrd="0" destOrd="0" presId="urn:microsoft.com/office/officeart/2016/7/layout/ChevronBlockProcess"/>
-    <dgm:cxn modelId="{53F895B3-B2F1-4BC6-8905-58BCAD481A43}" type="presParOf" srcId="{8B6DD8DB-B030-4092-A192-B03277C2DA31}" destId="{9865E62D-BAAD-460E-8F52-D5F4617B4A1C}" srcOrd="1" destOrd="0" presId="urn:microsoft.com/office/officeart/2016/7/layout/ChevronBlockProcess"/>
-    <dgm:cxn modelId="{E5501626-169B-419A-9483-C45D0E8ACD54}" type="presParOf" srcId="{A72AA21A-C1EE-4838-ADC3-60B0FF1E405B}" destId="{C86157D2-5FB4-410F-ABF3-1A233904C7C2}" srcOrd="3" destOrd="0" presId="urn:microsoft.com/office/officeart/2016/7/layout/ChevronBlockProcess"/>
-    <dgm:cxn modelId="{1AB7D05C-9E6D-4C09-AB43-AC9CF5ED5C3D}" type="presParOf" srcId="{A72AA21A-C1EE-4838-ADC3-60B0FF1E405B}" destId="{A0E4728F-445B-47D1-AD45-C860E4C11D26}" srcOrd="4" destOrd="0" presId="urn:microsoft.com/office/officeart/2016/7/layout/ChevronBlockProcess"/>
-    <dgm:cxn modelId="{65C582DF-85A9-4E3B-9196-16D36656EA6F}" type="presParOf" srcId="{A0E4728F-445B-47D1-AD45-C860E4C11D26}" destId="{B43C67AC-27E4-4561-9945-BA3980B01CB6}" srcOrd="0" destOrd="0" presId="urn:microsoft.com/office/officeart/2016/7/layout/ChevronBlockProcess"/>
-    <dgm:cxn modelId="{CDE6F946-7FBF-4817-AA31-386D2460D088}" type="presParOf" srcId="{A0E4728F-445B-47D1-AD45-C860E4C11D26}" destId="{1C5EC7DC-DF21-41DE-B8B3-EED110D11954}" srcOrd="1" destOrd="0" presId="urn:microsoft.com/office/officeart/2016/7/layout/ChevronBlockProcess"/>
-    <dgm:cxn modelId="{2C7AA9F6-CD4D-4961-970C-9AA383A6C706}" type="presParOf" srcId="{A72AA21A-C1EE-4838-ADC3-60B0FF1E405B}" destId="{90F04AE4-14C7-428C-8CB9-7D75AD48D4B1}" srcOrd="5" destOrd="0" presId="urn:microsoft.com/office/officeart/2016/7/layout/ChevronBlockProcess"/>
-    <dgm:cxn modelId="{A8D7A430-B0DA-4A5C-BA99-B6F5CB8C1EF4}" type="presParOf" srcId="{A72AA21A-C1EE-4838-ADC3-60B0FF1E405B}" destId="{C87AC7D7-9D6C-4883-9D59-6E38029E6B66}" srcOrd="6" destOrd="0" presId="urn:microsoft.com/office/officeart/2016/7/layout/ChevronBlockProcess"/>
-    <dgm:cxn modelId="{DEE9FC61-36B9-4F4D-8D84-ADC29AC78653}" type="presParOf" srcId="{C87AC7D7-9D6C-4883-9D59-6E38029E6B66}" destId="{5A4EA1AD-6123-42BB-83C9-01F7F3CDAE01}" srcOrd="0" destOrd="0" presId="urn:microsoft.com/office/officeart/2016/7/layout/ChevronBlockProcess"/>
-    <dgm:cxn modelId="{498E055B-80BB-4CED-B34F-8FC3D6CBB706}" type="presParOf" srcId="{C87AC7D7-9D6C-4883-9D59-6E38029E6B66}" destId="{3DE15086-F8DC-4323-95A7-8F4F3BDAD0C3}" srcOrd="1" destOrd="0" presId="urn:microsoft.com/office/officeart/2016/7/layout/ChevronBlockProcess"/>
-    <dgm:cxn modelId="{298E6B46-08D8-45A5-8825-5A598F80721C}" type="presParOf" srcId="{A72AA21A-C1EE-4838-ADC3-60B0FF1E405B}" destId="{44E1E74F-9F50-4CDD-A862-0C8EEB5944C8}" srcOrd="7" destOrd="0" presId="urn:microsoft.com/office/officeart/2016/7/layout/ChevronBlockProcess"/>
-    <dgm:cxn modelId="{4610E3BF-FF0D-483C-9466-D04BA8885B65}" type="presParOf" srcId="{A72AA21A-C1EE-4838-ADC3-60B0FF1E405B}" destId="{A0608930-FFF6-4A1F-9BE3-71568543785A}" srcOrd="8" destOrd="0" presId="urn:microsoft.com/office/officeart/2016/7/layout/ChevronBlockProcess"/>
-    <dgm:cxn modelId="{51730239-F259-4414-A71D-BC911A18E82F}" type="presParOf" srcId="{A0608930-FFF6-4A1F-9BE3-71568543785A}" destId="{A81DD7F7-7048-4B36-B578-47D266510B3E}" srcOrd="0" destOrd="0" presId="urn:microsoft.com/office/officeart/2016/7/layout/ChevronBlockProcess"/>
-    <dgm:cxn modelId="{81F30B41-39F3-4C76-A225-6324CA631CDE}" type="presParOf" srcId="{A0608930-FFF6-4A1F-9BE3-71568543785A}" destId="{127137F1-1257-4E3D-B3BC-CBB9FD586019}" srcOrd="1" destOrd="0" presId="urn:microsoft.com/office/officeart/2016/7/layout/ChevronBlockProcess"/>
-    <dgm:cxn modelId="{767799AE-C324-45C7-933C-B98C1495F727}" type="presParOf" srcId="{A72AA21A-C1EE-4838-ADC3-60B0FF1E405B}" destId="{6B8E5208-4AA5-476A-84F3-293D0A6EC06E}" srcOrd="9" destOrd="0" presId="urn:microsoft.com/office/officeart/2016/7/layout/ChevronBlockProcess"/>
-    <dgm:cxn modelId="{362D2C58-16E7-46ED-A3B3-65F4631069B4}" type="presParOf" srcId="{A72AA21A-C1EE-4838-ADC3-60B0FF1E405B}" destId="{AE2FE1BC-401F-464C-B3B9-94F5D54112E7}" srcOrd="10" destOrd="0" presId="urn:microsoft.com/office/officeart/2016/7/layout/ChevronBlockProcess"/>
-    <dgm:cxn modelId="{F6DEEC0C-BB31-4A08-8D61-B75E87C2CD3A}" type="presParOf" srcId="{AE2FE1BC-401F-464C-B3B9-94F5D54112E7}" destId="{CAC99054-4D22-459A-BA4A-E4EA5D24FE8A}" srcOrd="0" destOrd="0" presId="urn:microsoft.com/office/officeart/2016/7/layout/ChevronBlockProcess"/>
-    <dgm:cxn modelId="{62796171-2C56-4AC9-8577-1F6A424B68FD}" type="presParOf" srcId="{AE2FE1BC-401F-464C-B3B9-94F5D54112E7}" destId="{9301E6A2-92F8-4CF4-9DB4-161729A64B0F}" srcOrd="1" destOrd="0" presId="urn:microsoft.com/office/officeart/2016/7/layout/ChevronBlockProcess"/>
+    <dgm:cxn modelId="{7D495E43-6B25-4558-8E35-CA7BE2E60350}" type="presParOf" srcId="{A72AA21A-C1EE-4838-ADC3-60B0FF1E405B}" destId="{642263DD-9088-4AFF-AA2D-77D6620603D1}" srcOrd="0" destOrd="0" presId="urn:microsoft.com/office/officeart/2016/7/layout/ChevronBlockProcess"/>
+    <dgm:cxn modelId="{3228EFB4-F200-429F-976D-F09ED0FEAA78}" type="presParOf" srcId="{642263DD-9088-4AFF-AA2D-77D6620603D1}" destId="{3FB81F9A-9101-4634-95F3-90E526C7215D}" srcOrd="0" destOrd="0" presId="urn:microsoft.com/office/officeart/2016/7/layout/ChevronBlockProcess"/>
+    <dgm:cxn modelId="{885644FE-D392-4F18-ABD2-211E62D04B7F}" type="presParOf" srcId="{642263DD-9088-4AFF-AA2D-77D6620603D1}" destId="{D733675F-B879-49BD-A715-8A27284F454A}" srcOrd="1" destOrd="0" presId="urn:microsoft.com/office/officeart/2016/7/layout/ChevronBlockProcess"/>
+    <dgm:cxn modelId="{C0091952-F81F-426A-BF58-FED2A332BC50}" type="presParOf" srcId="{A72AA21A-C1EE-4838-ADC3-60B0FF1E405B}" destId="{35ADCD41-8349-4E8E-B7ED-C957140D1E43}" srcOrd="1" destOrd="0" presId="urn:microsoft.com/office/officeart/2016/7/layout/ChevronBlockProcess"/>
+    <dgm:cxn modelId="{EAE9E318-E10D-4463-AFD4-81A6DF66FE2C}" type="presParOf" srcId="{A72AA21A-C1EE-4838-ADC3-60B0FF1E405B}" destId="{8B6DD8DB-B030-4092-A192-B03277C2DA31}" srcOrd="2" destOrd="0" presId="urn:microsoft.com/office/officeart/2016/7/layout/ChevronBlockProcess"/>
+    <dgm:cxn modelId="{3E7EAAF7-57B5-45A7-AFDB-CB85B16F69C1}" type="presParOf" srcId="{8B6DD8DB-B030-4092-A192-B03277C2DA31}" destId="{7B2F2EAF-8610-4DC9-B1C8-9E4E33D97A56}" srcOrd="0" destOrd="0" presId="urn:microsoft.com/office/officeart/2016/7/layout/ChevronBlockProcess"/>
+    <dgm:cxn modelId="{303F99B1-3C91-4086-B821-C94C10EFD704}" type="presParOf" srcId="{8B6DD8DB-B030-4092-A192-B03277C2DA31}" destId="{9865E62D-BAAD-460E-8F52-D5F4617B4A1C}" srcOrd="1" destOrd="0" presId="urn:microsoft.com/office/officeart/2016/7/layout/ChevronBlockProcess"/>
+    <dgm:cxn modelId="{3FD37337-310F-4ABB-A3FD-A9EA0B9EB2F4}" type="presParOf" srcId="{A72AA21A-C1EE-4838-ADC3-60B0FF1E405B}" destId="{C86157D2-5FB4-410F-ABF3-1A233904C7C2}" srcOrd="3" destOrd="0" presId="urn:microsoft.com/office/officeart/2016/7/layout/ChevronBlockProcess"/>
+    <dgm:cxn modelId="{B90CED12-CE7F-4BF4-B430-6F8075BB4056}" type="presParOf" srcId="{A72AA21A-C1EE-4838-ADC3-60B0FF1E405B}" destId="{A0E4728F-445B-47D1-AD45-C860E4C11D26}" srcOrd="4" destOrd="0" presId="urn:microsoft.com/office/officeart/2016/7/layout/ChevronBlockProcess"/>
+    <dgm:cxn modelId="{A45CB8CD-98B9-49A9-97F6-7CD76FCC7DB8}" type="presParOf" srcId="{A0E4728F-445B-47D1-AD45-C860E4C11D26}" destId="{B43C67AC-27E4-4561-9945-BA3980B01CB6}" srcOrd="0" destOrd="0" presId="urn:microsoft.com/office/officeart/2016/7/layout/ChevronBlockProcess"/>
+    <dgm:cxn modelId="{17595DAC-C346-4E6A-B0B7-D91B003C052C}" type="presParOf" srcId="{A0E4728F-445B-47D1-AD45-C860E4C11D26}" destId="{1C5EC7DC-DF21-41DE-B8B3-EED110D11954}" srcOrd="1" destOrd="0" presId="urn:microsoft.com/office/officeart/2016/7/layout/ChevronBlockProcess"/>
+    <dgm:cxn modelId="{AC6E62FB-01FE-4FD5-BAA1-C4E210B9058A}" type="presParOf" srcId="{A72AA21A-C1EE-4838-ADC3-60B0FF1E405B}" destId="{90F04AE4-14C7-428C-8CB9-7D75AD48D4B1}" srcOrd="5" destOrd="0" presId="urn:microsoft.com/office/officeart/2016/7/layout/ChevronBlockProcess"/>
+    <dgm:cxn modelId="{CD1B79AA-CC3C-4A4F-AEDF-3F2E54D4D3DB}" type="presParOf" srcId="{A72AA21A-C1EE-4838-ADC3-60B0FF1E405B}" destId="{C87AC7D7-9D6C-4883-9D59-6E38029E6B66}" srcOrd="6" destOrd="0" presId="urn:microsoft.com/office/officeart/2016/7/layout/ChevronBlockProcess"/>
+    <dgm:cxn modelId="{679D5BE2-FCAA-4003-822F-122C040CADC8}" type="presParOf" srcId="{C87AC7D7-9D6C-4883-9D59-6E38029E6B66}" destId="{5A4EA1AD-6123-42BB-83C9-01F7F3CDAE01}" srcOrd="0" destOrd="0" presId="urn:microsoft.com/office/officeart/2016/7/layout/ChevronBlockProcess"/>
+    <dgm:cxn modelId="{A7BE3EEC-BE33-4586-A93D-1DA194962719}" type="presParOf" srcId="{C87AC7D7-9D6C-4883-9D59-6E38029E6B66}" destId="{3DE15086-F8DC-4323-95A7-8F4F3BDAD0C3}" srcOrd="1" destOrd="0" presId="urn:microsoft.com/office/officeart/2016/7/layout/ChevronBlockProcess"/>
+    <dgm:cxn modelId="{A2FB8626-B91C-4916-B8B7-A2FE17766CB3}" type="presParOf" srcId="{A72AA21A-C1EE-4838-ADC3-60B0FF1E405B}" destId="{44E1E74F-9F50-4CDD-A862-0C8EEB5944C8}" srcOrd="7" destOrd="0" presId="urn:microsoft.com/office/officeart/2016/7/layout/ChevronBlockProcess"/>
+    <dgm:cxn modelId="{201CD78B-108D-4B63-B88B-AEEC27DF3AC7}" type="presParOf" srcId="{A72AA21A-C1EE-4838-ADC3-60B0FF1E405B}" destId="{A0608930-FFF6-4A1F-9BE3-71568543785A}" srcOrd="8" destOrd="0" presId="urn:microsoft.com/office/officeart/2016/7/layout/ChevronBlockProcess"/>
+    <dgm:cxn modelId="{7BB5584E-0C89-43E8-A782-2433AC495535}" type="presParOf" srcId="{A0608930-FFF6-4A1F-9BE3-71568543785A}" destId="{A81DD7F7-7048-4B36-B578-47D266510B3E}" srcOrd="0" destOrd="0" presId="urn:microsoft.com/office/officeart/2016/7/layout/ChevronBlockProcess"/>
+    <dgm:cxn modelId="{578999FC-A098-4890-B28E-61CFE8159844}" type="presParOf" srcId="{A0608930-FFF6-4A1F-9BE3-71568543785A}" destId="{127137F1-1257-4E3D-B3BC-CBB9FD586019}" srcOrd="1" destOrd="0" presId="urn:microsoft.com/office/officeart/2016/7/layout/ChevronBlockProcess"/>
+    <dgm:cxn modelId="{57FAB186-54DE-4CEE-89F0-4FD9D7DEDC4D}" type="presParOf" srcId="{A72AA21A-C1EE-4838-ADC3-60B0FF1E405B}" destId="{6B8E5208-4AA5-476A-84F3-293D0A6EC06E}" srcOrd="9" destOrd="0" presId="urn:microsoft.com/office/officeart/2016/7/layout/ChevronBlockProcess"/>
+    <dgm:cxn modelId="{71B0825A-576F-46D9-914A-6DDFA403A2B1}" type="presParOf" srcId="{A72AA21A-C1EE-4838-ADC3-60B0FF1E405B}" destId="{AE2FE1BC-401F-464C-B3B9-94F5D54112E7}" srcOrd="10" destOrd="0" presId="urn:microsoft.com/office/officeart/2016/7/layout/ChevronBlockProcess"/>
+    <dgm:cxn modelId="{079770AF-8A47-4CEC-ACF8-2A96BBC7D7C7}" type="presParOf" srcId="{AE2FE1BC-401F-464C-B3B9-94F5D54112E7}" destId="{CAC99054-4D22-459A-BA4A-E4EA5D24FE8A}" srcOrd="0" destOrd="0" presId="urn:microsoft.com/office/officeart/2016/7/layout/ChevronBlockProcess"/>
+    <dgm:cxn modelId="{C0AC3407-5045-445F-BB59-E080F11B45AA}" type="presParOf" srcId="{AE2FE1BC-401F-464C-B3B9-94F5D54112E7}" destId="{9301E6A2-92F8-4CF4-9DB4-161729A64B0F}" srcOrd="1" destOrd="0" presId="urn:microsoft.com/office/officeart/2016/7/layout/ChevronBlockProcess"/>
   </dgm:cxnLst>
   <dgm:bg/>
   <dgm:whole/>
@@ -2308,6 +3815,1247 @@
 </file>
 
 <file path=ppt/diagrams/data2.xml><?xml version="1.0" encoding="utf-8"?>
+<dgm:dataModel xmlns:dgm="http://schemas.openxmlformats.org/drawingml/2006/diagram" xmlns:a="http://schemas.openxmlformats.org/drawingml/2006/main">
+  <dgm:ptLst>
+    <dgm:pt modelId="{74BD9F29-841E-4744-A2A6-A357310502C1}" type="doc">
+      <dgm:prSet loTypeId="urn:microsoft.com/office/officeart/2016/7/layout/ChevronBlockProcess" loCatId="process" qsTypeId="urn:microsoft.com/office/officeart/2005/8/quickstyle/simple1" qsCatId="simple" csTypeId="urn:microsoft.com/office/officeart/2005/8/colors/accent0_3" csCatId="mainScheme" phldr="1"/>
+      <dgm:spPr/>
+      <dgm:t>
+        <a:bodyPr/>
+        <a:lstStyle/>
+        <a:p>
+          <a:endParaRPr lang="en-US"/>
+        </a:p>
+      </dgm:t>
+    </dgm:pt>
+    <dgm:pt modelId="{E679CB7F-0EC5-4B1A-B66B-97AE1C8DAE0D}">
+      <dgm:prSet phldr="0"/>
+      <dgm:spPr/>
+      <dgm:t>
+        <a:bodyPr/>
+        <a:lstStyle/>
+        <a:p>
+          <a:pPr rtl="0"/>
+          <a:r>
+            <a:rPr lang="en-US" dirty="0">
+              <a:latin typeface="Calibri Light" panose="020F0302020204030204"/>
+            </a:rPr>
+            <a:t>Read </a:t>
+          </a:r>
+          <a:endParaRPr lang="en-US" dirty="0"/>
+        </a:p>
+      </dgm:t>
+    </dgm:pt>
+    <dgm:pt modelId="{005673B8-1945-4538-9F04-6D50381D2B7F}" type="parTrans" cxnId="{93B29B0B-1F05-4AA4-9755-16CD0B65EDDE}">
+      <dgm:prSet/>
+      <dgm:spPr/>
+      <dgm:t>
+        <a:bodyPr/>
+        <a:lstStyle/>
+        <a:p>
+          <a:endParaRPr lang="en-US"/>
+        </a:p>
+      </dgm:t>
+    </dgm:pt>
+    <dgm:pt modelId="{A2D87FEC-4611-4498-8AE9-659D63780FEC}" type="sibTrans" cxnId="{93B29B0B-1F05-4AA4-9755-16CD0B65EDDE}">
+      <dgm:prSet/>
+      <dgm:spPr/>
+      <dgm:t>
+        <a:bodyPr/>
+        <a:lstStyle/>
+        <a:p>
+          <a:endParaRPr lang="en-US"/>
+        </a:p>
+      </dgm:t>
+    </dgm:pt>
+    <dgm:pt modelId="{C8A354FF-D529-4C18-B368-6BE9B7856A8A}">
+      <dgm:prSet phldr="0"/>
+      <dgm:spPr/>
+      <dgm:t>
+        <a:bodyPr/>
+        <a:lstStyle/>
+        <a:p>
+          <a:pPr rtl="0"/>
+          <a:r>
+            <a:rPr lang="en-US" dirty="0">
+              <a:latin typeface="Calibri Light" panose="020F0302020204030204"/>
+            </a:rPr>
+            <a:t>Read the content of the PR and check the files changed</a:t>
+          </a:r>
+          <a:endParaRPr lang="en-US" dirty="0"/>
+        </a:p>
+      </dgm:t>
+    </dgm:pt>
+    <dgm:pt modelId="{C9F27CA6-7768-4591-A4FA-E2874F03AF6B}" type="parTrans" cxnId="{A55FBCA4-E609-4014-826C-0D9959F289F1}">
+      <dgm:prSet/>
+      <dgm:spPr/>
+      <dgm:t>
+        <a:bodyPr/>
+        <a:lstStyle/>
+        <a:p>
+          <a:endParaRPr lang="en-US"/>
+        </a:p>
+      </dgm:t>
+    </dgm:pt>
+    <dgm:pt modelId="{2BEEAD15-59D7-4DE0-A875-69D39197EB70}" type="sibTrans" cxnId="{A55FBCA4-E609-4014-826C-0D9959F289F1}">
+      <dgm:prSet/>
+      <dgm:spPr/>
+      <dgm:t>
+        <a:bodyPr/>
+        <a:lstStyle/>
+        <a:p>
+          <a:endParaRPr lang="en-US"/>
+        </a:p>
+      </dgm:t>
+    </dgm:pt>
+    <dgm:pt modelId="{E8B6B01E-D6B8-49D9-8FAD-5E371DE74BB0}">
+      <dgm:prSet phldr="0"/>
+      <dgm:spPr/>
+      <dgm:t>
+        <a:bodyPr/>
+        <a:lstStyle/>
+        <a:p>
+          <a:pPr rtl="0"/>
+          <a:r>
+            <a:rPr lang="en-US" dirty="0">
+              <a:latin typeface="Calibri Light" panose="020F0302020204030204"/>
+            </a:rPr>
+            <a:t>Change Request</a:t>
+          </a:r>
+          <a:endParaRPr lang="en-US" dirty="0"/>
+        </a:p>
+      </dgm:t>
+    </dgm:pt>
+    <dgm:pt modelId="{B2248585-A79C-4CDA-9289-27E370944C1A}" type="parTrans" cxnId="{C4B4893B-F92A-4799-8D33-30B32B764087}">
+      <dgm:prSet/>
+      <dgm:spPr/>
+      <dgm:t>
+        <a:bodyPr/>
+        <a:lstStyle/>
+        <a:p>
+          <a:endParaRPr lang="en-US"/>
+        </a:p>
+      </dgm:t>
+    </dgm:pt>
+    <dgm:pt modelId="{0CC398EB-F978-4BF3-855C-8AABD939A45C}" type="sibTrans" cxnId="{C4B4893B-F92A-4799-8D33-30B32B764087}">
+      <dgm:prSet/>
+      <dgm:spPr/>
+      <dgm:t>
+        <a:bodyPr/>
+        <a:lstStyle/>
+        <a:p>
+          <a:endParaRPr lang="en-US"/>
+        </a:p>
+      </dgm:t>
+    </dgm:pt>
+    <dgm:pt modelId="{7063B249-1C0F-4D67-8BE0-B9A90919E07D}">
+      <dgm:prSet/>
+      <dgm:spPr/>
+      <dgm:t>
+        <a:bodyPr/>
+        <a:lstStyle/>
+        <a:p>
+          <a:pPr rtl="0"/>
+          <a:r>
+            <a:rPr lang="en-US" dirty="0">
+              <a:latin typeface="Calibri Light" panose="020F0302020204030204"/>
+            </a:rPr>
+            <a:t>If needed ask for a change </a:t>
+          </a:r>
+          <a:endParaRPr lang="en-US" dirty="0"/>
+        </a:p>
+      </dgm:t>
+    </dgm:pt>
+    <dgm:pt modelId="{F8AE0501-8BB0-4757-9574-68E0CF36CD4F}" type="parTrans" cxnId="{5FA945C8-4AB2-4261-8BD2-8F11971933CA}">
+      <dgm:prSet/>
+      <dgm:spPr/>
+      <dgm:t>
+        <a:bodyPr/>
+        <a:lstStyle/>
+        <a:p>
+          <a:endParaRPr lang="en-US"/>
+        </a:p>
+      </dgm:t>
+    </dgm:pt>
+    <dgm:pt modelId="{1B81C672-D373-4646-B838-9ECB464D13A1}" type="sibTrans" cxnId="{5FA945C8-4AB2-4261-8BD2-8F11971933CA}">
+      <dgm:prSet/>
+      <dgm:spPr/>
+      <dgm:t>
+        <a:bodyPr/>
+        <a:lstStyle/>
+        <a:p>
+          <a:endParaRPr lang="en-US"/>
+        </a:p>
+      </dgm:t>
+    </dgm:pt>
+    <dgm:pt modelId="{F226FA51-16FD-4895-A268-F589EC2C0E05}">
+      <dgm:prSet/>
+      <dgm:spPr/>
+      <dgm:t>
+        <a:bodyPr/>
+        <a:lstStyle/>
+        <a:p>
+          <a:r>
+            <a:rPr lang="en-US" dirty="0">
+              <a:latin typeface="Calibri Light" panose="020F0302020204030204"/>
+            </a:rPr>
+            <a:t>Approve</a:t>
+          </a:r>
+          <a:endParaRPr lang="en-US" dirty="0"/>
+        </a:p>
+      </dgm:t>
+    </dgm:pt>
+    <dgm:pt modelId="{857FEB2C-7431-4A1A-B5E7-A4D89FB0CC06}" type="parTrans" cxnId="{1F896EEF-E3D2-4AA4-89C2-9C216415D93C}">
+      <dgm:prSet/>
+      <dgm:spPr/>
+      <dgm:t>
+        <a:bodyPr/>
+        <a:lstStyle/>
+        <a:p>
+          <a:endParaRPr lang="en-US"/>
+        </a:p>
+      </dgm:t>
+    </dgm:pt>
+    <dgm:pt modelId="{C4264290-7C97-4835-930A-DF6D56742F53}" type="sibTrans" cxnId="{1F896EEF-E3D2-4AA4-89C2-9C216415D93C}">
+      <dgm:prSet/>
+      <dgm:spPr/>
+      <dgm:t>
+        <a:bodyPr/>
+        <a:lstStyle/>
+        <a:p>
+          <a:endParaRPr lang="en-US"/>
+        </a:p>
+      </dgm:t>
+    </dgm:pt>
+    <dgm:pt modelId="{739D88F3-1E10-47A5-90F4-DDC650273AEC}">
+      <dgm:prSet/>
+      <dgm:spPr/>
+      <dgm:t>
+        <a:bodyPr/>
+        <a:lstStyle/>
+        <a:p>
+          <a:pPr rtl="0"/>
+          <a:r>
+            <a:rPr lang="en-US" dirty="0">
+              <a:latin typeface="Calibri Light" panose="020F0302020204030204"/>
+            </a:rPr>
+            <a:t>If change requested approve them</a:t>
+          </a:r>
+          <a:endParaRPr lang="en-US" dirty="0"/>
+        </a:p>
+      </dgm:t>
+    </dgm:pt>
+    <dgm:pt modelId="{28CE9ED2-EF3A-41DD-8967-3BECFF7716FE}" type="parTrans" cxnId="{7C4C0517-2130-4EA2-A807-980E286F4824}">
+      <dgm:prSet/>
+      <dgm:spPr/>
+      <dgm:t>
+        <a:bodyPr/>
+        <a:lstStyle/>
+        <a:p>
+          <a:endParaRPr lang="en-US"/>
+        </a:p>
+      </dgm:t>
+    </dgm:pt>
+    <dgm:pt modelId="{0A0CF397-9708-4F2A-A49C-3C2E53276655}" type="sibTrans" cxnId="{7C4C0517-2130-4EA2-A807-980E286F4824}">
+      <dgm:prSet/>
+      <dgm:spPr/>
+      <dgm:t>
+        <a:bodyPr/>
+        <a:lstStyle/>
+        <a:p>
+          <a:endParaRPr lang="en-US"/>
+        </a:p>
+      </dgm:t>
+    </dgm:pt>
+    <dgm:pt modelId="{B0BEBE0D-0426-4D8D-AFFA-032B4DC72771}">
+      <dgm:prSet/>
+      <dgm:spPr/>
+      <dgm:t>
+        <a:bodyPr/>
+        <a:lstStyle/>
+        <a:p>
+          <a:pPr rtl="0"/>
+          <a:r>
+            <a:rPr lang="en-US" dirty="0">
+              <a:latin typeface="Calibri Light" panose="020F0302020204030204"/>
+            </a:rPr>
+            <a:t>Merge the PR</a:t>
+          </a:r>
+          <a:endParaRPr lang="en-US" dirty="0"/>
+        </a:p>
+      </dgm:t>
+    </dgm:pt>
+    <dgm:pt modelId="{A7CD12D8-8EF2-4C10-83CD-560D9B69E43E}" type="parTrans" cxnId="{1099BD9E-CDD4-4424-BD93-CB1B600C4071}">
+      <dgm:prSet/>
+      <dgm:spPr/>
+      <dgm:t>
+        <a:bodyPr/>
+        <a:lstStyle/>
+        <a:p>
+          <a:endParaRPr lang="en-US"/>
+        </a:p>
+      </dgm:t>
+    </dgm:pt>
+    <dgm:pt modelId="{E53B8F1E-9CD9-46F6-83A5-F894E1BB3153}" type="sibTrans" cxnId="{1099BD9E-CDD4-4424-BD93-CB1B600C4071}">
+      <dgm:prSet/>
+      <dgm:spPr/>
+      <dgm:t>
+        <a:bodyPr/>
+        <a:lstStyle/>
+        <a:p>
+          <a:endParaRPr lang="en-US"/>
+        </a:p>
+      </dgm:t>
+    </dgm:pt>
+    <dgm:pt modelId="{AACA55E6-2987-4B03-9240-CF4A7704C5DC}">
+      <dgm:prSet phldr="0"/>
+      <dgm:spPr/>
+      <dgm:t>
+        <a:bodyPr/>
+        <a:lstStyle/>
+        <a:p>
+          <a:r>
+            <a:rPr lang="en-US" dirty="0">
+              <a:latin typeface="Calibri Light" panose="020F0302020204030204"/>
+            </a:rPr>
+            <a:t>Merge and squash</a:t>
+          </a:r>
+          <a:endParaRPr lang="en-US" dirty="0"/>
+        </a:p>
+      </dgm:t>
+    </dgm:pt>
+    <dgm:pt modelId="{BEADEB8C-6BD4-45F5-B063-6DDE9C0FCE33}" type="parTrans" cxnId="{AFABB187-1FF0-4F43-9529-249847111AA8}">
+      <dgm:prSet/>
+      <dgm:spPr/>
+    </dgm:pt>
+    <dgm:pt modelId="{4CF76E79-B35E-46CF-8DD9-D1D5AA89C4C0}" type="sibTrans" cxnId="{AFABB187-1FF0-4F43-9529-249847111AA8}">
+      <dgm:prSet/>
+      <dgm:spPr/>
+    </dgm:pt>
+    <dgm:pt modelId="{C9DB58D5-6F71-4B6B-A4F4-0AD19F3883D2}">
+      <dgm:prSet phldr="0"/>
+      <dgm:spPr/>
+      <dgm:t>
+        <a:bodyPr/>
+        <a:lstStyle/>
+        <a:p>
+          <a:pPr rtl="0"/>
+          <a:r>
+            <a:rPr lang="en-US" dirty="0">
+              <a:latin typeface="Calibri Light" panose="020F0302020204030204"/>
+            </a:rPr>
+            <a:t>Rebase and Merge</a:t>
+          </a:r>
+        </a:p>
+      </dgm:t>
+    </dgm:pt>
+    <dgm:pt modelId="{98AD56FD-058E-40A2-BBFE-FDF65B709564}" type="parTrans" cxnId="{A1E5AFBC-B8AA-4222-90A3-46D1D4DDA847}">
+      <dgm:prSet/>
+      <dgm:spPr/>
+    </dgm:pt>
+    <dgm:pt modelId="{BCB336DE-994C-4F00-8FE6-3ACF9640A2BF}" type="sibTrans" cxnId="{A1E5AFBC-B8AA-4222-90A3-46D1D4DDA847}">
+      <dgm:prSet/>
+      <dgm:spPr/>
+    </dgm:pt>
+    <dgm:pt modelId="{D242C9CD-5245-459D-B79B-078661A0BBB4}">
+      <dgm:prSet phldr="0"/>
+      <dgm:spPr/>
+      <dgm:t>
+        <a:bodyPr/>
+        <a:lstStyle/>
+        <a:p>
+          <a:endParaRPr lang="en-US" dirty="0">
+            <a:latin typeface="Calibri Light" panose="020F0302020204030204"/>
+          </a:endParaRPr>
+        </a:p>
+      </dgm:t>
+    </dgm:pt>
+    <dgm:pt modelId="{122E524F-A085-4FE9-A1CC-459D4FA2EB09}" type="parTrans" cxnId="{A766E5B8-3FBD-47EA-8AB5-9CAD3F716BA0}">
+      <dgm:prSet/>
+      <dgm:spPr/>
+    </dgm:pt>
+    <dgm:pt modelId="{0BA41161-2A50-4A47-BF92-60ECA8834D85}" type="sibTrans" cxnId="{A766E5B8-3FBD-47EA-8AB5-9CAD3F716BA0}">
+      <dgm:prSet/>
+      <dgm:spPr/>
+    </dgm:pt>
+    <dgm:pt modelId="{43F07D76-5B5D-4F9F-9108-46FC7B9474F2}">
+      <dgm:prSet phldr="0"/>
+      <dgm:spPr/>
+      <dgm:t>
+        <a:bodyPr/>
+        <a:lstStyle/>
+        <a:p>
+          <a:pPr rtl="0"/>
+          <a:r>
+            <a:rPr lang="en-US" dirty="0">
+              <a:latin typeface="Calibri Light" panose="020F0302020204030204"/>
+            </a:rPr>
+            <a:t>Merge</a:t>
+          </a:r>
+        </a:p>
+      </dgm:t>
+    </dgm:pt>
+    <dgm:pt modelId="{FD7802A0-E5BF-4177-9B68-C9C97F6A7E54}" type="parTrans" cxnId="{881D641F-0007-43EF-98EA-7638D08727BA}">
+      <dgm:prSet/>
+      <dgm:spPr/>
+    </dgm:pt>
+    <dgm:pt modelId="{352AEC4C-BF97-471F-844D-CA36C2EED54A}" type="sibTrans" cxnId="{881D641F-0007-43EF-98EA-7638D08727BA}">
+      <dgm:prSet/>
+      <dgm:spPr/>
+    </dgm:pt>
+    <dgm:pt modelId="{A72AA21A-C1EE-4838-ADC3-60B0FF1E405B}" type="pres">
+      <dgm:prSet presAssocID="{74BD9F29-841E-4744-A2A6-A357310502C1}" presName="Name0" presStyleCnt="0">
+        <dgm:presLayoutVars>
+          <dgm:dir/>
+          <dgm:animLvl val="lvl"/>
+          <dgm:resizeHandles val="exact"/>
+        </dgm:presLayoutVars>
+      </dgm:prSet>
+      <dgm:spPr/>
+    </dgm:pt>
+    <dgm:pt modelId="{642263DD-9088-4AFF-AA2D-77D6620603D1}" type="pres">
+      <dgm:prSet presAssocID="{E679CB7F-0EC5-4B1A-B66B-97AE1C8DAE0D}" presName="composite" presStyleCnt="0"/>
+      <dgm:spPr/>
+    </dgm:pt>
+    <dgm:pt modelId="{3FB81F9A-9101-4634-95F3-90E526C7215D}" type="pres">
+      <dgm:prSet presAssocID="{E679CB7F-0EC5-4B1A-B66B-97AE1C8DAE0D}" presName="parTx" presStyleLbl="alignNode1" presStyleIdx="0" presStyleCnt="4">
+        <dgm:presLayoutVars>
+          <dgm:chMax val="0"/>
+          <dgm:chPref val="0"/>
+        </dgm:presLayoutVars>
+      </dgm:prSet>
+      <dgm:spPr/>
+    </dgm:pt>
+    <dgm:pt modelId="{D733675F-B879-49BD-A715-8A27284F454A}" type="pres">
+      <dgm:prSet presAssocID="{E679CB7F-0EC5-4B1A-B66B-97AE1C8DAE0D}" presName="desTx" presStyleLbl="alignAccFollowNode1" presStyleIdx="0" presStyleCnt="4">
+        <dgm:presLayoutVars/>
+      </dgm:prSet>
+      <dgm:spPr/>
+    </dgm:pt>
+    <dgm:pt modelId="{35ADCD41-8349-4E8E-B7ED-C957140D1E43}" type="pres">
+      <dgm:prSet presAssocID="{A2D87FEC-4611-4498-8AE9-659D63780FEC}" presName="space" presStyleCnt="0"/>
+      <dgm:spPr/>
+    </dgm:pt>
+    <dgm:pt modelId="{8B6DD8DB-B030-4092-A192-B03277C2DA31}" type="pres">
+      <dgm:prSet presAssocID="{E8B6B01E-D6B8-49D9-8FAD-5E371DE74BB0}" presName="composite" presStyleCnt="0"/>
+      <dgm:spPr/>
+    </dgm:pt>
+    <dgm:pt modelId="{7B2F2EAF-8610-4DC9-B1C8-9E4E33D97A56}" type="pres">
+      <dgm:prSet presAssocID="{E8B6B01E-D6B8-49D9-8FAD-5E371DE74BB0}" presName="parTx" presStyleLbl="alignNode1" presStyleIdx="1" presStyleCnt="4">
+        <dgm:presLayoutVars>
+          <dgm:chMax val="0"/>
+          <dgm:chPref val="0"/>
+        </dgm:presLayoutVars>
+      </dgm:prSet>
+      <dgm:spPr/>
+    </dgm:pt>
+    <dgm:pt modelId="{9865E62D-BAAD-460E-8F52-D5F4617B4A1C}" type="pres">
+      <dgm:prSet presAssocID="{E8B6B01E-D6B8-49D9-8FAD-5E371DE74BB0}" presName="desTx" presStyleLbl="alignAccFollowNode1" presStyleIdx="1" presStyleCnt="4">
+        <dgm:presLayoutVars/>
+      </dgm:prSet>
+      <dgm:spPr/>
+    </dgm:pt>
+    <dgm:pt modelId="{C86157D2-5FB4-410F-ABF3-1A233904C7C2}" type="pres">
+      <dgm:prSet presAssocID="{0CC398EB-F978-4BF3-855C-8AABD939A45C}" presName="space" presStyleCnt="0"/>
+      <dgm:spPr/>
+    </dgm:pt>
+    <dgm:pt modelId="{A0E4728F-445B-47D1-AD45-C860E4C11D26}" type="pres">
+      <dgm:prSet presAssocID="{F226FA51-16FD-4895-A268-F589EC2C0E05}" presName="composite" presStyleCnt="0"/>
+      <dgm:spPr/>
+    </dgm:pt>
+    <dgm:pt modelId="{B43C67AC-27E4-4561-9945-BA3980B01CB6}" type="pres">
+      <dgm:prSet presAssocID="{F226FA51-16FD-4895-A268-F589EC2C0E05}" presName="parTx" presStyleLbl="alignNode1" presStyleIdx="2" presStyleCnt="4">
+        <dgm:presLayoutVars>
+          <dgm:chMax val="0"/>
+          <dgm:chPref val="0"/>
+        </dgm:presLayoutVars>
+      </dgm:prSet>
+      <dgm:spPr/>
+    </dgm:pt>
+    <dgm:pt modelId="{1C5EC7DC-DF21-41DE-B8B3-EED110D11954}" type="pres">
+      <dgm:prSet presAssocID="{F226FA51-16FD-4895-A268-F589EC2C0E05}" presName="desTx" presStyleLbl="alignAccFollowNode1" presStyleIdx="2" presStyleCnt="4">
+        <dgm:presLayoutVars/>
+      </dgm:prSet>
+      <dgm:spPr/>
+    </dgm:pt>
+    <dgm:pt modelId="{90F04AE4-14C7-428C-8CB9-7D75AD48D4B1}" type="pres">
+      <dgm:prSet presAssocID="{C4264290-7C97-4835-930A-DF6D56742F53}" presName="space" presStyleCnt="0"/>
+      <dgm:spPr/>
+    </dgm:pt>
+    <dgm:pt modelId="{C87AC7D7-9D6C-4883-9D59-6E38029E6B66}" type="pres">
+      <dgm:prSet presAssocID="{B0BEBE0D-0426-4D8D-AFFA-032B4DC72771}" presName="composite" presStyleCnt="0"/>
+      <dgm:spPr/>
+    </dgm:pt>
+    <dgm:pt modelId="{5A4EA1AD-6123-42BB-83C9-01F7F3CDAE01}" type="pres">
+      <dgm:prSet presAssocID="{B0BEBE0D-0426-4D8D-AFFA-032B4DC72771}" presName="parTx" presStyleLbl="alignNode1" presStyleIdx="3" presStyleCnt="4">
+        <dgm:presLayoutVars>
+          <dgm:chMax val="0"/>
+          <dgm:chPref val="0"/>
+        </dgm:presLayoutVars>
+      </dgm:prSet>
+      <dgm:spPr/>
+    </dgm:pt>
+    <dgm:pt modelId="{3DE15086-F8DC-4323-95A7-8F4F3BDAD0C3}" type="pres">
+      <dgm:prSet presAssocID="{B0BEBE0D-0426-4D8D-AFFA-032B4DC72771}" presName="desTx" presStyleLbl="alignAccFollowNode1" presStyleIdx="3" presStyleCnt="4">
+        <dgm:presLayoutVars/>
+      </dgm:prSet>
+      <dgm:spPr/>
+    </dgm:pt>
+  </dgm:ptLst>
+  <dgm:cxnLst>
+    <dgm:cxn modelId="{13484200-64CF-40EC-AA26-A7508F114DE9}" type="presOf" srcId="{E679CB7F-0EC5-4B1A-B66B-97AE1C8DAE0D}" destId="{3FB81F9A-9101-4634-95F3-90E526C7215D}" srcOrd="0" destOrd="0" presId="urn:microsoft.com/office/officeart/2016/7/layout/ChevronBlockProcess"/>
+    <dgm:cxn modelId="{93B29B0B-1F05-4AA4-9755-16CD0B65EDDE}" srcId="{74BD9F29-841E-4744-A2A6-A357310502C1}" destId="{E679CB7F-0EC5-4B1A-B66B-97AE1C8DAE0D}" srcOrd="0" destOrd="0" parTransId="{005673B8-1945-4538-9F04-6D50381D2B7F}" sibTransId="{A2D87FEC-4611-4498-8AE9-659D63780FEC}"/>
+    <dgm:cxn modelId="{7C4C0517-2130-4EA2-A807-980E286F4824}" srcId="{F226FA51-16FD-4895-A268-F589EC2C0E05}" destId="{739D88F3-1E10-47A5-90F4-DDC650273AEC}" srcOrd="0" destOrd="0" parTransId="{28CE9ED2-EF3A-41DD-8967-3BECFF7716FE}" sibTransId="{0A0CF397-9708-4F2A-A49C-3C2E53276655}"/>
+    <dgm:cxn modelId="{F2EC631C-FF19-49AD-B142-FC69839160F7}" type="presOf" srcId="{7063B249-1C0F-4D67-8BE0-B9A90919E07D}" destId="{9865E62D-BAAD-460E-8F52-D5F4617B4A1C}" srcOrd="0" destOrd="0" presId="urn:microsoft.com/office/officeart/2016/7/layout/ChevronBlockProcess"/>
+    <dgm:cxn modelId="{881D641F-0007-43EF-98EA-7638D08727BA}" srcId="{B0BEBE0D-0426-4D8D-AFFA-032B4DC72771}" destId="{43F07D76-5B5D-4F9F-9108-46FC7B9474F2}" srcOrd="0" destOrd="0" parTransId="{FD7802A0-E5BF-4177-9B68-C9C97F6A7E54}" sibTransId="{352AEC4C-BF97-471F-844D-CA36C2EED54A}"/>
+    <dgm:cxn modelId="{C4B4893B-F92A-4799-8D33-30B32B764087}" srcId="{74BD9F29-841E-4744-A2A6-A357310502C1}" destId="{E8B6B01E-D6B8-49D9-8FAD-5E371DE74BB0}" srcOrd="1" destOrd="0" parTransId="{B2248585-A79C-4CDA-9289-27E370944C1A}" sibTransId="{0CC398EB-F978-4BF3-855C-8AABD939A45C}"/>
+    <dgm:cxn modelId="{4ED17366-B183-4263-A6C2-6DEFF1136291}" type="presOf" srcId="{74BD9F29-841E-4744-A2A6-A357310502C1}" destId="{A72AA21A-C1EE-4838-ADC3-60B0FF1E405B}" srcOrd="0" destOrd="0" presId="urn:microsoft.com/office/officeart/2016/7/layout/ChevronBlockProcess"/>
+    <dgm:cxn modelId="{1B809B57-BD7C-48AF-AFCD-7977363A9C8E}" type="presOf" srcId="{F226FA51-16FD-4895-A268-F589EC2C0E05}" destId="{B43C67AC-27E4-4561-9945-BA3980B01CB6}" srcOrd="0" destOrd="0" presId="urn:microsoft.com/office/officeart/2016/7/layout/ChevronBlockProcess"/>
+    <dgm:cxn modelId="{AFABB187-1FF0-4F43-9529-249847111AA8}" srcId="{B0BEBE0D-0426-4D8D-AFFA-032B4DC72771}" destId="{AACA55E6-2987-4B03-9240-CF4A7704C5DC}" srcOrd="1" destOrd="0" parTransId="{BEADEB8C-6BD4-45F5-B063-6DDE9C0FCE33}" sibTransId="{4CF76E79-B35E-46CF-8DD9-D1D5AA89C4C0}"/>
+    <dgm:cxn modelId="{77D6918E-2327-4A85-B5F8-37ADF814652E}" type="presOf" srcId="{E8B6B01E-D6B8-49D9-8FAD-5E371DE74BB0}" destId="{7B2F2EAF-8610-4DC9-B1C8-9E4E33D97A56}" srcOrd="0" destOrd="0" presId="urn:microsoft.com/office/officeart/2016/7/layout/ChevronBlockProcess"/>
+    <dgm:cxn modelId="{1099BD9E-CDD4-4424-BD93-CB1B600C4071}" srcId="{74BD9F29-841E-4744-A2A6-A357310502C1}" destId="{B0BEBE0D-0426-4D8D-AFFA-032B4DC72771}" srcOrd="3" destOrd="0" parTransId="{A7CD12D8-8EF2-4C10-83CD-560D9B69E43E}" sibTransId="{E53B8F1E-9CD9-46F6-83A5-F894E1BB3153}"/>
+    <dgm:cxn modelId="{61591FA4-2B2F-49F9-972D-C0D43D41170F}" type="presOf" srcId="{43F07D76-5B5D-4F9F-9108-46FC7B9474F2}" destId="{3DE15086-F8DC-4323-95A7-8F4F3BDAD0C3}" srcOrd="0" destOrd="0" presId="urn:microsoft.com/office/officeart/2016/7/layout/ChevronBlockProcess"/>
+    <dgm:cxn modelId="{A55FBCA4-E609-4014-826C-0D9959F289F1}" srcId="{E679CB7F-0EC5-4B1A-B66B-97AE1C8DAE0D}" destId="{C8A354FF-D529-4C18-B368-6BE9B7856A8A}" srcOrd="0" destOrd="0" parTransId="{C9F27CA6-7768-4591-A4FA-E2874F03AF6B}" sibTransId="{2BEEAD15-59D7-4DE0-A875-69D39197EB70}"/>
+    <dgm:cxn modelId="{00CE6AAB-135A-4320-96A5-87E826B47B7A}" type="presOf" srcId="{B0BEBE0D-0426-4D8D-AFFA-032B4DC72771}" destId="{5A4EA1AD-6123-42BB-83C9-01F7F3CDAE01}" srcOrd="0" destOrd="0" presId="urn:microsoft.com/office/officeart/2016/7/layout/ChevronBlockProcess"/>
+    <dgm:cxn modelId="{468CA4B5-365F-4B19-ADC4-22A62620DC10}" type="presOf" srcId="{D242C9CD-5245-459D-B79B-078661A0BBB4}" destId="{3DE15086-F8DC-4323-95A7-8F4F3BDAD0C3}" srcOrd="0" destOrd="3" presId="urn:microsoft.com/office/officeart/2016/7/layout/ChevronBlockProcess"/>
+    <dgm:cxn modelId="{A766E5B8-3FBD-47EA-8AB5-9CAD3F716BA0}" srcId="{B0BEBE0D-0426-4D8D-AFFA-032B4DC72771}" destId="{D242C9CD-5245-459D-B79B-078661A0BBB4}" srcOrd="3" destOrd="0" parTransId="{122E524F-A085-4FE9-A1CC-459D4FA2EB09}" sibTransId="{0BA41161-2A50-4A47-BF92-60ECA8834D85}"/>
+    <dgm:cxn modelId="{236E3ABA-0B1B-48F0-8E21-3BFA96D86C38}" type="presOf" srcId="{C8A354FF-D529-4C18-B368-6BE9B7856A8A}" destId="{D733675F-B879-49BD-A715-8A27284F454A}" srcOrd="0" destOrd="0" presId="urn:microsoft.com/office/officeart/2016/7/layout/ChevronBlockProcess"/>
+    <dgm:cxn modelId="{A1E5AFBC-B8AA-4222-90A3-46D1D4DDA847}" srcId="{B0BEBE0D-0426-4D8D-AFFA-032B4DC72771}" destId="{C9DB58D5-6F71-4B6B-A4F4-0AD19F3883D2}" srcOrd="2" destOrd="0" parTransId="{98AD56FD-058E-40A2-BBFE-FDF65B709564}" sibTransId="{BCB336DE-994C-4F00-8FE6-3ACF9640A2BF}"/>
+    <dgm:cxn modelId="{BBE623C8-6F6E-49DF-8C74-6E90E8578BEA}" type="presOf" srcId="{739D88F3-1E10-47A5-90F4-DDC650273AEC}" destId="{1C5EC7DC-DF21-41DE-B8B3-EED110D11954}" srcOrd="0" destOrd="0" presId="urn:microsoft.com/office/officeart/2016/7/layout/ChevronBlockProcess"/>
+    <dgm:cxn modelId="{5FA945C8-4AB2-4261-8BD2-8F11971933CA}" srcId="{E8B6B01E-D6B8-49D9-8FAD-5E371DE74BB0}" destId="{7063B249-1C0F-4D67-8BE0-B9A90919E07D}" srcOrd="0" destOrd="0" parTransId="{F8AE0501-8BB0-4757-9574-68E0CF36CD4F}" sibTransId="{1B81C672-D373-4646-B838-9ECB464D13A1}"/>
+    <dgm:cxn modelId="{F7B0EFE1-9C6B-42A9-9780-BD7846E6C587}" type="presOf" srcId="{AACA55E6-2987-4B03-9240-CF4A7704C5DC}" destId="{3DE15086-F8DC-4323-95A7-8F4F3BDAD0C3}" srcOrd="0" destOrd="1" presId="urn:microsoft.com/office/officeart/2016/7/layout/ChevronBlockProcess"/>
+    <dgm:cxn modelId="{1F896EEF-E3D2-4AA4-89C2-9C216415D93C}" srcId="{74BD9F29-841E-4744-A2A6-A357310502C1}" destId="{F226FA51-16FD-4895-A268-F589EC2C0E05}" srcOrd="2" destOrd="0" parTransId="{857FEB2C-7431-4A1A-B5E7-A4D89FB0CC06}" sibTransId="{C4264290-7C97-4835-930A-DF6D56742F53}"/>
+    <dgm:cxn modelId="{78266AFD-E60F-482D-9F6D-CF1A2EC5D702}" type="presOf" srcId="{C9DB58D5-6F71-4B6B-A4F4-0AD19F3883D2}" destId="{3DE15086-F8DC-4323-95A7-8F4F3BDAD0C3}" srcOrd="0" destOrd="2" presId="urn:microsoft.com/office/officeart/2016/7/layout/ChevronBlockProcess"/>
+    <dgm:cxn modelId="{9F015551-1BAE-4879-BBF7-29F6B2F1B2FB}" type="presParOf" srcId="{A72AA21A-C1EE-4838-ADC3-60B0FF1E405B}" destId="{642263DD-9088-4AFF-AA2D-77D6620603D1}" srcOrd="0" destOrd="0" presId="urn:microsoft.com/office/officeart/2016/7/layout/ChevronBlockProcess"/>
+    <dgm:cxn modelId="{C89A9134-6549-4F65-AD3E-AD4BBDD49C83}" type="presParOf" srcId="{642263DD-9088-4AFF-AA2D-77D6620603D1}" destId="{3FB81F9A-9101-4634-95F3-90E526C7215D}" srcOrd="0" destOrd="0" presId="urn:microsoft.com/office/officeart/2016/7/layout/ChevronBlockProcess"/>
+    <dgm:cxn modelId="{70651618-36A3-4311-AA6F-98736C3C8DEF}" type="presParOf" srcId="{642263DD-9088-4AFF-AA2D-77D6620603D1}" destId="{D733675F-B879-49BD-A715-8A27284F454A}" srcOrd="1" destOrd="0" presId="urn:microsoft.com/office/officeart/2016/7/layout/ChevronBlockProcess"/>
+    <dgm:cxn modelId="{E14C732C-0F7D-4E8C-BE78-DAEED09E1FD9}" type="presParOf" srcId="{A72AA21A-C1EE-4838-ADC3-60B0FF1E405B}" destId="{35ADCD41-8349-4E8E-B7ED-C957140D1E43}" srcOrd="1" destOrd="0" presId="urn:microsoft.com/office/officeart/2016/7/layout/ChevronBlockProcess"/>
+    <dgm:cxn modelId="{14E24316-3020-469B-8EDE-35C4D45749BF}" type="presParOf" srcId="{A72AA21A-C1EE-4838-ADC3-60B0FF1E405B}" destId="{8B6DD8DB-B030-4092-A192-B03277C2DA31}" srcOrd="2" destOrd="0" presId="urn:microsoft.com/office/officeart/2016/7/layout/ChevronBlockProcess"/>
+    <dgm:cxn modelId="{9A9C7CB3-DD7B-4E87-A85F-4712BE7EA4F3}" type="presParOf" srcId="{8B6DD8DB-B030-4092-A192-B03277C2DA31}" destId="{7B2F2EAF-8610-4DC9-B1C8-9E4E33D97A56}" srcOrd="0" destOrd="0" presId="urn:microsoft.com/office/officeart/2016/7/layout/ChevronBlockProcess"/>
+    <dgm:cxn modelId="{E7EA6547-DC27-46F5-8ACB-69ABEDDE00C6}" type="presParOf" srcId="{8B6DD8DB-B030-4092-A192-B03277C2DA31}" destId="{9865E62D-BAAD-460E-8F52-D5F4617B4A1C}" srcOrd="1" destOrd="0" presId="urn:microsoft.com/office/officeart/2016/7/layout/ChevronBlockProcess"/>
+    <dgm:cxn modelId="{F9773047-C6B4-4C7D-94F9-8642155DBD72}" type="presParOf" srcId="{A72AA21A-C1EE-4838-ADC3-60B0FF1E405B}" destId="{C86157D2-5FB4-410F-ABF3-1A233904C7C2}" srcOrd="3" destOrd="0" presId="urn:microsoft.com/office/officeart/2016/7/layout/ChevronBlockProcess"/>
+    <dgm:cxn modelId="{AE27637F-E216-4B9F-9B34-A59D5AAE08E7}" type="presParOf" srcId="{A72AA21A-C1EE-4838-ADC3-60B0FF1E405B}" destId="{A0E4728F-445B-47D1-AD45-C860E4C11D26}" srcOrd="4" destOrd="0" presId="urn:microsoft.com/office/officeart/2016/7/layout/ChevronBlockProcess"/>
+    <dgm:cxn modelId="{1810A4D0-F2BC-4E0C-B2EA-7D87C82F29F3}" type="presParOf" srcId="{A0E4728F-445B-47D1-AD45-C860E4C11D26}" destId="{B43C67AC-27E4-4561-9945-BA3980B01CB6}" srcOrd="0" destOrd="0" presId="urn:microsoft.com/office/officeart/2016/7/layout/ChevronBlockProcess"/>
+    <dgm:cxn modelId="{8C788B3B-A876-4C68-BACD-1FE436F68567}" type="presParOf" srcId="{A0E4728F-445B-47D1-AD45-C860E4C11D26}" destId="{1C5EC7DC-DF21-41DE-B8B3-EED110D11954}" srcOrd="1" destOrd="0" presId="urn:microsoft.com/office/officeart/2016/7/layout/ChevronBlockProcess"/>
+    <dgm:cxn modelId="{E1984B86-583A-482E-ABA1-7D521ED8538D}" type="presParOf" srcId="{A72AA21A-C1EE-4838-ADC3-60B0FF1E405B}" destId="{90F04AE4-14C7-428C-8CB9-7D75AD48D4B1}" srcOrd="5" destOrd="0" presId="urn:microsoft.com/office/officeart/2016/7/layout/ChevronBlockProcess"/>
+    <dgm:cxn modelId="{929493B2-DED8-47E5-880A-F6A022703CBA}" type="presParOf" srcId="{A72AA21A-C1EE-4838-ADC3-60B0FF1E405B}" destId="{C87AC7D7-9D6C-4883-9D59-6E38029E6B66}" srcOrd="6" destOrd="0" presId="urn:microsoft.com/office/officeart/2016/7/layout/ChevronBlockProcess"/>
+    <dgm:cxn modelId="{F87EC3A8-D083-4CE7-B0D3-06B77876780C}" type="presParOf" srcId="{C87AC7D7-9D6C-4883-9D59-6E38029E6B66}" destId="{5A4EA1AD-6123-42BB-83C9-01F7F3CDAE01}" srcOrd="0" destOrd="0" presId="urn:microsoft.com/office/officeart/2016/7/layout/ChevronBlockProcess"/>
+    <dgm:cxn modelId="{1B9BBC53-83AF-4AFF-85A2-0E4192737282}" type="presParOf" srcId="{C87AC7D7-9D6C-4883-9D59-6E38029E6B66}" destId="{3DE15086-F8DC-4323-95A7-8F4F3BDAD0C3}" srcOrd="1" destOrd="0" presId="urn:microsoft.com/office/officeart/2016/7/layout/ChevronBlockProcess"/>
+  </dgm:cxnLst>
+  <dgm:bg/>
+  <dgm:whole/>
+  <dgm:extLst>
+    <a:ext uri="http://schemas.microsoft.com/office/drawing/2008/diagram">
+      <dsp:dataModelExt xmlns:dsp="http://schemas.microsoft.com/office/drawing/2008/diagram" relId="rId12" minVer="http://schemas.openxmlformats.org/drawingml/2006/diagram"/>
+    </a:ext>
+  </dgm:extLst>
+</dgm:dataModel>
+</file>
+
+<file path=ppt/diagrams/data3.xml><?xml version="1.0" encoding="utf-8"?>
+<dgm:dataModel xmlns:dgm="http://schemas.openxmlformats.org/drawingml/2006/diagram" xmlns:a="http://schemas.openxmlformats.org/drawingml/2006/main">
+  <dgm:ptLst>
+    <dgm:pt modelId="{74BD9F29-841E-4744-A2A6-A357310502C1}" type="doc">
+      <dgm:prSet loTypeId="urn:microsoft.com/office/officeart/2016/7/layout/ChevronBlockProcess" loCatId="process" qsTypeId="urn:microsoft.com/office/officeart/2005/8/quickstyle/simple1" qsCatId="simple" csTypeId="urn:microsoft.com/office/officeart/2005/8/colors/accent0_3" csCatId="mainScheme" phldr="1"/>
+      <dgm:spPr/>
+      <dgm:t>
+        <a:bodyPr/>
+        <a:lstStyle/>
+        <a:p>
+          <a:endParaRPr lang="en-US"/>
+        </a:p>
+      </dgm:t>
+    </dgm:pt>
+    <dgm:pt modelId="{E679CB7F-0EC5-4B1A-B66B-97AE1C8DAE0D}">
+      <dgm:prSet/>
+      <dgm:spPr/>
+      <dgm:t>
+        <a:bodyPr/>
+        <a:lstStyle/>
+        <a:p>
+          <a:r>
+            <a:rPr lang="en-US" dirty="0"/>
+            <a:t>Fork and clone</a:t>
+          </a:r>
+        </a:p>
+      </dgm:t>
+    </dgm:pt>
+    <dgm:pt modelId="{005673B8-1945-4538-9F04-6D50381D2B7F}" type="parTrans" cxnId="{93B29B0B-1F05-4AA4-9755-16CD0B65EDDE}">
+      <dgm:prSet/>
+      <dgm:spPr/>
+      <dgm:t>
+        <a:bodyPr/>
+        <a:lstStyle/>
+        <a:p>
+          <a:endParaRPr lang="en-US"/>
+        </a:p>
+      </dgm:t>
+    </dgm:pt>
+    <dgm:pt modelId="{A2D87FEC-4611-4498-8AE9-659D63780FEC}" type="sibTrans" cxnId="{93B29B0B-1F05-4AA4-9755-16CD0B65EDDE}">
+      <dgm:prSet/>
+      <dgm:spPr/>
+      <dgm:t>
+        <a:bodyPr/>
+        <a:lstStyle/>
+        <a:p>
+          <a:endParaRPr lang="en-US"/>
+        </a:p>
+      </dgm:t>
+    </dgm:pt>
+    <dgm:pt modelId="{C8A354FF-D529-4C18-B368-6BE9B7856A8A}">
+      <dgm:prSet/>
+      <dgm:spPr/>
+      <dgm:t>
+        <a:bodyPr/>
+        <a:lstStyle/>
+        <a:p>
+          <a:r>
+            <a:rPr lang="en-US" dirty="0"/>
+            <a:t>Fork and clone the </a:t>
+          </a:r>
+          <a:r>
+            <a:rPr lang="en-US" dirty="0">
+              <a:hlinkClick xmlns:r="http://schemas.openxmlformats.org/officeDocument/2006/relationships" r:id="rId1"/>
+            </a:rPr>
+            <a:t>repo</a:t>
+          </a:r>
+          <a:r>
+            <a:rPr lang="en-US" dirty="0"/>
+            <a:t> </a:t>
+          </a:r>
+        </a:p>
+      </dgm:t>
+    </dgm:pt>
+    <dgm:pt modelId="{C9F27CA6-7768-4591-A4FA-E2874F03AF6B}" type="parTrans" cxnId="{A55FBCA4-E609-4014-826C-0D9959F289F1}">
+      <dgm:prSet/>
+      <dgm:spPr/>
+      <dgm:t>
+        <a:bodyPr/>
+        <a:lstStyle/>
+        <a:p>
+          <a:endParaRPr lang="en-US"/>
+        </a:p>
+      </dgm:t>
+    </dgm:pt>
+    <dgm:pt modelId="{2BEEAD15-59D7-4DE0-A875-69D39197EB70}" type="sibTrans" cxnId="{A55FBCA4-E609-4014-826C-0D9959F289F1}">
+      <dgm:prSet/>
+      <dgm:spPr/>
+      <dgm:t>
+        <a:bodyPr/>
+        <a:lstStyle/>
+        <a:p>
+          <a:endParaRPr lang="en-US"/>
+        </a:p>
+      </dgm:t>
+    </dgm:pt>
+    <dgm:pt modelId="{E8B6B01E-D6B8-49D9-8FAD-5E371DE74BB0}">
+      <dgm:prSet phldr="0"/>
+      <dgm:spPr/>
+      <dgm:t>
+        <a:bodyPr/>
+        <a:lstStyle/>
+        <a:p>
+          <a:r>
+            <a:rPr lang="en-US" dirty="0">
+              <a:latin typeface="Calibri Light" panose="020F0302020204030204"/>
+            </a:rPr>
+            <a:t>Modify</a:t>
+          </a:r>
+          <a:endParaRPr lang="en-US" dirty="0"/>
+        </a:p>
+      </dgm:t>
+    </dgm:pt>
+    <dgm:pt modelId="{B2248585-A79C-4CDA-9289-27E370944C1A}" type="parTrans" cxnId="{C4B4893B-F92A-4799-8D33-30B32B764087}">
+      <dgm:prSet/>
+      <dgm:spPr/>
+      <dgm:t>
+        <a:bodyPr/>
+        <a:lstStyle/>
+        <a:p>
+          <a:endParaRPr lang="en-US"/>
+        </a:p>
+      </dgm:t>
+    </dgm:pt>
+    <dgm:pt modelId="{0CC398EB-F978-4BF3-855C-8AABD939A45C}" type="sibTrans" cxnId="{C4B4893B-F92A-4799-8D33-30B32B764087}">
+      <dgm:prSet/>
+      <dgm:spPr/>
+      <dgm:t>
+        <a:bodyPr/>
+        <a:lstStyle/>
+        <a:p>
+          <a:endParaRPr lang="en-US"/>
+        </a:p>
+      </dgm:t>
+    </dgm:pt>
+    <dgm:pt modelId="{7063B249-1C0F-4D67-8BE0-B9A90919E07D}">
+      <dgm:prSet/>
+      <dgm:spPr/>
+      <dgm:t>
+        <a:bodyPr/>
+        <a:lstStyle/>
+        <a:p>
+          <a:pPr rtl="0"/>
+          <a:r>
+            <a:rPr lang="en-US" dirty="0"/>
+            <a:t>Switch to the "</a:t>
+          </a:r>
+          <a:r>
+            <a:rPr lang="en-US" dirty="0">
+              <a:latin typeface="Calibri Light" panose="020F0302020204030204"/>
+            </a:rPr>
+            <a:t>hands-on-2</a:t>
+          </a:r>
+          <a:r>
+            <a:rPr lang="en-US" dirty="0"/>
+            <a:t>" branch. In this branch </a:t>
+          </a:r>
+          <a:r>
+            <a:rPr lang="en-US" dirty="0">
+              <a:latin typeface="Calibri Light" panose="020F0302020204030204"/>
+            </a:rPr>
+            <a:t>c</a:t>
+          </a:r>
+          <a:r>
+            <a:rPr lang="en-US" dirty="0"/>
+            <a:t>.</a:t>
+          </a:r>
+          <a:r>
+            <a:rPr lang="en-US" dirty="0">
+              <a:latin typeface="Calibri Light" panose="020F0302020204030204"/>
+            </a:rPr>
+            <a:t>pdf file</a:t>
+          </a:r>
+          <a:r>
+            <a:rPr lang="en-US" dirty="0"/>
+            <a:t> have been modified</a:t>
+          </a:r>
+        </a:p>
+      </dgm:t>
+    </dgm:pt>
+    <dgm:pt modelId="{F8AE0501-8BB0-4757-9574-68E0CF36CD4F}" type="parTrans" cxnId="{5FA945C8-4AB2-4261-8BD2-8F11971933CA}">
+      <dgm:prSet/>
+      <dgm:spPr/>
+      <dgm:t>
+        <a:bodyPr/>
+        <a:lstStyle/>
+        <a:p>
+          <a:endParaRPr lang="en-US"/>
+        </a:p>
+      </dgm:t>
+    </dgm:pt>
+    <dgm:pt modelId="{1B81C672-D373-4646-B838-9ECB464D13A1}" type="sibTrans" cxnId="{5FA945C8-4AB2-4261-8BD2-8F11971933CA}">
+      <dgm:prSet/>
+      <dgm:spPr/>
+      <dgm:t>
+        <a:bodyPr/>
+        <a:lstStyle/>
+        <a:p>
+          <a:endParaRPr lang="en-US"/>
+        </a:p>
+      </dgm:t>
+    </dgm:pt>
+    <dgm:pt modelId="{F226FA51-16FD-4895-A268-F589EC2C0E05}">
+      <dgm:prSet/>
+      <dgm:spPr/>
+      <dgm:t>
+        <a:bodyPr/>
+        <a:lstStyle/>
+        <a:p>
+          <a:r>
+            <a:rPr lang="en-US" dirty="0"/>
+            <a:t>Commit</a:t>
+          </a:r>
+        </a:p>
+      </dgm:t>
+    </dgm:pt>
+    <dgm:pt modelId="{857FEB2C-7431-4A1A-B5E7-A4D89FB0CC06}" type="parTrans" cxnId="{1F896EEF-E3D2-4AA4-89C2-9C216415D93C}">
+      <dgm:prSet/>
+      <dgm:spPr/>
+      <dgm:t>
+        <a:bodyPr/>
+        <a:lstStyle/>
+        <a:p>
+          <a:endParaRPr lang="en-US"/>
+        </a:p>
+      </dgm:t>
+    </dgm:pt>
+    <dgm:pt modelId="{C4264290-7C97-4835-930A-DF6D56742F53}" type="sibTrans" cxnId="{1F896EEF-E3D2-4AA4-89C2-9C216415D93C}">
+      <dgm:prSet/>
+      <dgm:spPr/>
+      <dgm:t>
+        <a:bodyPr/>
+        <a:lstStyle/>
+        <a:p>
+          <a:endParaRPr lang="en-US"/>
+        </a:p>
+      </dgm:t>
+    </dgm:pt>
+    <dgm:pt modelId="{739D88F3-1E10-47A5-90F4-DDC650273AEC}">
+      <dgm:prSet/>
+      <dgm:spPr/>
+      <dgm:t>
+        <a:bodyPr/>
+        <a:lstStyle/>
+        <a:p>
+          <a:r>
+            <a:rPr lang="en-US" dirty="0"/>
+            <a:t>Commit the change</a:t>
+          </a:r>
+        </a:p>
+      </dgm:t>
+    </dgm:pt>
+    <dgm:pt modelId="{28CE9ED2-EF3A-41DD-8967-3BECFF7716FE}" type="parTrans" cxnId="{7C4C0517-2130-4EA2-A807-980E286F4824}">
+      <dgm:prSet/>
+      <dgm:spPr/>
+      <dgm:t>
+        <a:bodyPr/>
+        <a:lstStyle/>
+        <a:p>
+          <a:endParaRPr lang="en-US"/>
+        </a:p>
+      </dgm:t>
+    </dgm:pt>
+    <dgm:pt modelId="{0A0CF397-9708-4F2A-A49C-3C2E53276655}" type="sibTrans" cxnId="{7C4C0517-2130-4EA2-A807-980E286F4824}">
+      <dgm:prSet/>
+      <dgm:spPr/>
+      <dgm:t>
+        <a:bodyPr/>
+        <a:lstStyle/>
+        <a:p>
+          <a:endParaRPr lang="en-US"/>
+        </a:p>
+      </dgm:t>
+    </dgm:pt>
+    <dgm:pt modelId="{B0BEBE0D-0426-4D8D-AFFA-032B4DC72771}">
+      <dgm:prSet/>
+      <dgm:spPr/>
+      <dgm:t>
+        <a:bodyPr/>
+        <a:lstStyle/>
+        <a:p>
+          <a:r>
+            <a:rPr lang="en-US" dirty="0"/>
+            <a:t>Push</a:t>
+          </a:r>
+        </a:p>
+      </dgm:t>
+    </dgm:pt>
+    <dgm:pt modelId="{A7CD12D8-8EF2-4C10-83CD-560D9B69E43E}" type="parTrans" cxnId="{1099BD9E-CDD4-4424-BD93-CB1B600C4071}">
+      <dgm:prSet/>
+      <dgm:spPr/>
+      <dgm:t>
+        <a:bodyPr/>
+        <a:lstStyle/>
+        <a:p>
+          <a:endParaRPr lang="en-US"/>
+        </a:p>
+      </dgm:t>
+    </dgm:pt>
+    <dgm:pt modelId="{E53B8F1E-9CD9-46F6-83A5-F894E1BB3153}" type="sibTrans" cxnId="{1099BD9E-CDD4-4424-BD93-CB1B600C4071}">
+      <dgm:prSet/>
+      <dgm:spPr/>
+      <dgm:t>
+        <a:bodyPr/>
+        <a:lstStyle/>
+        <a:p>
+          <a:endParaRPr lang="en-US"/>
+        </a:p>
+      </dgm:t>
+    </dgm:pt>
+    <dgm:pt modelId="{65A32F56-FFBA-4E66-A2AC-D99E83528F0C}">
+      <dgm:prSet/>
+      <dgm:spPr/>
+      <dgm:t>
+        <a:bodyPr/>
+        <a:lstStyle/>
+        <a:p>
+          <a:r>
+            <a:rPr lang="en-US" dirty="0"/>
+            <a:t>Push your commit</a:t>
+          </a:r>
+        </a:p>
+      </dgm:t>
+    </dgm:pt>
+    <dgm:pt modelId="{1B5831F6-A5BC-4F34-BAA6-E1396EDA835A}" type="parTrans" cxnId="{608BA3FC-857D-4DC2-A844-8E8D9EA0C554}">
+      <dgm:prSet/>
+      <dgm:spPr/>
+      <dgm:t>
+        <a:bodyPr/>
+        <a:lstStyle/>
+        <a:p>
+          <a:endParaRPr lang="en-US"/>
+        </a:p>
+      </dgm:t>
+    </dgm:pt>
+    <dgm:pt modelId="{ED7B0605-47FC-4AE1-8563-E9986F1C025D}" type="sibTrans" cxnId="{608BA3FC-857D-4DC2-A844-8E8D9EA0C554}">
+      <dgm:prSet/>
+      <dgm:spPr/>
+      <dgm:t>
+        <a:bodyPr/>
+        <a:lstStyle/>
+        <a:p>
+          <a:endParaRPr lang="en-US"/>
+        </a:p>
+      </dgm:t>
+    </dgm:pt>
+    <dgm:pt modelId="{319F0DBC-5E89-4AB8-8921-2DD67018375A}">
+      <dgm:prSet/>
+      <dgm:spPr/>
+      <dgm:t>
+        <a:bodyPr/>
+        <a:lstStyle/>
+        <a:p>
+          <a:pPr rtl="0"/>
+          <a:r>
+            <a:rPr lang="en-US" dirty="0">
+              <a:latin typeface="Calibri Light" panose="020F0302020204030204"/>
+            </a:rPr>
+            <a:t>Open PR</a:t>
+          </a:r>
+          <a:endParaRPr lang="en-US" dirty="0"/>
+        </a:p>
+      </dgm:t>
+    </dgm:pt>
+    <dgm:pt modelId="{FD83D764-6A68-47C5-906E-65E58024CF44}" type="parTrans" cxnId="{7E0C0A66-77C1-46AE-99D1-A26D1CD27809}">
+      <dgm:prSet/>
+      <dgm:spPr/>
+      <dgm:t>
+        <a:bodyPr/>
+        <a:lstStyle/>
+        <a:p>
+          <a:endParaRPr lang="en-US"/>
+        </a:p>
+      </dgm:t>
+    </dgm:pt>
+    <dgm:pt modelId="{8FF0F7FF-01B2-437E-BF0C-A3809E2BEC3D}" type="sibTrans" cxnId="{7E0C0A66-77C1-46AE-99D1-A26D1CD27809}">
+      <dgm:prSet/>
+      <dgm:spPr/>
+      <dgm:t>
+        <a:bodyPr/>
+        <a:lstStyle/>
+        <a:p>
+          <a:endParaRPr lang="en-US"/>
+        </a:p>
+      </dgm:t>
+    </dgm:pt>
+    <dgm:pt modelId="{177B6383-68D4-4F8E-B50D-328BEB536FDF}">
+      <dgm:prSet/>
+      <dgm:spPr/>
+      <dgm:t>
+        <a:bodyPr/>
+        <a:lstStyle/>
+        <a:p>
+          <a:r>
+            <a:rPr lang="en-US" dirty="0"/>
+            <a:t>Go to your forked repo and open a PR</a:t>
+          </a:r>
+        </a:p>
+      </dgm:t>
+    </dgm:pt>
+    <dgm:pt modelId="{71C1D739-5761-4FD0-84C8-0A4ED9F779E4}" type="parTrans" cxnId="{8F11305F-C928-4A4C-8ADD-9AB246EDCE36}">
+      <dgm:prSet/>
+      <dgm:spPr/>
+      <dgm:t>
+        <a:bodyPr/>
+        <a:lstStyle/>
+        <a:p>
+          <a:endParaRPr lang="en-US"/>
+        </a:p>
+      </dgm:t>
+    </dgm:pt>
+    <dgm:pt modelId="{55E62B3B-99F6-4A31-B0EC-80D7E84FE36A}" type="sibTrans" cxnId="{8F11305F-C928-4A4C-8ADD-9AB246EDCE36}">
+      <dgm:prSet/>
+      <dgm:spPr/>
+      <dgm:t>
+        <a:bodyPr/>
+        <a:lstStyle/>
+        <a:p>
+          <a:endParaRPr lang="en-US"/>
+        </a:p>
+      </dgm:t>
+    </dgm:pt>
+    <dgm:pt modelId="{A1B8C60C-7FE3-4849-B298-3BBC4A7D7281}">
+      <dgm:prSet phldr="0"/>
+      <dgm:spPr/>
+      <dgm:t>
+        <a:bodyPr/>
+        <a:lstStyle/>
+        <a:p>
+          <a:pPr rtl="0"/>
+          <a:r>
+            <a:rPr lang="en-US" dirty="0">
+              <a:latin typeface="Calibri Light" panose="020F0302020204030204"/>
+            </a:rPr>
+            <a:t>Fill PR fields</a:t>
+          </a:r>
+          <a:endParaRPr lang="en-US" dirty="0"/>
+        </a:p>
+      </dgm:t>
+    </dgm:pt>
+    <dgm:pt modelId="{8AF2A14B-A4AF-4727-9D7C-5AFFA4277C6E}" type="parTrans" cxnId="{EE82F78B-224A-4BE9-80BD-84EFD67DC985}">
+      <dgm:prSet/>
+      <dgm:spPr/>
+      <dgm:t>
+        <a:bodyPr/>
+        <a:lstStyle/>
+        <a:p>
+          <a:endParaRPr lang="en-US"/>
+        </a:p>
+      </dgm:t>
+    </dgm:pt>
+    <dgm:pt modelId="{FD7891DE-DF2D-4A56-99C7-86020DFDE4DB}" type="sibTrans" cxnId="{EE82F78B-224A-4BE9-80BD-84EFD67DC985}">
+      <dgm:prSet/>
+      <dgm:spPr/>
+      <dgm:t>
+        <a:bodyPr/>
+        <a:lstStyle/>
+        <a:p>
+          <a:endParaRPr lang="en-US"/>
+        </a:p>
+      </dgm:t>
+    </dgm:pt>
+    <dgm:pt modelId="{34185EF5-50F3-44D7-9132-CDFF3EF6C27A}">
+      <dgm:prSet/>
+      <dgm:spPr/>
+      <dgm:t>
+        <a:bodyPr/>
+        <a:lstStyle/>
+        <a:p>
+          <a:r>
+            <a:rPr lang="en-US" dirty="0"/>
+            <a:t>Set Reviewers, Assignee, comment/document your PR</a:t>
+          </a:r>
+        </a:p>
+      </dgm:t>
+    </dgm:pt>
+    <dgm:pt modelId="{7B747D64-A6E3-4461-9013-4ACE02A1EB13}" type="parTrans" cxnId="{AB058DDF-6F31-4640-92C6-B8DD9BFE2DF8}">
+      <dgm:prSet/>
+      <dgm:spPr/>
+      <dgm:t>
+        <a:bodyPr/>
+        <a:lstStyle/>
+        <a:p>
+          <a:endParaRPr lang="en-US"/>
+        </a:p>
+      </dgm:t>
+    </dgm:pt>
+    <dgm:pt modelId="{D5428A11-D47D-417D-A883-609DFA98DB35}" type="sibTrans" cxnId="{AB058DDF-6F31-4640-92C6-B8DD9BFE2DF8}">
+      <dgm:prSet/>
+      <dgm:spPr/>
+      <dgm:t>
+        <a:bodyPr/>
+        <a:lstStyle/>
+        <a:p>
+          <a:endParaRPr lang="en-US"/>
+        </a:p>
+      </dgm:t>
+    </dgm:pt>
+    <dgm:pt modelId="{A72AA21A-C1EE-4838-ADC3-60B0FF1E405B}" type="pres">
+      <dgm:prSet presAssocID="{74BD9F29-841E-4744-A2A6-A357310502C1}" presName="Name0" presStyleCnt="0">
+        <dgm:presLayoutVars>
+          <dgm:dir/>
+          <dgm:animLvl val="lvl"/>
+          <dgm:resizeHandles val="exact"/>
+        </dgm:presLayoutVars>
+      </dgm:prSet>
+      <dgm:spPr/>
+    </dgm:pt>
+    <dgm:pt modelId="{642263DD-9088-4AFF-AA2D-77D6620603D1}" type="pres">
+      <dgm:prSet presAssocID="{E679CB7F-0EC5-4B1A-B66B-97AE1C8DAE0D}" presName="composite" presStyleCnt="0"/>
+      <dgm:spPr/>
+    </dgm:pt>
+    <dgm:pt modelId="{3FB81F9A-9101-4634-95F3-90E526C7215D}" type="pres">
+      <dgm:prSet presAssocID="{E679CB7F-0EC5-4B1A-B66B-97AE1C8DAE0D}" presName="parTx" presStyleLbl="alignNode1" presStyleIdx="0" presStyleCnt="6">
+        <dgm:presLayoutVars>
+          <dgm:chMax val="0"/>
+          <dgm:chPref val="0"/>
+        </dgm:presLayoutVars>
+      </dgm:prSet>
+      <dgm:spPr/>
+    </dgm:pt>
+    <dgm:pt modelId="{D733675F-B879-49BD-A715-8A27284F454A}" type="pres">
+      <dgm:prSet presAssocID="{E679CB7F-0EC5-4B1A-B66B-97AE1C8DAE0D}" presName="desTx" presStyleLbl="alignAccFollowNode1" presStyleIdx="0" presStyleCnt="6">
+        <dgm:presLayoutVars/>
+      </dgm:prSet>
+      <dgm:spPr/>
+    </dgm:pt>
+    <dgm:pt modelId="{35ADCD41-8349-4E8E-B7ED-C957140D1E43}" type="pres">
+      <dgm:prSet presAssocID="{A2D87FEC-4611-4498-8AE9-659D63780FEC}" presName="space" presStyleCnt="0"/>
+      <dgm:spPr/>
+    </dgm:pt>
+    <dgm:pt modelId="{8B6DD8DB-B030-4092-A192-B03277C2DA31}" type="pres">
+      <dgm:prSet presAssocID="{E8B6B01E-D6B8-49D9-8FAD-5E371DE74BB0}" presName="composite" presStyleCnt="0"/>
+      <dgm:spPr/>
+    </dgm:pt>
+    <dgm:pt modelId="{7B2F2EAF-8610-4DC9-B1C8-9E4E33D97A56}" type="pres">
+      <dgm:prSet presAssocID="{E8B6B01E-D6B8-49D9-8FAD-5E371DE74BB0}" presName="parTx" presStyleLbl="alignNode1" presStyleIdx="1" presStyleCnt="6">
+        <dgm:presLayoutVars>
+          <dgm:chMax val="0"/>
+          <dgm:chPref val="0"/>
+        </dgm:presLayoutVars>
+      </dgm:prSet>
+      <dgm:spPr/>
+    </dgm:pt>
+    <dgm:pt modelId="{9865E62D-BAAD-460E-8F52-D5F4617B4A1C}" type="pres">
+      <dgm:prSet presAssocID="{E8B6B01E-D6B8-49D9-8FAD-5E371DE74BB0}" presName="desTx" presStyleLbl="alignAccFollowNode1" presStyleIdx="1" presStyleCnt="6">
+        <dgm:presLayoutVars/>
+      </dgm:prSet>
+      <dgm:spPr/>
+    </dgm:pt>
+    <dgm:pt modelId="{C86157D2-5FB4-410F-ABF3-1A233904C7C2}" type="pres">
+      <dgm:prSet presAssocID="{0CC398EB-F978-4BF3-855C-8AABD939A45C}" presName="space" presStyleCnt="0"/>
+      <dgm:spPr/>
+    </dgm:pt>
+    <dgm:pt modelId="{A0E4728F-445B-47D1-AD45-C860E4C11D26}" type="pres">
+      <dgm:prSet presAssocID="{F226FA51-16FD-4895-A268-F589EC2C0E05}" presName="composite" presStyleCnt="0"/>
+      <dgm:spPr/>
+    </dgm:pt>
+    <dgm:pt modelId="{B43C67AC-27E4-4561-9945-BA3980B01CB6}" type="pres">
+      <dgm:prSet presAssocID="{F226FA51-16FD-4895-A268-F589EC2C0E05}" presName="parTx" presStyleLbl="alignNode1" presStyleIdx="2" presStyleCnt="6">
+        <dgm:presLayoutVars>
+          <dgm:chMax val="0"/>
+          <dgm:chPref val="0"/>
+        </dgm:presLayoutVars>
+      </dgm:prSet>
+      <dgm:spPr/>
+    </dgm:pt>
+    <dgm:pt modelId="{1C5EC7DC-DF21-41DE-B8B3-EED110D11954}" type="pres">
+      <dgm:prSet presAssocID="{F226FA51-16FD-4895-A268-F589EC2C0E05}" presName="desTx" presStyleLbl="alignAccFollowNode1" presStyleIdx="2" presStyleCnt="6">
+        <dgm:presLayoutVars/>
+      </dgm:prSet>
+      <dgm:spPr/>
+    </dgm:pt>
+    <dgm:pt modelId="{90F04AE4-14C7-428C-8CB9-7D75AD48D4B1}" type="pres">
+      <dgm:prSet presAssocID="{C4264290-7C97-4835-930A-DF6D56742F53}" presName="space" presStyleCnt="0"/>
+      <dgm:spPr/>
+    </dgm:pt>
+    <dgm:pt modelId="{C87AC7D7-9D6C-4883-9D59-6E38029E6B66}" type="pres">
+      <dgm:prSet presAssocID="{B0BEBE0D-0426-4D8D-AFFA-032B4DC72771}" presName="composite" presStyleCnt="0"/>
+      <dgm:spPr/>
+    </dgm:pt>
+    <dgm:pt modelId="{5A4EA1AD-6123-42BB-83C9-01F7F3CDAE01}" type="pres">
+      <dgm:prSet presAssocID="{B0BEBE0D-0426-4D8D-AFFA-032B4DC72771}" presName="parTx" presStyleLbl="alignNode1" presStyleIdx="3" presStyleCnt="6">
+        <dgm:presLayoutVars>
+          <dgm:chMax val="0"/>
+          <dgm:chPref val="0"/>
+        </dgm:presLayoutVars>
+      </dgm:prSet>
+      <dgm:spPr/>
+    </dgm:pt>
+    <dgm:pt modelId="{3DE15086-F8DC-4323-95A7-8F4F3BDAD0C3}" type="pres">
+      <dgm:prSet presAssocID="{B0BEBE0D-0426-4D8D-AFFA-032B4DC72771}" presName="desTx" presStyleLbl="alignAccFollowNode1" presStyleIdx="3" presStyleCnt="6">
+        <dgm:presLayoutVars/>
+      </dgm:prSet>
+      <dgm:spPr/>
+    </dgm:pt>
+    <dgm:pt modelId="{44E1E74F-9F50-4CDD-A862-0C8EEB5944C8}" type="pres">
+      <dgm:prSet presAssocID="{E53B8F1E-9CD9-46F6-83A5-F894E1BB3153}" presName="space" presStyleCnt="0"/>
+      <dgm:spPr/>
+    </dgm:pt>
+    <dgm:pt modelId="{A0608930-FFF6-4A1F-9BE3-71568543785A}" type="pres">
+      <dgm:prSet presAssocID="{319F0DBC-5E89-4AB8-8921-2DD67018375A}" presName="composite" presStyleCnt="0"/>
+      <dgm:spPr/>
+    </dgm:pt>
+    <dgm:pt modelId="{A81DD7F7-7048-4B36-B578-47D266510B3E}" type="pres">
+      <dgm:prSet presAssocID="{319F0DBC-5E89-4AB8-8921-2DD67018375A}" presName="parTx" presStyleLbl="alignNode1" presStyleIdx="4" presStyleCnt="6">
+        <dgm:presLayoutVars>
+          <dgm:chMax val="0"/>
+          <dgm:chPref val="0"/>
+        </dgm:presLayoutVars>
+      </dgm:prSet>
+      <dgm:spPr/>
+    </dgm:pt>
+    <dgm:pt modelId="{127137F1-1257-4E3D-B3BC-CBB9FD586019}" type="pres">
+      <dgm:prSet presAssocID="{319F0DBC-5E89-4AB8-8921-2DD67018375A}" presName="desTx" presStyleLbl="alignAccFollowNode1" presStyleIdx="4" presStyleCnt="6">
+        <dgm:presLayoutVars/>
+      </dgm:prSet>
+      <dgm:spPr/>
+    </dgm:pt>
+    <dgm:pt modelId="{6B8E5208-4AA5-476A-84F3-293D0A6EC06E}" type="pres">
+      <dgm:prSet presAssocID="{8FF0F7FF-01B2-437E-BF0C-A3809E2BEC3D}" presName="space" presStyleCnt="0"/>
+      <dgm:spPr/>
+    </dgm:pt>
+    <dgm:pt modelId="{AE2FE1BC-401F-464C-B3B9-94F5D54112E7}" type="pres">
+      <dgm:prSet presAssocID="{A1B8C60C-7FE3-4849-B298-3BBC4A7D7281}" presName="composite" presStyleCnt="0"/>
+      <dgm:spPr/>
+    </dgm:pt>
+    <dgm:pt modelId="{CAC99054-4D22-459A-BA4A-E4EA5D24FE8A}" type="pres">
+      <dgm:prSet presAssocID="{A1B8C60C-7FE3-4849-B298-3BBC4A7D7281}" presName="parTx" presStyleLbl="alignNode1" presStyleIdx="5" presStyleCnt="6">
+        <dgm:presLayoutVars>
+          <dgm:chMax val="0"/>
+          <dgm:chPref val="0"/>
+        </dgm:presLayoutVars>
+      </dgm:prSet>
+      <dgm:spPr/>
+    </dgm:pt>
+    <dgm:pt modelId="{9301E6A2-92F8-4CF4-9DB4-161729A64B0F}" type="pres">
+      <dgm:prSet presAssocID="{A1B8C60C-7FE3-4849-B298-3BBC4A7D7281}" presName="desTx" presStyleLbl="alignAccFollowNode1" presStyleIdx="5" presStyleCnt="6">
+        <dgm:presLayoutVars/>
+      </dgm:prSet>
+      <dgm:spPr/>
+    </dgm:pt>
+  </dgm:ptLst>
+  <dgm:cxnLst>
+    <dgm:cxn modelId="{15258506-D9CA-44E5-BACE-45921E7C6B92}" type="presOf" srcId="{E679CB7F-0EC5-4B1A-B66B-97AE1C8DAE0D}" destId="{3FB81F9A-9101-4634-95F3-90E526C7215D}" srcOrd="0" destOrd="0" presId="urn:microsoft.com/office/officeart/2016/7/layout/ChevronBlockProcess"/>
+    <dgm:cxn modelId="{93B29B0B-1F05-4AA4-9755-16CD0B65EDDE}" srcId="{74BD9F29-841E-4744-A2A6-A357310502C1}" destId="{E679CB7F-0EC5-4B1A-B66B-97AE1C8DAE0D}" srcOrd="0" destOrd="0" parTransId="{005673B8-1945-4538-9F04-6D50381D2B7F}" sibTransId="{A2D87FEC-4611-4498-8AE9-659D63780FEC}"/>
+    <dgm:cxn modelId="{7C4C0517-2130-4EA2-A807-980E286F4824}" srcId="{F226FA51-16FD-4895-A268-F589EC2C0E05}" destId="{739D88F3-1E10-47A5-90F4-DDC650273AEC}" srcOrd="0" destOrd="0" parTransId="{28CE9ED2-EF3A-41DD-8967-3BECFF7716FE}" sibTransId="{0A0CF397-9708-4F2A-A49C-3C2E53276655}"/>
+    <dgm:cxn modelId="{DDB56634-C9BF-49A3-BBCE-EB3EF21D2BE8}" type="presOf" srcId="{E8B6B01E-D6B8-49D9-8FAD-5E371DE74BB0}" destId="{7B2F2EAF-8610-4DC9-B1C8-9E4E33D97A56}" srcOrd="0" destOrd="0" presId="urn:microsoft.com/office/officeart/2016/7/layout/ChevronBlockProcess"/>
+    <dgm:cxn modelId="{C4B4893B-F92A-4799-8D33-30B32B764087}" srcId="{74BD9F29-841E-4744-A2A6-A357310502C1}" destId="{E8B6B01E-D6B8-49D9-8FAD-5E371DE74BB0}" srcOrd="1" destOrd="0" parTransId="{B2248585-A79C-4CDA-9289-27E370944C1A}" sibTransId="{0CC398EB-F978-4BF3-855C-8AABD939A45C}"/>
+    <dgm:cxn modelId="{8F11305F-C928-4A4C-8ADD-9AB246EDCE36}" srcId="{319F0DBC-5E89-4AB8-8921-2DD67018375A}" destId="{177B6383-68D4-4F8E-B50D-328BEB536FDF}" srcOrd="0" destOrd="0" parTransId="{71C1D739-5761-4FD0-84C8-0A4ED9F779E4}" sibTransId="{55E62B3B-99F6-4A31-B0EC-80D7E84FE36A}"/>
+    <dgm:cxn modelId="{7E0C0A66-77C1-46AE-99D1-A26D1CD27809}" srcId="{74BD9F29-841E-4744-A2A6-A357310502C1}" destId="{319F0DBC-5E89-4AB8-8921-2DD67018375A}" srcOrd="4" destOrd="0" parTransId="{FD83D764-6A68-47C5-906E-65E58024CF44}" sibTransId="{8FF0F7FF-01B2-437E-BF0C-A3809E2BEC3D}"/>
+    <dgm:cxn modelId="{0E041146-2D8B-421B-9902-D7D384CF63EE}" type="presOf" srcId="{319F0DBC-5E89-4AB8-8921-2DD67018375A}" destId="{A81DD7F7-7048-4B36-B578-47D266510B3E}" srcOrd="0" destOrd="0" presId="urn:microsoft.com/office/officeart/2016/7/layout/ChevronBlockProcess"/>
+    <dgm:cxn modelId="{4ED17366-B183-4263-A6C2-6DEFF1136291}" type="presOf" srcId="{74BD9F29-841E-4744-A2A6-A357310502C1}" destId="{A72AA21A-C1EE-4838-ADC3-60B0FF1E405B}" srcOrd="0" destOrd="0" presId="urn:microsoft.com/office/officeart/2016/7/layout/ChevronBlockProcess"/>
+    <dgm:cxn modelId="{C4AB0369-9889-4E56-ABFA-B5BE6E51DDB3}" type="presOf" srcId="{C8A354FF-D529-4C18-B368-6BE9B7856A8A}" destId="{D733675F-B879-49BD-A715-8A27284F454A}" srcOrd="0" destOrd="0" presId="urn:microsoft.com/office/officeart/2016/7/layout/ChevronBlockProcess"/>
+    <dgm:cxn modelId="{EE82F78B-224A-4BE9-80BD-84EFD67DC985}" srcId="{74BD9F29-841E-4744-A2A6-A357310502C1}" destId="{A1B8C60C-7FE3-4849-B298-3BBC4A7D7281}" srcOrd="5" destOrd="0" parTransId="{8AF2A14B-A4AF-4727-9D7C-5AFFA4277C6E}" sibTransId="{FD7891DE-DF2D-4A56-99C7-86020DFDE4DB}"/>
+    <dgm:cxn modelId="{5285F494-DC64-40E8-BBDF-7773B266744F}" type="presOf" srcId="{F226FA51-16FD-4895-A268-F589EC2C0E05}" destId="{B43C67AC-27E4-4561-9945-BA3980B01CB6}" srcOrd="0" destOrd="0" presId="urn:microsoft.com/office/officeart/2016/7/layout/ChevronBlockProcess"/>
+    <dgm:cxn modelId="{96B88B9C-F70B-4369-8245-A756BFB95602}" type="presOf" srcId="{B0BEBE0D-0426-4D8D-AFFA-032B4DC72771}" destId="{5A4EA1AD-6123-42BB-83C9-01F7F3CDAE01}" srcOrd="0" destOrd="0" presId="urn:microsoft.com/office/officeart/2016/7/layout/ChevronBlockProcess"/>
+    <dgm:cxn modelId="{1099BD9E-CDD4-4424-BD93-CB1B600C4071}" srcId="{74BD9F29-841E-4744-A2A6-A357310502C1}" destId="{B0BEBE0D-0426-4D8D-AFFA-032B4DC72771}" srcOrd="3" destOrd="0" parTransId="{A7CD12D8-8EF2-4C10-83CD-560D9B69E43E}" sibTransId="{E53B8F1E-9CD9-46F6-83A5-F894E1BB3153}"/>
+    <dgm:cxn modelId="{A55FBCA4-E609-4014-826C-0D9959F289F1}" srcId="{E679CB7F-0EC5-4B1A-B66B-97AE1C8DAE0D}" destId="{C8A354FF-D529-4C18-B368-6BE9B7856A8A}" srcOrd="0" destOrd="0" parTransId="{C9F27CA6-7768-4591-A4FA-E2874F03AF6B}" sibTransId="{2BEEAD15-59D7-4DE0-A875-69D39197EB70}"/>
+    <dgm:cxn modelId="{7E96CEA8-9199-43B9-8128-42AFED0C9CB3}" type="presOf" srcId="{65A32F56-FFBA-4E66-A2AC-D99E83528F0C}" destId="{3DE15086-F8DC-4323-95A7-8F4F3BDAD0C3}" srcOrd="0" destOrd="0" presId="urn:microsoft.com/office/officeart/2016/7/layout/ChevronBlockProcess"/>
+    <dgm:cxn modelId="{A9ACE3B7-034C-487A-999B-56EF413BFF53}" type="presOf" srcId="{177B6383-68D4-4F8E-B50D-328BEB536FDF}" destId="{127137F1-1257-4E3D-B3BC-CBB9FD586019}" srcOrd="0" destOrd="0" presId="urn:microsoft.com/office/officeart/2016/7/layout/ChevronBlockProcess"/>
+    <dgm:cxn modelId="{842281B8-9E22-4ACE-A830-A52F04190DD6}" type="presOf" srcId="{34185EF5-50F3-44D7-9132-CDFF3EF6C27A}" destId="{9301E6A2-92F8-4CF4-9DB4-161729A64B0F}" srcOrd="0" destOrd="0" presId="urn:microsoft.com/office/officeart/2016/7/layout/ChevronBlockProcess"/>
+    <dgm:cxn modelId="{8AE96DC0-89DE-4F99-AC4C-2DB8146B9854}" type="presOf" srcId="{A1B8C60C-7FE3-4849-B298-3BBC4A7D7281}" destId="{CAC99054-4D22-459A-BA4A-E4EA5D24FE8A}" srcOrd="0" destOrd="0" presId="urn:microsoft.com/office/officeart/2016/7/layout/ChevronBlockProcess"/>
+    <dgm:cxn modelId="{5FA945C8-4AB2-4261-8BD2-8F11971933CA}" srcId="{E8B6B01E-D6B8-49D9-8FAD-5E371DE74BB0}" destId="{7063B249-1C0F-4D67-8BE0-B9A90919E07D}" srcOrd="0" destOrd="0" parTransId="{F8AE0501-8BB0-4757-9574-68E0CF36CD4F}" sibTransId="{1B81C672-D373-4646-B838-9ECB464D13A1}"/>
+    <dgm:cxn modelId="{9A9C54D3-D7F6-4EAD-8E3C-B1C3F39DAA11}" type="presOf" srcId="{7063B249-1C0F-4D67-8BE0-B9A90919E07D}" destId="{9865E62D-BAAD-460E-8F52-D5F4617B4A1C}" srcOrd="0" destOrd="0" presId="urn:microsoft.com/office/officeart/2016/7/layout/ChevronBlockProcess"/>
+    <dgm:cxn modelId="{AB058DDF-6F31-4640-92C6-B8DD9BFE2DF8}" srcId="{A1B8C60C-7FE3-4849-B298-3BBC4A7D7281}" destId="{34185EF5-50F3-44D7-9132-CDFF3EF6C27A}" srcOrd="0" destOrd="0" parTransId="{7B747D64-A6E3-4461-9013-4ACE02A1EB13}" sibTransId="{D5428A11-D47D-417D-A883-609DFA98DB35}"/>
+    <dgm:cxn modelId="{1F896EEF-E3D2-4AA4-89C2-9C216415D93C}" srcId="{74BD9F29-841E-4744-A2A6-A357310502C1}" destId="{F226FA51-16FD-4895-A268-F589EC2C0E05}" srcOrd="2" destOrd="0" parTransId="{857FEB2C-7431-4A1A-B5E7-A4D89FB0CC06}" sibTransId="{C4264290-7C97-4835-930A-DF6D56742F53}"/>
+    <dgm:cxn modelId="{608BA3FC-857D-4DC2-A844-8E8D9EA0C554}" srcId="{B0BEBE0D-0426-4D8D-AFFA-032B4DC72771}" destId="{65A32F56-FFBA-4E66-A2AC-D99E83528F0C}" srcOrd="0" destOrd="0" parTransId="{1B5831F6-A5BC-4F34-BAA6-E1396EDA835A}" sibTransId="{ED7B0605-47FC-4AE1-8563-E9986F1C025D}"/>
+    <dgm:cxn modelId="{3A53BBFE-8669-4212-9671-741C14E273EF}" type="presOf" srcId="{739D88F3-1E10-47A5-90F4-DDC650273AEC}" destId="{1C5EC7DC-DF21-41DE-B8B3-EED110D11954}" srcOrd="0" destOrd="0" presId="urn:microsoft.com/office/officeart/2016/7/layout/ChevronBlockProcess"/>
+    <dgm:cxn modelId="{015C9620-54C1-4F5C-B879-4C8284171665}" type="presParOf" srcId="{A72AA21A-C1EE-4838-ADC3-60B0FF1E405B}" destId="{642263DD-9088-4AFF-AA2D-77D6620603D1}" srcOrd="0" destOrd="0" presId="urn:microsoft.com/office/officeart/2016/7/layout/ChevronBlockProcess"/>
+    <dgm:cxn modelId="{5A9CB59F-50F4-4028-B363-047F56F37647}" type="presParOf" srcId="{642263DD-9088-4AFF-AA2D-77D6620603D1}" destId="{3FB81F9A-9101-4634-95F3-90E526C7215D}" srcOrd="0" destOrd="0" presId="urn:microsoft.com/office/officeart/2016/7/layout/ChevronBlockProcess"/>
+    <dgm:cxn modelId="{6E35DF2A-3742-42DF-85AD-45F9389A6CF1}" type="presParOf" srcId="{642263DD-9088-4AFF-AA2D-77D6620603D1}" destId="{D733675F-B879-49BD-A715-8A27284F454A}" srcOrd="1" destOrd="0" presId="urn:microsoft.com/office/officeart/2016/7/layout/ChevronBlockProcess"/>
+    <dgm:cxn modelId="{44BCC638-DEE7-444B-A05C-68464899DC32}" type="presParOf" srcId="{A72AA21A-C1EE-4838-ADC3-60B0FF1E405B}" destId="{35ADCD41-8349-4E8E-B7ED-C957140D1E43}" srcOrd="1" destOrd="0" presId="urn:microsoft.com/office/officeart/2016/7/layout/ChevronBlockProcess"/>
+    <dgm:cxn modelId="{C6D15937-44D6-46F8-9C0F-C376A6FB1DF3}" type="presParOf" srcId="{A72AA21A-C1EE-4838-ADC3-60B0FF1E405B}" destId="{8B6DD8DB-B030-4092-A192-B03277C2DA31}" srcOrd="2" destOrd="0" presId="urn:microsoft.com/office/officeart/2016/7/layout/ChevronBlockProcess"/>
+    <dgm:cxn modelId="{D1C62A42-EA1D-450B-91E7-82CDCF9DDC2E}" type="presParOf" srcId="{8B6DD8DB-B030-4092-A192-B03277C2DA31}" destId="{7B2F2EAF-8610-4DC9-B1C8-9E4E33D97A56}" srcOrd="0" destOrd="0" presId="urn:microsoft.com/office/officeart/2016/7/layout/ChevronBlockProcess"/>
+    <dgm:cxn modelId="{72125D37-38A9-494A-9673-696E132D07D1}" type="presParOf" srcId="{8B6DD8DB-B030-4092-A192-B03277C2DA31}" destId="{9865E62D-BAAD-460E-8F52-D5F4617B4A1C}" srcOrd="1" destOrd="0" presId="urn:microsoft.com/office/officeart/2016/7/layout/ChevronBlockProcess"/>
+    <dgm:cxn modelId="{94DA6A31-5A64-4FA6-8C91-66AF95EC378E}" type="presParOf" srcId="{A72AA21A-C1EE-4838-ADC3-60B0FF1E405B}" destId="{C86157D2-5FB4-410F-ABF3-1A233904C7C2}" srcOrd="3" destOrd="0" presId="urn:microsoft.com/office/officeart/2016/7/layout/ChevronBlockProcess"/>
+    <dgm:cxn modelId="{D59F4C5C-C483-4E12-BF8F-D84DDDD32F67}" type="presParOf" srcId="{A72AA21A-C1EE-4838-ADC3-60B0FF1E405B}" destId="{A0E4728F-445B-47D1-AD45-C860E4C11D26}" srcOrd="4" destOrd="0" presId="urn:microsoft.com/office/officeart/2016/7/layout/ChevronBlockProcess"/>
+    <dgm:cxn modelId="{24A5E925-1E64-43C5-ADD1-1A7AEE40D999}" type="presParOf" srcId="{A0E4728F-445B-47D1-AD45-C860E4C11D26}" destId="{B43C67AC-27E4-4561-9945-BA3980B01CB6}" srcOrd="0" destOrd="0" presId="urn:microsoft.com/office/officeart/2016/7/layout/ChevronBlockProcess"/>
+    <dgm:cxn modelId="{3B0BF565-7437-439D-95FA-E4F8288AF464}" type="presParOf" srcId="{A0E4728F-445B-47D1-AD45-C860E4C11D26}" destId="{1C5EC7DC-DF21-41DE-B8B3-EED110D11954}" srcOrd="1" destOrd="0" presId="urn:microsoft.com/office/officeart/2016/7/layout/ChevronBlockProcess"/>
+    <dgm:cxn modelId="{8084359B-5FF2-4396-921E-D740531E37E5}" type="presParOf" srcId="{A72AA21A-C1EE-4838-ADC3-60B0FF1E405B}" destId="{90F04AE4-14C7-428C-8CB9-7D75AD48D4B1}" srcOrd="5" destOrd="0" presId="urn:microsoft.com/office/officeart/2016/7/layout/ChevronBlockProcess"/>
+    <dgm:cxn modelId="{BE649925-4E11-4CF4-9A08-B1BCBA6F4501}" type="presParOf" srcId="{A72AA21A-C1EE-4838-ADC3-60B0FF1E405B}" destId="{C87AC7D7-9D6C-4883-9D59-6E38029E6B66}" srcOrd="6" destOrd="0" presId="urn:microsoft.com/office/officeart/2016/7/layout/ChevronBlockProcess"/>
+    <dgm:cxn modelId="{989DA6CF-7F4A-4A4A-9D3C-C65854AF752A}" type="presParOf" srcId="{C87AC7D7-9D6C-4883-9D59-6E38029E6B66}" destId="{5A4EA1AD-6123-42BB-83C9-01F7F3CDAE01}" srcOrd="0" destOrd="0" presId="urn:microsoft.com/office/officeart/2016/7/layout/ChevronBlockProcess"/>
+    <dgm:cxn modelId="{6F255180-D107-40A4-83D1-351F64F3592B}" type="presParOf" srcId="{C87AC7D7-9D6C-4883-9D59-6E38029E6B66}" destId="{3DE15086-F8DC-4323-95A7-8F4F3BDAD0C3}" srcOrd="1" destOrd="0" presId="urn:microsoft.com/office/officeart/2016/7/layout/ChevronBlockProcess"/>
+    <dgm:cxn modelId="{2F9C12E4-3384-401C-A9AB-E5BD64EDEBAB}" type="presParOf" srcId="{A72AA21A-C1EE-4838-ADC3-60B0FF1E405B}" destId="{44E1E74F-9F50-4CDD-A862-0C8EEB5944C8}" srcOrd="7" destOrd="0" presId="urn:microsoft.com/office/officeart/2016/7/layout/ChevronBlockProcess"/>
+    <dgm:cxn modelId="{FC63C11F-DF9E-48E3-9B36-7EC16B41A955}" type="presParOf" srcId="{A72AA21A-C1EE-4838-ADC3-60B0FF1E405B}" destId="{A0608930-FFF6-4A1F-9BE3-71568543785A}" srcOrd="8" destOrd="0" presId="urn:microsoft.com/office/officeart/2016/7/layout/ChevronBlockProcess"/>
+    <dgm:cxn modelId="{8100E21C-2A7D-4F41-A613-0DEB34B67009}" type="presParOf" srcId="{A0608930-FFF6-4A1F-9BE3-71568543785A}" destId="{A81DD7F7-7048-4B36-B578-47D266510B3E}" srcOrd="0" destOrd="0" presId="urn:microsoft.com/office/officeart/2016/7/layout/ChevronBlockProcess"/>
+    <dgm:cxn modelId="{0B9E7AC6-6001-4BDE-9E12-FCA3B42DE0ED}" type="presParOf" srcId="{A0608930-FFF6-4A1F-9BE3-71568543785A}" destId="{127137F1-1257-4E3D-B3BC-CBB9FD586019}" srcOrd="1" destOrd="0" presId="urn:microsoft.com/office/officeart/2016/7/layout/ChevronBlockProcess"/>
+    <dgm:cxn modelId="{854BB632-F9A5-4EEB-95F9-B84AC47E6865}" type="presParOf" srcId="{A72AA21A-C1EE-4838-ADC3-60B0FF1E405B}" destId="{6B8E5208-4AA5-476A-84F3-293D0A6EC06E}" srcOrd="9" destOrd="0" presId="urn:microsoft.com/office/officeart/2016/7/layout/ChevronBlockProcess"/>
+    <dgm:cxn modelId="{F018A4B3-C0C3-4146-9BF0-0A66FA15CAF7}" type="presParOf" srcId="{A72AA21A-C1EE-4838-ADC3-60B0FF1E405B}" destId="{AE2FE1BC-401F-464C-B3B9-94F5D54112E7}" srcOrd="10" destOrd="0" presId="urn:microsoft.com/office/officeart/2016/7/layout/ChevronBlockProcess"/>
+    <dgm:cxn modelId="{865D6680-0900-4B20-B5A3-B5F6510240A0}" type="presParOf" srcId="{AE2FE1BC-401F-464C-B3B9-94F5D54112E7}" destId="{CAC99054-4D22-459A-BA4A-E4EA5D24FE8A}" srcOrd="0" destOrd="0" presId="urn:microsoft.com/office/officeart/2016/7/layout/ChevronBlockProcess"/>
+    <dgm:cxn modelId="{7C332353-BFAE-4EC7-B121-B62128B2D350}" type="presParOf" srcId="{AE2FE1BC-401F-464C-B3B9-94F5D54112E7}" destId="{9301E6A2-92F8-4CF4-9DB4-161729A64B0F}" srcOrd="1" destOrd="0" presId="urn:microsoft.com/office/officeart/2016/7/layout/ChevronBlockProcess"/>
+  </dgm:cxnLst>
+  <dgm:bg/>
+  <dgm:whole/>
+  <dgm:extLst>
+    <a:ext uri="http://schemas.microsoft.com/office/drawing/2008/diagram">
+      <dsp:dataModelExt xmlns:dsp="http://schemas.microsoft.com/office/drawing/2008/diagram" relId="rId6" minVer="http://schemas.openxmlformats.org/drawingml/2006/diagram"/>
+    </a:ext>
+  </dgm:extLst>
+</dgm:dataModel>
+</file>
+
+<file path=ppt/diagrams/data4.xml><?xml version="1.0" encoding="utf-8"?>
 <dgm:dataModel xmlns:dgm="http://schemas.openxmlformats.org/drawingml/2006/diagram" xmlns:a="http://schemas.openxmlformats.org/drawingml/2006/main">
   <dgm:ptLst>
     <dgm:pt modelId="{74BD9F29-841E-4744-A2A6-A357310502C1}" type="doc">
@@ -3163,7 +5911,7 @@
         </a:bodyPr>
         <a:lstStyle/>
         <a:p>
-          <a:pPr marL="0" lvl="0" indent="0" algn="l" defTabSz="488950">
+          <a:pPr marL="0" lvl="0" indent="0" algn="l" defTabSz="488950" rtl="0">
             <a:lnSpc>
               <a:spcPct val="90000"/>
             </a:lnSpc>
@@ -3176,8 +5924,10 @@
             <a:buNone/>
           </a:pPr>
           <a:r>
-            <a:rPr lang="en-US" sz="1100" kern="1200" dirty="0"/>
-            <a:t>Make a change on file a.txt</a:t>
+            <a:rPr lang="en-US" sz="1100" kern="1200" dirty="0">
+              <a:latin typeface="Calibri Light" panose="020F0302020204030204"/>
+            </a:rPr>
+            <a:t>Switch to the "hands-on-1" branch. In this branch a.txt and b.txt files have been modified</a:t>
           </a:r>
         </a:p>
       </dsp:txBody>
@@ -4569,6 +7319,1760 @@
 </dsp:drawing>
 </file>
 
+<file path=ppt/diagrams/drawing3.xml><?xml version="1.0" encoding="utf-8"?>
+<dsp:drawing xmlns:dgm="http://schemas.openxmlformats.org/drawingml/2006/diagram" xmlns:dsp="http://schemas.microsoft.com/office/drawing/2008/diagram" xmlns:a="http://schemas.openxmlformats.org/drawingml/2006/main">
+  <dsp:spTree>
+    <dsp:nvGrpSpPr>
+      <dsp:cNvPr id="0" name=""/>
+      <dsp:cNvGrpSpPr/>
+    </dsp:nvGrpSpPr>
+    <dsp:grpSpPr/>
+    <dsp:sp modelId="{3FB81F9A-9101-4634-95F3-90E526C7215D}">
+      <dsp:nvSpPr>
+        <dsp:cNvPr id="0" name=""/>
+        <dsp:cNvSpPr/>
+      </dsp:nvSpPr>
+      <dsp:spPr>
+        <a:xfrm>
+          <a:off x="4388" y="630413"/>
+          <a:ext cx="1394228" cy="418268"/>
+        </a:xfrm>
+        <a:prstGeom prst="chevron">
+          <a:avLst>
+            <a:gd name="adj" fmla="val 30000"/>
+          </a:avLst>
+        </a:prstGeom>
+        <a:solidFill>
+          <a:schemeClr val="dk2">
+            <a:hueOff val="0"/>
+            <a:satOff val="0"/>
+            <a:lumOff val="0"/>
+            <a:alphaOff val="0"/>
+          </a:schemeClr>
+        </a:solidFill>
+        <a:ln w="12700" cap="flat" cmpd="sng" algn="ctr">
+          <a:solidFill>
+            <a:schemeClr val="dk2">
+              <a:hueOff val="0"/>
+              <a:satOff val="0"/>
+              <a:lumOff val="0"/>
+              <a:alphaOff val="0"/>
+            </a:schemeClr>
+          </a:solidFill>
+          <a:prstDash val="solid"/>
+          <a:miter lim="800000"/>
+        </a:ln>
+        <a:effectLst/>
+      </dsp:spPr>
+      <dsp:style>
+        <a:lnRef idx="2">
+          <a:scrgbClr r="0" g="0" b="0"/>
+        </a:lnRef>
+        <a:fillRef idx="1">
+          <a:scrgbClr r="0" g="0" b="0"/>
+        </a:fillRef>
+        <a:effectRef idx="0">
+          <a:scrgbClr r="0" g="0" b="0"/>
+        </a:effectRef>
+        <a:fontRef idx="minor">
+          <a:schemeClr val="lt1"/>
+        </a:fontRef>
+      </dsp:style>
+      <dsp:txBody>
+        <a:bodyPr spcFirstLastPara="0" vert="horz" wrap="square" lIns="51645" tIns="51645" rIns="51645" bIns="51645" numCol="1" spcCol="1270" anchor="ctr" anchorCtr="0">
+          <a:noAutofit/>
+        </a:bodyPr>
+        <a:lstStyle/>
+        <a:p>
+          <a:pPr marL="0" lvl="0" indent="0" algn="ctr" defTabSz="622300">
+            <a:lnSpc>
+              <a:spcPct val="90000"/>
+            </a:lnSpc>
+            <a:spcBef>
+              <a:spcPct val="0"/>
+            </a:spcBef>
+            <a:spcAft>
+              <a:spcPct val="35000"/>
+            </a:spcAft>
+            <a:buNone/>
+          </a:pPr>
+          <a:r>
+            <a:rPr lang="en-US" sz="1400" kern="1200" dirty="0"/>
+            <a:t>Fork and clone</a:t>
+          </a:r>
+        </a:p>
+      </dsp:txBody>
+      <dsp:txXfrm>
+        <a:off x="129868" y="630413"/>
+        <a:ext cx="1143268" cy="418268"/>
+      </dsp:txXfrm>
+    </dsp:sp>
+    <dsp:sp modelId="{D733675F-B879-49BD-A715-8A27284F454A}">
+      <dsp:nvSpPr>
+        <dsp:cNvPr id="0" name=""/>
+        <dsp:cNvSpPr/>
+      </dsp:nvSpPr>
+      <dsp:spPr>
+        <a:xfrm>
+          <a:off x="4388" y="1048681"/>
+          <a:ext cx="1268747" cy="1472971"/>
+        </a:xfrm>
+        <a:prstGeom prst="rect">
+          <a:avLst/>
+        </a:prstGeom>
+        <a:solidFill>
+          <a:schemeClr val="dk2">
+            <a:alpha val="90000"/>
+            <a:tint val="40000"/>
+            <a:hueOff val="0"/>
+            <a:satOff val="0"/>
+            <a:lumOff val="0"/>
+            <a:alphaOff val="0"/>
+          </a:schemeClr>
+        </a:solidFill>
+        <a:ln w="12700" cap="flat" cmpd="sng" algn="ctr">
+          <a:solidFill>
+            <a:schemeClr val="dk2">
+              <a:alpha val="90000"/>
+              <a:tint val="40000"/>
+              <a:hueOff val="0"/>
+              <a:satOff val="0"/>
+              <a:lumOff val="0"/>
+              <a:alphaOff val="0"/>
+            </a:schemeClr>
+          </a:solidFill>
+          <a:prstDash val="solid"/>
+          <a:miter lim="800000"/>
+        </a:ln>
+        <a:effectLst/>
+      </dsp:spPr>
+      <dsp:style>
+        <a:lnRef idx="2">
+          <a:scrgbClr r="0" g="0" b="0"/>
+        </a:lnRef>
+        <a:fillRef idx="1">
+          <a:scrgbClr r="0" g="0" b="0"/>
+        </a:fillRef>
+        <a:effectRef idx="0">
+          <a:scrgbClr r="0" g="0" b="0"/>
+        </a:effectRef>
+        <a:fontRef idx="minor"/>
+      </dsp:style>
+      <dsp:txBody>
+        <a:bodyPr spcFirstLastPara="0" vert="horz" wrap="square" lIns="100259" tIns="100259" rIns="100259" bIns="200519" numCol="1" spcCol="1270" anchor="t" anchorCtr="0">
+          <a:noAutofit/>
+        </a:bodyPr>
+        <a:lstStyle/>
+        <a:p>
+          <a:pPr marL="0" lvl="0" indent="0" algn="l" defTabSz="488950">
+            <a:lnSpc>
+              <a:spcPct val="90000"/>
+            </a:lnSpc>
+            <a:spcBef>
+              <a:spcPct val="0"/>
+            </a:spcBef>
+            <a:spcAft>
+              <a:spcPct val="35000"/>
+            </a:spcAft>
+            <a:buNone/>
+          </a:pPr>
+          <a:r>
+            <a:rPr lang="en-US" sz="1100" kern="1200" dirty="0"/>
+            <a:t>Fork and clone the </a:t>
+          </a:r>
+          <a:r>
+            <a:rPr lang="en-US" sz="1100" kern="1200" dirty="0">
+              <a:hlinkClick xmlns:r="http://schemas.openxmlformats.org/officeDocument/2006/relationships" r:id="rId1"/>
+            </a:rPr>
+            <a:t>repo</a:t>
+          </a:r>
+          <a:r>
+            <a:rPr lang="en-US" sz="1100" kern="1200" dirty="0"/>
+            <a:t> </a:t>
+          </a:r>
+        </a:p>
+      </dsp:txBody>
+      <dsp:txXfrm>
+        <a:off x="4388" y="1048681"/>
+        <a:ext cx="1268747" cy="1472971"/>
+      </dsp:txXfrm>
+    </dsp:sp>
+    <dsp:sp modelId="{7B2F2EAF-8610-4DC9-B1C8-9E4E33D97A56}">
+      <dsp:nvSpPr>
+        <dsp:cNvPr id="0" name=""/>
+        <dsp:cNvSpPr/>
+      </dsp:nvSpPr>
+      <dsp:spPr>
+        <a:xfrm>
+          <a:off x="1357767" y="630413"/>
+          <a:ext cx="1394228" cy="418268"/>
+        </a:xfrm>
+        <a:prstGeom prst="chevron">
+          <a:avLst>
+            <a:gd name="adj" fmla="val 30000"/>
+          </a:avLst>
+        </a:prstGeom>
+        <a:solidFill>
+          <a:schemeClr val="dk2">
+            <a:hueOff val="0"/>
+            <a:satOff val="0"/>
+            <a:lumOff val="0"/>
+            <a:alphaOff val="0"/>
+          </a:schemeClr>
+        </a:solidFill>
+        <a:ln w="12700" cap="flat" cmpd="sng" algn="ctr">
+          <a:solidFill>
+            <a:schemeClr val="dk2">
+              <a:hueOff val="0"/>
+              <a:satOff val="0"/>
+              <a:lumOff val="0"/>
+              <a:alphaOff val="0"/>
+            </a:schemeClr>
+          </a:solidFill>
+          <a:prstDash val="solid"/>
+          <a:miter lim="800000"/>
+        </a:ln>
+        <a:effectLst/>
+      </dsp:spPr>
+      <dsp:style>
+        <a:lnRef idx="2">
+          <a:scrgbClr r="0" g="0" b="0"/>
+        </a:lnRef>
+        <a:fillRef idx="1">
+          <a:scrgbClr r="0" g="0" b="0"/>
+        </a:fillRef>
+        <a:effectRef idx="0">
+          <a:scrgbClr r="0" g="0" b="0"/>
+        </a:effectRef>
+        <a:fontRef idx="minor">
+          <a:schemeClr val="lt1"/>
+        </a:fontRef>
+      </dsp:style>
+      <dsp:txBody>
+        <a:bodyPr spcFirstLastPara="0" vert="horz" wrap="square" lIns="51645" tIns="51645" rIns="51645" bIns="51645" numCol="1" spcCol="1270" anchor="ctr" anchorCtr="0">
+          <a:noAutofit/>
+        </a:bodyPr>
+        <a:lstStyle/>
+        <a:p>
+          <a:pPr marL="0" lvl="0" indent="0" algn="ctr" defTabSz="622300">
+            <a:lnSpc>
+              <a:spcPct val="90000"/>
+            </a:lnSpc>
+            <a:spcBef>
+              <a:spcPct val="0"/>
+            </a:spcBef>
+            <a:spcAft>
+              <a:spcPct val="35000"/>
+            </a:spcAft>
+            <a:buNone/>
+          </a:pPr>
+          <a:r>
+            <a:rPr lang="en-US" sz="1400" kern="1200" dirty="0">
+              <a:latin typeface="Calibri Light" panose="020F0302020204030204"/>
+            </a:rPr>
+            <a:t>Modify</a:t>
+          </a:r>
+          <a:endParaRPr lang="en-US" sz="1400" kern="1200" dirty="0"/>
+        </a:p>
+      </dsp:txBody>
+      <dsp:txXfrm>
+        <a:off x="1483247" y="630413"/>
+        <a:ext cx="1143268" cy="418268"/>
+      </dsp:txXfrm>
+    </dsp:sp>
+    <dsp:sp modelId="{9865E62D-BAAD-460E-8F52-D5F4617B4A1C}">
+      <dsp:nvSpPr>
+        <dsp:cNvPr id="0" name=""/>
+        <dsp:cNvSpPr/>
+      </dsp:nvSpPr>
+      <dsp:spPr>
+        <a:xfrm>
+          <a:off x="1357767" y="1048681"/>
+          <a:ext cx="1268747" cy="1472971"/>
+        </a:xfrm>
+        <a:prstGeom prst="rect">
+          <a:avLst/>
+        </a:prstGeom>
+        <a:solidFill>
+          <a:schemeClr val="dk2">
+            <a:alpha val="90000"/>
+            <a:tint val="40000"/>
+            <a:hueOff val="0"/>
+            <a:satOff val="0"/>
+            <a:lumOff val="0"/>
+            <a:alphaOff val="0"/>
+          </a:schemeClr>
+        </a:solidFill>
+        <a:ln w="12700" cap="flat" cmpd="sng" algn="ctr">
+          <a:solidFill>
+            <a:schemeClr val="dk2">
+              <a:alpha val="90000"/>
+              <a:tint val="40000"/>
+              <a:hueOff val="0"/>
+              <a:satOff val="0"/>
+              <a:lumOff val="0"/>
+              <a:alphaOff val="0"/>
+            </a:schemeClr>
+          </a:solidFill>
+          <a:prstDash val="solid"/>
+          <a:miter lim="800000"/>
+        </a:ln>
+        <a:effectLst/>
+      </dsp:spPr>
+      <dsp:style>
+        <a:lnRef idx="2">
+          <a:scrgbClr r="0" g="0" b="0"/>
+        </a:lnRef>
+        <a:fillRef idx="1">
+          <a:scrgbClr r="0" g="0" b="0"/>
+        </a:fillRef>
+        <a:effectRef idx="0">
+          <a:scrgbClr r="0" g="0" b="0"/>
+        </a:effectRef>
+        <a:fontRef idx="minor"/>
+      </dsp:style>
+      <dsp:txBody>
+        <a:bodyPr spcFirstLastPara="0" vert="horz" wrap="square" lIns="100259" tIns="100259" rIns="100259" bIns="200519" numCol="1" spcCol="1270" anchor="t" anchorCtr="0">
+          <a:noAutofit/>
+        </a:bodyPr>
+        <a:lstStyle/>
+        <a:p>
+          <a:pPr marL="0" lvl="0" indent="0" algn="l" defTabSz="488950" rtl="0">
+            <a:lnSpc>
+              <a:spcPct val="90000"/>
+            </a:lnSpc>
+            <a:spcBef>
+              <a:spcPct val="0"/>
+            </a:spcBef>
+            <a:spcAft>
+              <a:spcPct val="35000"/>
+            </a:spcAft>
+            <a:buNone/>
+          </a:pPr>
+          <a:r>
+            <a:rPr lang="en-US" sz="1100" kern="1200" dirty="0"/>
+            <a:t>Switch to the "</a:t>
+          </a:r>
+          <a:r>
+            <a:rPr lang="en-US" sz="1100" kern="1200" dirty="0">
+              <a:latin typeface="Calibri Light" panose="020F0302020204030204"/>
+            </a:rPr>
+            <a:t>hands-on-2</a:t>
+          </a:r>
+          <a:r>
+            <a:rPr lang="en-US" sz="1100" kern="1200" dirty="0"/>
+            <a:t>" branch. In this branch </a:t>
+          </a:r>
+          <a:r>
+            <a:rPr lang="en-US" sz="1100" kern="1200" dirty="0">
+              <a:latin typeface="Calibri Light" panose="020F0302020204030204"/>
+            </a:rPr>
+            <a:t>c</a:t>
+          </a:r>
+          <a:r>
+            <a:rPr lang="en-US" sz="1100" kern="1200" dirty="0"/>
+            <a:t>.</a:t>
+          </a:r>
+          <a:r>
+            <a:rPr lang="en-US" sz="1100" kern="1200" dirty="0">
+              <a:latin typeface="Calibri Light" panose="020F0302020204030204"/>
+            </a:rPr>
+            <a:t>pdf file</a:t>
+          </a:r>
+          <a:r>
+            <a:rPr lang="en-US" sz="1100" kern="1200" dirty="0"/>
+            <a:t> have been modified</a:t>
+          </a:r>
+        </a:p>
+      </dsp:txBody>
+      <dsp:txXfrm>
+        <a:off x="1357767" y="1048681"/>
+        <a:ext cx="1268747" cy="1472971"/>
+      </dsp:txXfrm>
+    </dsp:sp>
+    <dsp:sp modelId="{B43C67AC-27E4-4561-9945-BA3980B01CB6}">
+      <dsp:nvSpPr>
+        <dsp:cNvPr id="0" name=""/>
+        <dsp:cNvSpPr/>
+      </dsp:nvSpPr>
+      <dsp:spPr>
+        <a:xfrm>
+          <a:off x="2711146" y="630413"/>
+          <a:ext cx="1394228" cy="418268"/>
+        </a:xfrm>
+        <a:prstGeom prst="chevron">
+          <a:avLst>
+            <a:gd name="adj" fmla="val 30000"/>
+          </a:avLst>
+        </a:prstGeom>
+        <a:solidFill>
+          <a:schemeClr val="dk2">
+            <a:hueOff val="0"/>
+            <a:satOff val="0"/>
+            <a:lumOff val="0"/>
+            <a:alphaOff val="0"/>
+          </a:schemeClr>
+        </a:solidFill>
+        <a:ln w="12700" cap="flat" cmpd="sng" algn="ctr">
+          <a:solidFill>
+            <a:schemeClr val="dk2">
+              <a:hueOff val="0"/>
+              <a:satOff val="0"/>
+              <a:lumOff val="0"/>
+              <a:alphaOff val="0"/>
+            </a:schemeClr>
+          </a:solidFill>
+          <a:prstDash val="solid"/>
+          <a:miter lim="800000"/>
+        </a:ln>
+        <a:effectLst/>
+      </dsp:spPr>
+      <dsp:style>
+        <a:lnRef idx="2">
+          <a:scrgbClr r="0" g="0" b="0"/>
+        </a:lnRef>
+        <a:fillRef idx="1">
+          <a:scrgbClr r="0" g="0" b="0"/>
+        </a:fillRef>
+        <a:effectRef idx="0">
+          <a:scrgbClr r="0" g="0" b="0"/>
+        </a:effectRef>
+        <a:fontRef idx="minor">
+          <a:schemeClr val="lt1"/>
+        </a:fontRef>
+      </dsp:style>
+      <dsp:txBody>
+        <a:bodyPr spcFirstLastPara="0" vert="horz" wrap="square" lIns="51645" tIns="51645" rIns="51645" bIns="51645" numCol="1" spcCol="1270" anchor="ctr" anchorCtr="0">
+          <a:noAutofit/>
+        </a:bodyPr>
+        <a:lstStyle/>
+        <a:p>
+          <a:pPr marL="0" lvl="0" indent="0" algn="ctr" defTabSz="622300">
+            <a:lnSpc>
+              <a:spcPct val="90000"/>
+            </a:lnSpc>
+            <a:spcBef>
+              <a:spcPct val="0"/>
+            </a:spcBef>
+            <a:spcAft>
+              <a:spcPct val="35000"/>
+            </a:spcAft>
+            <a:buNone/>
+          </a:pPr>
+          <a:r>
+            <a:rPr lang="en-US" sz="1400" kern="1200" dirty="0"/>
+            <a:t>Commit</a:t>
+          </a:r>
+        </a:p>
+      </dsp:txBody>
+      <dsp:txXfrm>
+        <a:off x="2836626" y="630413"/>
+        <a:ext cx="1143268" cy="418268"/>
+      </dsp:txXfrm>
+    </dsp:sp>
+    <dsp:sp modelId="{1C5EC7DC-DF21-41DE-B8B3-EED110D11954}">
+      <dsp:nvSpPr>
+        <dsp:cNvPr id="0" name=""/>
+        <dsp:cNvSpPr/>
+      </dsp:nvSpPr>
+      <dsp:spPr>
+        <a:xfrm>
+          <a:off x="2711146" y="1048681"/>
+          <a:ext cx="1268747" cy="1472971"/>
+        </a:xfrm>
+        <a:prstGeom prst="rect">
+          <a:avLst/>
+        </a:prstGeom>
+        <a:solidFill>
+          <a:schemeClr val="dk2">
+            <a:alpha val="90000"/>
+            <a:tint val="40000"/>
+            <a:hueOff val="0"/>
+            <a:satOff val="0"/>
+            <a:lumOff val="0"/>
+            <a:alphaOff val="0"/>
+          </a:schemeClr>
+        </a:solidFill>
+        <a:ln w="12700" cap="flat" cmpd="sng" algn="ctr">
+          <a:solidFill>
+            <a:schemeClr val="dk2">
+              <a:alpha val="90000"/>
+              <a:tint val="40000"/>
+              <a:hueOff val="0"/>
+              <a:satOff val="0"/>
+              <a:lumOff val="0"/>
+              <a:alphaOff val="0"/>
+            </a:schemeClr>
+          </a:solidFill>
+          <a:prstDash val="solid"/>
+          <a:miter lim="800000"/>
+        </a:ln>
+        <a:effectLst/>
+      </dsp:spPr>
+      <dsp:style>
+        <a:lnRef idx="2">
+          <a:scrgbClr r="0" g="0" b="0"/>
+        </a:lnRef>
+        <a:fillRef idx="1">
+          <a:scrgbClr r="0" g="0" b="0"/>
+        </a:fillRef>
+        <a:effectRef idx="0">
+          <a:scrgbClr r="0" g="0" b="0"/>
+        </a:effectRef>
+        <a:fontRef idx="minor"/>
+      </dsp:style>
+      <dsp:txBody>
+        <a:bodyPr spcFirstLastPara="0" vert="horz" wrap="square" lIns="100259" tIns="100259" rIns="100259" bIns="200519" numCol="1" spcCol="1270" anchor="t" anchorCtr="0">
+          <a:noAutofit/>
+        </a:bodyPr>
+        <a:lstStyle/>
+        <a:p>
+          <a:pPr marL="0" lvl="0" indent="0" algn="l" defTabSz="488950">
+            <a:lnSpc>
+              <a:spcPct val="90000"/>
+            </a:lnSpc>
+            <a:spcBef>
+              <a:spcPct val="0"/>
+            </a:spcBef>
+            <a:spcAft>
+              <a:spcPct val="35000"/>
+            </a:spcAft>
+            <a:buNone/>
+          </a:pPr>
+          <a:r>
+            <a:rPr lang="en-US" sz="1100" kern="1200" dirty="0"/>
+            <a:t>Commit the change</a:t>
+          </a:r>
+        </a:p>
+      </dsp:txBody>
+      <dsp:txXfrm>
+        <a:off x="2711146" y="1048681"/>
+        <a:ext cx="1268747" cy="1472971"/>
+      </dsp:txXfrm>
+    </dsp:sp>
+    <dsp:sp modelId="{5A4EA1AD-6123-42BB-83C9-01F7F3CDAE01}">
+      <dsp:nvSpPr>
+        <dsp:cNvPr id="0" name=""/>
+        <dsp:cNvSpPr/>
+      </dsp:nvSpPr>
+      <dsp:spPr>
+        <a:xfrm>
+          <a:off x="4064525" y="630413"/>
+          <a:ext cx="1394228" cy="418268"/>
+        </a:xfrm>
+        <a:prstGeom prst="chevron">
+          <a:avLst>
+            <a:gd name="adj" fmla="val 30000"/>
+          </a:avLst>
+        </a:prstGeom>
+        <a:solidFill>
+          <a:schemeClr val="dk2">
+            <a:hueOff val="0"/>
+            <a:satOff val="0"/>
+            <a:lumOff val="0"/>
+            <a:alphaOff val="0"/>
+          </a:schemeClr>
+        </a:solidFill>
+        <a:ln w="12700" cap="flat" cmpd="sng" algn="ctr">
+          <a:solidFill>
+            <a:schemeClr val="dk2">
+              <a:hueOff val="0"/>
+              <a:satOff val="0"/>
+              <a:lumOff val="0"/>
+              <a:alphaOff val="0"/>
+            </a:schemeClr>
+          </a:solidFill>
+          <a:prstDash val="solid"/>
+          <a:miter lim="800000"/>
+        </a:ln>
+        <a:effectLst/>
+      </dsp:spPr>
+      <dsp:style>
+        <a:lnRef idx="2">
+          <a:scrgbClr r="0" g="0" b="0"/>
+        </a:lnRef>
+        <a:fillRef idx="1">
+          <a:scrgbClr r="0" g="0" b="0"/>
+        </a:fillRef>
+        <a:effectRef idx="0">
+          <a:scrgbClr r="0" g="0" b="0"/>
+        </a:effectRef>
+        <a:fontRef idx="minor">
+          <a:schemeClr val="lt1"/>
+        </a:fontRef>
+      </dsp:style>
+      <dsp:txBody>
+        <a:bodyPr spcFirstLastPara="0" vert="horz" wrap="square" lIns="51645" tIns="51645" rIns="51645" bIns="51645" numCol="1" spcCol="1270" anchor="ctr" anchorCtr="0">
+          <a:noAutofit/>
+        </a:bodyPr>
+        <a:lstStyle/>
+        <a:p>
+          <a:pPr marL="0" lvl="0" indent="0" algn="ctr" defTabSz="622300">
+            <a:lnSpc>
+              <a:spcPct val="90000"/>
+            </a:lnSpc>
+            <a:spcBef>
+              <a:spcPct val="0"/>
+            </a:spcBef>
+            <a:spcAft>
+              <a:spcPct val="35000"/>
+            </a:spcAft>
+            <a:buNone/>
+          </a:pPr>
+          <a:r>
+            <a:rPr lang="en-US" sz="1400" kern="1200" dirty="0"/>
+            <a:t>Push</a:t>
+          </a:r>
+        </a:p>
+      </dsp:txBody>
+      <dsp:txXfrm>
+        <a:off x="4190005" y="630413"/>
+        <a:ext cx="1143268" cy="418268"/>
+      </dsp:txXfrm>
+    </dsp:sp>
+    <dsp:sp modelId="{3DE15086-F8DC-4323-95A7-8F4F3BDAD0C3}">
+      <dsp:nvSpPr>
+        <dsp:cNvPr id="0" name=""/>
+        <dsp:cNvSpPr/>
+      </dsp:nvSpPr>
+      <dsp:spPr>
+        <a:xfrm>
+          <a:off x="4064525" y="1048681"/>
+          <a:ext cx="1268747" cy="1472971"/>
+        </a:xfrm>
+        <a:prstGeom prst="rect">
+          <a:avLst/>
+        </a:prstGeom>
+        <a:solidFill>
+          <a:schemeClr val="dk2">
+            <a:alpha val="90000"/>
+            <a:tint val="40000"/>
+            <a:hueOff val="0"/>
+            <a:satOff val="0"/>
+            <a:lumOff val="0"/>
+            <a:alphaOff val="0"/>
+          </a:schemeClr>
+        </a:solidFill>
+        <a:ln w="12700" cap="flat" cmpd="sng" algn="ctr">
+          <a:solidFill>
+            <a:schemeClr val="dk2">
+              <a:alpha val="90000"/>
+              <a:tint val="40000"/>
+              <a:hueOff val="0"/>
+              <a:satOff val="0"/>
+              <a:lumOff val="0"/>
+              <a:alphaOff val="0"/>
+            </a:schemeClr>
+          </a:solidFill>
+          <a:prstDash val="solid"/>
+          <a:miter lim="800000"/>
+        </a:ln>
+        <a:effectLst/>
+      </dsp:spPr>
+      <dsp:style>
+        <a:lnRef idx="2">
+          <a:scrgbClr r="0" g="0" b="0"/>
+        </a:lnRef>
+        <a:fillRef idx="1">
+          <a:scrgbClr r="0" g="0" b="0"/>
+        </a:fillRef>
+        <a:effectRef idx="0">
+          <a:scrgbClr r="0" g="0" b="0"/>
+        </a:effectRef>
+        <a:fontRef idx="minor"/>
+      </dsp:style>
+      <dsp:txBody>
+        <a:bodyPr spcFirstLastPara="0" vert="horz" wrap="square" lIns="100259" tIns="100259" rIns="100259" bIns="200519" numCol="1" spcCol="1270" anchor="t" anchorCtr="0">
+          <a:noAutofit/>
+        </a:bodyPr>
+        <a:lstStyle/>
+        <a:p>
+          <a:pPr marL="0" lvl="0" indent="0" algn="l" defTabSz="488950">
+            <a:lnSpc>
+              <a:spcPct val="90000"/>
+            </a:lnSpc>
+            <a:spcBef>
+              <a:spcPct val="0"/>
+            </a:spcBef>
+            <a:spcAft>
+              <a:spcPct val="35000"/>
+            </a:spcAft>
+            <a:buNone/>
+          </a:pPr>
+          <a:r>
+            <a:rPr lang="en-US" sz="1100" kern="1200" dirty="0"/>
+            <a:t>Push your commit</a:t>
+          </a:r>
+        </a:p>
+      </dsp:txBody>
+      <dsp:txXfrm>
+        <a:off x="4064525" y="1048681"/>
+        <a:ext cx="1268747" cy="1472971"/>
+      </dsp:txXfrm>
+    </dsp:sp>
+    <dsp:sp modelId="{A81DD7F7-7048-4B36-B578-47D266510B3E}">
+      <dsp:nvSpPr>
+        <dsp:cNvPr id="0" name=""/>
+        <dsp:cNvSpPr/>
+      </dsp:nvSpPr>
+      <dsp:spPr>
+        <a:xfrm>
+          <a:off x="5417904" y="630413"/>
+          <a:ext cx="1394228" cy="418268"/>
+        </a:xfrm>
+        <a:prstGeom prst="chevron">
+          <a:avLst>
+            <a:gd name="adj" fmla="val 30000"/>
+          </a:avLst>
+        </a:prstGeom>
+        <a:solidFill>
+          <a:schemeClr val="dk2">
+            <a:hueOff val="0"/>
+            <a:satOff val="0"/>
+            <a:lumOff val="0"/>
+            <a:alphaOff val="0"/>
+          </a:schemeClr>
+        </a:solidFill>
+        <a:ln w="12700" cap="flat" cmpd="sng" algn="ctr">
+          <a:solidFill>
+            <a:schemeClr val="dk2">
+              <a:hueOff val="0"/>
+              <a:satOff val="0"/>
+              <a:lumOff val="0"/>
+              <a:alphaOff val="0"/>
+            </a:schemeClr>
+          </a:solidFill>
+          <a:prstDash val="solid"/>
+          <a:miter lim="800000"/>
+        </a:ln>
+        <a:effectLst/>
+      </dsp:spPr>
+      <dsp:style>
+        <a:lnRef idx="2">
+          <a:scrgbClr r="0" g="0" b="0"/>
+        </a:lnRef>
+        <a:fillRef idx="1">
+          <a:scrgbClr r="0" g="0" b="0"/>
+        </a:fillRef>
+        <a:effectRef idx="0">
+          <a:scrgbClr r="0" g="0" b="0"/>
+        </a:effectRef>
+        <a:fontRef idx="minor">
+          <a:schemeClr val="lt1"/>
+        </a:fontRef>
+      </dsp:style>
+      <dsp:txBody>
+        <a:bodyPr spcFirstLastPara="0" vert="horz" wrap="square" lIns="51645" tIns="51645" rIns="51645" bIns="51645" numCol="1" spcCol="1270" anchor="ctr" anchorCtr="0">
+          <a:noAutofit/>
+        </a:bodyPr>
+        <a:lstStyle/>
+        <a:p>
+          <a:pPr marL="0" lvl="0" indent="0" algn="ctr" defTabSz="622300" rtl="0">
+            <a:lnSpc>
+              <a:spcPct val="90000"/>
+            </a:lnSpc>
+            <a:spcBef>
+              <a:spcPct val="0"/>
+            </a:spcBef>
+            <a:spcAft>
+              <a:spcPct val="35000"/>
+            </a:spcAft>
+            <a:buNone/>
+          </a:pPr>
+          <a:r>
+            <a:rPr lang="en-US" sz="1400" kern="1200" dirty="0">
+              <a:latin typeface="Calibri Light" panose="020F0302020204030204"/>
+            </a:rPr>
+            <a:t>Open PR</a:t>
+          </a:r>
+          <a:endParaRPr lang="en-US" sz="1400" kern="1200" dirty="0"/>
+        </a:p>
+      </dsp:txBody>
+      <dsp:txXfrm>
+        <a:off x="5543384" y="630413"/>
+        <a:ext cx="1143268" cy="418268"/>
+      </dsp:txXfrm>
+    </dsp:sp>
+    <dsp:sp modelId="{127137F1-1257-4E3D-B3BC-CBB9FD586019}">
+      <dsp:nvSpPr>
+        <dsp:cNvPr id="0" name=""/>
+        <dsp:cNvSpPr/>
+      </dsp:nvSpPr>
+      <dsp:spPr>
+        <a:xfrm>
+          <a:off x="5417904" y="1048681"/>
+          <a:ext cx="1268747" cy="1472971"/>
+        </a:xfrm>
+        <a:prstGeom prst="rect">
+          <a:avLst/>
+        </a:prstGeom>
+        <a:solidFill>
+          <a:schemeClr val="dk2">
+            <a:alpha val="90000"/>
+            <a:tint val="40000"/>
+            <a:hueOff val="0"/>
+            <a:satOff val="0"/>
+            <a:lumOff val="0"/>
+            <a:alphaOff val="0"/>
+          </a:schemeClr>
+        </a:solidFill>
+        <a:ln w="12700" cap="flat" cmpd="sng" algn="ctr">
+          <a:solidFill>
+            <a:schemeClr val="dk2">
+              <a:alpha val="90000"/>
+              <a:tint val="40000"/>
+              <a:hueOff val="0"/>
+              <a:satOff val="0"/>
+              <a:lumOff val="0"/>
+              <a:alphaOff val="0"/>
+            </a:schemeClr>
+          </a:solidFill>
+          <a:prstDash val="solid"/>
+          <a:miter lim="800000"/>
+        </a:ln>
+        <a:effectLst/>
+      </dsp:spPr>
+      <dsp:style>
+        <a:lnRef idx="2">
+          <a:scrgbClr r="0" g="0" b="0"/>
+        </a:lnRef>
+        <a:fillRef idx="1">
+          <a:scrgbClr r="0" g="0" b="0"/>
+        </a:fillRef>
+        <a:effectRef idx="0">
+          <a:scrgbClr r="0" g="0" b="0"/>
+        </a:effectRef>
+        <a:fontRef idx="minor"/>
+      </dsp:style>
+      <dsp:txBody>
+        <a:bodyPr spcFirstLastPara="0" vert="horz" wrap="square" lIns="100259" tIns="100259" rIns="100259" bIns="200519" numCol="1" spcCol="1270" anchor="t" anchorCtr="0">
+          <a:noAutofit/>
+        </a:bodyPr>
+        <a:lstStyle/>
+        <a:p>
+          <a:pPr marL="0" lvl="0" indent="0" algn="l" defTabSz="488950">
+            <a:lnSpc>
+              <a:spcPct val="90000"/>
+            </a:lnSpc>
+            <a:spcBef>
+              <a:spcPct val="0"/>
+            </a:spcBef>
+            <a:spcAft>
+              <a:spcPct val="35000"/>
+            </a:spcAft>
+            <a:buNone/>
+          </a:pPr>
+          <a:r>
+            <a:rPr lang="en-US" sz="1100" kern="1200" dirty="0"/>
+            <a:t>Go to your forked repo and open a PR</a:t>
+          </a:r>
+        </a:p>
+      </dsp:txBody>
+      <dsp:txXfrm>
+        <a:off x="5417904" y="1048681"/>
+        <a:ext cx="1268747" cy="1472971"/>
+      </dsp:txXfrm>
+    </dsp:sp>
+    <dsp:sp modelId="{CAC99054-4D22-459A-BA4A-E4EA5D24FE8A}">
+      <dsp:nvSpPr>
+        <dsp:cNvPr id="0" name=""/>
+        <dsp:cNvSpPr/>
+      </dsp:nvSpPr>
+      <dsp:spPr>
+        <a:xfrm>
+          <a:off x="6771283" y="630413"/>
+          <a:ext cx="1394228" cy="418268"/>
+        </a:xfrm>
+        <a:prstGeom prst="chevron">
+          <a:avLst>
+            <a:gd name="adj" fmla="val 30000"/>
+          </a:avLst>
+        </a:prstGeom>
+        <a:solidFill>
+          <a:schemeClr val="dk2">
+            <a:hueOff val="0"/>
+            <a:satOff val="0"/>
+            <a:lumOff val="0"/>
+            <a:alphaOff val="0"/>
+          </a:schemeClr>
+        </a:solidFill>
+        <a:ln w="12700" cap="flat" cmpd="sng" algn="ctr">
+          <a:solidFill>
+            <a:schemeClr val="dk2">
+              <a:hueOff val="0"/>
+              <a:satOff val="0"/>
+              <a:lumOff val="0"/>
+              <a:alphaOff val="0"/>
+            </a:schemeClr>
+          </a:solidFill>
+          <a:prstDash val="solid"/>
+          <a:miter lim="800000"/>
+        </a:ln>
+        <a:effectLst/>
+      </dsp:spPr>
+      <dsp:style>
+        <a:lnRef idx="2">
+          <a:scrgbClr r="0" g="0" b="0"/>
+        </a:lnRef>
+        <a:fillRef idx="1">
+          <a:scrgbClr r="0" g="0" b="0"/>
+        </a:fillRef>
+        <a:effectRef idx="0">
+          <a:scrgbClr r="0" g="0" b="0"/>
+        </a:effectRef>
+        <a:fontRef idx="minor">
+          <a:schemeClr val="lt1"/>
+        </a:fontRef>
+      </dsp:style>
+      <dsp:txBody>
+        <a:bodyPr spcFirstLastPara="0" vert="horz" wrap="square" lIns="51645" tIns="51645" rIns="51645" bIns="51645" numCol="1" spcCol="1270" anchor="ctr" anchorCtr="0">
+          <a:noAutofit/>
+        </a:bodyPr>
+        <a:lstStyle/>
+        <a:p>
+          <a:pPr marL="0" lvl="0" indent="0" algn="ctr" defTabSz="622300" rtl="0">
+            <a:lnSpc>
+              <a:spcPct val="90000"/>
+            </a:lnSpc>
+            <a:spcBef>
+              <a:spcPct val="0"/>
+            </a:spcBef>
+            <a:spcAft>
+              <a:spcPct val="35000"/>
+            </a:spcAft>
+            <a:buNone/>
+          </a:pPr>
+          <a:r>
+            <a:rPr lang="en-US" sz="1400" kern="1200" dirty="0">
+              <a:latin typeface="Calibri Light" panose="020F0302020204030204"/>
+            </a:rPr>
+            <a:t>Fill PR fields</a:t>
+          </a:r>
+          <a:endParaRPr lang="en-US" sz="1400" kern="1200" dirty="0"/>
+        </a:p>
+      </dsp:txBody>
+      <dsp:txXfrm>
+        <a:off x="6896763" y="630413"/>
+        <a:ext cx="1143268" cy="418268"/>
+      </dsp:txXfrm>
+    </dsp:sp>
+    <dsp:sp modelId="{9301E6A2-92F8-4CF4-9DB4-161729A64B0F}">
+      <dsp:nvSpPr>
+        <dsp:cNvPr id="0" name=""/>
+        <dsp:cNvSpPr/>
+      </dsp:nvSpPr>
+      <dsp:spPr>
+        <a:xfrm>
+          <a:off x="6771283" y="1048681"/>
+          <a:ext cx="1268747" cy="1472971"/>
+        </a:xfrm>
+        <a:prstGeom prst="rect">
+          <a:avLst/>
+        </a:prstGeom>
+        <a:solidFill>
+          <a:schemeClr val="dk2">
+            <a:alpha val="90000"/>
+            <a:tint val="40000"/>
+            <a:hueOff val="0"/>
+            <a:satOff val="0"/>
+            <a:lumOff val="0"/>
+            <a:alphaOff val="0"/>
+          </a:schemeClr>
+        </a:solidFill>
+        <a:ln w="12700" cap="flat" cmpd="sng" algn="ctr">
+          <a:solidFill>
+            <a:schemeClr val="dk2">
+              <a:alpha val="90000"/>
+              <a:tint val="40000"/>
+              <a:hueOff val="0"/>
+              <a:satOff val="0"/>
+              <a:lumOff val="0"/>
+              <a:alphaOff val="0"/>
+            </a:schemeClr>
+          </a:solidFill>
+          <a:prstDash val="solid"/>
+          <a:miter lim="800000"/>
+        </a:ln>
+        <a:effectLst/>
+      </dsp:spPr>
+      <dsp:style>
+        <a:lnRef idx="2">
+          <a:scrgbClr r="0" g="0" b="0"/>
+        </a:lnRef>
+        <a:fillRef idx="1">
+          <a:scrgbClr r="0" g="0" b="0"/>
+        </a:fillRef>
+        <a:effectRef idx="0">
+          <a:scrgbClr r="0" g="0" b="0"/>
+        </a:effectRef>
+        <a:fontRef idx="minor"/>
+      </dsp:style>
+      <dsp:txBody>
+        <a:bodyPr spcFirstLastPara="0" vert="horz" wrap="square" lIns="100259" tIns="100259" rIns="100259" bIns="200519" numCol="1" spcCol="1270" anchor="t" anchorCtr="0">
+          <a:noAutofit/>
+        </a:bodyPr>
+        <a:lstStyle/>
+        <a:p>
+          <a:pPr marL="0" lvl="0" indent="0" algn="l" defTabSz="488950">
+            <a:lnSpc>
+              <a:spcPct val="90000"/>
+            </a:lnSpc>
+            <a:spcBef>
+              <a:spcPct val="0"/>
+            </a:spcBef>
+            <a:spcAft>
+              <a:spcPct val="35000"/>
+            </a:spcAft>
+            <a:buNone/>
+          </a:pPr>
+          <a:r>
+            <a:rPr lang="en-US" sz="1100" kern="1200" dirty="0"/>
+            <a:t>Set Reviewers, Assignee, comment/document your PR</a:t>
+          </a:r>
+        </a:p>
+      </dsp:txBody>
+      <dsp:txXfrm>
+        <a:off x="6771283" y="1048681"/>
+        <a:ext cx="1268747" cy="1472971"/>
+      </dsp:txXfrm>
+    </dsp:sp>
+  </dsp:spTree>
+</dsp:drawing>
+</file>
+
+<file path=ppt/diagrams/drawing4.xml><?xml version="1.0" encoding="utf-8"?>
+<dsp:drawing xmlns:dgm="http://schemas.openxmlformats.org/drawingml/2006/diagram" xmlns:dsp="http://schemas.microsoft.com/office/drawing/2008/diagram" xmlns:a="http://schemas.openxmlformats.org/drawingml/2006/main">
+  <dsp:spTree>
+    <dsp:nvGrpSpPr>
+      <dsp:cNvPr id="0" name=""/>
+      <dsp:cNvGrpSpPr/>
+    </dsp:nvGrpSpPr>
+    <dsp:grpSpPr/>
+    <dsp:sp modelId="{3FB81F9A-9101-4634-95F3-90E526C7215D}">
+      <dsp:nvSpPr>
+        <dsp:cNvPr id="0" name=""/>
+        <dsp:cNvSpPr/>
+      </dsp:nvSpPr>
+      <dsp:spPr>
+        <a:xfrm>
+          <a:off x="3661" y="273512"/>
+          <a:ext cx="1397407" cy="419222"/>
+        </a:xfrm>
+        <a:prstGeom prst="chevron">
+          <a:avLst>
+            <a:gd name="adj" fmla="val 30000"/>
+          </a:avLst>
+        </a:prstGeom>
+        <a:solidFill>
+          <a:schemeClr val="dk2">
+            <a:hueOff val="0"/>
+            <a:satOff val="0"/>
+            <a:lumOff val="0"/>
+            <a:alphaOff val="0"/>
+          </a:schemeClr>
+        </a:solidFill>
+        <a:ln w="12700" cap="flat" cmpd="sng" algn="ctr">
+          <a:solidFill>
+            <a:schemeClr val="dk2">
+              <a:hueOff val="0"/>
+              <a:satOff val="0"/>
+              <a:lumOff val="0"/>
+              <a:alphaOff val="0"/>
+            </a:schemeClr>
+          </a:solidFill>
+          <a:prstDash val="solid"/>
+          <a:miter lim="800000"/>
+        </a:ln>
+        <a:effectLst/>
+      </dsp:spPr>
+      <dsp:style>
+        <a:lnRef idx="2">
+          <a:scrgbClr r="0" g="0" b="0"/>
+        </a:lnRef>
+        <a:fillRef idx="1">
+          <a:scrgbClr r="0" g="0" b="0"/>
+        </a:fillRef>
+        <a:effectRef idx="0">
+          <a:scrgbClr r="0" g="0" b="0"/>
+        </a:effectRef>
+        <a:fontRef idx="minor">
+          <a:schemeClr val="lt1"/>
+        </a:fontRef>
+      </dsp:style>
+      <dsp:txBody>
+        <a:bodyPr spcFirstLastPara="0" vert="horz" wrap="square" lIns="51762" tIns="51762" rIns="51762" bIns="51762" numCol="1" spcCol="1270" anchor="ctr" anchorCtr="0">
+          <a:noAutofit/>
+        </a:bodyPr>
+        <a:lstStyle/>
+        <a:p>
+          <a:pPr marL="0" lvl="0" indent="0" algn="ctr" defTabSz="622300" rtl="0">
+            <a:lnSpc>
+              <a:spcPct val="90000"/>
+            </a:lnSpc>
+            <a:spcBef>
+              <a:spcPct val="0"/>
+            </a:spcBef>
+            <a:spcAft>
+              <a:spcPct val="35000"/>
+            </a:spcAft>
+            <a:buNone/>
+          </a:pPr>
+          <a:r>
+            <a:rPr lang="en-US" sz="1400" kern="1200" dirty="0">
+              <a:latin typeface="Calibri Light" panose="020F0302020204030204"/>
+            </a:rPr>
+            <a:t>Read </a:t>
+          </a:r>
+          <a:endParaRPr lang="en-US" sz="1400" kern="1200" dirty="0"/>
+        </a:p>
+      </dsp:txBody>
+      <dsp:txXfrm>
+        <a:off x="129428" y="273512"/>
+        <a:ext cx="1145873" cy="419222"/>
+      </dsp:txXfrm>
+    </dsp:sp>
+    <dsp:sp modelId="{D733675F-B879-49BD-A715-8A27284F454A}">
+      <dsp:nvSpPr>
+        <dsp:cNvPr id="0" name=""/>
+        <dsp:cNvSpPr/>
+      </dsp:nvSpPr>
+      <dsp:spPr>
+        <a:xfrm>
+          <a:off x="3661" y="692734"/>
+          <a:ext cx="1271640" cy="1116560"/>
+        </a:xfrm>
+        <a:prstGeom prst="rect">
+          <a:avLst/>
+        </a:prstGeom>
+        <a:solidFill>
+          <a:schemeClr val="dk2">
+            <a:alpha val="90000"/>
+            <a:tint val="40000"/>
+            <a:hueOff val="0"/>
+            <a:satOff val="0"/>
+            <a:lumOff val="0"/>
+            <a:alphaOff val="0"/>
+          </a:schemeClr>
+        </a:solidFill>
+        <a:ln w="12700" cap="flat" cmpd="sng" algn="ctr">
+          <a:solidFill>
+            <a:schemeClr val="dk2">
+              <a:alpha val="90000"/>
+              <a:tint val="40000"/>
+              <a:hueOff val="0"/>
+              <a:satOff val="0"/>
+              <a:lumOff val="0"/>
+              <a:alphaOff val="0"/>
+            </a:schemeClr>
+          </a:solidFill>
+          <a:prstDash val="solid"/>
+          <a:miter lim="800000"/>
+        </a:ln>
+        <a:effectLst/>
+      </dsp:spPr>
+      <dsp:style>
+        <a:lnRef idx="2">
+          <a:scrgbClr r="0" g="0" b="0"/>
+        </a:lnRef>
+        <a:fillRef idx="1">
+          <a:scrgbClr r="0" g="0" b="0"/>
+        </a:fillRef>
+        <a:effectRef idx="0">
+          <a:scrgbClr r="0" g="0" b="0"/>
+        </a:effectRef>
+        <a:fontRef idx="minor"/>
+      </dsp:style>
+      <dsp:txBody>
+        <a:bodyPr spcFirstLastPara="0" vert="horz" wrap="square" lIns="100488" tIns="100488" rIns="100488" bIns="200976" numCol="1" spcCol="1270" anchor="t" anchorCtr="0">
+          <a:noAutofit/>
+        </a:bodyPr>
+        <a:lstStyle/>
+        <a:p>
+          <a:pPr marL="0" lvl="0" indent="0" algn="l" defTabSz="488950" rtl="0">
+            <a:lnSpc>
+              <a:spcPct val="90000"/>
+            </a:lnSpc>
+            <a:spcBef>
+              <a:spcPct val="0"/>
+            </a:spcBef>
+            <a:spcAft>
+              <a:spcPct val="35000"/>
+            </a:spcAft>
+            <a:buNone/>
+          </a:pPr>
+          <a:r>
+            <a:rPr lang="en-US" sz="1100" kern="1200" dirty="0">
+              <a:latin typeface="Calibri Light" panose="020F0302020204030204"/>
+            </a:rPr>
+            <a:t>Read the content of the PR and check the files changed</a:t>
+          </a:r>
+          <a:endParaRPr lang="en-US" sz="1100" kern="1200" dirty="0"/>
+        </a:p>
+      </dsp:txBody>
+      <dsp:txXfrm>
+        <a:off x="3661" y="692734"/>
+        <a:ext cx="1271640" cy="1116560"/>
+      </dsp:txXfrm>
+    </dsp:sp>
+    <dsp:sp modelId="{7B2F2EAF-8610-4DC9-B1C8-9E4E33D97A56}">
+      <dsp:nvSpPr>
+        <dsp:cNvPr id="0" name=""/>
+        <dsp:cNvSpPr/>
+      </dsp:nvSpPr>
+      <dsp:spPr>
+        <a:xfrm>
+          <a:off x="1373498" y="273512"/>
+          <a:ext cx="1397407" cy="419222"/>
+        </a:xfrm>
+        <a:prstGeom prst="chevron">
+          <a:avLst>
+            <a:gd name="adj" fmla="val 30000"/>
+          </a:avLst>
+        </a:prstGeom>
+        <a:solidFill>
+          <a:schemeClr val="dk2">
+            <a:hueOff val="0"/>
+            <a:satOff val="0"/>
+            <a:lumOff val="0"/>
+            <a:alphaOff val="0"/>
+          </a:schemeClr>
+        </a:solidFill>
+        <a:ln w="12700" cap="flat" cmpd="sng" algn="ctr">
+          <a:solidFill>
+            <a:schemeClr val="dk2">
+              <a:hueOff val="0"/>
+              <a:satOff val="0"/>
+              <a:lumOff val="0"/>
+              <a:alphaOff val="0"/>
+            </a:schemeClr>
+          </a:solidFill>
+          <a:prstDash val="solid"/>
+          <a:miter lim="800000"/>
+        </a:ln>
+        <a:effectLst/>
+      </dsp:spPr>
+      <dsp:style>
+        <a:lnRef idx="2">
+          <a:scrgbClr r="0" g="0" b="0"/>
+        </a:lnRef>
+        <a:fillRef idx="1">
+          <a:scrgbClr r="0" g="0" b="0"/>
+        </a:fillRef>
+        <a:effectRef idx="0">
+          <a:scrgbClr r="0" g="0" b="0"/>
+        </a:effectRef>
+        <a:fontRef idx="minor">
+          <a:schemeClr val="lt1"/>
+        </a:fontRef>
+      </dsp:style>
+      <dsp:txBody>
+        <a:bodyPr spcFirstLastPara="0" vert="horz" wrap="square" lIns="51762" tIns="51762" rIns="51762" bIns="51762" numCol="1" spcCol="1270" anchor="ctr" anchorCtr="0">
+          <a:noAutofit/>
+        </a:bodyPr>
+        <a:lstStyle/>
+        <a:p>
+          <a:pPr marL="0" lvl="0" indent="0" algn="ctr" defTabSz="622300" rtl="0">
+            <a:lnSpc>
+              <a:spcPct val="90000"/>
+            </a:lnSpc>
+            <a:spcBef>
+              <a:spcPct val="0"/>
+            </a:spcBef>
+            <a:spcAft>
+              <a:spcPct val="35000"/>
+            </a:spcAft>
+            <a:buNone/>
+          </a:pPr>
+          <a:r>
+            <a:rPr lang="en-US" sz="1400" kern="1200" dirty="0">
+              <a:latin typeface="Calibri Light" panose="020F0302020204030204"/>
+            </a:rPr>
+            <a:t>Change Request</a:t>
+          </a:r>
+          <a:endParaRPr lang="en-US" sz="1400" kern="1200" dirty="0"/>
+        </a:p>
+      </dsp:txBody>
+      <dsp:txXfrm>
+        <a:off x="1499265" y="273512"/>
+        <a:ext cx="1145873" cy="419222"/>
+      </dsp:txXfrm>
+    </dsp:sp>
+    <dsp:sp modelId="{9865E62D-BAAD-460E-8F52-D5F4617B4A1C}">
+      <dsp:nvSpPr>
+        <dsp:cNvPr id="0" name=""/>
+        <dsp:cNvSpPr/>
+      </dsp:nvSpPr>
+      <dsp:spPr>
+        <a:xfrm>
+          <a:off x="1373498" y="692734"/>
+          <a:ext cx="1271640" cy="1116560"/>
+        </a:xfrm>
+        <a:prstGeom prst="rect">
+          <a:avLst/>
+        </a:prstGeom>
+        <a:solidFill>
+          <a:schemeClr val="dk2">
+            <a:alpha val="90000"/>
+            <a:tint val="40000"/>
+            <a:hueOff val="0"/>
+            <a:satOff val="0"/>
+            <a:lumOff val="0"/>
+            <a:alphaOff val="0"/>
+          </a:schemeClr>
+        </a:solidFill>
+        <a:ln w="12700" cap="flat" cmpd="sng" algn="ctr">
+          <a:solidFill>
+            <a:schemeClr val="dk2">
+              <a:alpha val="90000"/>
+              <a:tint val="40000"/>
+              <a:hueOff val="0"/>
+              <a:satOff val="0"/>
+              <a:lumOff val="0"/>
+              <a:alphaOff val="0"/>
+            </a:schemeClr>
+          </a:solidFill>
+          <a:prstDash val="solid"/>
+          <a:miter lim="800000"/>
+        </a:ln>
+        <a:effectLst/>
+      </dsp:spPr>
+      <dsp:style>
+        <a:lnRef idx="2">
+          <a:scrgbClr r="0" g="0" b="0"/>
+        </a:lnRef>
+        <a:fillRef idx="1">
+          <a:scrgbClr r="0" g="0" b="0"/>
+        </a:fillRef>
+        <a:effectRef idx="0">
+          <a:scrgbClr r="0" g="0" b="0"/>
+        </a:effectRef>
+        <a:fontRef idx="minor"/>
+      </dsp:style>
+      <dsp:txBody>
+        <a:bodyPr spcFirstLastPara="0" vert="horz" wrap="square" lIns="100488" tIns="100488" rIns="100488" bIns="200976" numCol="1" spcCol="1270" anchor="t" anchorCtr="0">
+          <a:noAutofit/>
+        </a:bodyPr>
+        <a:lstStyle/>
+        <a:p>
+          <a:pPr marL="0" lvl="0" indent="0" algn="l" defTabSz="488950" rtl="0">
+            <a:lnSpc>
+              <a:spcPct val="90000"/>
+            </a:lnSpc>
+            <a:spcBef>
+              <a:spcPct val="0"/>
+            </a:spcBef>
+            <a:spcAft>
+              <a:spcPct val="35000"/>
+            </a:spcAft>
+            <a:buNone/>
+          </a:pPr>
+          <a:r>
+            <a:rPr lang="en-US" sz="1100" kern="1200" dirty="0">
+              <a:latin typeface="Calibri Light" panose="020F0302020204030204"/>
+            </a:rPr>
+            <a:t>If needed ask for a change </a:t>
+          </a:r>
+          <a:endParaRPr lang="en-US" sz="1100" kern="1200" dirty="0"/>
+        </a:p>
+      </dsp:txBody>
+      <dsp:txXfrm>
+        <a:off x="1373498" y="692734"/>
+        <a:ext cx="1271640" cy="1116560"/>
+      </dsp:txXfrm>
+    </dsp:sp>
+    <dsp:sp modelId="{B43C67AC-27E4-4561-9945-BA3980B01CB6}">
+      <dsp:nvSpPr>
+        <dsp:cNvPr id="0" name=""/>
+        <dsp:cNvSpPr/>
+      </dsp:nvSpPr>
+      <dsp:spPr>
+        <a:xfrm>
+          <a:off x="2743334" y="273512"/>
+          <a:ext cx="1397407" cy="419222"/>
+        </a:xfrm>
+        <a:prstGeom prst="chevron">
+          <a:avLst>
+            <a:gd name="adj" fmla="val 30000"/>
+          </a:avLst>
+        </a:prstGeom>
+        <a:solidFill>
+          <a:schemeClr val="dk2">
+            <a:hueOff val="0"/>
+            <a:satOff val="0"/>
+            <a:lumOff val="0"/>
+            <a:alphaOff val="0"/>
+          </a:schemeClr>
+        </a:solidFill>
+        <a:ln w="12700" cap="flat" cmpd="sng" algn="ctr">
+          <a:solidFill>
+            <a:schemeClr val="dk2">
+              <a:hueOff val="0"/>
+              <a:satOff val="0"/>
+              <a:lumOff val="0"/>
+              <a:alphaOff val="0"/>
+            </a:schemeClr>
+          </a:solidFill>
+          <a:prstDash val="solid"/>
+          <a:miter lim="800000"/>
+        </a:ln>
+        <a:effectLst/>
+      </dsp:spPr>
+      <dsp:style>
+        <a:lnRef idx="2">
+          <a:scrgbClr r="0" g="0" b="0"/>
+        </a:lnRef>
+        <a:fillRef idx="1">
+          <a:scrgbClr r="0" g="0" b="0"/>
+        </a:fillRef>
+        <a:effectRef idx="0">
+          <a:scrgbClr r="0" g="0" b="0"/>
+        </a:effectRef>
+        <a:fontRef idx="minor">
+          <a:schemeClr val="lt1"/>
+        </a:fontRef>
+      </dsp:style>
+      <dsp:txBody>
+        <a:bodyPr spcFirstLastPara="0" vert="horz" wrap="square" lIns="51762" tIns="51762" rIns="51762" bIns="51762" numCol="1" spcCol="1270" anchor="ctr" anchorCtr="0">
+          <a:noAutofit/>
+        </a:bodyPr>
+        <a:lstStyle/>
+        <a:p>
+          <a:pPr marL="0" lvl="0" indent="0" algn="ctr" defTabSz="622300">
+            <a:lnSpc>
+              <a:spcPct val="90000"/>
+            </a:lnSpc>
+            <a:spcBef>
+              <a:spcPct val="0"/>
+            </a:spcBef>
+            <a:spcAft>
+              <a:spcPct val="35000"/>
+            </a:spcAft>
+            <a:buNone/>
+          </a:pPr>
+          <a:r>
+            <a:rPr lang="en-US" sz="1400" kern="1200" dirty="0">
+              <a:latin typeface="Calibri Light" panose="020F0302020204030204"/>
+            </a:rPr>
+            <a:t>Approve</a:t>
+          </a:r>
+          <a:endParaRPr lang="en-US" sz="1400" kern="1200" dirty="0"/>
+        </a:p>
+      </dsp:txBody>
+      <dsp:txXfrm>
+        <a:off x="2869101" y="273512"/>
+        <a:ext cx="1145873" cy="419222"/>
+      </dsp:txXfrm>
+    </dsp:sp>
+    <dsp:sp modelId="{1C5EC7DC-DF21-41DE-B8B3-EED110D11954}">
+      <dsp:nvSpPr>
+        <dsp:cNvPr id="0" name=""/>
+        <dsp:cNvSpPr/>
+      </dsp:nvSpPr>
+      <dsp:spPr>
+        <a:xfrm>
+          <a:off x="2743334" y="692734"/>
+          <a:ext cx="1271640" cy="1116560"/>
+        </a:xfrm>
+        <a:prstGeom prst="rect">
+          <a:avLst/>
+        </a:prstGeom>
+        <a:solidFill>
+          <a:schemeClr val="dk2">
+            <a:alpha val="90000"/>
+            <a:tint val="40000"/>
+            <a:hueOff val="0"/>
+            <a:satOff val="0"/>
+            <a:lumOff val="0"/>
+            <a:alphaOff val="0"/>
+          </a:schemeClr>
+        </a:solidFill>
+        <a:ln w="12700" cap="flat" cmpd="sng" algn="ctr">
+          <a:solidFill>
+            <a:schemeClr val="dk2">
+              <a:alpha val="90000"/>
+              <a:tint val="40000"/>
+              <a:hueOff val="0"/>
+              <a:satOff val="0"/>
+              <a:lumOff val="0"/>
+              <a:alphaOff val="0"/>
+            </a:schemeClr>
+          </a:solidFill>
+          <a:prstDash val="solid"/>
+          <a:miter lim="800000"/>
+        </a:ln>
+        <a:effectLst/>
+      </dsp:spPr>
+      <dsp:style>
+        <a:lnRef idx="2">
+          <a:scrgbClr r="0" g="0" b="0"/>
+        </a:lnRef>
+        <a:fillRef idx="1">
+          <a:scrgbClr r="0" g="0" b="0"/>
+        </a:fillRef>
+        <a:effectRef idx="0">
+          <a:scrgbClr r="0" g="0" b="0"/>
+        </a:effectRef>
+        <a:fontRef idx="minor"/>
+      </dsp:style>
+      <dsp:txBody>
+        <a:bodyPr spcFirstLastPara="0" vert="horz" wrap="square" lIns="100488" tIns="100488" rIns="100488" bIns="200976" numCol="1" spcCol="1270" anchor="t" anchorCtr="0">
+          <a:noAutofit/>
+        </a:bodyPr>
+        <a:lstStyle/>
+        <a:p>
+          <a:pPr marL="0" lvl="0" indent="0" algn="l" defTabSz="488950" rtl="0">
+            <a:lnSpc>
+              <a:spcPct val="90000"/>
+            </a:lnSpc>
+            <a:spcBef>
+              <a:spcPct val="0"/>
+            </a:spcBef>
+            <a:spcAft>
+              <a:spcPct val="35000"/>
+            </a:spcAft>
+            <a:buNone/>
+          </a:pPr>
+          <a:r>
+            <a:rPr lang="en-US" sz="1100" kern="1200" dirty="0">
+              <a:latin typeface="Calibri Light" panose="020F0302020204030204"/>
+            </a:rPr>
+            <a:t>If change requested approve them</a:t>
+          </a:r>
+          <a:endParaRPr lang="en-US" sz="1100" kern="1200" dirty="0"/>
+        </a:p>
+      </dsp:txBody>
+      <dsp:txXfrm>
+        <a:off x="2743334" y="692734"/>
+        <a:ext cx="1271640" cy="1116560"/>
+      </dsp:txXfrm>
+    </dsp:sp>
+    <dsp:sp modelId="{5A4EA1AD-6123-42BB-83C9-01F7F3CDAE01}">
+      <dsp:nvSpPr>
+        <dsp:cNvPr id="0" name=""/>
+        <dsp:cNvSpPr/>
+      </dsp:nvSpPr>
+      <dsp:spPr>
+        <a:xfrm>
+          <a:off x="4113170" y="273512"/>
+          <a:ext cx="1397407" cy="419222"/>
+        </a:xfrm>
+        <a:prstGeom prst="chevron">
+          <a:avLst>
+            <a:gd name="adj" fmla="val 30000"/>
+          </a:avLst>
+        </a:prstGeom>
+        <a:solidFill>
+          <a:schemeClr val="dk2">
+            <a:hueOff val="0"/>
+            <a:satOff val="0"/>
+            <a:lumOff val="0"/>
+            <a:alphaOff val="0"/>
+          </a:schemeClr>
+        </a:solidFill>
+        <a:ln w="12700" cap="flat" cmpd="sng" algn="ctr">
+          <a:solidFill>
+            <a:schemeClr val="dk2">
+              <a:hueOff val="0"/>
+              <a:satOff val="0"/>
+              <a:lumOff val="0"/>
+              <a:alphaOff val="0"/>
+            </a:schemeClr>
+          </a:solidFill>
+          <a:prstDash val="solid"/>
+          <a:miter lim="800000"/>
+        </a:ln>
+        <a:effectLst/>
+      </dsp:spPr>
+      <dsp:style>
+        <a:lnRef idx="2">
+          <a:scrgbClr r="0" g="0" b="0"/>
+        </a:lnRef>
+        <a:fillRef idx="1">
+          <a:scrgbClr r="0" g="0" b="0"/>
+        </a:fillRef>
+        <a:effectRef idx="0">
+          <a:scrgbClr r="0" g="0" b="0"/>
+        </a:effectRef>
+        <a:fontRef idx="minor">
+          <a:schemeClr val="lt1"/>
+        </a:fontRef>
+      </dsp:style>
+      <dsp:txBody>
+        <a:bodyPr spcFirstLastPara="0" vert="horz" wrap="square" lIns="51762" tIns="51762" rIns="51762" bIns="51762" numCol="1" spcCol="1270" anchor="ctr" anchorCtr="0">
+          <a:noAutofit/>
+        </a:bodyPr>
+        <a:lstStyle/>
+        <a:p>
+          <a:pPr marL="0" lvl="0" indent="0" algn="ctr" defTabSz="622300" rtl="0">
+            <a:lnSpc>
+              <a:spcPct val="90000"/>
+            </a:lnSpc>
+            <a:spcBef>
+              <a:spcPct val="0"/>
+            </a:spcBef>
+            <a:spcAft>
+              <a:spcPct val="35000"/>
+            </a:spcAft>
+            <a:buNone/>
+          </a:pPr>
+          <a:r>
+            <a:rPr lang="en-US" sz="1400" kern="1200" dirty="0">
+              <a:latin typeface="Calibri Light" panose="020F0302020204030204"/>
+            </a:rPr>
+            <a:t>Merge the PR</a:t>
+          </a:r>
+          <a:endParaRPr lang="en-US" sz="1400" kern="1200" dirty="0"/>
+        </a:p>
+      </dsp:txBody>
+      <dsp:txXfrm>
+        <a:off x="4238937" y="273512"/>
+        <a:ext cx="1145873" cy="419222"/>
+      </dsp:txXfrm>
+    </dsp:sp>
+    <dsp:sp modelId="{3DE15086-F8DC-4323-95A7-8F4F3BDAD0C3}">
+      <dsp:nvSpPr>
+        <dsp:cNvPr id="0" name=""/>
+        <dsp:cNvSpPr/>
+      </dsp:nvSpPr>
+      <dsp:spPr>
+        <a:xfrm>
+          <a:off x="4113170" y="692734"/>
+          <a:ext cx="1271640" cy="1116560"/>
+        </a:xfrm>
+        <a:prstGeom prst="rect">
+          <a:avLst/>
+        </a:prstGeom>
+        <a:solidFill>
+          <a:schemeClr val="dk2">
+            <a:alpha val="90000"/>
+            <a:tint val="40000"/>
+            <a:hueOff val="0"/>
+            <a:satOff val="0"/>
+            <a:lumOff val="0"/>
+            <a:alphaOff val="0"/>
+          </a:schemeClr>
+        </a:solidFill>
+        <a:ln w="12700" cap="flat" cmpd="sng" algn="ctr">
+          <a:solidFill>
+            <a:schemeClr val="dk2">
+              <a:alpha val="90000"/>
+              <a:tint val="40000"/>
+              <a:hueOff val="0"/>
+              <a:satOff val="0"/>
+              <a:lumOff val="0"/>
+              <a:alphaOff val="0"/>
+            </a:schemeClr>
+          </a:solidFill>
+          <a:prstDash val="solid"/>
+          <a:miter lim="800000"/>
+        </a:ln>
+        <a:effectLst/>
+      </dsp:spPr>
+      <dsp:style>
+        <a:lnRef idx="2">
+          <a:scrgbClr r="0" g="0" b="0"/>
+        </a:lnRef>
+        <a:fillRef idx="1">
+          <a:scrgbClr r="0" g="0" b="0"/>
+        </a:fillRef>
+        <a:effectRef idx="0">
+          <a:scrgbClr r="0" g="0" b="0"/>
+        </a:effectRef>
+        <a:fontRef idx="minor"/>
+      </dsp:style>
+      <dsp:txBody>
+        <a:bodyPr spcFirstLastPara="0" vert="horz" wrap="square" lIns="100488" tIns="100488" rIns="100488" bIns="200976" numCol="1" spcCol="1270" anchor="t" anchorCtr="0">
+          <a:noAutofit/>
+        </a:bodyPr>
+        <a:lstStyle/>
+        <a:p>
+          <a:pPr marL="0" lvl="0" indent="0" algn="l" defTabSz="488950" rtl="0">
+            <a:lnSpc>
+              <a:spcPct val="90000"/>
+            </a:lnSpc>
+            <a:spcBef>
+              <a:spcPct val="0"/>
+            </a:spcBef>
+            <a:spcAft>
+              <a:spcPct val="35000"/>
+            </a:spcAft>
+            <a:buNone/>
+          </a:pPr>
+          <a:r>
+            <a:rPr lang="en-US" sz="1100" kern="1200" dirty="0">
+              <a:latin typeface="Calibri Light" panose="020F0302020204030204"/>
+            </a:rPr>
+            <a:t>Merge</a:t>
+          </a:r>
+        </a:p>
+        <a:p>
+          <a:pPr marL="0" lvl="0" indent="0" algn="l" defTabSz="488950">
+            <a:lnSpc>
+              <a:spcPct val="90000"/>
+            </a:lnSpc>
+            <a:spcBef>
+              <a:spcPct val="0"/>
+            </a:spcBef>
+            <a:spcAft>
+              <a:spcPct val="35000"/>
+            </a:spcAft>
+            <a:buNone/>
+          </a:pPr>
+          <a:r>
+            <a:rPr lang="en-US" sz="1100" kern="1200" dirty="0">
+              <a:latin typeface="Calibri Light" panose="020F0302020204030204"/>
+            </a:rPr>
+            <a:t>Merge and squash</a:t>
+          </a:r>
+          <a:endParaRPr lang="en-US" sz="1100" kern="1200" dirty="0"/>
+        </a:p>
+        <a:p>
+          <a:pPr marL="0" lvl="0" indent="0" algn="l" defTabSz="488950" rtl="0">
+            <a:lnSpc>
+              <a:spcPct val="90000"/>
+            </a:lnSpc>
+            <a:spcBef>
+              <a:spcPct val="0"/>
+            </a:spcBef>
+            <a:spcAft>
+              <a:spcPct val="35000"/>
+            </a:spcAft>
+            <a:buNone/>
+          </a:pPr>
+          <a:r>
+            <a:rPr lang="en-US" sz="1100" kern="1200" dirty="0">
+              <a:latin typeface="Calibri Light" panose="020F0302020204030204"/>
+            </a:rPr>
+            <a:t>Rebase and Merge</a:t>
+          </a:r>
+        </a:p>
+        <a:p>
+          <a:pPr marL="0" lvl="0" indent="0" algn="l" defTabSz="488950">
+            <a:lnSpc>
+              <a:spcPct val="90000"/>
+            </a:lnSpc>
+            <a:spcBef>
+              <a:spcPct val="0"/>
+            </a:spcBef>
+            <a:spcAft>
+              <a:spcPct val="35000"/>
+            </a:spcAft>
+            <a:buNone/>
+          </a:pPr>
+          <a:endParaRPr lang="en-US" sz="1100" kern="1200" dirty="0">
+            <a:latin typeface="Calibri Light" panose="020F0302020204030204"/>
+          </a:endParaRPr>
+        </a:p>
+      </dsp:txBody>
+      <dsp:txXfrm>
+        <a:off x="4113170" y="692734"/>
+        <a:ext cx="1271640" cy="1116560"/>
+      </dsp:txXfrm>
+    </dsp:sp>
+  </dsp:spTree>
+</dsp:drawing>
+</file>
+
 <file path=ppt/diagrams/layout1.xml><?xml version="1.0" encoding="utf-8"?>
 <dgm:layoutDef xmlns:dgm="http://schemas.openxmlformats.org/drawingml/2006/diagram" xmlns:a="http://schemas.openxmlformats.org/drawingml/2006/main" uniqueId="urn:microsoft.com/office/officeart/2016/7/layout/ChevronBlockProcess">
   <dgm:title val="Chevron Block Process"/>
@@ -4981,6 +9485,418 @@
 </dgm:layoutDef>
 </file>
 
+<file path=ppt/diagrams/layout3.xml><?xml version="1.0" encoding="utf-8"?>
+<dgm:layoutDef xmlns:dgm="http://schemas.openxmlformats.org/drawingml/2006/diagram" xmlns:a="http://schemas.openxmlformats.org/drawingml/2006/main" uniqueId="urn:microsoft.com/office/officeart/2016/7/layout/ChevronBlockProcess">
+  <dgm:title val="Chevron Block Process"/>
+  <dgm:desc val="Use to show a progression; a timeline; sequential steps in a task, process, or workflow; or to emphasize movement or direction. Level 1 text appears inside an arrow shape while Level 2 text appears below the arrow shapes."/>
+  <dgm:catLst>
+    <dgm:cat type="process" pri="500"/>
+  </dgm:catLst>
+  <dgm:sampData useDef="1">
+    <dgm:dataModel>
+      <dgm:ptLst/>
+      <dgm:bg/>
+      <dgm:whole/>
+    </dgm:dataModel>
+  </dgm:sampData>
+  <dgm:styleData>
+    <dgm:dataModel>
+      <dgm:ptLst>
+        <dgm:pt modelId="0" type="doc"/>
+        <dgm:pt modelId="1"/>
+        <dgm:pt modelId="2"/>
+      </dgm:ptLst>
+      <dgm:cxnLst>
+        <dgm:cxn modelId="3" srcId="0" destId="1" srcOrd="0" destOrd="0"/>
+        <dgm:cxn modelId="4" srcId="0" destId="2" srcOrd="1" destOrd="0"/>
+      </dgm:cxnLst>
+      <dgm:bg/>
+      <dgm:whole/>
+    </dgm:dataModel>
+  </dgm:styleData>
+  <dgm:clrData>
+    <dgm:dataModel>
+      <dgm:ptLst>
+        <dgm:pt modelId="0" type="doc"/>
+        <dgm:pt modelId="1"/>
+        <dgm:pt modelId="2"/>
+        <dgm:pt modelId="3"/>
+        <dgm:pt modelId="4"/>
+      </dgm:ptLst>
+      <dgm:cxnLst>
+        <dgm:cxn modelId="5" srcId="0" destId="1" srcOrd="0" destOrd="0"/>
+        <dgm:cxn modelId="6" srcId="0" destId="2" srcOrd="1" destOrd="0"/>
+        <dgm:cxn modelId="7" srcId="0" destId="3" srcOrd="2" destOrd="0"/>
+        <dgm:cxn modelId="8" srcId="0" destId="4" srcOrd="3" destOrd="0"/>
+      </dgm:cxnLst>
+      <dgm:bg/>
+      <dgm:whole/>
+    </dgm:dataModel>
+  </dgm:clrData>
+  <dgm:layoutNode name="Name0">
+    <dgm:varLst>
+      <dgm:dir/>
+      <dgm:animLvl val="lvl"/>
+      <dgm:resizeHandles val="exact"/>
+    </dgm:varLst>
+    <dgm:choose name="Name1">
+      <dgm:if name="Name2" func="var" arg="dir" op="equ" val="norm">
+        <dgm:alg type="lin"/>
+      </dgm:if>
+      <dgm:else name="Name3">
+        <dgm:alg type="lin">
+          <dgm:param type="linDir" val="fromR"/>
+        </dgm:alg>
+      </dgm:else>
+    </dgm:choose>
+    <dgm:shape xmlns:r="http://schemas.openxmlformats.org/officeDocument/2006/relationships" r:blip="">
+      <dgm:adjLst/>
+    </dgm:shape>
+    <dgm:presOf/>
+    <dgm:constrLst>
+      <dgm:constr type="h" for="ch" forName="composite" refType="h" fact="0.6"/>
+      <dgm:constr type="h" for="des" forName="composite" op="equ"/>
+      <dgm:constr type="w" for="ch" forName="composite" refType="w"/>
+      <dgm:constr type="w" for="des" forName="parTx"/>
+      <dgm:constr type="h" for="des" forName="parTx" op="equ"/>
+      <dgm:constr type="w" for="des" forName="desTx"/>
+      <dgm:constr type="primFontSz" for="des" forName="parTx" val="28"/>
+      <dgm:constr type="primFontSz" for="des" forName="desTx" refType="primFontSz" refFor="des" refForName="parTx" op="lte" fact="0.75"/>
+      <dgm:constr type="h" for="des" forName="desTx" op="equ"/>
+      <dgm:constr type="w" for="ch" forName="space" refType="w" op="equ" fact="-0.005"/>
+    </dgm:constrLst>
+    <dgm:ruleLst>
+      <dgm:rule type="w" for="ch" forName="composite" val="0" fact="NaN" max="NaN"/>
+    </dgm:ruleLst>
+    <dgm:forEach name="Name6" axis="ch" ptType="node">
+      <dgm:layoutNode name="composite">
+        <dgm:alg type="composite"/>
+        <dgm:shape xmlns:r="http://schemas.openxmlformats.org/officeDocument/2006/relationships" r:blip="">
+          <dgm:adjLst/>
+        </dgm:shape>
+        <dgm:presOf/>
+        <dgm:choose name="Name7">
+          <dgm:if name="Name8" func="var" arg="dir" op="equ" val="norm">
+            <dgm:constrLst>
+              <dgm:constr type="l" for="ch" forName="parTx"/>
+              <dgm:constr type="w" for="ch" forName="parTx" refType="w"/>
+              <dgm:constr type="t" for="ch" forName="parTx"/>
+              <dgm:constr type="l" for="ch" forName="desTx"/>
+              <dgm:constr type="w" for="ch" forName="desTx" refType="w" refFor="ch" refForName="parTx" fact="0.91"/>
+              <dgm:constr type="t" for="ch" forName="desTx" refType="h" refFor="ch" refForName="parTx"/>
+            </dgm:constrLst>
+          </dgm:if>
+          <dgm:else name="Name9">
+            <dgm:constrLst>
+              <dgm:constr type="l" for="ch" forName="parTx"/>
+              <dgm:constr type="w" for="ch" forName="parTx" refType="w"/>
+              <dgm:constr type="t" for="ch" forName="parTx"/>
+              <dgm:constr type="l" for="ch" forName="desTx" refType="w" fact="0.09"/>
+              <dgm:constr type="w" for="ch" forName="desTx" refType="w" refFor="ch" refForName="parTx" fact="0.91"/>
+              <dgm:constr type="t" for="ch" forName="desTx" refType="h" refFor="ch" refForName="parTx"/>
+            </dgm:constrLst>
+          </dgm:else>
+        </dgm:choose>
+        <dgm:ruleLst>
+          <dgm:rule type="h" val="INF" fact="NaN" max="NaN"/>
+        </dgm:ruleLst>
+        <dgm:layoutNode name="parTx" styleLbl="alignNode1">
+          <dgm:varLst>
+            <dgm:chMax val="0"/>
+            <dgm:chPref val="0"/>
+          </dgm:varLst>
+          <dgm:alg type="tx"/>
+          <dgm:choose name="Name10">
+            <dgm:if name="Name11" func="var" arg="dir" op="equ" val="norm">
+              <dgm:shape xmlns:r="http://schemas.openxmlformats.org/officeDocument/2006/relationships" type="chevron" r:blip="">
+                <dgm:adjLst>
+                  <dgm:adj idx="1" val="0.3"/>
+                </dgm:adjLst>
+              </dgm:shape>
+            </dgm:if>
+            <dgm:else name="Name12">
+              <dgm:shape xmlns:r="http://schemas.openxmlformats.org/officeDocument/2006/relationships" rot="180" type="chevron" r:blip="">
+                <dgm:adjLst/>
+              </dgm:shape>
+            </dgm:else>
+          </dgm:choose>
+          <dgm:presOf axis="self" ptType="node"/>
+          <dgm:choose name="Name13">
+            <dgm:if name="Name14" func="var" arg="dir" op="equ" val="norm">
+              <dgm:constrLst>
+                <dgm:constr type="h" refType="w" op="lte" fact="0.3"/>
+                <dgm:constr type="h"/>
+                <dgm:constr type="tMarg" refType="w" fact="0.105"/>
+                <dgm:constr type="bMarg" refType="w" fact="0.105"/>
+                <dgm:constr type="lMarg" refType="w" fact="0.105"/>
+                <dgm:constr type="rMarg" refType="w" fact="0.105"/>
+              </dgm:constrLst>
+            </dgm:if>
+            <dgm:else name="Name15">
+              <dgm:constrLst>
+                <dgm:constr type="h" refType="w" op="lte" fact="0.3"/>
+                <dgm:constr type="h"/>
+                <dgm:constr type="tMarg" refType="w" fact="0.105"/>
+                <dgm:constr type="bMarg" refType="w" fact="0.105"/>
+                <dgm:constr type="lMarg" refType="w" fact="0.105"/>
+                <dgm:constr type="rMarg" refType="w" fact="0.105"/>
+              </dgm:constrLst>
+            </dgm:else>
+          </dgm:choose>
+          <dgm:ruleLst>
+            <dgm:rule type="h" val="INF" fact="NaN" max="NaN"/>
+            <dgm:rule type="primFontSz" val="14" fact="NaN" max="NaN"/>
+          </dgm:ruleLst>
+        </dgm:layoutNode>
+        <dgm:layoutNode name="desTx" styleLbl="alignAccFollowNode1">
+          <dgm:varLst/>
+          <dgm:alg type="tx">
+            <dgm:param type="stBulletLvl" val="0"/>
+            <dgm:param type="txAnchorVert" val="t"/>
+            <dgm:param type="parTxLTRAlign" val="l"/>
+            <dgm:param type="shpTxLTRAlignCh" val="l"/>
+            <dgm:param type="parTxRTLAlign" val="r"/>
+            <dgm:param type="shpTxRTLAlignCh" val="r"/>
+          </dgm:alg>
+          <dgm:shape xmlns:r="http://schemas.openxmlformats.org/officeDocument/2006/relationships" type="rect" r:blip="">
+            <dgm:adjLst/>
+          </dgm:shape>
+          <dgm:presOf axis="des" ptType="node"/>
+          <dgm:constrLst>
+            <dgm:constr type="primFontSz" val="20"/>
+            <dgm:constr type="tMarg" refType="w" fact="0.224"/>
+            <dgm:constr type="bMarg" refType="w" fact="0.448"/>
+            <dgm:constr type="lMarg" refType="w" fact="0.224"/>
+            <dgm:constr type="rMarg" refType="w" fact="0.224"/>
+          </dgm:constrLst>
+          <dgm:ruleLst>
+            <dgm:rule type="h" val="INF" fact="NaN" max="NaN"/>
+            <dgm:rule type="primFontSz" val="11" fact="NaN" max="NaN"/>
+          </dgm:ruleLst>
+        </dgm:layoutNode>
+      </dgm:layoutNode>
+      <dgm:forEach name="Name19" axis="followSib" ptType="sibTrans" cnt="1">
+        <dgm:layoutNode name="space">
+          <dgm:alg type="sp"/>
+          <dgm:shape xmlns:r="http://schemas.openxmlformats.org/officeDocument/2006/relationships" r:blip="">
+            <dgm:adjLst/>
+          </dgm:shape>
+          <dgm:presOf/>
+          <dgm:constrLst/>
+          <dgm:ruleLst/>
+        </dgm:layoutNode>
+      </dgm:forEach>
+    </dgm:forEach>
+  </dgm:layoutNode>
+</dgm:layoutDef>
+</file>
+
+<file path=ppt/diagrams/layout4.xml><?xml version="1.0" encoding="utf-8"?>
+<dgm:layoutDef xmlns:dgm="http://schemas.openxmlformats.org/drawingml/2006/diagram" xmlns:a="http://schemas.openxmlformats.org/drawingml/2006/main" uniqueId="urn:microsoft.com/office/officeart/2016/7/layout/ChevronBlockProcess">
+  <dgm:title val="Chevron Block Process"/>
+  <dgm:desc val="Use to show a progression; a timeline; sequential steps in a task, process, or workflow; or to emphasize movement or direction. Level 1 text appears inside an arrow shape while Level 2 text appears below the arrow shapes."/>
+  <dgm:catLst>
+    <dgm:cat type="process" pri="500"/>
+  </dgm:catLst>
+  <dgm:sampData useDef="1">
+    <dgm:dataModel>
+      <dgm:ptLst/>
+      <dgm:bg/>
+      <dgm:whole/>
+    </dgm:dataModel>
+  </dgm:sampData>
+  <dgm:styleData>
+    <dgm:dataModel>
+      <dgm:ptLst>
+        <dgm:pt modelId="0" type="doc"/>
+        <dgm:pt modelId="1"/>
+        <dgm:pt modelId="2"/>
+      </dgm:ptLst>
+      <dgm:cxnLst>
+        <dgm:cxn modelId="3" srcId="0" destId="1" srcOrd="0" destOrd="0"/>
+        <dgm:cxn modelId="4" srcId="0" destId="2" srcOrd="1" destOrd="0"/>
+      </dgm:cxnLst>
+      <dgm:bg/>
+      <dgm:whole/>
+    </dgm:dataModel>
+  </dgm:styleData>
+  <dgm:clrData>
+    <dgm:dataModel>
+      <dgm:ptLst>
+        <dgm:pt modelId="0" type="doc"/>
+        <dgm:pt modelId="1"/>
+        <dgm:pt modelId="2"/>
+        <dgm:pt modelId="3"/>
+        <dgm:pt modelId="4"/>
+      </dgm:ptLst>
+      <dgm:cxnLst>
+        <dgm:cxn modelId="5" srcId="0" destId="1" srcOrd="0" destOrd="0"/>
+        <dgm:cxn modelId="6" srcId="0" destId="2" srcOrd="1" destOrd="0"/>
+        <dgm:cxn modelId="7" srcId="0" destId="3" srcOrd="2" destOrd="0"/>
+        <dgm:cxn modelId="8" srcId="0" destId="4" srcOrd="3" destOrd="0"/>
+      </dgm:cxnLst>
+      <dgm:bg/>
+      <dgm:whole/>
+    </dgm:dataModel>
+  </dgm:clrData>
+  <dgm:layoutNode name="Name0">
+    <dgm:varLst>
+      <dgm:dir/>
+      <dgm:animLvl val="lvl"/>
+      <dgm:resizeHandles val="exact"/>
+    </dgm:varLst>
+    <dgm:choose name="Name1">
+      <dgm:if name="Name2" func="var" arg="dir" op="equ" val="norm">
+        <dgm:alg type="lin"/>
+      </dgm:if>
+      <dgm:else name="Name3">
+        <dgm:alg type="lin">
+          <dgm:param type="linDir" val="fromR"/>
+        </dgm:alg>
+      </dgm:else>
+    </dgm:choose>
+    <dgm:shape xmlns:r="http://schemas.openxmlformats.org/officeDocument/2006/relationships" r:blip="">
+      <dgm:adjLst/>
+    </dgm:shape>
+    <dgm:presOf/>
+    <dgm:constrLst>
+      <dgm:constr type="h" for="ch" forName="composite" refType="h" fact="0.6"/>
+      <dgm:constr type="h" for="des" forName="composite" op="equ"/>
+      <dgm:constr type="w" for="ch" forName="composite" refType="w"/>
+      <dgm:constr type="w" for="des" forName="parTx"/>
+      <dgm:constr type="h" for="des" forName="parTx" op="equ"/>
+      <dgm:constr type="w" for="des" forName="desTx"/>
+      <dgm:constr type="primFontSz" for="des" forName="parTx" val="28"/>
+      <dgm:constr type="primFontSz" for="des" forName="desTx" refType="primFontSz" refFor="des" refForName="parTx" op="lte" fact="0.75"/>
+      <dgm:constr type="h" for="des" forName="desTx" op="equ"/>
+      <dgm:constr type="w" for="ch" forName="space" refType="w" op="equ" fact="-0.005"/>
+    </dgm:constrLst>
+    <dgm:ruleLst>
+      <dgm:rule type="w" for="ch" forName="composite" val="0" fact="NaN" max="NaN"/>
+    </dgm:ruleLst>
+    <dgm:forEach name="Name6" axis="ch" ptType="node">
+      <dgm:layoutNode name="composite">
+        <dgm:alg type="composite"/>
+        <dgm:shape xmlns:r="http://schemas.openxmlformats.org/officeDocument/2006/relationships" r:blip="">
+          <dgm:adjLst/>
+        </dgm:shape>
+        <dgm:presOf/>
+        <dgm:choose name="Name7">
+          <dgm:if name="Name8" func="var" arg="dir" op="equ" val="norm">
+            <dgm:constrLst>
+              <dgm:constr type="l" for="ch" forName="parTx"/>
+              <dgm:constr type="w" for="ch" forName="parTx" refType="w"/>
+              <dgm:constr type="t" for="ch" forName="parTx"/>
+              <dgm:constr type="l" for="ch" forName="desTx"/>
+              <dgm:constr type="w" for="ch" forName="desTx" refType="w" refFor="ch" refForName="parTx" fact="0.91"/>
+              <dgm:constr type="t" for="ch" forName="desTx" refType="h" refFor="ch" refForName="parTx"/>
+            </dgm:constrLst>
+          </dgm:if>
+          <dgm:else name="Name9">
+            <dgm:constrLst>
+              <dgm:constr type="l" for="ch" forName="parTx"/>
+              <dgm:constr type="w" for="ch" forName="parTx" refType="w"/>
+              <dgm:constr type="t" for="ch" forName="parTx"/>
+              <dgm:constr type="l" for="ch" forName="desTx" refType="w" fact="0.09"/>
+              <dgm:constr type="w" for="ch" forName="desTx" refType="w" refFor="ch" refForName="parTx" fact="0.91"/>
+              <dgm:constr type="t" for="ch" forName="desTx" refType="h" refFor="ch" refForName="parTx"/>
+            </dgm:constrLst>
+          </dgm:else>
+        </dgm:choose>
+        <dgm:ruleLst>
+          <dgm:rule type="h" val="INF" fact="NaN" max="NaN"/>
+        </dgm:ruleLst>
+        <dgm:layoutNode name="parTx" styleLbl="alignNode1">
+          <dgm:varLst>
+            <dgm:chMax val="0"/>
+            <dgm:chPref val="0"/>
+          </dgm:varLst>
+          <dgm:alg type="tx"/>
+          <dgm:choose name="Name10">
+            <dgm:if name="Name11" func="var" arg="dir" op="equ" val="norm">
+              <dgm:shape xmlns:r="http://schemas.openxmlformats.org/officeDocument/2006/relationships" type="chevron" r:blip="">
+                <dgm:adjLst>
+                  <dgm:adj idx="1" val="0.3"/>
+                </dgm:adjLst>
+              </dgm:shape>
+            </dgm:if>
+            <dgm:else name="Name12">
+              <dgm:shape xmlns:r="http://schemas.openxmlformats.org/officeDocument/2006/relationships" rot="180" type="chevron" r:blip="">
+                <dgm:adjLst/>
+              </dgm:shape>
+            </dgm:else>
+          </dgm:choose>
+          <dgm:presOf axis="self" ptType="node"/>
+          <dgm:choose name="Name13">
+            <dgm:if name="Name14" func="var" arg="dir" op="equ" val="norm">
+              <dgm:constrLst>
+                <dgm:constr type="h" refType="w" op="lte" fact="0.3"/>
+                <dgm:constr type="h"/>
+                <dgm:constr type="tMarg" refType="w" fact="0.105"/>
+                <dgm:constr type="bMarg" refType="w" fact="0.105"/>
+                <dgm:constr type="lMarg" refType="w" fact="0.105"/>
+                <dgm:constr type="rMarg" refType="w" fact="0.105"/>
+              </dgm:constrLst>
+            </dgm:if>
+            <dgm:else name="Name15">
+              <dgm:constrLst>
+                <dgm:constr type="h" refType="w" op="lte" fact="0.3"/>
+                <dgm:constr type="h"/>
+                <dgm:constr type="tMarg" refType="w" fact="0.105"/>
+                <dgm:constr type="bMarg" refType="w" fact="0.105"/>
+                <dgm:constr type="lMarg" refType="w" fact="0.105"/>
+                <dgm:constr type="rMarg" refType="w" fact="0.105"/>
+              </dgm:constrLst>
+            </dgm:else>
+          </dgm:choose>
+          <dgm:ruleLst>
+            <dgm:rule type="h" val="INF" fact="NaN" max="NaN"/>
+            <dgm:rule type="primFontSz" val="14" fact="NaN" max="NaN"/>
+          </dgm:ruleLst>
+        </dgm:layoutNode>
+        <dgm:layoutNode name="desTx" styleLbl="alignAccFollowNode1">
+          <dgm:varLst/>
+          <dgm:alg type="tx">
+            <dgm:param type="stBulletLvl" val="0"/>
+            <dgm:param type="txAnchorVert" val="t"/>
+            <dgm:param type="parTxLTRAlign" val="l"/>
+            <dgm:param type="shpTxLTRAlignCh" val="l"/>
+            <dgm:param type="parTxRTLAlign" val="r"/>
+            <dgm:param type="shpTxRTLAlignCh" val="r"/>
+          </dgm:alg>
+          <dgm:shape xmlns:r="http://schemas.openxmlformats.org/officeDocument/2006/relationships" type="rect" r:blip="">
+            <dgm:adjLst/>
+          </dgm:shape>
+          <dgm:presOf axis="des" ptType="node"/>
+          <dgm:constrLst>
+            <dgm:constr type="primFontSz" val="20"/>
+            <dgm:constr type="tMarg" refType="w" fact="0.224"/>
+            <dgm:constr type="bMarg" refType="w" fact="0.448"/>
+            <dgm:constr type="lMarg" refType="w" fact="0.224"/>
+            <dgm:constr type="rMarg" refType="w" fact="0.224"/>
+          </dgm:constrLst>
+          <dgm:ruleLst>
+            <dgm:rule type="h" val="INF" fact="NaN" max="NaN"/>
+            <dgm:rule type="primFontSz" val="11" fact="NaN" max="NaN"/>
+          </dgm:ruleLst>
+        </dgm:layoutNode>
+      </dgm:layoutNode>
+      <dgm:forEach name="Name19" axis="followSib" ptType="sibTrans" cnt="1">
+        <dgm:layoutNode name="space">
+          <dgm:alg type="sp"/>
+          <dgm:shape xmlns:r="http://schemas.openxmlformats.org/officeDocument/2006/relationships" r:blip="">
+            <dgm:adjLst/>
+          </dgm:shape>
+          <dgm:presOf/>
+          <dgm:constrLst/>
+          <dgm:ruleLst/>
+        </dgm:layoutNode>
+      </dgm:forEach>
+    </dgm:forEach>
+  </dgm:layoutNode>
+</dgm:layoutDef>
+</file>
+
 <file path=ppt/diagrams/quickStyle1.xml><?xml version="1.0" encoding="utf-8"?>
 <dgm:styleDef xmlns:dgm="http://schemas.openxmlformats.org/drawingml/2006/diagram" xmlns:a="http://schemas.openxmlformats.org/drawingml/2006/main" uniqueId="urn:microsoft.com/office/officeart/2005/8/quickstyle/simple1">
   <dgm:title val=""/>
@@ -6016,6 +10932,2074 @@
 </file>
 
 <file path=ppt/diagrams/quickStyle2.xml><?xml version="1.0" encoding="utf-8"?>
+<dgm:styleDef xmlns:dgm="http://schemas.openxmlformats.org/drawingml/2006/diagram" xmlns:a="http://schemas.openxmlformats.org/drawingml/2006/main" uniqueId="urn:microsoft.com/office/officeart/2005/8/quickstyle/simple1">
+  <dgm:title val=""/>
+  <dgm:desc val=""/>
+  <dgm:catLst>
+    <dgm:cat type="simple" pri="10100"/>
+  </dgm:catLst>
+  <dgm:scene3d>
+    <a:camera prst="orthographicFront"/>
+    <a:lightRig rig="threePt" dir="t"/>
+  </dgm:scene3d>
+  <dgm:styleLbl name="node0">
+    <dgm:scene3d>
+      <a:camera prst="orthographicFront"/>
+      <a:lightRig rig="threePt" dir="t"/>
+    </dgm:scene3d>
+    <dgm:sp3d/>
+    <dgm:txPr/>
+    <dgm:style>
+      <a:lnRef idx="2">
+        <a:scrgbClr r="0" g="0" b="0"/>
+      </a:lnRef>
+      <a:fillRef idx="1">
+        <a:scrgbClr r="0" g="0" b="0"/>
+      </a:fillRef>
+      <a:effectRef idx="0">
+        <a:scrgbClr r="0" g="0" b="0"/>
+      </a:effectRef>
+      <a:fontRef idx="minor">
+        <a:schemeClr val="lt1"/>
+      </a:fontRef>
+    </dgm:style>
+  </dgm:styleLbl>
+  <dgm:styleLbl name="lnNode1">
+    <dgm:scene3d>
+      <a:camera prst="orthographicFront"/>
+      <a:lightRig rig="threePt" dir="t"/>
+    </dgm:scene3d>
+    <dgm:sp3d/>
+    <dgm:txPr/>
+    <dgm:style>
+      <a:lnRef idx="2">
+        <a:scrgbClr r="0" g="0" b="0"/>
+      </a:lnRef>
+      <a:fillRef idx="1">
+        <a:scrgbClr r="0" g="0" b="0"/>
+      </a:fillRef>
+      <a:effectRef idx="0">
+        <a:scrgbClr r="0" g="0" b="0"/>
+      </a:effectRef>
+      <a:fontRef idx="minor">
+        <a:schemeClr val="lt1"/>
+      </a:fontRef>
+    </dgm:style>
+  </dgm:styleLbl>
+  <dgm:styleLbl name="vennNode1">
+    <dgm:scene3d>
+      <a:camera prst="orthographicFront"/>
+      <a:lightRig rig="threePt" dir="t"/>
+    </dgm:scene3d>
+    <dgm:sp3d/>
+    <dgm:txPr/>
+    <dgm:style>
+      <a:lnRef idx="2">
+        <a:scrgbClr r="0" g="0" b="0"/>
+      </a:lnRef>
+      <a:fillRef idx="1">
+        <a:scrgbClr r="0" g="0" b="0"/>
+      </a:fillRef>
+      <a:effectRef idx="0">
+        <a:scrgbClr r="0" g="0" b="0"/>
+      </a:effectRef>
+      <a:fontRef idx="minor">
+        <a:schemeClr val="tx1"/>
+      </a:fontRef>
+    </dgm:style>
+  </dgm:styleLbl>
+  <dgm:styleLbl name="alignNode1">
+    <dgm:scene3d>
+      <a:camera prst="orthographicFront"/>
+      <a:lightRig rig="threePt" dir="t"/>
+    </dgm:scene3d>
+    <dgm:sp3d/>
+    <dgm:txPr/>
+    <dgm:style>
+      <a:lnRef idx="2">
+        <a:scrgbClr r="0" g="0" b="0"/>
+      </a:lnRef>
+      <a:fillRef idx="1">
+        <a:scrgbClr r="0" g="0" b="0"/>
+      </a:fillRef>
+      <a:effectRef idx="0">
+        <a:scrgbClr r="0" g="0" b="0"/>
+      </a:effectRef>
+      <a:fontRef idx="minor">
+        <a:schemeClr val="lt1"/>
+      </a:fontRef>
+    </dgm:style>
+  </dgm:styleLbl>
+  <dgm:styleLbl name="node1">
+    <dgm:scene3d>
+      <a:camera prst="orthographicFront"/>
+      <a:lightRig rig="threePt" dir="t"/>
+    </dgm:scene3d>
+    <dgm:sp3d/>
+    <dgm:txPr/>
+    <dgm:style>
+      <a:lnRef idx="2">
+        <a:scrgbClr r="0" g="0" b="0"/>
+      </a:lnRef>
+      <a:fillRef idx="1">
+        <a:scrgbClr r="0" g="0" b="0"/>
+      </a:fillRef>
+      <a:effectRef idx="0">
+        <a:scrgbClr r="0" g="0" b="0"/>
+      </a:effectRef>
+      <a:fontRef idx="minor">
+        <a:schemeClr val="lt1"/>
+      </a:fontRef>
+    </dgm:style>
+  </dgm:styleLbl>
+  <dgm:styleLbl name="node2">
+    <dgm:scene3d>
+      <a:camera prst="orthographicFront"/>
+      <a:lightRig rig="threePt" dir="t"/>
+    </dgm:scene3d>
+    <dgm:sp3d/>
+    <dgm:txPr/>
+    <dgm:style>
+      <a:lnRef idx="2">
+        <a:scrgbClr r="0" g="0" b="0"/>
+      </a:lnRef>
+      <a:fillRef idx="1">
+        <a:scrgbClr r="0" g="0" b="0"/>
+      </a:fillRef>
+      <a:effectRef idx="0">
+        <a:scrgbClr r="0" g="0" b="0"/>
+      </a:effectRef>
+      <a:fontRef idx="minor">
+        <a:schemeClr val="lt1"/>
+      </a:fontRef>
+    </dgm:style>
+  </dgm:styleLbl>
+  <dgm:styleLbl name="node3">
+    <dgm:scene3d>
+      <a:camera prst="orthographicFront"/>
+      <a:lightRig rig="threePt" dir="t"/>
+    </dgm:scene3d>
+    <dgm:sp3d/>
+    <dgm:txPr/>
+    <dgm:style>
+      <a:lnRef idx="2">
+        <a:scrgbClr r="0" g="0" b="0"/>
+      </a:lnRef>
+      <a:fillRef idx="1">
+        <a:scrgbClr r="0" g="0" b="0"/>
+      </a:fillRef>
+      <a:effectRef idx="0">
+        <a:scrgbClr r="0" g="0" b="0"/>
+      </a:effectRef>
+      <a:fontRef idx="minor">
+        <a:schemeClr val="lt1"/>
+      </a:fontRef>
+    </dgm:style>
+  </dgm:styleLbl>
+  <dgm:styleLbl name="node4">
+    <dgm:scene3d>
+      <a:camera prst="orthographicFront"/>
+      <a:lightRig rig="threePt" dir="t"/>
+    </dgm:scene3d>
+    <dgm:sp3d/>
+    <dgm:txPr/>
+    <dgm:style>
+      <a:lnRef idx="2">
+        <a:scrgbClr r="0" g="0" b="0"/>
+      </a:lnRef>
+      <a:fillRef idx="1">
+        <a:scrgbClr r="0" g="0" b="0"/>
+      </a:fillRef>
+      <a:effectRef idx="0">
+        <a:scrgbClr r="0" g="0" b="0"/>
+      </a:effectRef>
+      <a:fontRef idx="minor">
+        <a:schemeClr val="lt1"/>
+      </a:fontRef>
+    </dgm:style>
+  </dgm:styleLbl>
+  <dgm:styleLbl name="fgImgPlace1">
+    <dgm:scene3d>
+      <a:camera prst="orthographicFront"/>
+      <a:lightRig rig="threePt" dir="t"/>
+    </dgm:scene3d>
+    <dgm:sp3d/>
+    <dgm:txPr/>
+    <dgm:style>
+      <a:lnRef idx="2">
+        <a:scrgbClr r="0" g="0" b="0"/>
+      </a:lnRef>
+      <a:fillRef idx="1">
+        <a:scrgbClr r="0" g="0" b="0"/>
+      </a:fillRef>
+      <a:effectRef idx="0">
+        <a:scrgbClr r="0" g="0" b="0"/>
+      </a:effectRef>
+      <a:fontRef idx="minor"/>
+    </dgm:style>
+  </dgm:styleLbl>
+  <dgm:styleLbl name="alignImgPlace1">
+    <dgm:scene3d>
+      <a:camera prst="orthographicFront"/>
+      <a:lightRig rig="threePt" dir="t"/>
+    </dgm:scene3d>
+    <dgm:sp3d/>
+    <dgm:txPr/>
+    <dgm:style>
+      <a:lnRef idx="2">
+        <a:scrgbClr r="0" g="0" b="0"/>
+      </a:lnRef>
+      <a:fillRef idx="1">
+        <a:scrgbClr r="0" g="0" b="0"/>
+      </a:fillRef>
+      <a:effectRef idx="0">
+        <a:scrgbClr r="0" g="0" b="0"/>
+      </a:effectRef>
+      <a:fontRef idx="minor"/>
+    </dgm:style>
+  </dgm:styleLbl>
+  <dgm:styleLbl name="bgImgPlace1">
+    <dgm:scene3d>
+      <a:camera prst="orthographicFront"/>
+      <a:lightRig rig="threePt" dir="t"/>
+    </dgm:scene3d>
+    <dgm:sp3d/>
+    <dgm:txPr/>
+    <dgm:style>
+      <a:lnRef idx="2">
+        <a:scrgbClr r="0" g="0" b="0"/>
+      </a:lnRef>
+      <a:fillRef idx="1">
+        <a:scrgbClr r="0" g="0" b="0"/>
+      </a:fillRef>
+      <a:effectRef idx="0">
+        <a:scrgbClr r="0" g="0" b="0"/>
+      </a:effectRef>
+      <a:fontRef idx="minor"/>
+    </dgm:style>
+  </dgm:styleLbl>
+  <dgm:styleLbl name="sibTrans2D1">
+    <dgm:scene3d>
+      <a:camera prst="orthographicFront"/>
+      <a:lightRig rig="threePt" dir="t"/>
+    </dgm:scene3d>
+    <dgm:sp3d/>
+    <dgm:txPr/>
+    <dgm:style>
+      <a:lnRef idx="0">
+        <a:scrgbClr r="0" g="0" b="0"/>
+      </a:lnRef>
+      <a:fillRef idx="1">
+        <a:scrgbClr r="0" g="0" b="0"/>
+      </a:fillRef>
+      <a:effectRef idx="0">
+        <a:scrgbClr r="0" g="0" b="0"/>
+      </a:effectRef>
+      <a:fontRef idx="minor">
+        <a:schemeClr val="lt1"/>
+      </a:fontRef>
+    </dgm:style>
+  </dgm:styleLbl>
+  <dgm:styleLbl name="fgSibTrans2D1">
+    <dgm:scene3d>
+      <a:camera prst="orthographicFront"/>
+      <a:lightRig rig="threePt" dir="t"/>
+    </dgm:scene3d>
+    <dgm:sp3d/>
+    <dgm:txPr/>
+    <dgm:style>
+      <a:lnRef idx="0">
+        <a:scrgbClr r="0" g="0" b="0"/>
+      </a:lnRef>
+      <a:fillRef idx="1">
+        <a:scrgbClr r="0" g="0" b="0"/>
+      </a:fillRef>
+      <a:effectRef idx="0">
+        <a:scrgbClr r="0" g="0" b="0"/>
+      </a:effectRef>
+      <a:fontRef idx="minor">
+        <a:schemeClr val="lt1"/>
+      </a:fontRef>
+    </dgm:style>
+  </dgm:styleLbl>
+  <dgm:styleLbl name="bgSibTrans2D1">
+    <dgm:scene3d>
+      <a:camera prst="orthographicFront"/>
+      <a:lightRig rig="threePt" dir="t"/>
+    </dgm:scene3d>
+    <dgm:sp3d/>
+    <dgm:txPr/>
+    <dgm:style>
+      <a:lnRef idx="0">
+        <a:scrgbClr r="0" g="0" b="0"/>
+      </a:lnRef>
+      <a:fillRef idx="1">
+        <a:scrgbClr r="0" g="0" b="0"/>
+      </a:fillRef>
+      <a:effectRef idx="0">
+        <a:scrgbClr r="0" g="0" b="0"/>
+      </a:effectRef>
+      <a:fontRef idx="minor">
+        <a:schemeClr val="lt1"/>
+      </a:fontRef>
+    </dgm:style>
+  </dgm:styleLbl>
+  <dgm:styleLbl name="sibTrans1D1">
+    <dgm:scene3d>
+      <a:camera prst="orthographicFront"/>
+      <a:lightRig rig="threePt" dir="t"/>
+    </dgm:scene3d>
+    <dgm:sp3d/>
+    <dgm:txPr/>
+    <dgm:style>
+      <a:lnRef idx="1">
+        <a:scrgbClr r="0" g="0" b="0"/>
+      </a:lnRef>
+      <a:fillRef idx="0">
+        <a:scrgbClr r="0" g="0" b="0"/>
+      </a:fillRef>
+      <a:effectRef idx="0">
+        <a:scrgbClr r="0" g="0" b="0"/>
+      </a:effectRef>
+      <a:fontRef idx="minor"/>
+    </dgm:style>
+  </dgm:styleLbl>
+  <dgm:styleLbl name="callout">
+    <dgm:scene3d>
+      <a:camera prst="orthographicFront"/>
+      <a:lightRig rig="threePt" dir="t"/>
+    </dgm:scene3d>
+    <dgm:sp3d/>
+    <dgm:txPr/>
+    <dgm:style>
+      <a:lnRef idx="2">
+        <a:scrgbClr r="0" g="0" b="0"/>
+      </a:lnRef>
+      <a:fillRef idx="1">
+        <a:scrgbClr r="0" g="0" b="0"/>
+      </a:fillRef>
+      <a:effectRef idx="0">
+        <a:scrgbClr r="0" g="0" b="0"/>
+      </a:effectRef>
+      <a:fontRef idx="minor"/>
+    </dgm:style>
+  </dgm:styleLbl>
+  <dgm:styleLbl name="asst0">
+    <dgm:scene3d>
+      <a:camera prst="orthographicFront"/>
+      <a:lightRig rig="threePt" dir="t"/>
+    </dgm:scene3d>
+    <dgm:sp3d/>
+    <dgm:txPr/>
+    <dgm:style>
+      <a:lnRef idx="2">
+        <a:scrgbClr r="0" g="0" b="0"/>
+      </a:lnRef>
+      <a:fillRef idx="1">
+        <a:scrgbClr r="0" g="0" b="0"/>
+      </a:fillRef>
+      <a:effectRef idx="0">
+        <a:scrgbClr r="0" g="0" b="0"/>
+      </a:effectRef>
+      <a:fontRef idx="minor">
+        <a:schemeClr val="lt1"/>
+      </a:fontRef>
+    </dgm:style>
+  </dgm:styleLbl>
+  <dgm:styleLbl name="asst1">
+    <dgm:scene3d>
+      <a:camera prst="orthographicFront"/>
+      <a:lightRig rig="threePt" dir="t"/>
+    </dgm:scene3d>
+    <dgm:sp3d/>
+    <dgm:txPr/>
+    <dgm:style>
+      <a:lnRef idx="2">
+        <a:scrgbClr r="0" g="0" b="0"/>
+      </a:lnRef>
+      <a:fillRef idx="1">
+        <a:scrgbClr r="0" g="0" b="0"/>
+      </a:fillRef>
+      <a:effectRef idx="0">
+        <a:scrgbClr r="0" g="0" b="0"/>
+      </a:effectRef>
+      <a:fontRef idx="minor">
+        <a:schemeClr val="lt1"/>
+      </a:fontRef>
+    </dgm:style>
+  </dgm:styleLbl>
+  <dgm:styleLbl name="asst2">
+    <dgm:scene3d>
+      <a:camera prst="orthographicFront"/>
+      <a:lightRig rig="threePt" dir="t"/>
+    </dgm:scene3d>
+    <dgm:sp3d/>
+    <dgm:txPr/>
+    <dgm:style>
+      <a:lnRef idx="2">
+        <a:scrgbClr r="0" g="0" b="0"/>
+      </a:lnRef>
+      <a:fillRef idx="1">
+        <a:scrgbClr r="0" g="0" b="0"/>
+      </a:fillRef>
+      <a:effectRef idx="0">
+        <a:scrgbClr r="0" g="0" b="0"/>
+      </a:effectRef>
+      <a:fontRef idx="minor">
+        <a:schemeClr val="lt1"/>
+      </a:fontRef>
+    </dgm:style>
+  </dgm:styleLbl>
+  <dgm:styleLbl name="asst3">
+    <dgm:scene3d>
+      <a:camera prst="orthographicFront"/>
+      <a:lightRig rig="threePt" dir="t"/>
+    </dgm:scene3d>
+    <dgm:sp3d/>
+    <dgm:txPr/>
+    <dgm:style>
+      <a:lnRef idx="2">
+        <a:scrgbClr r="0" g="0" b="0"/>
+      </a:lnRef>
+      <a:fillRef idx="1">
+        <a:scrgbClr r="0" g="0" b="0"/>
+      </a:fillRef>
+      <a:effectRef idx="0">
+        <a:scrgbClr r="0" g="0" b="0"/>
+      </a:effectRef>
+      <a:fontRef idx="minor">
+        <a:schemeClr val="lt1"/>
+      </a:fontRef>
+    </dgm:style>
+  </dgm:styleLbl>
+  <dgm:styleLbl name="asst4">
+    <dgm:scene3d>
+      <a:camera prst="orthographicFront"/>
+      <a:lightRig rig="threePt" dir="t"/>
+    </dgm:scene3d>
+    <dgm:sp3d/>
+    <dgm:txPr/>
+    <dgm:style>
+      <a:lnRef idx="2">
+        <a:scrgbClr r="0" g="0" b="0"/>
+      </a:lnRef>
+      <a:fillRef idx="1">
+        <a:scrgbClr r="0" g="0" b="0"/>
+      </a:fillRef>
+      <a:effectRef idx="0">
+        <a:scrgbClr r="0" g="0" b="0"/>
+      </a:effectRef>
+      <a:fontRef idx="minor">
+        <a:schemeClr val="lt1"/>
+      </a:fontRef>
+    </dgm:style>
+  </dgm:styleLbl>
+  <dgm:styleLbl name="parChTrans2D1">
+    <dgm:scene3d>
+      <a:camera prst="orthographicFront"/>
+      <a:lightRig rig="threePt" dir="t"/>
+    </dgm:scene3d>
+    <dgm:sp3d/>
+    <dgm:txPr/>
+    <dgm:style>
+      <a:lnRef idx="2">
+        <a:scrgbClr r="0" g="0" b="0"/>
+      </a:lnRef>
+      <a:fillRef idx="1">
+        <a:scrgbClr r="0" g="0" b="0"/>
+      </a:fillRef>
+      <a:effectRef idx="0">
+        <a:scrgbClr r="0" g="0" b="0"/>
+      </a:effectRef>
+      <a:fontRef idx="minor">
+        <a:schemeClr val="lt1"/>
+      </a:fontRef>
+    </dgm:style>
+  </dgm:styleLbl>
+  <dgm:styleLbl name="parChTrans2D2">
+    <dgm:scene3d>
+      <a:camera prst="orthographicFront"/>
+      <a:lightRig rig="threePt" dir="t"/>
+    </dgm:scene3d>
+    <dgm:sp3d/>
+    <dgm:txPr/>
+    <dgm:style>
+      <a:lnRef idx="2">
+        <a:scrgbClr r="0" g="0" b="0"/>
+      </a:lnRef>
+      <a:fillRef idx="1">
+        <a:scrgbClr r="0" g="0" b="0"/>
+      </a:fillRef>
+      <a:effectRef idx="0">
+        <a:scrgbClr r="0" g="0" b="0"/>
+      </a:effectRef>
+      <a:fontRef idx="minor">
+        <a:schemeClr val="lt1"/>
+      </a:fontRef>
+    </dgm:style>
+  </dgm:styleLbl>
+  <dgm:styleLbl name="parChTrans2D3">
+    <dgm:scene3d>
+      <a:camera prst="orthographicFront"/>
+      <a:lightRig rig="threePt" dir="t"/>
+    </dgm:scene3d>
+    <dgm:sp3d/>
+    <dgm:txPr/>
+    <dgm:style>
+      <a:lnRef idx="2">
+        <a:scrgbClr r="0" g="0" b="0"/>
+      </a:lnRef>
+      <a:fillRef idx="1">
+        <a:scrgbClr r="0" g="0" b="0"/>
+      </a:fillRef>
+      <a:effectRef idx="0">
+        <a:scrgbClr r="0" g="0" b="0"/>
+      </a:effectRef>
+      <a:fontRef idx="minor">
+        <a:schemeClr val="lt1"/>
+      </a:fontRef>
+    </dgm:style>
+  </dgm:styleLbl>
+  <dgm:styleLbl name="parChTrans2D4">
+    <dgm:scene3d>
+      <a:camera prst="orthographicFront"/>
+      <a:lightRig rig="threePt" dir="t"/>
+    </dgm:scene3d>
+    <dgm:sp3d/>
+    <dgm:txPr/>
+    <dgm:style>
+      <a:lnRef idx="2">
+        <a:scrgbClr r="0" g="0" b="0"/>
+      </a:lnRef>
+      <a:fillRef idx="1">
+        <a:scrgbClr r="0" g="0" b="0"/>
+      </a:fillRef>
+      <a:effectRef idx="0">
+        <a:scrgbClr r="0" g="0" b="0"/>
+      </a:effectRef>
+      <a:fontRef idx="minor">
+        <a:schemeClr val="lt1"/>
+      </a:fontRef>
+    </dgm:style>
+  </dgm:styleLbl>
+  <dgm:styleLbl name="parChTrans1D1">
+    <dgm:scene3d>
+      <a:camera prst="orthographicFront"/>
+      <a:lightRig rig="threePt" dir="t"/>
+    </dgm:scene3d>
+    <dgm:sp3d/>
+    <dgm:txPr/>
+    <dgm:style>
+      <a:lnRef idx="2">
+        <a:scrgbClr r="0" g="0" b="0"/>
+      </a:lnRef>
+      <a:fillRef idx="0">
+        <a:scrgbClr r="0" g="0" b="0"/>
+      </a:fillRef>
+      <a:effectRef idx="0">
+        <a:scrgbClr r="0" g="0" b="0"/>
+      </a:effectRef>
+      <a:fontRef idx="minor"/>
+    </dgm:style>
+  </dgm:styleLbl>
+  <dgm:styleLbl name="parChTrans1D2">
+    <dgm:scene3d>
+      <a:camera prst="orthographicFront"/>
+      <a:lightRig rig="threePt" dir="t"/>
+    </dgm:scene3d>
+    <dgm:sp3d/>
+    <dgm:txPr/>
+    <dgm:style>
+      <a:lnRef idx="2">
+        <a:scrgbClr r="0" g="0" b="0"/>
+      </a:lnRef>
+      <a:fillRef idx="0">
+        <a:scrgbClr r="0" g="0" b="0"/>
+      </a:fillRef>
+      <a:effectRef idx="0">
+        <a:scrgbClr r="0" g="0" b="0"/>
+      </a:effectRef>
+      <a:fontRef idx="minor"/>
+    </dgm:style>
+  </dgm:styleLbl>
+  <dgm:styleLbl name="parChTrans1D3">
+    <dgm:scene3d>
+      <a:camera prst="orthographicFront"/>
+      <a:lightRig rig="threePt" dir="t"/>
+    </dgm:scene3d>
+    <dgm:sp3d/>
+    <dgm:txPr/>
+    <dgm:style>
+      <a:lnRef idx="2">
+        <a:scrgbClr r="0" g="0" b="0"/>
+      </a:lnRef>
+      <a:fillRef idx="0">
+        <a:scrgbClr r="0" g="0" b="0"/>
+      </a:fillRef>
+      <a:effectRef idx="0">
+        <a:scrgbClr r="0" g="0" b="0"/>
+      </a:effectRef>
+      <a:fontRef idx="minor"/>
+    </dgm:style>
+  </dgm:styleLbl>
+  <dgm:styleLbl name="parChTrans1D4">
+    <dgm:scene3d>
+      <a:camera prst="orthographicFront"/>
+      <a:lightRig rig="threePt" dir="t"/>
+    </dgm:scene3d>
+    <dgm:sp3d/>
+    <dgm:txPr/>
+    <dgm:style>
+      <a:lnRef idx="2">
+        <a:scrgbClr r="0" g="0" b="0"/>
+      </a:lnRef>
+      <a:fillRef idx="0">
+        <a:scrgbClr r="0" g="0" b="0"/>
+      </a:fillRef>
+      <a:effectRef idx="0">
+        <a:scrgbClr r="0" g="0" b="0"/>
+      </a:effectRef>
+      <a:fontRef idx="minor"/>
+    </dgm:style>
+  </dgm:styleLbl>
+  <dgm:styleLbl name="fgAcc1">
+    <dgm:scene3d>
+      <a:camera prst="orthographicFront"/>
+      <a:lightRig rig="threePt" dir="t"/>
+    </dgm:scene3d>
+    <dgm:sp3d/>
+    <dgm:txPr/>
+    <dgm:style>
+      <a:lnRef idx="2">
+        <a:scrgbClr r="0" g="0" b="0"/>
+      </a:lnRef>
+      <a:fillRef idx="1">
+        <a:scrgbClr r="0" g="0" b="0"/>
+      </a:fillRef>
+      <a:effectRef idx="0">
+        <a:scrgbClr r="0" g="0" b="0"/>
+      </a:effectRef>
+      <a:fontRef idx="minor"/>
+    </dgm:style>
+  </dgm:styleLbl>
+  <dgm:styleLbl name="conFgAcc1">
+    <dgm:scene3d>
+      <a:camera prst="orthographicFront"/>
+      <a:lightRig rig="threePt" dir="t"/>
+    </dgm:scene3d>
+    <dgm:sp3d/>
+    <dgm:txPr/>
+    <dgm:style>
+      <a:lnRef idx="2">
+        <a:scrgbClr r="0" g="0" b="0"/>
+      </a:lnRef>
+      <a:fillRef idx="1">
+        <a:scrgbClr r="0" g="0" b="0"/>
+      </a:fillRef>
+      <a:effectRef idx="0">
+        <a:scrgbClr r="0" g="0" b="0"/>
+      </a:effectRef>
+      <a:fontRef idx="minor"/>
+    </dgm:style>
+  </dgm:styleLbl>
+  <dgm:styleLbl name="alignAcc1">
+    <dgm:scene3d>
+      <a:camera prst="orthographicFront"/>
+      <a:lightRig rig="threePt" dir="t"/>
+    </dgm:scene3d>
+    <dgm:sp3d/>
+    <dgm:txPr/>
+    <dgm:style>
+      <a:lnRef idx="2">
+        <a:scrgbClr r="0" g="0" b="0"/>
+      </a:lnRef>
+      <a:fillRef idx="1">
+        <a:scrgbClr r="0" g="0" b="0"/>
+      </a:fillRef>
+      <a:effectRef idx="0">
+        <a:scrgbClr r="0" g="0" b="0"/>
+      </a:effectRef>
+      <a:fontRef idx="minor"/>
+    </dgm:style>
+  </dgm:styleLbl>
+  <dgm:styleLbl name="trAlignAcc1">
+    <dgm:scene3d>
+      <a:camera prst="orthographicFront"/>
+      <a:lightRig rig="threePt" dir="t"/>
+    </dgm:scene3d>
+    <dgm:sp3d/>
+    <dgm:txPr/>
+    <dgm:style>
+      <a:lnRef idx="1">
+        <a:scrgbClr r="0" g="0" b="0"/>
+      </a:lnRef>
+      <a:fillRef idx="1">
+        <a:scrgbClr r="0" g="0" b="0"/>
+      </a:fillRef>
+      <a:effectRef idx="0">
+        <a:scrgbClr r="0" g="0" b="0"/>
+      </a:effectRef>
+      <a:fontRef idx="minor"/>
+    </dgm:style>
+  </dgm:styleLbl>
+  <dgm:styleLbl name="bgAcc1">
+    <dgm:scene3d>
+      <a:camera prst="orthographicFront"/>
+      <a:lightRig rig="threePt" dir="t"/>
+    </dgm:scene3d>
+    <dgm:sp3d/>
+    <dgm:txPr/>
+    <dgm:style>
+      <a:lnRef idx="2">
+        <a:scrgbClr r="0" g="0" b="0"/>
+      </a:lnRef>
+      <a:fillRef idx="1">
+        <a:scrgbClr r="0" g="0" b="0"/>
+      </a:fillRef>
+      <a:effectRef idx="0">
+        <a:scrgbClr r="0" g="0" b="0"/>
+      </a:effectRef>
+      <a:fontRef idx="minor"/>
+    </dgm:style>
+  </dgm:styleLbl>
+  <dgm:styleLbl name="solidFgAcc1">
+    <dgm:scene3d>
+      <a:camera prst="orthographicFront"/>
+      <a:lightRig rig="threePt" dir="t"/>
+    </dgm:scene3d>
+    <dgm:sp3d/>
+    <dgm:txPr/>
+    <dgm:style>
+      <a:lnRef idx="2">
+        <a:scrgbClr r="0" g="0" b="0"/>
+      </a:lnRef>
+      <a:fillRef idx="1">
+        <a:scrgbClr r="0" g="0" b="0"/>
+      </a:fillRef>
+      <a:effectRef idx="0">
+        <a:scrgbClr r="0" g="0" b="0"/>
+      </a:effectRef>
+      <a:fontRef idx="minor"/>
+    </dgm:style>
+  </dgm:styleLbl>
+  <dgm:styleLbl name="solidAlignAcc1">
+    <dgm:scene3d>
+      <a:camera prst="orthographicFront"/>
+      <a:lightRig rig="threePt" dir="t"/>
+    </dgm:scene3d>
+    <dgm:sp3d/>
+    <dgm:txPr/>
+    <dgm:style>
+      <a:lnRef idx="2">
+        <a:scrgbClr r="0" g="0" b="0"/>
+      </a:lnRef>
+      <a:fillRef idx="1">
+        <a:scrgbClr r="0" g="0" b="0"/>
+      </a:fillRef>
+      <a:effectRef idx="0">
+        <a:scrgbClr r="0" g="0" b="0"/>
+      </a:effectRef>
+      <a:fontRef idx="minor"/>
+    </dgm:style>
+  </dgm:styleLbl>
+  <dgm:styleLbl name="solidBgAcc1">
+    <dgm:scene3d>
+      <a:camera prst="orthographicFront"/>
+      <a:lightRig rig="threePt" dir="t"/>
+    </dgm:scene3d>
+    <dgm:sp3d/>
+    <dgm:txPr/>
+    <dgm:style>
+      <a:lnRef idx="2">
+        <a:scrgbClr r="0" g="0" b="0"/>
+      </a:lnRef>
+      <a:fillRef idx="1">
+        <a:scrgbClr r="0" g="0" b="0"/>
+      </a:fillRef>
+      <a:effectRef idx="0">
+        <a:scrgbClr r="0" g="0" b="0"/>
+      </a:effectRef>
+      <a:fontRef idx="minor"/>
+    </dgm:style>
+  </dgm:styleLbl>
+  <dgm:styleLbl name="fgAccFollowNode1">
+    <dgm:scene3d>
+      <a:camera prst="orthographicFront"/>
+      <a:lightRig rig="threePt" dir="t"/>
+    </dgm:scene3d>
+    <dgm:sp3d/>
+    <dgm:txPr/>
+    <dgm:style>
+      <a:lnRef idx="2">
+        <a:scrgbClr r="0" g="0" b="0"/>
+      </a:lnRef>
+      <a:fillRef idx="1">
+        <a:scrgbClr r="0" g="0" b="0"/>
+      </a:fillRef>
+      <a:effectRef idx="0">
+        <a:scrgbClr r="0" g="0" b="0"/>
+      </a:effectRef>
+      <a:fontRef idx="minor"/>
+    </dgm:style>
+  </dgm:styleLbl>
+  <dgm:styleLbl name="alignAccFollowNode1">
+    <dgm:scene3d>
+      <a:camera prst="orthographicFront"/>
+      <a:lightRig rig="threePt" dir="t"/>
+    </dgm:scene3d>
+    <dgm:sp3d/>
+    <dgm:txPr/>
+    <dgm:style>
+      <a:lnRef idx="2">
+        <a:scrgbClr r="0" g="0" b="0"/>
+      </a:lnRef>
+      <a:fillRef idx="1">
+        <a:scrgbClr r="0" g="0" b="0"/>
+      </a:fillRef>
+      <a:effectRef idx="0">
+        <a:scrgbClr r="0" g="0" b="0"/>
+      </a:effectRef>
+      <a:fontRef idx="minor"/>
+    </dgm:style>
+  </dgm:styleLbl>
+  <dgm:styleLbl name="bgAccFollowNode1">
+    <dgm:scene3d>
+      <a:camera prst="orthographicFront"/>
+      <a:lightRig rig="threePt" dir="t"/>
+    </dgm:scene3d>
+    <dgm:sp3d/>
+    <dgm:txPr/>
+    <dgm:style>
+      <a:lnRef idx="2">
+        <a:scrgbClr r="0" g="0" b="0"/>
+      </a:lnRef>
+      <a:fillRef idx="1">
+        <a:scrgbClr r="0" g="0" b="0"/>
+      </a:fillRef>
+      <a:effectRef idx="0">
+        <a:scrgbClr r="0" g="0" b="0"/>
+      </a:effectRef>
+      <a:fontRef idx="minor"/>
+    </dgm:style>
+  </dgm:styleLbl>
+  <dgm:styleLbl name="fgAcc0">
+    <dgm:scene3d>
+      <a:camera prst="orthographicFront"/>
+      <a:lightRig rig="threePt" dir="t"/>
+    </dgm:scene3d>
+    <dgm:sp3d/>
+    <dgm:txPr/>
+    <dgm:style>
+      <a:lnRef idx="2">
+        <a:scrgbClr r="0" g="0" b="0"/>
+      </a:lnRef>
+      <a:fillRef idx="1">
+        <a:scrgbClr r="0" g="0" b="0"/>
+      </a:fillRef>
+      <a:effectRef idx="0">
+        <a:scrgbClr r="0" g="0" b="0"/>
+      </a:effectRef>
+      <a:fontRef idx="minor"/>
+    </dgm:style>
+  </dgm:styleLbl>
+  <dgm:styleLbl name="fgAcc2">
+    <dgm:scene3d>
+      <a:camera prst="orthographicFront"/>
+      <a:lightRig rig="threePt" dir="t"/>
+    </dgm:scene3d>
+    <dgm:sp3d/>
+    <dgm:txPr/>
+    <dgm:style>
+      <a:lnRef idx="2">
+        <a:scrgbClr r="0" g="0" b="0"/>
+      </a:lnRef>
+      <a:fillRef idx="1">
+        <a:scrgbClr r="0" g="0" b="0"/>
+      </a:fillRef>
+      <a:effectRef idx="0">
+        <a:scrgbClr r="0" g="0" b="0"/>
+      </a:effectRef>
+      <a:fontRef idx="minor"/>
+    </dgm:style>
+  </dgm:styleLbl>
+  <dgm:styleLbl name="fgAcc3">
+    <dgm:scene3d>
+      <a:camera prst="orthographicFront"/>
+      <a:lightRig rig="threePt" dir="t"/>
+    </dgm:scene3d>
+    <dgm:sp3d/>
+    <dgm:txPr/>
+    <dgm:style>
+      <a:lnRef idx="2">
+        <a:scrgbClr r="0" g="0" b="0"/>
+      </a:lnRef>
+      <a:fillRef idx="1">
+        <a:scrgbClr r="0" g="0" b="0"/>
+      </a:fillRef>
+      <a:effectRef idx="0">
+        <a:scrgbClr r="0" g="0" b="0"/>
+      </a:effectRef>
+      <a:fontRef idx="minor"/>
+    </dgm:style>
+  </dgm:styleLbl>
+  <dgm:styleLbl name="fgAcc4">
+    <dgm:scene3d>
+      <a:camera prst="orthographicFront"/>
+      <a:lightRig rig="threePt" dir="t"/>
+    </dgm:scene3d>
+    <dgm:sp3d/>
+    <dgm:txPr/>
+    <dgm:style>
+      <a:lnRef idx="2">
+        <a:scrgbClr r="0" g="0" b="0"/>
+      </a:lnRef>
+      <a:fillRef idx="1">
+        <a:scrgbClr r="0" g="0" b="0"/>
+      </a:fillRef>
+      <a:effectRef idx="0">
+        <a:scrgbClr r="0" g="0" b="0"/>
+      </a:effectRef>
+      <a:fontRef idx="minor"/>
+    </dgm:style>
+  </dgm:styleLbl>
+  <dgm:styleLbl name="bgShp">
+    <dgm:scene3d>
+      <a:camera prst="orthographicFront"/>
+      <a:lightRig rig="threePt" dir="t"/>
+    </dgm:scene3d>
+    <dgm:sp3d/>
+    <dgm:txPr/>
+    <dgm:style>
+      <a:lnRef idx="0">
+        <a:scrgbClr r="0" g="0" b="0"/>
+      </a:lnRef>
+      <a:fillRef idx="1">
+        <a:scrgbClr r="0" g="0" b="0"/>
+      </a:fillRef>
+      <a:effectRef idx="0">
+        <a:scrgbClr r="0" g="0" b="0"/>
+      </a:effectRef>
+      <a:fontRef idx="minor"/>
+    </dgm:style>
+  </dgm:styleLbl>
+  <dgm:styleLbl name="dkBgShp">
+    <dgm:scene3d>
+      <a:camera prst="orthographicFront"/>
+      <a:lightRig rig="threePt" dir="t"/>
+    </dgm:scene3d>
+    <dgm:sp3d/>
+    <dgm:txPr/>
+    <dgm:style>
+      <a:lnRef idx="0">
+        <a:scrgbClr r="0" g="0" b="0"/>
+      </a:lnRef>
+      <a:fillRef idx="1">
+        <a:scrgbClr r="0" g="0" b="0"/>
+      </a:fillRef>
+      <a:effectRef idx="0">
+        <a:scrgbClr r="0" g="0" b="0"/>
+      </a:effectRef>
+      <a:fontRef idx="minor"/>
+    </dgm:style>
+  </dgm:styleLbl>
+  <dgm:styleLbl name="trBgShp">
+    <dgm:scene3d>
+      <a:camera prst="orthographicFront"/>
+      <a:lightRig rig="threePt" dir="t"/>
+    </dgm:scene3d>
+    <dgm:sp3d/>
+    <dgm:txPr/>
+    <dgm:style>
+      <a:lnRef idx="0">
+        <a:scrgbClr r="0" g="0" b="0"/>
+      </a:lnRef>
+      <a:fillRef idx="1">
+        <a:scrgbClr r="0" g="0" b="0"/>
+      </a:fillRef>
+      <a:effectRef idx="0">
+        <a:scrgbClr r="0" g="0" b="0"/>
+      </a:effectRef>
+      <a:fontRef idx="minor"/>
+    </dgm:style>
+  </dgm:styleLbl>
+  <dgm:styleLbl name="fgShp">
+    <dgm:scene3d>
+      <a:camera prst="orthographicFront"/>
+      <a:lightRig rig="threePt" dir="t"/>
+    </dgm:scene3d>
+    <dgm:sp3d/>
+    <dgm:txPr/>
+    <dgm:style>
+      <a:lnRef idx="2">
+        <a:scrgbClr r="0" g="0" b="0"/>
+      </a:lnRef>
+      <a:fillRef idx="1">
+        <a:scrgbClr r="0" g="0" b="0"/>
+      </a:fillRef>
+      <a:effectRef idx="0">
+        <a:scrgbClr r="0" g="0" b="0"/>
+      </a:effectRef>
+      <a:fontRef idx="minor"/>
+    </dgm:style>
+  </dgm:styleLbl>
+  <dgm:styleLbl name="revTx">
+    <dgm:scene3d>
+      <a:camera prst="orthographicFront"/>
+      <a:lightRig rig="threePt" dir="t"/>
+    </dgm:scene3d>
+    <dgm:sp3d/>
+    <dgm:txPr/>
+    <dgm:style>
+      <a:lnRef idx="0">
+        <a:scrgbClr r="0" g="0" b="0"/>
+      </a:lnRef>
+      <a:fillRef idx="0">
+        <a:scrgbClr r="0" g="0" b="0"/>
+      </a:fillRef>
+      <a:effectRef idx="0">
+        <a:scrgbClr r="0" g="0" b="0"/>
+      </a:effectRef>
+      <a:fontRef idx="minor"/>
+    </dgm:style>
+  </dgm:styleLbl>
+</dgm:styleDef>
+</file>
+
+<file path=ppt/diagrams/quickStyle3.xml><?xml version="1.0" encoding="utf-8"?>
+<dgm:styleDef xmlns:dgm="http://schemas.openxmlformats.org/drawingml/2006/diagram" xmlns:a="http://schemas.openxmlformats.org/drawingml/2006/main" uniqueId="urn:microsoft.com/office/officeart/2005/8/quickstyle/simple1">
+  <dgm:title val=""/>
+  <dgm:desc val=""/>
+  <dgm:catLst>
+    <dgm:cat type="simple" pri="10100"/>
+  </dgm:catLst>
+  <dgm:scene3d>
+    <a:camera prst="orthographicFront"/>
+    <a:lightRig rig="threePt" dir="t"/>
+  </dgm:scene3d>
+  <dgm:styleLbl name="node0">
+    <dgm:scene3d>
+      <a:camera prst="orthographicFront"/>
+      <a:lightRig rig="threePt" dir="t"/>
+    </dgm:scene3d>
+    <dgm:sp3d/>
+    <dgm:txPr/>
+    <dgm:style>
+      <a:lnRef idx="2">
+        <a:scrgbClr r="0" g="0" b="0"/>
+      </a:lnRef>
+      <a:fillRef idx="1">
+        <a:scrgbClr r="0" g="0" b="0"/>
+      </a:fillRef>
+      <a:effectRef idx="0">
+        <a:scrgbClr r="0" g="0" b="0"/>
+      </a:effectRef>
+      <a:fontRef idx="minor">
+        <a:schemeClr val="lt1"/>
+      </a:fontRef>
+    </dgm:style>
+  </dgm:styleLbl>
+  <dgm:styleLbl name="lnNode1">
+    <dgm:scene3d>
+      <a:camera prst="orthographicFront"/>
+      <a:lightRig rig="threePt" dir="t"/>
+    </dgm:scene3d>
+    <dgm:sp3d/>
+    <dgm:txPr/>
+    <dgm:style>
+      <a:lnRef idx="2">
+        <a:scrgbClr r="0" g="0" b="0"/>
+      </a:lnRef>
+      <a:fillRef idx="1">
+        <a:scrgbClr r="0" g="0" b="0"/>
+      </a:fillRef>
+      <a:effectRef idx="0">
+        <a:scrgbClr r="0" g="0" b="0"/>
+      </a:effectRef>
+      <a:fontRef idx="minor">
+        <a:schemeClr val="lt1"/>
+      </a:fontRef>
+    </dgm:style>
+  </dgm:styleLbl>
+  <dgm:styleLbl name="vennNode1">
+    <dgm:scene3d>
+      <a:camera prst="orthographicFront"/>
+      <a:lightRig rig="threePt" dir="t"/>
+    </dgm:scene3d>
+    <dgm:sp3d/>
+    <dgm:txPr/>
+    <dgm:style>
+      <a:lnRef idx="2">
+        <a:scrgbClr r="0" g="0" b="0"/>
+      </a:lnRef>
+      <a:fillRef idx="1">
+        <a:scrgbClr r="0" g="0" b="0"/>
+      </a:fillRef>
+      <a:effectRef idx="0">
+        <a:scrgbClr r="0" g="0" b="0"/>
+      </a:effectRef>
+      <a:fontRef idx="minor">
+        <a:schemeClr val="tx1"/>
+      </a:fontRef>
+    </dgm:style>
+  </dgm:styleLbl>
+  <dgm:styleLbl name="alignNode1">
+    <dgm:scene3d>
+      <a:camera prst="orthographicFront"/>
+      <a:lightRig rig="threePt" dir="t"/>
+    </dgm:scene3d>
+    <dgm:sp3d/>
+    <dgm:txPr/>
+    <dgm:style>
+      <a:lnRef idx="2">
+        <a:scrgbClr r="0" g="0" b="0"/>
+      </a:lnRef>
+      <a:fillRef idx="1">
+        <a:scrgbClr r="0" g="0" b="0"/>
+      </a:fillRef>
+      <a:effectRef idx="0">
+        <a:scrgbClr r="0" g="0" b="0"/>
+      </a:effectRef>
+      <a:fontRef idx="minor">
+        <a:schemeClr val="lt1"/>
+      </a:fontRef>
+    </dgm:style>
+  </dgm:styleLbl>
+  <dgm:styleLbl name="node1">
+    <dgm:scene3d>
+      <a:camera prst="orthographicFront"/>
+      <a:lightRig rig="threePt" dir="t"/>
+    </dgm:scene3d>
+    <dgm:sp3d/>
+    <dgm:txPr/>
+    <dgm:style>
+      <a:lnRef idx="2">
+        <a:scrgbClr r="0" g="0" b="0"/>
+      </a:lnRef>
+      <a:fillRef idx="1">
+        <a:scrgbClr r="0" g="0" b="0"/>
+      </a:fillRef>
+      <a:effectRef idx="0">
+        <a:scrgbClr r="0" g="0" b="0"/>
+      </a:effectRef>
+      <a:fontRef idx="minor">
+        <a:schemeClr val="lt1"/>
+      </a:fontRef>
+    </dgm:style>
+  </dgm:styleLbl>
+  <dgm:styleLbl name="node2">
+    <dgm:scene3d>
+      <a:camera prst="orthographicFront"/>
+      <a:lightRig rig="threePt" dir="t"/>
+    </dgm:scene3d>
+    <dgm:sp3d/>
+    <dgm:txPr/>
+    <dgm:style>
+      <a:lnRef idx="2">
+        <a:scrgbClr r="0" g="0" b="0"/>
+      </a:lnRef>
+      <a:fillRef idx="1">
+        <a:scrgbClr r="0" g="0" b="0"/>
+      </a:fillRef>
+      <a:effectRef idx="0">
+        <a:scrgbClr r="0" g="0" b="0"/>
+      </a:effectRef>
+      <a:fontRef idx="minor">
+        <a:schemeClr val="lt1"/>
+      </a:fontRef>
+    </dgm:style>
+  </dgm:styleLbl>
+  <dgm:styleLbl name="node3">
+    <dgm:scene3d>
+      <a:camera prst="orthographicFront"/>
+      <a:lightRig rig="threePt" dir="t"/>
+    </dgm:scene3d>
+    <dgm:sp3d/>
+    <dgm:txPr/>
+    <dgm:style>
+      <a:lnRef idx="2">
+        <a:scrgbClr r="0" g="0" b="0"/>
+      </a:lnRef>
+      <a:fillRef idx="1">
+        <a:scrgbClr r="0" g="0" b="0"/>
+      </a:fillRef>
+      <a:effectRef idx="0">
+        <a:scrgbClr r="0" g="0" b="0"/>
+      </a:effectRef>
+      <a:fontRef idx="minor">
+        <a:schemeClr val="lt1"/>
+      </a:fontRef>
+    </dgm:style>
+  </dgm:styleLbl>
+  <dgm:styleLbl name="node4">
+    <dgm:scene3d>
+      <a:camera prst="orthographicFront"/>
+      <a:lightRig rig="threePt" dir="t"/>
+    </dgm:scene3d>
+    <dgm:sp3d/>
+    <dgm:txPr/>
+    <dgm:style>
+      <a:lnRef idx="2">
+        <a:scrgbClr r="0" g="0" b="0"/>
+      </a:lnRef>
+      <a:fillRef idx="1">
+        <a:scrgbClr r="0" g="0" b="0"/>
+      </a:fillRef>
+      <a:effectRef idx="0">
+        <a:scrgbClr r="0" g="0" b="0"/>
+      </a:effectRef>
+      <a:fontRef idx="minor">
+        <a:schemeClr val="lt1"/>
+      </a:fontRef>
+    </dgm:style>
+  </dgm:styleLbl>
+  <dgm:styleLbl name="fgImgPlace1">
+    <dgm:scene3d>
+      <a:camera prst="orthographicFront"/>
+      <a:lightRig rig="threePt" dir="t"/>
+    </dgm:scene3d>
+    <dgm:sp3d/>
+    <dgm:txPr/>
+    <dgm:style>
+      <a:lnRef idx="2">
+        <a:scrgbClr r="0" g="0" b="0"/>
+      </a:lnRef>
+      <a:fillRef idx="1">
+        <a:scrgbClr r="0" g="0" b="0"/>
+      </a:fillRef>
+      <a:effectRef idx="0">
+        <a:scrgbClr r="0" g="0" b="0"/>
+      </a:effectRef>
+      <a:fontRef idx="minor"/>
+    </dgm:style>
+  </dgm:styleLbl>
+  <dgm:styleLbl name="alignImgPlace1">
+    <dgm:scene3d>
+      <a:camera prst="orthographicFront"/>
+      <a:lightRig rig="threePt" dir="t"/>
+    </dgm:scene3d>
+    <dgm:sp3d/>
+    <dgm:txPr/>
+    <dgm:style>
+      <a:lnRef idx="2">
+        <a:scrgbClr r="0" g="0" b="0"/>
+      </a:lnRef>
+      <a:fillRef idx="1">
+        <a:scrgbClr r="0" g="0" b="0"/>
+      </a:fillRef>
+      <a:effectRef idx="0">
+        <a:scrgbClr r="0" g="0" b="0"/>
+      </a:effectRef>
+      <a:fontRef idx="minor"/>
+    </dgm:style>
+  </dgm:styleLbl>
+  <dgm:styleLbl name="bgImgPlace1">
+    <dgm:scene3d>
+      <a:camera prst="orthographicFront"/>
+      <a:lightRig rig="threePt" dir="t"/>
+    </dgm:scene3d>
+    <dgm:sp3d/>
+    <dgm:txPr/>
+    <dgm:style>
+      <a:lnRef idx="2">
+        <a:scrgbClr r="0" g="0" b="0"/>
+      </a:lnRef>
+      <a:fillRef idx="1">
+        <a:scrgbClr r="0" g="0" b="0"/>
+      </a:fillRef>
+      <a:effectRef idx="0">
+        <a:scrgbClr r="0" g="0" b="0"/>
+      </a:effectRef>
+      <a:fontRef idx="minor"/>
+    </dgm:style>
+  </dgm:styleLbl>
+  <dgm:styleLbl name="sibTrans2D1">
+    <dgm:scene3d>
+      <a:camera prst="orthographicFront"/>
+      <a:lightRig rig="threePt" dir="t"/>
+    </dgm:scene3d>
+    <dgm:sp3d/>
+    <dgm:txPr/>
+    <dgm:style>
+      <a:lnRef idx="0">
+        <a:scrgbClr r="0" g="0" b="0"/>
+      </a:lnRef>
+      <a:fillRef idx="1">
+        <a:scrgbClr r="0" g="0" b="0"/>
+      </a:fillRef>
+      <a:effectRef idx="0">
+        <a:scrgbClr r="0" g="0" b="0"/>
+      </a:effectRef>
+      <a:fontRef idx="minor">
+        <a:schemeClr val="lt1"/>
+      </a:fontRef>
+    </dgm:style>
+  </dgm:styleLbl>
+  <dgm:styleLbl name="fgSibTrans2D1">
+    <dgm:scene3d>
+      <a:camera prst="orthographicFront"/>
+      <a:lightRig rig="threePt" dir="t"/>
+    </dgm:scene3d>
+    <dgm:sp3d/>
+    <dgm:txPr/>
+    <dgm:style>
+      <a:lnRef idx="0">
+        <a:scrgbClr r="0" g="0" b="0"/>
+      </a:lnRef>
+      <a:fillRef idx="1">
+        <a:scrgbClr r="0" g="0" b="0"/>
+      </a:fillRef>
+      <a:effectRef idx="0">
+        <a:scrgbClr r="0" g="0" b="0"/>
+      </a:effectRef>
+      <a:fontRef idx="minor">
+        <a:schemeClr val="lt1"/>
+      </a:fontRef>
+    </dgm:style>
+  </dgm:styleLbl>
+  <dgm:styleLbl name="bgSibTrans2D1">
+    <dgm:scene3d>
+      <a:camera prst="orthographicFront"/>
+      <a:lightRig rig="threePt" dir="t"/>
+    </dgm:scene3d>
+    <dgm:sp3d/>
+    <dgm:txPr/>
+    <dgm:style>
+      <a:lnRef idx="0">
+        <a:scrgbClr r="0" g="0" b="0"/>
+      </a:lnRef>
+      <a:fillRef idx="1">
+        <a:scrgbClr r="0" g="0" b="0"/>
+      </a:fillRef>
+      <a:effectRef idx="0">
+        <a:scrgbClr r="0" g="0" b="0"/>
+      </a:effectRef>
+      <a:fontRef idx="minor">
+        <a:schemeClr val="lt1"/>
+      </a:fontRef>
+    </dgm:style>
+  </dgm:styleLbl>
+  <dgm:styleLbl name="sibTrans1D1">
+    <dgm:scene3d>
+      <a:camera prst="orthographicFront"/>
+      <a:lightRig rig="threePt" dir="t"/>
+    </dgm:scene3d>
+    <dgm:sp3d/>
+    <dgm:txPr/>
+    <dgm:style>
+      <a:lnRef idx="1">
+        <a:scrgbClr r="0" g="0" b="0"/>
+      </a:lnRef>
+      <a:fillRef idx="0">
+        <a:scrgbClr r="0" g="0" b="0"/>
+      </a:fillRef>
+      <a:effectRef idx="0">
+        <a:scrgbClr r="0" g="0" b="0"/>
+      </a:effectRef>
+      <a:fontRef idx="minor"/>
+    </dgm:style>
+  </dgm:styleLbl>
+  <dgm:styleLbl name="callout">
+    <dgm:scene3d>
+      <a:camera prst="orthographicFront"/>
+      <a:lightRig rig="threePt" dir="t"/>
+    </dgm:scene3d>
+    <dgm:sp3d/>
+    <dgm:txPr/>
+    <dgm:style>
+      <a:lnRef idx="2">
+        <a:scrgbClr r="0" g="0" b="0"/>
+      </a:lnRef>
+      <a:fillRef idx="1">
+        <a:scrgbClr r="0" g="0" b="0"/>
+      </a:fillRef>
+      <a:effectRef idx="0">
+        <a:scrgbClr r="0" g="0" b="0"/>
+      </a:effectRef>
+      <a:fontRef idx="minor"/>
+    </dgm:style>
+  </dgm:styleLbl>
+  <dgm:styleLbl name="asst0">
+    <dgm:scene3d>
+      <a:camera prst="orthographicFront"/>
+      <a:lightRig rig="threePt" dir="t"/>
+    </dgm:scene3d>
+    <dgm:sp3d/>
+    <dgm:txPr/>
+    <dgm:style>
+      <a:lnRef idx="2">
+        <a:scrgbClr r="0" g="0" b="0"/>
+      </a:lnRef>
+      <a:fillRef idx="1">
+        <a:scrgbClr r="0" g="0" b="0"/>
+      </a:fillRef>
+      <a:effectRef idx="0">
+        <a:scrgbClr r="0" g="0" b="0"/>
+      </a:effectRef>
+      <a:fontRef idx="minor">
+        <a:schemeClr val="lt1"/>
+      </a:fontRef>
+    </dgm:style>
+  </dgm:styleLbl>
+  <dgm:styleLbl name="asst1">
+    <dgm:scene3d>
+      <a:camera prst="orthographicFront"/>
+      <a:lightRig rig="threePt" dir="t"/>
+    </dgm:scene3d>
+    <dgm:sp3d/>
+    <dgm:txPr/>
+    <dgm:style>
+      <a:lnRef idx="2">
+        <a:scrgbClr r="0" g="0" b="0"/>
+      </a:lnRef>
+      <a:fillRef idx="1">
+        <a:scrgbClr r="0" g="0" b="0"/>
+      </a:fillRef>
+      <a:effectRef idx="0">
+        <a:scrgbClr r="0" g="0" b="0"/>
+      </a:effectRef>
+      <a:fontRef idx="minor">
+        <a:schemeClr val="lt1"/>
+      </a:fontRef>
+    </dgm:style>
+  </dgm:styleLbl>
+  <dgm:styleLbl name="asst2">
+    <dgm:scene3d>
+      <a:camera prst="orthographicFront"/>
+      <a:lightRig rig="threePt" dir="t"/>
+    </dgm:scene3d>
+    <dgm:sp3d/>
+    <dgm:txPr/>
+    <dgm:style>
+      <a:lnRef idx="2">
+        <a:scrgbClr r="0" g="0" b="0"/>
+      </a:lnRef>
+      <a:fillRef idx="1">
+        <a:scrgbClr r="0" g="0" b="0"/>
+      </a:fillRef>
+      <a:effectRef idx="0">
+        <a:scrgbClr r="0" g="0" b="0"/>
+      </a:effectRef>
+      <a:fontRef idx="minor">
+        <a:schemeClr val="lt1"/>
+      </a:fontRef>
+    </dgm:style>
+  </dgm:styleLbl>
+  <dgm:styleLbl name="asst3">
+    <dgm:scene3d>
+      <a:camera prst="orthographicFront"/>
+      <a:lightRig rig="threePt" dir="t"/>
+    </dgm:scene3d>
+    <dgm:sp3d/>
+    <dgm:txPr/>
+    <dgm:style>
+      <a:lnRef idx="2">
+        <a:scrgbClr r="0" g="0" b="0"/>
+      </a:lnRef>
+      <a:fillRef idx="1">
+        <a:scrgbClr r="0" g="0" b="0"/>
+      </a:fillRef>
+      <a:effectRef idx="0">
+        <a:scrgbClr r="0" g="0" b="0"/>
+      </a:effectRef>
+      <a:fontRef idx="minor">
+        <a:schemeClr val="lt1"/>
+      </a:fontRef>
+    </dgm:style>
+  </dgm:styleLbl>
+  <dgm:styleLbl name="asst4">
+    <dgm:scene3d>
+      <a:camera prst="orthographicFront"/>
+      <a:lightRig rig="threePt" dir="t"/>
+    </dgm:scene3d>
+    <dgm:sp3d/>
+    <dgm:txPr/>
+    <dgm:style>
+      <a:lnRef idx="2">
+        <a:scrgbClr r="0" g="0" b="0"/>
+      </a:lnRef>
+      <a:fillRef idx="1">
+        <a:scrgbClr r="0" g="0" b="0"/>
+      </a:fillRef>
+      <a:effectRef idx="0">
+        <a:scrgbClr r="0" g="0" b="0"/>
+      </a:effectRef>
+      <a:fontRef idx="minor">
+        <a:schemeClr val="lt1"/>
+      </a:fontRef>
+    </dgm:style>
+  </dgm:styleLbl>
+  <dgm:styleLbl name="parChTrans2D1">
+    <dgm:scene3d>
+      <a:camera prst="orthographicFront"/>
+      <a:lightRig rig="threePt" dir="t"/>
+    </dgm:scene3d>
+    <dgm:sp3d/>
+    <dgm:txPr/>
+    <dgm:style>
+      <a:lnRef idx="2">
+        <a:scrgbClr r="0" g="0" b="0"/>
+      </a:lnRef>
+      <a:fillRef idx="1">
+        <a:scrgbClr r="0" g="0" b="0"/>
+      </a:fillRef>
+      <a:effectRef idx="0">
+        <a:scrgbClr r="0" g="0" b="0"/>
+      </a:effectRef>
+      <a:fontRef idx="minor">
+        <a:schemeClr val="lt1"/>
+      </a:fontRef>
+    </dgm:style>
+  </dgm:styleLbl>
+  <dgm:styleLbl name="parChTrans2D2">
+    <dgm:scene3d>
+      <a:camera prst="orthographicFront"/>
+      <a:lightRig rig="threePt" dir="t"/>
+    </dgm:scene3d>
+    <dgm:sp3d/>
+    <dgm:txPr/>
+    <dgm:style>
+      <a:lnRef idx="2">
+        <a:scrgbClr r="0" g="0" b="0"/>
+      </a:lnRef>
+      <a:fillRef idx="1">
+        <a:scrgbClr r="0" g="0" b="0"/>
+      </a:fillRef>
+      <a:effectRef idx="0">
+        <a:scrgbClr r="0" g="0" b="0"/>
+      </a:effectRef>
+      <a:fontRef idx="minor">
+        <a:schemeClr val="lt1"/>
+      </a:fontRef>
+    </dgm:style>
+  </dgm:styleLbl>
+  <dgm:styleLbl name="parChTrans2D3">
+    <dgm:scene3d>
+      <a:camera prst="orthographicFront"/>
+      <a:lightRig rig="threePt" dir="t"/>
+    </dgm:scene3d>
+    <dgm:sp3d/>
+    <dgm:txPr/>
+    <dgm:style>
+      <a:lnRef idx="2">
+        <a:scrgbClr r="0" g="0" b="0"/>
+      </a:lnRef>
+      <a:fillRef idx="1">
+        <a:scrgbClr r="0" g="0" b="0"/>
+      </a:fillRef>
+      <a:effectRef idx="0">
+        <a:scrgbClr r="0" g="0" b="0"/>
+      </a:effectRef>
+      <a:fontRef idx="minor">
+        <a:schemeClr val="lt1"/>
+      </a:fontRef>
+    </dgm:style>
+  </dgm:styleLbl>
+  <dgm:styleLbl name="parChTrans2D4">
+    <dgm:scene3d>
+      <a:camera prst="orthographicFront"/>
+      <a:lightRig rig="threePt" dir="t"/>
+    </dgm:scene3d>
+    <dgm:sp3d/>
+    <dgm:txPr/>
+    <dgm:style>
+      <a:lnRef idx="2">
+        <a:scrgbClr r="0" g="0" b="0"/>
+      </a:lnRef>
+      <a:fillRef idx="1">
+        <a:scrgbClr r="0" g="0" b="0"/>
+      </a:fillRef>
+      <a:effectRef idx="0">
+        <a:scrgbClr r="0" g="0" b="0"/>
+      </a:effectRef>
+      <a:fontRef idx="minor">
+        <a:schemeClr val="lt1"/>
+      </a:fontRef>
+    </dgm:style>
+  </dgm:styleLbl>
+  <dgm:styleLbl name="parChTrans1D1">
+    <dgm:scene3d>
+      <a:camera prst="orthographicFront"/>
+      <a:lightRig rig="threePt" dir="t"/>
+    </dgm:scene3d>
+    <dgm:sp3d/>
+    <dgm:txPr/>
+    <dgm:style>
+      <a:lnRef idx="2">
+        <a:scrgbClr r="0" g="0" b="0"/>
+      </a:lnRef>
+      <a:fillRef idx="0">
+        <a:scrgbClr r="0" g="0" b="0"/>
+      </a:fillRef>
+      <a:effectRef idx="0">
+        <a:scrgbClr r="0" g="0" b="0"/>
+      </a:effectRef>
+      <a:fontRef idx="minor"/>
+    </dgm:style>
+  </dgm:styleLbl>
+  <dgm:styleLbl name="parChTrans1D2">
+    <dgm:scene3d>
+      <a:camera prst="orthographicFront"/>
+      <a:lightRig rig="threePt" dir="t"/>
+    </dgm:scene3d>
+    <dgm:sp3d/>
+    <dgm:txPr/>
+    <dgm:style>
+      <a:lnRef idx="2">
+        <a:scrgbClr r="0" g="0" b="0"/>
+      </a:lnRef>
+      <a:fillRef idx="0">
+        <a:scrgbClr r="0" g="0" b="0"/>
+      </a:fillRef>
+      <a:effectRef idx="0">
+        <a:scrgbClr r="0" g="0" b="0"/>
+      </a:effectRef>
+      <a:fontRef idx="minor"/>
+    </dgm:style>
+  </dgm:styleLbl>
+  <dgm:styleLbl name="parChTrans1D3">
+    <dgm:scene3d>
+      <a:camera prst="orthographicFront"/>
+      <a:lightRig rig="threePt" dir="t"/>
+    </dgm:scene3d>
+    <dgm:sp3d/>
+    <dgm:txPr/>
+    <dgm:style>
+      <a:lnRef idx="2">
+        <a:scrgbClr r="0" g="0" b="0"/>
+      </a:lnRef>
+      <a:fillRef idx="0">
+        <a:scrgbClr r="0" g="0" b="0"/>
+      </a:fillRef>
+      <a:effectRef idx="0">
+        <a:scrgbClr r="0" g="0" b="0"/>
+      </a:effectRef>
+      <a:fontRef idx="minor"/>
+    </dgm:style>
+  </dgm:styleLbl>
+  <dgm:styleLbl name="parChTrans1D4">
+    <dgm:scene3d>
+      <a:camera prst="orthographicFront"/>
+      <a:lightRig rig="threePt" dir="t"/>
+    </dgm:scene3d>
+    <dgm:sp3d/>
+    <dgm:txPr/>
+    <dgm:style>
+      <a:lnRef idx="2">
+        <a:scrgbClr r="0" g="0" b="0"/>
+      </a:lnRef>
+      <a:fillRef idx="0">
+        <a:scrgbClr r="0" g="0" b="0"/>
+      </a:fillRef>
+      <a:effectRef idx="0">
+        <a:scrgbClr r="0" g="0" b="0"/>
+      </a:effectRef>
+      <a:fontRef idx="minor"/>
+    </dgm:style>
+  </dgm:styleLbl>
+  <dgm:styleLbl name="fgAcc1">
+    <dgm:scene3d>
+      <a:camera prst="orthographicFront"/>
+      <a:lightRig rig="threePt" dir="t"/>
+    </dgm:scene3d>
+    <dgm:sp3d/>
+    <dgm:txPr/>
+    <dgm:style>
+      <a:lnRef idx="2">
+        <a:scrgbClr r="0" g="0" b="0"/>
+      </a:lnRef>
+      <a:fillRef idx="1">
+        <a:scrgbClr r="0" g="0" b="0"/>
+      </a:fillRef>
+      <a:effectRef idx="0">
+        <a:scrgbClr r="0" g="0" b="0"/>
+      </a:effectRef>
+      <a:fontRef idx="minor"/>
+    </dgm:style>
+  </dgm:styleLbl>
+  <dgm:styleLbl name="conFgAcc1">
+    <dgm:scene3d>
+      <a:camera prst="orthographicFront"/>
+      <a:lightRig rig="threePt" dir="t"/>
+    </dgm:scene3d>
+    <dgm:sp3d/>
+    <dgm:txPr/>
+    <dgm:style>
+      <a:lnRef idx="2">
+        <a:scrgbClr r="0" g="0" b="0"/>
+      </a:lnRef>
+      <a:fillRef idx="1">
+        <a:scrgbClr r="0" g="0" b="0"/>
+      </a:fillRef>
+      <a:effectRef idx="0">
+        <a:scrgbClr r="0" g="0" b="0"/>
+      </a:effectRef>
+      <a:fontRef idx="minor"/>
+    </dgm:style>
+  </dgm:styleLbl>
+  <dgm:styleLbl name="alignAcc1">
+    <dgm:scene3d>
+      <a:camera prst="orthographicFront"/>
+      <a:lightRig rig="threePt" dir="t"/>
+    </dgm:scene3d>
+    <dgm:sp3d/>
+    <dgm:txPr/>
+    <dgm:style>
+      <a:lnRef idx="2">
+        <a:scrgbClr r="0" g="0" b="0"/>
+      </a:lnRef>
+      <a:fillRef idx="1">
+        <a:scrgbClr r="0" g="0" b="0"/>
+      </a:fillRef>
+      <a:effectRef idx="0">
+        <a:scrgbClr r="0" g="0" b="0"/>
+      </a:effectRef>
+      <a:fontRef idx="minor"/>
+    </dgm:style>
+  </dgm:styleLbl>
+  <dgm:styleLbl name="trAlignAcc1">
+    <dgm:scene3d>
+      <a:camera prst="orthographicFront"/>
+      <a:lightRig rig="threePt" dir="t"/>
+    </dgm:scene3d>
+    <dgm:sp3d/>
+    <dgm:txPr/>
+    <dgm:style>
+      <a:lnRef idx="1">
+        <a:scrgbClr r="0" g="0" b="0"/>
+      </a:lnRef>
+      <a:fillRef idx="1">
+        <a:scrgbClr r="0" g="0" b="0"/>
+      </a:fillRef>
+      <a:effectRef idx="0">
+        <a:scrgbClr r="0" g="0" b="0"/>
+      </a:effectRef>
+      <a:fontRef idx="minor"/>
+    </dgm:style>
+  </dgm:styleLbl>
+  <dgm:styleLbl name="bgAcc1">
+    <dgm:scene3d>
+      <a:camera prst="orthographicFront"/>
+      <a:lightRig rig="threePt" dir="t"/>
+    </dgm:scene3d>
+    <dgm:sp3d/>
+    <dgm:txPr/>
+    <dgm:style>
+      <a:lnRef idx="2">
+        <a:scrgbClr r="0" g="0" b="0"/>
+      </a:lnRef>
+      <a:fillRef idx="1">
+        <a:scrgbClr r="0" g="0" b="0"/>
+      </a:fillRef>
+      <a:effectRef idx="0">
+        <a:scrgbClr r="0" g="0" b="0"/>
+      </a:effectRef>
+      <a:fontRef idx="minor"/>
+    </dgm:style>
+  </dgm:styleLbl>
+  <dgm:styleLbl name="solidFgAcc1">
+    <dgm:scene3d>
+      <a:camera prst="orthographicFront"/>
+      <a:lightRig rig="threePt" dir="t"/>
+    </dgm:scene3d>
+    <dgm:sp3d/>
+    <dgm:txPr/>
+    <dgm:style>
+      <a:lnRef idx="2">
+        <a:scrgbClr r="0" g="0" b="0"/>
+      </a:lnRef>
+      <a:fillRef idx="1">
+        <a:scrgbClr r="0" g="0" b="0"/>
+      </a:fillRef>
+      <a:effectRef idx="0">
+        <a:scrgbClr r="0" g="0" b="0"/>
+      </a:effectRef>
+      <a:fontRef idx="minor"/>
+    </dgm:style>
+  </dgm:styleLbl>
+  <dgm:styleLbl name="solidAlignAcc1">
+    <dgm:scene3d>
+      <a:camera prst="orthographicFront"/>
+      <a:lightRig rig="threePt" dir="t"/>
+    </dgm:scene3d>
+    <dgm:sp3d/>
+    <dgm:txPr/>
+    <dgm:style>
+      <a:lnRef idx="2">
+        <a:scrgbClr r="0" g="0" b="0"/>
+      </a:lnRef>
+      <a:fillRef idx="1">
+        <a:scrgbClr r="0" g="0" b="0"/>
+      </a:fillRef>
+      <a:effectRef idx="0">
+        <a:scrgbClr r="0" g="0" b="0"/>
+      </a:effectRef>
+      <a:fontRef idx="minor"/>
+    </dgm:style>
+  </dgm:styleLbl>
+  <dgm:styleLbl name="solidBgAcc1">
+    <dgm:scene3d>
+      <a:camera prst="orthographicFront"/>
+      <a:lightRig rig="threePt" dir="t"/>
+    </dgm:scene3d>
+    <dgm:sp3d/>
+    <dgm:txPr/>
+    <dgm:style>
+      <a:lnRef idx="2">
+        <a:scrgbClr r="0" g="0" b="0"/>
+      </a:lnRef>
+      <a:fillRef idx="1">
+        <a:scrgbClr r="0" g="0" b="0"/>
+      </a:fillRef>
+      <a:effectRef idx="0">
+        <a:scrgbClr r="0" g="0" b="0"/>
+      </a:effectRef>
+      <a:fontRef idx="minor"/>
+    </dgm:style>
+  </dgm:styleLbl>
+  <dgm:styleLbl name="fgAccFollowNode1">
+    <dgm:scene3d>
+      <a:camera prst="orthographicFront"/>
+      <a:lightRig rig="threePt" dir="t"/>
+    </dgm:scene3d>
+    <dgm:sp3d/>
+    <dgm:txPr/>
+    <dgm:style>
+      <a:lnRef idx="2">
+        <a:scrgbClr r="0" g="0" b="0"/>
+      </a:lnRef>
+      <a:fillRef idx="1">
+        <a:scrgbClr r="0" g="0" b="0"/>
+      </a:fillRef>
+      <a:effectRef idx="0">
+        <a:scrgbClr r="0" g="0" b="0"/>
+      </a:effectRef>
+      <a:fontRef idx="minor"/>
+    </dgm:style>
+  </dgm:styleLbl>
+  <dgm:styleLbl name="alignAccFollowNode1">
+    <dgm:scene3d>
+      <a:camera prst="orthographicFront"/>
+      <a:lightRig rig="threePt" dir="t"/>
+    </dgm:scene3d>
+    <dgm:sp3d/>
+    <dgm:txPr/>
+    <dgm:style>
+      <a:lnRef idx="2">
+        <a:scrgbClr r="0" g="0" b="0"/>
+      </a:lnRef>
+      <a:fillRef idx="1">
+        <a:scrgbClr r="0" g="0" b="0"/>
+      </a:fillRef>
+      <a:effectRef idx="0">
+        <a:scrgbClr r="0" g="0" b="0"/>
+      </a:effectRef>
+      <a:fontRef idx="minor"/>
+    </dgm:style>
+  </dgm:styleLbl>
+  <dgm:styleLbl name="bgAccFollowNode1">
+    <dgm:scene3d>
+      <a:camera prst="orthographicFront"/>
+      <a:lightRig rig="threePt" dir="t"/>
+    </dgm:scene3d>
+    <dgm:sp3d/>
+    <dgm:txPr/>
+    <dgm:style>
+      <a:lnRef idx="2">
+        <a:scrgbClr r="0" g="0" b="0"/>
+      </a:lnRef>
+      <a:fillRef idx="1">
+        <a:scrgbClr r="0" g="0" b="0"/>
+      </a:fillRef>
+      <a:effectRef idx="0">
+        <a:scrgbClr r="0" g="0" b="0"/>
+      </a:effectRef>
+      <a:fontRef idx="minor"/>
+    </dgm:style>
+  </dgm:styleLbl>
+  <dgm:styleLbl name="fgAcc0">
+    <dgm:scene3d>
+      <a:camera prst="orthographicFront"/>
+      <a:lightRig rig="threePt" dir="t"/>
+    </dgm:scene3d>
+    <dgm:sp3d/>
+    <dgm:txPr/>
+    <dgm:style>
+      <a:lnRef idx="2">
+        <a:scrgbClr r="0" g="0" b="0"/>
+      </a:lnRef>
+      <a:fillRef idx="1">
+        <a:scrgbClr r="0" g="0" b="0"/>
+      </a:fillRef>
+      <a:effectRef idx="0">
+        <a:scrgbClr r="0" g="0" b="0"/>
+      </a:effectRef>
+      <a:fontRef idx="minor"/>
+    </dgm:style>
+  </dgm:styleLbl>
+  <dgm:styleLbl name="fgAcc2">
+    <dgm:scene3d>
+      <a:camera prst="orthographicFront"/>
+      <a:lightRig rig="threePt" dir="t"/>
+    </dgm:scene3d>
+    <dgm:sp3d/>
+    <dgm:txPr/>
+    <dgm:style>
+      <a:lnRef idx="2">
+        <a:scrgbClr r="0" g="0" b="0"/>
+      </a:lnRef>
+      <a:fillRef idx="1">
+        <a:scrgbClr r="0" g="0" b="0"/>
+      </a:fillRef>
+      <a:effectRef idx="0">
+        <a:scrgbClr r="0" g="0" b="0"/>
+      </a:effectRef>
+      <a:fontRef idx="minor"/>
+    </dgm:style>
+  </dgm:styleLbl>
+  <dgm:styleLbl name="fgAcc3">
+    <dgm:scene3d>
+      <a:camera prst="orthographicFront"/>
+      <a:lightRig rig="threePt" dir="t"/>
+    </dgm:scene3d>
+    <dgm:sp3d/>
+    <dgm:txPr/>
+    <dgm:style>
+      <a:lnRef idx="2">
+        <a:scrgbClr r="0" g="0" b="0"/>
+      </a:lnRef>
+      <a:fillRef idx="1">
+        <a:scrgbClr r="0" g="0" b="0"/>
+      </a:fillRef>
+      <a:effectRef idx="0">
+        <a:scrgbClr r="0" g="0" b="0"/>
+      </a:effectRef>
+      <a:fontRef idx="minor"/>
+    </dgm:style>
+  </dgm:styleLbl>
+  <dgm:styleLbl name="fgAcc4">
+    <dgm:scene3d>
+      <a:camera prst="orthographicFront"/>
+      <a:lightRig rig="threePt" dir="t"/>
+    </dgm:scene3d>
+    <dgm:sp3d/>
+    <dgm:txPr/>
+    <dgm:style>
+      <a:lnRef idx="2">
+        <a:scrgbClr r="0" g="0" b="0"/>
+      </a:lnRef>
+      <a:fillRef idx="1">
+        <a:scrgbClr r="0" g="0" b="0"/>
+      </a:fillRef>
+      <a:effectRef idx="0">
+        <a:scrgbClr r="0" g="0" b="0"/>
+      </a:effectRef>
+      <a:fontRef idx="minor"/>
+    </dgm:style>
+  </dgm:styleLbl>
+  <dgm:styleLbl name="bgShp">
+    <dgm:scene3d>
+      <a:camera prst="orthographicFront"/>
+      <a:lightRig rig="threePt" dir="t"/>
+    </dgm:scene3d>
+    <dgm:sp3d/>
+    <dgm:txPr/>
+    <dgm:style>
+      <a:lnRef idx="0">
+        <a:scrgbClr r="0" g="0" b="0"/>
+      </a:lnRef>
+      <a:fillRef idx="1">
+        <a:scrgbClr r="0" g="0" b="0"/>
+      </a:fillRef>
+      <a:effectRef idx="0">
+        <a:scrgbClr r="0" g="0" b="0"/>
+      </a:effectRef>
+      <a:fontRef idx="minor"/>
+    </dgm:style>
+  </dgm:styleLbl>
+  <dgm:styleLbl name="dkBgShp">
+    <dgm:scene3d>
+      <a:camera prst="orthographicFront"/>
+      <a:lightRig rig="threePt" dir="t"/>
+    </dgm:scene3d>
+    <dgm:sp3d/>
+    <dgm:txPr/>
+    <dgm:style>
+      <a:lnRef idx="0">
+        <a:scrgbClr r="0" g="0" b="0"/>
+      </a:lnRef>
+      <a:fillRef idx="1">
+        <a:scrgbClr r="0" g="0" b="0"/>
+      </a:fillRef>
+      <a:effectRef idx="0">
+        <a:scrgbClr r="0" g="0" b="0"/>
+      </a:effectRef>
+      <a:fontRef idx="minor"/>
+    </dgm:style>
+  </dgm:styleLbl>
+  <dgm:styleLbl name="trBgShp">
+    <dgm:scene3d>
+      <a:camera prst="orthographicFront"/>
+      <a:lightRig rig="threePt" dir="t"/>
+    </dgm:scene3d>
+    <dgm:sp3d/>
+    <dgm:txPr/>
+    <dgm:style>
+      <a:lnRef idx="0">
+        <a:scrgbClr r="0" g="0" b="0"/>
+      </a:lnRef>
+      <a:fillRef idx="1">
+        <a:scrgbClr r="0" g="0" b="0"/>
+      </a:fillRef>
+      <a:effectRef idx="0">
+        <a:scrgbClr r="0" g="0" b="0"/>
+      </a:effectRef>
+      <a:fontRef idx="minor"/>
+    </dgm:style>
+  </dgm:styleLbl>
+  <dgm:styleLbl name="fgShp">
+    <dgm:scene3d>
+      <a:camera prst="orthographicFront"/>
+      <a:lightRig rig="threePt" dir="t"/>
+    </dgm:scene3d>
+    <dgm:sp3d/>
+    <dgm:txPr/>
+    <dgm:style>
+      <a:lnRef idx="2">
+        <a:scrgbClr r="0" g="0" b="0"/>
+      </a:lnRef>
+      <a:fillRef idx="1">
+        <a:scrgbClr r="0" g="0" b="0"/>
+      </a:fillRef>
+      <a:effectRef idx="0">
+        <a:scrgbClr r="0" g="0" b="0"/>
+      </a:effectRef>
+      <a:fontRef idx="minor"/>
+    </dgm:style>
+  </dgm:styleLbl>
+  <dgm:styleLbl name="revTx">
+    <dgm:scene3d>
+      <a:camera prst="orthographicFront"/>
+      <a:lightRig rig="threePt" dir="t"/>
+    </dgm:scene3d>
+    <dgm:sp3d/>
+    <dgm:txPr/>
+    <dgm:style>
+      <a:lnRef idx="0">
+        <a:scrgbClr r="0" g="0" b="0"/>
+      </a:lnRef>
+      <a:fillRef idx="0">
+        <a:scrgbClr r="0" g="0" b="0"/>
+      </a:fillRef>
+      <a:effectRef idx="0">
+        <a:scrgbClr r="0" g="0" b="0"/>
+      </a:effectRef>
+      <a:fontRef idx="minor"/>
+    </dgm:style>
+  </dgm:styleLbl>
+</dgm:styleDef>
+</file>
+
+<file path=ppt/diagrams/quickStyle4.xml><?xml version="1.0" encoding="utf-8"?>
 <dgm:styleDef xmlns:dgm="http://schemas.openxmlformats.org/drawingml/2006/diagram" xmlns:a="http://schemas.openxmlformats.org/drawingml/2006/main" uniqueId="urn:microsoft.com/office/officeart/2005/8/quickstyle/simple1">
   <dgm:title val=""/>
   <dgm:desc val=""/>
@@ -7196,7 +14180,7 @@
           <a:p>
             <a:fld id="{D996A015-6464-43CD-86FB-8401A10589FF}" type="datetimeFigureOut">
               <a:rPr lang="en-US" smtClean="0"/>
-              <a:t>12/4/2020</a:t>
+              <a:t>12/14/2020</a:t>
             </a:fld>
             <a:endParaRPr lang="en-US"/>
           </a:p>
@@ -7394,7 +14378,7 @@
           <a:p>
             <a:fld id="{D996A015-6464-43CD-86FB-8401A10589FF}" type="datetimeFigureOut">
               <a:rPr lang="en-US" smtClean="0"/>
-              <a:t>12/4/2020</a:t>
+              <a:t>12/14/2020</a:t>
             </a:fld>
             <a:endParaRPr lang="en-US"/>
           </a:p>
@@ -7602,7 +14586,7 @@
           <a:p>
             <a:fld id="{D996A015-6464-43CD-86FB-8401A10589FF}" type="datetimeFigureOut">
               <a:rPr lang="en-US" smtClean="0"/>
-              <a:t>12/4/2020</a:t>
+              <a:t>12/14/2020</a:t>
             </a:fld>
             <a:endParaRPr lang="en-US"/>
           </a:p>
@@ -7800,7 +14784,7 @@
           <a:p>
             <a:fld id="{D996A015-6464-43CD-86FB-8401A10589FF}" type="datetimeFigureOut">
               <a:rPr lang="en-US" smtClean="0"/>
-              <a:t>12/4/2020</a:t>
+              <a:t>12/14/2020</a:t>
             </a:fld>
             <a:endParaRPr lang="en-US"/>
           </a:p>
@@ -8075,7 +15059,7 @@
           <a:p>
             <a:fld id="{D996A015-6464-43CD-86FB-8401A10589FF}" type="datetimeFigureOut">
               <a:rPr lang="en-US" smtClean="0"/>
-              <a:t>12/4/2020</a:t>
+              <a:t>12/14/2020</a:t>
             </a:fld>
             <a:endParaRPr lang="en-US"/>
           </a:p>
@@ -8340,7 +15324,7 @@
           <a:p>
             <a:fld id="{D996A015-6464-43CD-86FB-8401A10589FF}" type="datetimeFigureOut">
               <a:rPr lang="en-US" smtClean="0"/>
-              <a:t>12/4/2020</a:t>
+              <a:t>12/14/2020</a:t>
             </a:fld>
             <a:endParaRPr lang="en-US"/>
           </a:p>
@@ -8752,7 +15736,7 @@
           <a:p>
             <a:fld id="{D996A015-6464-43CD-86FB-8401A10589FF}" type="datetimeFigureOut">
               <a:rPr lang="en-US" smtClean="0"/>
-              <a:t>12/4/2020</a:t>
+              <a:t>12/14/2020</a:t>
             </a:fld>
             <a:endParaRPr lang="en-US"/>
           </a:p>
@@ -8893,7 +15877,7 @@
           <a:p>
             <a:fld id="{D996A015-6464-43CD-86FB-8401A10589FF}" type="datetimeFigureOut">
               <a:rPr lang="en-US" smtClean="0"/>
-              <a:t>12/4/2020</a:t>
+              <a:t>12/14/2020</a:t>
             </a:fld>
             <a:endParaRPr lang="en-US"/>
           </a:p>
@@ -9006,7 +15990,7 @@
           <a:p>
             <a:fld id="{D996A015-6464-43CD-86FB-8401A10589FF}" type="datetimeFigureOut">
               <a:rPr lang="en-US" smtClean="0"/>
-              <a:t>12/4/2020</a:t>
+              <a:t>12/14/2020</a:t>
             </a:fld>
             <a:endParaRPr lang="en-US"/>
           </a:p>
@@ -9317,7 +16301,7 @@
           <a:p>
             <a:fld id="{D996A015-6464-43CD-86FB-8401A10589FF}" type="datetimeFigureOut">
               <a:rPr lang="en-US" smtClean="0"/>
-              <a:t>12/4/2020</a:t>
+              <a:t>12/14/2020</a:t>
             </a:fld>
             <a:endParaRPr lang="en-US"/>
           </a:p>
@@ -9605,7 +16589,7 @@
           <a:p>
             <a:fld id="{D996A015-6464-43CD-86FB-8401A10589FF}" type="datetimeFigureOut">
               <a:rPr lang="en-US" smtClean="0"/>
-              <a:t>12/4/2020</a:t>
+              <a:t>12/14/2020</a:t>
             </a:fld>
             <a:endParaRPr lang="en-US"/>
           </a:p>
@@ -9846,7 +16830,7 @@
           <a:p>
             <a:fld id="{D996A015-6464-43CD-86FB-8401A10589FF}" type="datetimeFigureOut">
               <a:rPr lang="en-US" smtClean="0"/>
-              <a:t>12/4/2020</a:t>
+              <a:t>12/14/2020</a:t>
             </a:fld>
             <a:endParaRPr lang="en-US"/>
           </a:p>
@@ -11574,7 +18558,7 @@
               <a:rPr lang="en-US" i="1" dirty="0">
                 <a:cs typeface="Calibri"/>
               </a:rPr>
-              <a:t>take care to document as detailed possible the changes introduced by the PR</a:t>
+              <a:t>take care to document as detailed as possible the changes introduced by the PR</a:t>
             </a:r>
           </a:p>
           <a:p>
@@ -14327,7 +21311,7 @@
               <a:rPr lang="en-US" sz="3100" b="1" dirty="0">
                 <a:cs typeface="Calibri Light"/>
               </a:rPr>
-              <a:t>Let's do a practical example</a:t>
+              <a:t>Let's do a practical example 1  - text files</a:t>
             </a:r>
           </a:p>
         </p:txBody>
@@ -14808,6 +21792,593 @@
 </p:sld>
 </file>
 
+<file path=ppt/slides/slide7.xml><?xml version="1.0" encoding="utf-8"?>
+<p:sld xmlns:a="http://schemas.openxmlformats.org/drawingml/2006/main" xmlns:r="http://schemas.openxmlformats.org/officeDocument/2006/relationships" xmlns:p="http://schemas.openxmlformats.org/presentationml/2006/main">
+  <p:cSld>
+    <p:bg>
+      <p:bgPr>
+        <a:solidFill>
+          <a:schemeClr val="bg1"/>
+        </a:solidFill>
+        <a:effectLst/>
+      </p:bgPr>
+    </p:bg>
+    <p:spTree>
+      <p:nvGrpSpPr>
+        <p:cNvPr id="1" name=""/>
+        <p:cNvGrpSpPr/>
+        <p:nvPr/>
+      </p:nvGrpSpPr>
+      <p:grpSpPr>
+        <a:xfrm>
+          <a:off x="0" y="0"/>
+          <a:ext cx="0" cy="0"/>
+          <a:chOff x="0" y="0"/>
+          <a:chExt cx="0" cy="0"/>
+        </a:xfrm>
+      </p:grpSpPr>
+      <p:sp useBgFill="1">
+        <p:nvSpPr>
+          <p:cNvPr id="39" name="Rectangle 41">
+            <a:extLst>
+              <a:ext uri="{FF2B5EF4-FFF2-40B4-BE49-F238E27FC236}">
+                <a16:creationId xmlns:a16="http://schemas.microsoft.com/office/drawing/2014/main" id="{AFF8D2E5-2C4E-47B1-930B-6C82B7C31331}"/>
+              </a:ext>
+              <a:ext uri="{C183D7F6-B498-43B3-948B-1728B52AA6E4}">
+                <adec:decorative xmlns:adec="http://schemas.microsoft.com/office/drawing/2017/decorative" val="1"/>
+              </a:ext>
+            </a:extLst>
+          </p:cNvPr>
+          <p:cNvSpPr>
+            <a:spLocks noGrp="1" noRot="1" noChangeAspect="1" noMove="1" noResize="1" noEditPoints="1" noAdjustHandles="1" noChangeArrowheads="1" noChangeShapeType="1" noTextEdit="1"/>
+          </p:cNvSpPr>
+          <p:nvPr>
+            <p:extLst>
+              <p:ext uri="{386F3935-93C4-4BCD-93E2-E3B085C9AB24}">
+                <p16:designElem xmlns:p16="http://schemas.microsoft.com/office/powerpoint/2015/main" val="1"/>
+              </p:ext>
+            </p:extLst>
+          </p:nvPr>
+        </p:nvSpPr>
+        <p:spPr>
+          <a:xfrm>
+            <a:off x="0" y="0"/>
+            <a:ext cx="12192000" cy="6858000"/>
+          </a:xfrm>
+          <a:prstGeom prst="rect">
+            <a:avLst/>
+          </a:prstGeom>
+          <a:ln>
+            <a:noFill/>
+          </a:ln>
+        </p:spPr>
+        <p:style>
+          <a:lnRef idx="2">
+            <a:schemeClr val="accent1">
+              <a:shade val="50000"/>
+            </a:schemeClr>
+          </a:lnRef>
+          <a:fillRef idx="1">
+            <a:schemeClr val="accent1"/>
+          </a:fillRef>
+          <a:effectRef idx="0">
+            <a:schemeClr val="accent1"/>
+          </a:effectRef>
+          <a:fontRef idx="minor">
+            <a:schemeClr val="lt1"/>
+          </a:fontRef>
+        </p:style>
+        <p:txBody>
+          <a:bodyPr rtlCol="0" anchor="ctr"/>
+          <a:lstStyle/>
+          <a:p>
+            <a:pPr algn="ctr"/>
+            <a:endParaRPr lang="en-US"/>
+          </a:p>
+        </p:txBody>
+      </p:sp>
+      <p:sp>
+        <p:nvSpPr>
+          <p:cNvPr id="2" name="Title 1">
+            <a:extLst>
+              <a:ext uri="{FF2B5EF4-FFF2-40B4-BE49-F238E27FC236}">
+                <a16:creationId xmlns:a16="http://schemas.microsoft.com/office/drawing/2014/main" id="{C45D8B39-E802-4BD5-B512-C50F24AE2816}"/>
+              </a:ext>
+            </a:extLst>
+          </p:cNvPr>
+          <p:cNvSpPr>
+            <a:spLocks noGrp="1"/>
+          </p:cNvSpPr>
+          <p:nvPr>
+            <p:ph type="ctrTitle"/>
+          </p:nvPr>
+        </p:nvSpPr>
+        <p:spPr>
+          <a:xfrm>
+            <a:off x="2377740" y="226328"/>
+            <a:ext cx="9122055" cy="1010264"/>
+          </a:xfrm>
+        </p:spPr>
+        <p:txBody>
+          <a:bodyPr vert="horz" lIns="91440" tIns="45720" rIns="91440" bIns="45720" rtlCol="0" anchor="ctr">
+            <a:normAutofit/>
+          </a:bodyPr>
+          <a:lstStyle/>
+          <a:p>
+            <a:pPr algn="l"/>
+            <a:r>
+              <a:rPr lang="en-US" sz="3100" b="1" dirty="0">
+                <a:cs typeface="Calibri Light"/>
+              </a:rPr>
+              <a:t>Let's do a practical example 2  - binary files</a:t>
+            </a:r>
+          </a:p>
+        </p:txBody>
+      </p:sp>
+      <p:sp>
+        <p:nvSpPr>
+          <p:cNvPr id="44" name="Rectangle 43">
+            <a:extLst>
+              <a:ext uri="{FF2B5EF4-FFF2-40B4-BE49-F238E27FC236}">
+                <a16:creationId xmlns:a16="http://schemas.microsoft.com/office/drawing/2014/main" id="{801E4ADA-0EA9-4930-846E-3C11E8BED6DD}"/>
+              </a:ext>
+              <a:ext uri="{C183D7F6-B498-43B3-948B-1728B52AA6E4}">
+                <adec:decorative xmlns:adec="http://schemas.microsoft.com/office/drawing/2017/decorative" val="1"/>
+              </a:ext>
+            </a:extLst>
+          </p:cNvPr>
+          <p:cNvSpPr>
+            <a:spLocks noGrp="1" noRot="1" noChangeAspect="1" noMove="1" noResize="1" noEditPoints="1" noAdjustHandles="1" noChangeArrowheads="1" noChangeShapeType="1" noTextEdit="1"/>
+          </p:cNvSpPr>
+          <p:nvPr>
+            <p:extLst>
+              <p:ext uri="{386F3935-93C4-4BCD-93E2-E3B085C9AB24}">
+                <p16:designElem xmlns:p16="http://schemas.microsoft.com/office/powerpoint/2015/main" val="1"/>
+              </p:ext>
+            </p:extLst>
+          </p:nvPr>
+        </p:nvSpPr>
+        <p:spPr>
+          <a:xfrm>
+            <a:off x="0" y="417618"/>
+            <a:ext cx="128016" cy="631415"/>
+          </a:xfrm>
+          <a:prstGeom prst="rect">
+            <a:avLst/>
+          </a:prstGeom>
+          <a:solidFill>
+            <a:schemeClr val="accent2"/>
+          </a:solidFill>
+          <a:ln>
+            <a:noFill/>
+          </a:ln>
+        </p:spPr>
+        <p:style>
+          <a:lnRef idx="2">
+            <a:schemeClr val="accent1">
+              <a:shade val="50000"/>
+            </a:schemeClr>
+          </a:lnRef>
+          <a:fillRef idx="1">
+            <a:schemeClr val="accent1"/>
+          </a:fillRef>
+          <a:effectRef idx="0">
+            <a:schemeClr val="accent1"/>
+          </a:effectRef>
+          <a:fontRef idx="minor">
+            <a:schemeClr val="lt1"/>
+          </a:fontRef>
+        </p:style>
+        <p:txBody>
+          <a:bodyPr rtlCol="0" anchor="ctr"/>
+          <a:lstStyle/>
+          <a:p>
+            <a:pPr marL="0" marR="0" lvl="0" indent="0" algn="ctr" defTabSz="914400" rtl="0" eaLnBrk="1" fontAlgn="auto" latinLnBrk="0" hangingPunct="1">
+              <a:lnSpc>
+                <a:spcPct val="100000"/>
+              </a:lnSpc>
+              <a:spcBef>
+                <a:spcPts val="0"/>
+              </a:spcBef>
+              <a:spcAft>
+                <a:spcPts val="0"/>
+              </a:spcAft>
+              <a:buClrTx/>
+              <a:buSzTx/>
+              <a:buFontTx/>
+              <a:buNone/>
+              <a:tabLst/>
+              <a:defRPr/>
+            </a:pPr>
+            <a:endParaRPr kumimoji="0" lang="en-US" sz="1800" b="0" i="0" u="none" strike="noStrike" kern="1200" cap="none" spc="0" normalizeH="0" baseline="0" noProof="0">
+              <a:ln>
+                <a:noFill/>
+              </a:ln>
+              <a:solidFill>
+                <a:prstClr val="white"/>
+              </a:solidFill>
+              <a:effectLst/>
+              <a:uLnTx/>
+              <a:uFillTx/>
+              <a:latin typeface="Calibri" panose="020F0502020204030204"/>
+              <a:ea typeface="+mn-ea"/>
+              <a:cs typeface="+mn-cs"/>
+            </a:endParaRPr>
+          </a:p>
+        </p:txBody>
+      </p:sp>
+      <p:sp>
+        <p:nvSpPr>
+          <p:cNvPr id="46" name="Rectangle 45">
+            <a:extLst>
+              <a:ext uri="{FF2B5EF4-FFF2-40B4-BE49-F238E27FC236}">
+                <a16:creationId xmlns:a16="http://schemas.microsoft.com/office/drawing/2014/main" id="{FB92FFCE-0C90-454E-AA25-D4EE9A6C39C5}"/>
+              </a:ext>
+              <a:ext uri="{C183D7F6-B498-43B3-948B-1728B52AA6E4}">
+                <adec:decorative xmlns:adec="http://schemas.microsoft.com/office/drawing/2017/decorative" val="1"/>
+              </a:ext>
+            </a:extLst>
+          </p:cNvPr>
+          <p:cNvSpPr>
+            <a:spLocks noGrp="1" noRot="1" noChangeAspect="1" noMove="1" noResize="1" noEditPoints="1" noAdjustHandles="1" noChangeArrowheads="1" noChangeShapeType="1" noTextEdit="1"/>
+          </p:cNvSpPr>
+          <p:nvPr>
+            <p:extLst>
+              <p:ext uri="{386F3935-93C4-4BCD-93E2-E3B085C9AB24}">
+                <p16:designElem xmlns:p16="http://schemas.microsoft.com/office/powerpoint/2015/main" val="1"/>
+              </p:ext>
+            </p:extLst>
+          </p:nvPr>
+        </p:nvSpPr>
+        <p:spPr>
+          <a:xfrm>
+            <a:off x="841248" y="1380864"/>
+            <a:ext cx="10506456" cy="18288"/>
+          </a:xfrm>
+          <a:prstGeom prst="rect">
+            <a:avLst/>
+          </a:prstGeom>
+          <a:solidFill>
+            <a:srgbClr val="D5D5D5"/>
+          </a:solidFill>
+          <a:ln w="3175">
+            <a:noFill/>
+          </a:ln>
+          <a:effectLst/>
+        </p:spPr>
+        <p:style>
+          <a:lnRef idx="2">
+            <a:schemeClr val="accent1">
+              <a:shade val="50000"/>
+            </a:schemeClr>
+          </a:lnRef>
+          <a:fillRef idx="1">
+            <a:schemeClr val="accent1"/>
+          </a:fillRef>
+          <a:effectRef idx="0">
+            <a:schemeClr val="accent1"/>
+          </a:effectRef>
+          <a:fontRef idx="minor">
+            <a:schemeClr val="lt1"/>
+          </a:fontRef>
+        </p:style>
+        <p:txBody>
+          <a:bodyPr rtlCol="0" anchor="ctr"/>
+          <a:lstStyle/>
+          <a:p>
+            <a:pPr algn="ctr"/>
+            <a:endParaRPr lang="en-US">
+              <a:solidFill>
+                <a:prstClr val="white"/>
+              </a:solidFill>
+              <a:latin typeface="Calibri" panose="020F0502020204030204"/>
+            </a:endParaRPr>
+          </a:p>
+        </p:txBody>
+      </p:sp>
+      <p:sp>
+        <p:nvSpPr>
+          <p:cNvPr id="57" name="TextBox 56">
+            <a:extLst>
+              <a:ext uri="{FF2B5EF4-FFF2-40B4-BE49-F238E27FC236}">
+                <a16:creationId xmlns:a16="http://schemas.microsoft.com/office/drawing/2014/main" id="{D46EB3E6-CCBF-4328-9C0F-971A6F373269}"/>
+              </a:ext>
+            </a:extLst>
+          </p:cNvPr>
+          <p:cNvSpPr txBox="1"/>
+          <p:nvPr/>
+        </p:nvSpPr>
+        <p:spPr>
+          <a:xfrm>
+            <a:off x="4724400" y="3200400"/>
+            <a:ext cx="2743200" cy="369332"/>
+          </a:xfrm>
+          <a:prstGeom prst="rect">
+            <a:avLst/>
+          </a:prstGeom>
+          <a:noFill/>
+        </p:spPr>
+        <p:txBody>
+          <a:bodyPr rot="0" spcFirstLastPara="0" vertOverflow="overflow" horzOverflow="overflow" vert="horz" wrap="square" lIns="91440" tIns="45720" rIns="91440" bIns="45720" numCol="1" spcCol="0" rtlCol="0" fromWordArt="0" anchor="t" anchorCtr="0" forceAA="0" compatLnSpc="1">
+            <a:prstTxWarp prst="textNoShape">
+              <a:avLst/>
+            </a:prstTxWarp>
+            <a:spAutoFit/>
+          </a:bodyPr>
+          <a:lstStyle/>
+          <a:p>
+            <a:endParaRPr lang="en-US">
+              <a:cs typeface="Calibri"/>
+            </a:endParaRPr>
+          </a:p>
+        </p:txBody>
+      </p:sp>
+      <p:graphicFrame>
+        <p:nvGraphicFramePr>
+          <p:cNvPr id="3" name="TextBox 52">
+            <a:extLst>
+              <a:ext uri="{FF2B5EF4-FFF2-40B4-BE49-F238E27FC236}">
+                <a16:creationId xmlns:a16="http://schemas.microsoft.com/office/drawing/2014/main" id="{0E3D3D03-015C-48AF-AA2A-863788B903F4}"/>
+              </a:ext>
+            </a:extLst>
+          </p:cNvPr>
+          <p:cNvGraphicFramePr/>
+          <p:nvPr/>
+        </p:nvGraphicFramePr>
+        <p:xfrm>
+          <a:off x="838200" y="1276692"/>
+          <a:ext cx="8185880" cy="3152066"/>
+        </p:xfrm>
+        <a:graphic>
+          <a:graphicData uri="http://schemas.openxmlformats.org/drawingml/2006/diagram">
+            <dgm:relIds xmlns:dgm="http://schemas.openxmlformats.org/drawingml/2006/diagram" xmlns:r="http://schemas.openxmlformats.org/officeDocument/2006/relationships" r:dm="rId2" r:lo="rId3" r:qs="rId4" r:cs="rId5"/>
+          </a:graphicData>
+        </a:graphic>
+      </p:graphicFrame>
+      <p:sp>
+        <p:nvSpPr>
+          <p:cNvPr id="24" name="TextBox 23">
+            <a:extLst>
+              <a:ext uri="{FF2B5EF4-FFF2-40B4-BE49-F238E27FC236}">
+                <a16:creationId xmlns:a16="http://schemas.microsoft.com/office/drawing/2014/main" id="{4A340296-8874-4F0D-9F91-E8C4CEBABB49}"/>
+              </a:ext>
+            </a:extLst>
+          </p:cNvPr>
+          <p:cNvSpPr txBox="1"/>
+          <p:nvPr/>
+        </p:nvSpPr>
+        <p:spPr>
+          <a:xfrm>
+            <a:off x="9846039" y="5224073"/>
+            <a:ext cx="2743200" cy="369332"/>
+          </a:xfrm>
+          <a:prstGeom prst="rect">
+            <a:avLst/>
+          </a:prstGeom>
+          <a:noFill/>
+        </p:spPr>
+        <p:txBody>
+          <a:bodyPr rot="0" spcFirstLastPara="0" vertOverflow="overflow" horzOverflow="overflow" vert="horz" wrap="square" lIns="91440" tIns="45720" rIns="91440" bIns="45720" numCol="1" spcCol="0" rtlCol="0" fromWordArt="0" anchor="t" anchorCtr="0" forceAA="0" compatLnSpc="1">
+            <a:prstTxWarp prst="textNoShape">
+              <a:avLst/>
+            </a:prstTxWarp>
+            <a:spAutoFit/>
+          </a:bodyPr>
+          <a:lstStyle/>
+          <a:p>
+            <a:r>
+              <a:rPr lang="en-US" dirty="0">
+                <a:hlinkClick r:id="rId7"/>
+              </a:rPr>
+              <a:t>github docs</a:t>
+            </a:r>
+            <a:endParaRPr lang="en-US" dirty="0"/>
+          </a:p>
+        </p:txBody>
+      </p:sp>
+      <p:sp>
+        <p:nvSpPr>
+          <p:cNvPr id="56" name="TextBox 55">
+            <a:extLst>
+              <a:ext uri="{FF2B5EF4-FFF2-40B4-BE49-F238E27FC236}">
+                <a16:creationId xmlns:a16="http://schemas.microsoft.com/office/drawing/2014/main" id="{D4EA3E11-ED1B-4B57-9AE0-125EAA7B3F61}"/>
+              </a:ext>
+            </a:extLst>
+          </p:cNvPr>
+          <p:cNvSpPr txBox="1"/>
+          <p:nvPr/>
+        </p:nvSpPr>
+        <p:spPr>
+          <a:xfrm>
+            <a:off x="764498" y="1507761"/>
+            <a:ext cx="2743200" cy="369332"/>
+          </a:xfrm>
+          <a:prstGeom prst="rect">
+            <a:avLst/>
+          </a:prstGeom>
+          <a:noFill/>
+        </p:spPr>
+        <p:txBody>
+          <a:bodyPr rot="0" spcFirstLastPara="0" vertOverflow="overflow" horzOverflow="overflow" vert="horz" wrap="square" lIns="91440" tIns="45720" rIns="91440" bIns="45720" numCol="1" spcCol="0" rtlCol="0" fromWordArt="0" anchor="t" anchorCtr="0" forceAA="0" compatLnSpc="1">
+            <a:prstTxWarp prst="textNoShape">
+              <a:avLst/>
+            </a:prstTxWarp>
+            <a:spAutoFit/>
+          </a:bodyPr>
+          <a:lstStyle/>
+          <a:p>
+            <a:r>
+              <a:rPr lang="en-US" b="1" dirty="0"/>
+              <a:t>Open a PR</a:t>
+            </a:r>
+          </a:p>
+        </p:txBody>
+      </p:sp>
+      <p:graphicFrame>
+        <p:nvGraphicFramePr>
+          <p:cNvPr id="85" name="TextBox 52">
+            <a:extLst>
+              <a:ext uri="{FF2B5EF4-FFF2-40B4-BE49-F238E27FC236}">
+                <a16:creationId xmlns:a16="http://schemas.microsoft.com/office/drawing/2014/main" id="{01320025-C178-49B3-B1EE-9CA5A7106BDF}"/>
+              </a:ext>
+            </a:extLst>
+          </p:cNvPr>
+          <p:cNvGraphicFramePr/>
+          <p:nvPr/>
+        </p:nvGraphicFramePr>
+        <p:xfrm>
+          <a:off x="806869" y="4082109"/>
+          <a:ext cx="5525026" cy="2082808"/>
+        </p:xfrm>
+        <a:graphic>
+          <a:graphicData uri="http://schemas.openxmlformats.org/drawingml/2006/diagram">
+            <dgm:relIds xmlns:dgm="http://schemas.openxmlformats.org/drawingml/2006/diagram" xmlns:r="http://schemas.openxmlformats.org/officeDocument/2006/relationships" r:dm="rId8" r:lo="rId9" r:qs="rId10" r:cs="rId11"/>
+          </a:graphicData>
+        </a:graphic>
+      </p:graphicFrame>
+      <p:sp>
+        <p:nvSpPr>
+          <p:cNvPr id="99" name="TextBox 98">
+            <a:extLst>
+              <a:ext uri="{FF2B5EF4-FFF2-40B4-BE49-F238E27FC236}">
+                <a16:creationId xmlns:a16="http://schemas.microsoft.com/office/drawing/2014/main" id="{928B3304-172D-47E2-8A23-C2BC1BFF48F3}"/>
+              </a:ext>
+            </a:extLst>
+          </p:cNvPr>
+          <p:cNvSpPr txBox="1"/>
+          <p:nvPr/>
+        </p:nvSpPr>
+        <p:spPr>
+          <a:xfrm>
+            <a:off x="764497" y="3899941"/>
+            <a:ext cx="2743200" cy="369332"/>
+          </a:xfrm>
+          <a:prstGeom prst="rect">
+            <a:avLst/>
+          </a:prstGeom>
+          <a:noFill/>
+        </p:spPr>
+        <p:txBody>
+          <a:bodyPr rot="0" spcFirstLastPara="0" vertOverflow="overflow" horzOverflow="overflow" vert="horz" wrap="square" lIns="91440" tIns="45720" rIns="91440" bIns="45720" numCol="1" spcCol="0" rtlCol="0" fromWordArt="0" anchor="t" anchorCtr="0" forceAA="0" compatLnSpc="1">
+            <a:prstTxWarp prst="textNoShape">
+              <a:avLst/>
+            </a:prstTxWarp>
+            <a:spAutoFit/>
+          </a:bodyPr>
+          <a:lstStyle/>
+          <a:p>
+            <a:r>
+              <a:rPr lang="en-US" b="1" dirty="0">
+                <a:cs typeface="Calibri"/>
+              </a:rPr>
+              <a:t>Review and Merge a PR</a:t>
+            </a:r>
+          </a:p>
+        </p:txBody>
+      </p:sp>
+      <p:pic>
+        <p:nvPicPr>
+          <p:cNvPr id="2796" name="Picture 2796" descr="A picture containing shape&#10;&#10;Description automatically generated">
+            <a:extLst>
+              <a:ext uri="{FF2B5EF4-FFF2-40B4-BE49-F238E27FC236}">
+                <a16:creationId xmlns:a16="http://schemas.microsoft.com/office/drawing/2014/main" id="{AC0CFA6C-CE88-41B9-8DED-4513040EA6F1}"/>
+              </a:ext>
+            </a:extLst>
+          </p:cNvPr>
+          <p:cNvPicPr>
+            <a:picLocks noChangeAspect="1"/>
+          </p:cNvPicPr>
+          <p:nvPr/>
+        </p:nvPicPr>
+        <p:blipFill>
+          <a:blip r:embed="rId13"/>
+          <a:stretch>
+            <a:fillRect/>
+          </a:stretch>
+        </p:blipFill>
+        <p:spPr>
+          <a:xfrm>
+            <a:off x="9627432" y="2693232"/>
+            <a:ext cx="1768840" cy="2333469"/>
+          </a:xfrm>
+          <a:prstGeom prst="rect">
+            <a:avLst/>
+          </a:prstGeom>
+        </p:spPr>
+      </p:pic>
+      <p:pic>
+        <p:nvPicPr>
+          <p:cNvPr id="2798" name="Picture 4" descr="Logo&#10;&#10;Description automatically generated">
+            <a:extLst>
+              <a:ext uri="{FF2B5EF4-FFF2-40B4-BE49-F238E27FC236}">
+                <a16:creationId xmlns:a16="http://schemas.microsoft.com/office/drawing/2014/main" id="{37A27C89-2CE1-4DCA-A27C-7B08EAECB70C}"/>
+              </a:ext>
+            </a:extLst>
+          </p:cNvPr>
+          <p:cNvPicPr>
+            <a:picLocks noChangeAspect="1"/>
+          </p:cNvPicPr>
+          <p:nvPr/>
+        </p:nvPicPr>
+        <p:blipFill>
+          <a:blip r:embed="rId14"/>
+          <a:stretch>
+            <a:fillRect/>
+          </a:stretch>
+        </p:blipFill>
+        <p:spPr>
+          <a:xfrm>
+            <a:off x="10119124" y="371248"/>
+            <a:ext cx="1566845" cy="866013"/>
+          </a:xfrm>
+          <a:prstGeom prst="rect">
+            <a:avLst/>
+          </a:prstGeom>
+        </p:spPr>
+      </p:pic>
+      <p:pic>
+        <p:nvPicPr>
+          <p:cNvPr id="2800" name="Picture 6" descr="A picture containing icon&#10;&#10;Description automatically generated">
+            <a:extLst>
+              <a:ext uri="{FF2B5EF4-FFF2-40B4-BE49-F238E27FC236}">
+                <a16:creationId xmlns:a16="http://schemas.microsoft.com/office/drawing/2014/main" id="{77505B79-6ED1-442D-A0A1-82E2239DFCA6}"/>
+              </a:ext>
+            </a:extLst>
+          </p:cNvPr>
+          <p:cNvPicPr>
+            <a:picLocks noChangeAspect="1"/>
+          </p:cNvPicPr>
+          <p:nvPr/>
+        </p:nvPicPr>
+        <p:blipFill>
+          <a:blip r:embed="rId15"/>
+          <a:stretch>
+            <a:fillRect/>
+          </a:stretch>
+        </p:blipFill>
+        <p:spPr>
+          <a:xfrm>
+            <a:off x="733893" y="124450"/>
+            <a:ext cx="1330378" cy="1362544"/>
+          </a:xfrm>
+          <a:prstGeom prst="rect">
+            <a:avLst/>
+          </a:prstGeom>
+        </p:spPr>
+      </p:pic>
+    </p:spTree>
+    <p:extLst>
+      <p:ext uri="{BB962C8B-B14F-4D97-AF65-F5344CB8AC3E}">
+        <p14:creationId xmlns:p14="http://schemas.microsoft.com/office/powerpoint/2010/main" val="1109271890"/>
+      </p:ext>
+    </p:extLst>
+  </p:cSld>
+  <p:clrMapOvr>
+    <a:masterClrMapping/>
+  </p:clrMapOvr>
+</p:sld>
+</file>
+
 <file path=ppt/theme/theme1.xml><?xml version="1.0" encoding="utf-8"?>
 <a:theme xmlns:a="http://schemas.openxmlformats.org/drawingml/2006/main" name="Office Theme">
   <a:themeElements>

--- a/training-pull-requests.pptx
+++ b/training-pull-requests.pptx
@@ -131,6 +131,7 @@
     <p1510:client id="{C77B6880-4B78-BB5D-1BBF-C1946A688432}" v="1014" dt="2020-12-03T17:07:20.446"/>
     <p1510:client id="{F4DC7E2F-484E-F488-FDB3-B634135B6384}" v="93" dt="2020-11-30T13:44:46.320"/>
     <p1510:client id="{F9E4E89D-5271-49F1-7634-96B2C3CE85DA}" v="12" dt="2020-12-04T10:10:23.232"/>
+    <p1510:client id="{FD958256-1BD9-E0DD-A032-AC54BDF54591}" v="111" dt="2020-12-16T16:56:18.957"/>
   </p1510:revLst>
 </p1510:revInfo>
 </file>
@@ -3198,16 +3199,20 @@
         <a:p>
           <a:r>
             <a:rPr lang="en-US" dirty="0"/>
-            <a:t>Fork and clone the </a:t>
+            <a:t>F</a:t>
           </a:r>
           <a:r>
-            <a:rPr lang="en-US" dirty="0">
+            <a:rPr lang="en-US" b="0" dirty="0"/>
+            <a:t>ork and clone the </a:t>
+          </a:r>
+          <a:r>
+            <a:rPr lang="en-US" b="0" dirty="0">
               <a:hlinkClick xmlns:r="http://schemas.openxmlformats.org/officeDocument/2006/relationships" r:id="rId1"/>
             </a:rPr>
             <a:t>repo</a:t>
           </a:r>
           <a:r>
-            <a:rPr lang="en-US" dirty="0"/>
+            <a:rPr lang="en-US" b="0" dirty="0"/>
             <a:t> </a:t>
           </a:r>
         </a:p>
@@ -3286,7 +3291,7 @@
             <a:rPr lang="en-US" dirty="0">
               <a:latin typeface="Calibri Light" panose="020F0302020204030204"/>
             </a:rPr>
-            <a:t>Switch to the "hands-on-1" branch. In this branch a.txt and b.txt files have been modified</a:t>
+            <a:t>Switch to the "hands-on-1" branch. Modify a.txt and/or b.txt files </a:t>
           </a:r>
         </a:p>
       </dgm:t>
@@ -3303,42 +3308,6 @@
       </dgm:t>
     </dgm:pt>
     <dgm:pt modelId="{1B81C672-D373-4646-B838-9ECB464D13A1}" type="sibTrans" cxnId="{5FA945C8-4AB2-4261-8BD2-8F11971933CA}">
-      <dgm:prSet/>
-      <dgm:spPr/>
-      <dgm:t>
-        <a:bodyPr/>
-        <a:lstStyle/>
-        <a:p>
-          <a:endParaRPr lang="en-US"/>
-        </a:p>
-      </dgm:t>
-    </dgm:pt>
-    <dgm:pt modelId="{F226FA51-16FD-4895-A268-F589EC2C0E05}">
-      <dgm:prSet/>
-      <dgm:spPr/>
-      <dgm:t>
-        <a:bodyPr/>
-        <a:lstStyle/>
-        <a:p>
-          <a:r>
-            <a:rPr lang="en-US" dirty="0"/>
-            <a:t>Commit</a:t>
-          </a:r>
-        </a:p>
-      </dgm:t>
-    </dgm:pt>
-    <dgm:pt modelId="{857FEB2C-7431-4A1A-B5E7-A4D89FB0CC06}" type="parTrans" cxnId="{1F896EEF-E3D2-4AA4-89C2-9C216415D93C}">
-      <dgm:prSet/>
-      <dgm:spPr/>
-      <dgm:t>
-        <a:bodyPr/>
-        <a:lstStyle/>
-        <a:p>
-          <a:endParaRPr lang="en-US"/>
-        </a:p>
-      </dgm:t>
-    </dgm:pt>
-    <dgm:pt modelId="{C4264290-7C97-4835-930A-DF6D56742F53}" type="sibTrans" cxnId="{1F896EEF-E3D2-4AA4-89C2-9C216415D93C}">
       <dgm:prSet/>
       <dgm:spPr/>
       <dgm:t>
@@ -3609,6 +3578,28 @@
         </a:p>
       </dgm:t>
     </dgm:pt>
+    <dgm:pt modelId="{1137F308-DD41-4461-B1E7-95E29DDA4323}">
+      <dgm:prSet phldr="0"/>
+      <dgm:spPr/>
+      <dgm:t>
+        <a:bodyPr/>
+        <a:lstStyle/>
+        <a:p>
+          <a:r>
+            <a:rPr lang="en-US" dirty="0"/>
+            <a:t>Commit</a:t>
+          </a:r>
+        </a:p>
+      </dgm:t>
+    </dgm:pt>
+    <dgm:pt modelId="{AD243DC1-F7B5-4191-9B3D-3AD6C99CE63B}" type="parTrans" cxnId="{6C721C67-2116-432A-8342-2144770A5104}">
+      <dgm:prSet/>
+      <dgm:spPr/>
+    </dgm:pt>
+    <dgm:pt modelId="{8A5B1212-8236-47E0-A562-4874A3BE71AA}" type="sibTrans" cxnId="{6C721C67-2116-432A-8342-2144770A5104}">
+      <dgm:prSet/>
+      <dgm:spPr/>
+    </dgm:pt>
     <dgm:pt modelId="{A72AA21A-C1EE-4838-ADC3-60B0FF1E405B}" type="pres">
       <dgm:prSet presAssocID="{74BD9F29-841E-4744-A2A6-A357310502C1}" presName="Name0" presStyleCnt="0">
         <dgm:presLayoutVars>
@@ -3665,12 +3656,12 @@
       <dgm:prSet presAssocID="{0CC398EB-F978-4BF3-855C-8AABD939A45C}" presName="space" presStyleCnt="0"/>
       <dgm:spPr/>
     </dgm:pt>
-    <dgm:pt modelId="{A0E4728F-445B-47D1-AD45-C860E4C11D26}" type="pres">
-      <dgm:prSet presAssocID="{F226FA51-16FD-4895-A268-F589EC2C0E05}" presName="composite" presStyleCnt="0"/>
+    <dgm:pt modelId="{4558B6E8-8ABA-4CF2-A8DE-4F8EA9475617}" type="pres">
+      <dgm:prSet presAssocID="{1137F308-DD41-4461-B1E7-95E29DDA4323}" presName="composite" presStyleCnt="0"/>
       <dgm:spPr/>
     </dgm:pt>
-    <dgm:pt modelId="{B43C67AC-27E4-4561-9945-BA3980B01CB6}" type="pres">
-      <dgm:prSet presAssocID="{F226FA51-16FD-4895-A268-F589EC2C0E05}" presName="parTx" presStyleLbl="alignNode1" presStyleIdx="2" presStyleCnt="6">
+    <dgm:pt modelId="{D4F84793-0769-4FB8-B78C-E93C7846ABBB}" type="pres">
+      <dgm:prSet presAssocID="{1137F308-DD41-4461-B1E7-95E29DDA4323}" presName="parTx" presStyleLbl="alignNode1" presStyleIdx="2" presStyleCnt="6">
         <dgm:presLayoutVars>
           <dgm:chMax val="0"/>
           <dgm:chPref val="0"/>
@@ -3678,14 +3669,14 @@
       </dgm:prSet>
       <dgm:spPr/>
     </dgm:pt>
-    <dgm:pt modelId="{1C5EC7DC-DF21-41DE-B8B3-EED110D11954}" type="pres">
-      <dgm:prSet presAssocID="{F226FA51-16FD-4895-A268-F589EC2C0E05}" presName="desTx" presStyleLbl="alignAccFollowNode1" presStyleIdx="2" presStyleCnt="6">
+    <dgm:pt modelId="{E7AEFFD8-1F05-46A1-8942-FCB664D4D485}" type="pres">
+      <dgm:prSet presAssocID="{1137F308-DD41-4461-B1E7-95E29DDA4323}" presName="desTx" presStyleLbl="alignAccFollowNode1" presStyleIdx="2" presStyleCnt="6">
         <dgm:presLayoutVars/>
       </dgm:prSet>
       <dgm:spPr/>
     </dgm:pt>
-    <dgm:pt modelId="{90F04AE4-14C7-428C-8CB9-7D75AD48D4B1}" type="pres">
-      <dgm:prSet presAssocID="{C4264290-7C97-4835-930A-DF6D56742F53}" presName="space" presStyleCnt="0"/>
+    <dgm:pt modelId="{CA9F469B-69CB-454E-B369-3CBA76886DB6}" type="pres">
+      <dgm:prSet presAssocID="{8A5B1212-8236-47E0-A562-4874A3BE71AA}" presName="space" presStyleCnt="0"/>
       <dgm:spPr/>
     </dgm:pt>
     <dgm:pt modelId="{C87AC7D7-9D6C-4883-9D59-6E38029E6B66}" type="pres">
@@ -3755,54 +3746,54 @@
     </dgm:pt>
   </dgm:ptLst>
   <dgm:cxnLst>
-    <dgm:cxn modelId="{25616302-DEB0-4012-A094-1F4793B8C9AB}" type="presOf" srcId="{F226FA51-16FD-4895-A268-F589EC2C0E05}" destId="{B43C67AC-27E4-4561-9945-BA3980B01CB6}" srcOrd="0" destOrd="0" presId="urn:microsoft.com/office/officeart/2016/7/layout/ChevronBlockProcess"/>
     <dgm:cxn modelId="{93B29B0B-1F05-4AA4-9755-16CD0B65EDDE}" srcId="{74BD9F29-841E-4744-A2A6-A357310502C1}" destId="{E679CB7F-0EC5-4B1A-B66B-97AE1C8DAE0D}" srcOrd="0" destOrd="0" parTransId="{005673B8-1945-4538-9F04-6D50381D2B7F}" sibTransId="{A2D87FEC-4611-4498-8AE9-659D63780FEC}"/>
-    <dgm:cxn modelId="{41A3110C-442B-4A4A-AFAA-96FD8118ED8E}" type="presOf" srcId="{34185EF5-50F3-44D7-9132-CDFF3EF6C27A}" destId="{9301E6A2-92F8-4CF4-9DB4-161729A64B0F}" srcOrd="0" destOrd="0" presId="urn:microsoft.com/office/officeart/2016/7/layout/ChevronBlockProcess"/>
-    <dgm:cxn modelId="{973AEC15-A6A2-46DC-BAAB-ED3756E1591A}" type="presOf" srcId="{177B6383-68D4-4F8E-B50D-328BEB536FDF}" destId="{127137F1-1257-4E3D-B3BC-CBB9FD586019}" srcOrd="0" destOrd="0" presId="urn:microsoft.com/office/officeart/2016/7/layout/ChevronBlockProcess"/>
-    <dgm:cxn modelId="{7C4C0517-2130-4EA2-A807-980E286F4824}" srcId="{F226FA51-16FD-4895-A268-F589EC2C0E05}" destId="{739D88F3-1E10-47A5-90F4-DDC650273AEC}" srcOrd="0" destOrd="0" parTransId="{28CE9ED2-EF3A-41DD-8967-3BECFF7716FE}" sibTransId="{0A0CF397-9708-4F2A-A49C-3C2E53276655}"/>
-    <dgm:cxn modelId="{391E451C-9711-4504-BF73-F1A7C1555B52}" type="presOf" srcId="{E679CB7F-0EC5-4B1A-B66B-97AE1C8DAE0D}" destId="{3FB81F9A-9101-4634-95F3-90E526C7215D}" srcOrd="0" destOrd="0" presId="urn:microsoft.com/office/officeart/2016/7/layout/ChevronBlockProcess"/>
-    <dgm:cxn modelId="{35A6D824-053A-41F3-8555-B6A6F68D3464}" type="presOf" srcId="{B0BEBE0D-0426-4D8D-AFFA-032B4DC72771}" destId="{5A4EA1AD-6123-42BB-83C9-01F7F3CDAE01}" srcOrd="0" destOrd="0" presId="urn:microsoft.com/office/officeart/2016/7/layout/ChevronBlockProcess"/>
-    <dgm:cxn modelId="{08721237-64C9-4220-A0BA-533B3D7B5C3A}" type="presOf" srcId="{7063B249-1C0F-4D67-8BE0-B9A90919E07D}" destId="{9865E62D-BAAD-460E-8F52-D5F4617B4A1C}" srcOrd="0" destOrd="0" presId="urn:microsoft.com/office/officeart/2016/7/layout/ChevronBlockProcess"/>
-    <dgm:cxn modelId="{A291C539-620B-4E97-98F4-D33BBE205CEF}" type="presOf" srcId="{65A32F56-FFBA-4E66-A2AC-D99E83528F0C}" destId="{3DE15086-F8DC-4323-95A7-8F4F3BDAD0C3}" srcOrd="0" destOrd="0" presId="urn:microsoft.com/office/officeart/2016/7/layout/ChevronBlockProcess"/>
+    <dgm:cxn modelId="{7C4C0517-2130-4EA2-A807-980E286F4824}" srcId="{1137F308-DD41-4461-B1E7-95E29DDA4323}" destId="{739D88F3-1E10-47A5-90F4-DDC650273AEC}" srcOrd="0" destOrd="0" parTransId="{28CE9ED2-EF3A-41DD-8967-3BECFF7716FE}" sibTransId="{0A0CF397-9708-4F2A-A49C-3C2E53276655}"/>
+    <dgm:cxn modelId="{59868628-9EC7-4F98-8BC8-265BAB6F4D7F}" type="presOf" srcId="{65A32F56-FFBA-4E66-A2AC-D99E83528F0C}" destId="{3DE15086-F8DC-4323-95A7-8F4F3BDAD0C3}" srcOrd="0" destOrd="0" presId="urn:microsoft.com/office/officeart/2016/7/layout/ChevronBlockProcess"/>
+    <dgm:cxn modelId="{285C2939-06C3-4844-BFAC-15D081824A38}" type="presOf" srcId="{34185EF5-50F3-44D7-9132-CDFF3EF6C27A}" destId="{9301E6A2-92F8-4CF4-9DB4-161729A64B0F}" srcOrd="0" destOrd="0" presId="urn:microsoft.com/office/officeart/2016/7/layout/ChevronBlockProcess"/>
     <dgm:cxn modelId="{C4B4893B-F92A-4799-8D33-30B32B764087}" srcId="{74BD9F29-841E-4744-A2A6-A357310502C1}" destId="{E8B6B01E-D6B8-49D9-8FAD-5E371DE74BB0}" srcOrd="1" destOrd="0" parTransId="{B2248585-A79C-4CDA-9289-27E370944C1A}" sibTransId="{0CC398EB-F978-4BF3-855C-8AABD939A45C}"/>
     <dgm:cxn modelId="{8F11305F-C928-4A4C-8ADD-9AB246EDCE36}" srcId="{319F0DBC-5E89-4AB8-8921-2DD67018375A}" destId="{177B6383-68D4-4F8E-B50D-328BEB536FDF}" srcOrd="0" destOrd="0" parTransId="{71C1D739-5761-4FD0-84C8-0A4ED9F779E4}" sibTransId="{55E62B3B-99F6-4A31-B0EC-80D7E84FE36A}"/>
-    <dgm:cxn modelId="{9C443664-558C-4D55-807E-E21F1D19F8EF}" type="presOf" srcId="{E8B6B01E-D6B8-49D9-8FAD-5E371DE74BB0}" destId="{7B2F2EAF-8610-4DC9-B1C8-9E4E33D97A56}" srcOrd="0" destOrd="0" presId="urn:microsoft.com/office/officeart/2016/7/layout/ChevronBlockProcess"/>
+    <dgm:cxn modelId="{BCEF4C61-7C7E-4ACB-9064-01E78219387D}" type="presOf" srcId="{A1B8C60C-7FE3-4849-B298-3BBC4A7D7281}" destId="{CAC99054-4D22-459A-BA4A-E4EA5D24FE8A}" srcOrd="0" destOrd="0" presId="urn:microsoft.com/office/officeart/2016/7/layout/ChevronBlockProcess"/>
+    <dgm:cxn modelId="{7396C742-8E4D-4E02-B244-25F776DC04D2}" type="presOf" srcId="{C8A354FF-D529-4C18-B368-6BE9B7856A8A}" destId="{D733675F-B879-49BD-A715-8A27284F454A}" srcOrd="0" destOrd="0" presId="urn:microsoft.com/office/officeart/2016/7/layout/ChevronBlockProcess"/>
+    <dgm:cxn modelId="{FB98B944-2B08-4725-BA55-BFBFF052C446}" type="presOf" srcId="{E8B6B01E-D6B8-49D9-8FAD-5E371DE74BB0}" destId="{7B2F2EAF-8610-4DC9-B1C8-9E4E33D97A56}" srcOrd="0" destOrd="0" presId="urn:microsoft.com/office/officeart/2016/7/layout/ChevronBlockProcess"/>
+    <dgm:cxn modelId="{FBC47945-67EA-47B3-B6DB-5190AEE8B781}" type="presOf" srcId="{739D88F3-1E10-47A5-90F4-DDC650273AEC}" destId="{E7AEFFD8-1F05-46A1-8942-FCB664D4D485}" srcOrd="0" destOrd="0" presId="urn:microsoft.com/office/officeart/2016/7/layout/ChevronBlockProcess"/>
     <dgm:cxn modelId="{7E0C0A66-77C1-46AE-99D1-A26D1CD27809}" srcId="{74BD9F29-841E-4744-A2A6-A357310502C1}" destId="{319F0DBC-5E89-4AB8-8921-2DD67018375A}" srcOrd="4" destOrd="0" parTransId="{FD83D764-6A68-47C5-906E-65E58024CF44}" sibTransId="{8FF0F7FF-01B2-437E-BF0C-A3809E2BEC3D}"/>
     <dgm:cxn modelId="{4ED17366-B183-4263-A6C2-6DEFF1136291}" type="presOf" srcId="{74BD9F29-841E-4744-A2A6-A357310502C1}" destId="{A72AA21A-C1EE-4838-ADC3-60B0FF1E405B}" srcOrd="0" destOrd="0" presId="urn:microsoft.com/office/officeart/2016/7/layout/ChevronBlockProcess"/>
+    <dgm:cxn modelId="{6C721C67-2116-432A-8342-2144770A5104}" srcId="{74BD9F29-841E-4744-A2A6-A357310502C1}" destId="{1137F308-DD41-4461-B1E7-95E29DDA4323}" srcOrd="2" destOrd="0" parTransId="{AD243DC1-F7B5-4191-9B3D-3AD6C99CE63B}" sibTransId="{8A5B1212-8236-47E0-A562-4874A3BE71AA}"/>
+    <dgm:cxn modelId="{95644171-0B3F-4795-B9CD-94C5A7073008}" type="presOf" srcId="{1137F308-DD41-4461-B1E7-95E29DDA4323}" destId="{D4F84793-0769-4FB8-B78C-E93C7846ABBB}" srcOrd="0" destOrd="0" presId="urn:microsoft.com/office/officeart/2016/7/layout/ChevronBlockProcess"/>
     <dgm:cxn modelId="{EE82F78B-224A-4BE9-80BD-84EFD67DC985}" srcId="{74BD9F29-841E-4744-A2A6-A357310502C1}" destId="{A1B8C60C-7FE3-4849-B298-3BBC4A7D7281}" srcOrd="5" destOrd="0" parTransId="{8AF2A14B-A4AF-4727-9D7C-5AFFA4277C6E}" sibTransId="{FD7891DE-DF2D-4A56-99C7-86020DFDE4DB}"/>
+    <dgm:cxn modelId="{BB29FA95-EE70-491F-B2EA-CBC6FB1CF0C2}" type="presOf" srcId="{177B6383-68D4-4F8E-B50D-328BEB536FDF}" destId="{127137F1-1257-4E3D-B3BC-CBB9FD586019}" srcOrd="0" destOrd="0" presId="urn:microsoft.com/office/officeart/2016/7/layout/ChevronBlockProcess"/>
+    <dgm:cxn modelId="{4958E99B-D424-4B45-950E-AB2A958111A1}" type="presOf" srcId="{7063B249-1C0F-4D67-8BE0-B9A90919E07D}" destId="{9865E62D-BAAD-460E-8F52-D5F4617B4A1C}" srcOrd="0" destOrd="0" presId="urn:microsoft.com/office/officeart/2016/7/layout/ChevronBlockProcess"/>
     <dgm:cxn modelId="{1099BD9E-CDD4-4424-BD93-CB1B600C4071}" srcId="{74BD9F29-841E-4744-A2A6-A357310502C1}" destId="{B0BEBE0D-0426-4D8D-AFFA-032B4DC72771}" srcOrd="3" destOrd="0" parTransId="{A7CD12D8-8EF2-4C10-83CD-560D9B69E43E}" sibTransId="{E53B8F1E-9CD9-46F6-83A5-F894E1BB3153}"/>
-    <dgm:cxn modelId="{F76928A3-FC9F-48AF-8E29-51D61335EB82}" type="presOf" srcId="{739D88F3-1E10-47A5-90F4-DDC650273AEC}" destId="{1C5EC7DC-DF21-41DE-B8B3-EED110D11954}" srcOrd="0" destOrd="0" presId="urn:microsoft.com/office/officeart/2016/7/layout/ChevronBlockProcess"/>
     <dgm:cxn modelId="{A55FBCA4-E609-4014-826C-0D9959F289F1}" srcId="{E679CB7F-0EC5-4B1A-B66B-97AE1C8DAE0D}" destId="{C8A354FF-D529-4C18-B368-6BE9B7856A8A}" srcOrd="0" destOrd="0" parTransId="{C9F27CA6-7768-4591-A4FA-E2874F03AF6B}" sibTransId="{2BEEAD15-59D7-4DE0-A875-69D39197EB70}"/>
-    <dgm:cxn modelId="{3BBD0BBB-A6C9-45DC-A435-7D8D74D50D3C}" type="presOf" srcId="{C8A354FF-D529-4C18-B368-6BE9B7856A8A}" destId="{D733675F-B879-49BD-A715-8A27284F454A}" srcOrd="0" destOrd="0" presId="urn:microsoft.com/office/officeart/2016/7/layout/ChevronBlockProcess"/>
+    <dgm:cxn modelId="{4E6A15AD-53F2-49E9-818E-E9F1423D4EED}" type="presOf" srcId="{E679CB7F-0EC5-4B1A-B66B-97AE1C8DAE0D}" destId="{3FB81F9A-9101-4634-95F3-90E526C7215D}" srcOrd="0" destOrd="0" presId="urn:microsoft.com/office/officeart/2016/7/layout/ChevronBlockProcess"/>
+    <dgm:cxn modelId="{47AA0EC6-D804-41B7-B408-F872E2D02270}" type="presOf" srcId="{319F0DBC-5E89-4AB8-8921-2DD67018375A}" destId="{A81DD7F7-7048-4B36-B578-47D266510B3E}" srcOrd="0" destOrd="0" presId="urn:microsoft.com/office/officeart/2016/7/layout/ChevronBlockProcess"/>
     <dgm:cxn modelId="{5FA945C8-4AB2-4261-8BD2-8F11971933CA}" srcId="{E8B6B01E-D6B8-49D9-8FAD-5E371DE74BB0}" destId="{7063B249-1C0F-4D67-8BE0-B9A90919E07D}" srcOrd="0" destOrd="0" parTransId="{F8AE0501-8BB0-4757-9574-68E0CF36CD4F}" sibTransId="{1B81C672-D373-4646-B838-9ECB464D13A1}"/>
     <dgm:cxn modelId="{AB058DDF-6F31-4640-92C6-B8DD9BFE2DF8}" srcId="{A1B8C60C-7FE3-4849-B298-3BBC4A7D7281}" destId="{34185EF5-50F3-44D7-9132-CDFF3EF6C27A}" srcOrd="0" destOrd="0" parTransId="{7B747D64-A6E3-4461-9013-4ACE02A1EB13}" sibTransId="{D5428A11-D47D-417D-A883-609DFA98DB35}"/>
-    <dgm:cxn modelId="{270103E4-36A5-43FA-8A8D-6FFC93C30A58}" type="presOf" srcId="{A1B8C60C-7FE3-4849-B298-3BBC4A7D7281}" destId="{CAC99054-4D22-459A-BA4A-E4EA5D24FE8A}" srcOrd="0" destOrd="0" presId="urn:microsoft.com/office/officeart/2016/7/layout/ChevronBlockProcess"/>
-    <dgm:cxn modelId="{7EFD3EE7-CE66-4B87-A7F7-33261EF81058}" type="presOf" srcId="{319F0DBC-5E89-4AB8-8921-2DD67018375A}" destId="{A81DD7F7-7048-4B36-B578-47D266510B3E}" srcOrd="0" destOrd="0" presId="urn:microsoft.com/office/officeart/2016/7/layout/ChevronBlockProcess"/>
-    <dgm:cxn modelId="{1F896EEF-E3D2-4AA4-89C2-9C216415D93C}" srcId="{74BD9F29-841E-4744-A2A6-A357310502C1}" destId="{F226FA51-16FD-4895-A268-F589EC2C0E05}" srcOrd="2" destOrd="0" parTransId="{857FEB2C-7431-4A1A-B5E7-A4D89FB0CC06}" sibTransId="{C4264290-7C97-4835-930A-DF6D56742F53}"/>
+    <dgm:cxn modelId="{2E41A5E1-BFEC-4308-81F4-EE0A71BC1E92}" type="presOf" srcId="{B0BEBE0D-0426-4D8D-AFFA-032B4DC72771}" destId="{5A4EA1AD-6123-42BB-83C9-01F7F3CDAE01}" srcOrd="0" destOrd="0" presId="urn:microsoft.com/office/officeart/2016/7/layout/ChevronBlockProcess"/>
     <dgm:cxn modelId="{608BA3FC-857D-4DC2-A844-8E8D9EA0C554}" srcId="{B0BEBE0D-0426-4D8D-AFFA-032B4DC72771}" destId="{65A32F56-FFBA-4E66-A2AC-D99E83528F0C}" srcOrd="0" destOrd="0" parTransId="{1B5831F6-A5BC-4F34-BAA6-E1396EDA835A}" sibTransId="{ED7B0605-47FC-4AE1-8563-E9986F1C025D}"/>
-    <dgm:cxn modelId="{7D495E43-6B25-4558-8E35-CA7BE2E60350}" type="presParOf" srcId="{A72AA21A-C1EE-4838-ADC3-60B0FF1E405B}" destId="{642263DD-9088-4AFF-AA2D-77D6620603D1}" srcOrd="0" destOrd="0" presId="urn:microsoft.com/office/officeart/2016/7/layout/ChevronBlockProcess"/>
-    <dgm:cxn modelId="{3228EFB4-F200-429F-976D-F09ED0FEAA78}" type="presParOf" srcId="{642263DD-9088-4AFF-AA2D-77D6620603D1}" destId="{3FB81F9A-9101-4634-95F3-90E526C7215D}" srcOrd="0" destOrd="0" presId="urn:microsoft.com/office/officeart/2016/7/layout/ChevronBlockProcess"/>
-    <dgm:cxn modelId="{885644FE-D392-4F18-ABD2-211E62D04B7F}" type="presParOf" srcId="{642263DD-9088-4AFF-AA2D-77D6620603D1}" destId="{D733675F-B879-49BD-A715-8A27284F454A}" srcOrd="1" destOrd="0" presId="urn:microsoft.com/office/officeart/2016/7/layout/ChevronBlockProcess"/>
-    <dgm:cxn modelId="{C0091952-F81F-426A-BF58-FED2A332BC50}" type="presParOf" srcId="{A72AA21A-C1EE-4838-ADC3-60B0FF1E405B}" destId="{35ADCD41-8349-4E8E-B7ED-C957140D1E43}" srcOrd="1" destOrd="0" presId="urn:microsoft.com/office/officeart/2016/7/layout/ChevronBlockProcess"/>
-    <dgm:cxn modelId="{EAE9E318-E10D-4463-AFD4-81A6DF66FE2C}" type="presParOf" srcId="{A72AA21A-C1EE-4838-ADC3-60B0FF1E405B}" destId="{8B6DD8DB-B030-4092-A192-B03277C2DA31}" srcOrd="2" destOrd="0" presId="urn:microsoft.com/office/officeart/2016/7/layout/ChevronBlockProcess"/>
-    <dgm:cxn modelId="{3E7EAAF7-57B5-45A7-AFDB-CB85B16F69C1}" type="presParOf" srcId="{8B6DD8DB-B030-4092-A192-B03277C2DA31}" destId="{7B2F2EAF-8610-4DC9-B1C8-9E4E33D97A56}" srcOrd="0" destOrd="0" presId="urn:microsoft.com/office/officeart/2016/7/layout/ChevronBlockProcess"/>
-    <dgm:cxn modelId="{303F99B1-3C91-4086-B821-C94C10EFD704}" type="presParOf" srcId="{8B6DD8DB-B030-4092-A192-B03277C2DA31}" destId="{9865E62D-BAAD-460E-8F52-D5F4617B4A1C}" srcOrd="1" destOrd="0" presId="urn:microsoft.com/office/officeart/2016/7/layout/ChevronBlockProcess"/>
-    <dgm:cxn modelId="{3FD37337-310F-4ABB-A3FD-A9EA0B9EB2F4}" type="presParOf" srcId="{A72AA21A-C1EE-4838-ADC3-60B0FF1E405B}" destId="{C86157D2-5FB4-410F-ABF3-1A233904C7C2}" srcOrd="3" destOrd="0" presId="urn:microsoft.com/office/officeart/2016/7/layout/ChevronBlockProcess"/>
-    <dgm:cxn modelId="{B90CED12-CE7F-4BF4-B430-6F8075BB4056}" type="presParOf" srcId="{A72AA21A-C1EE-4838-ADC3-60B0FF1E405B}" destId="{A0E4728F-445B-47D1-AD45-C860E4C11D26}" srcOrd="4" destOrd="0" presId="urn:microsoft.com/office/officeart/2016/7/layout/ChevronBlockProcess"/>
-    <dgm:cxn modelId="{A45CB8CD-98B9-49A9-97F6-7CD76FCC7DB8}" type="presParOf" srcId="{A0E4728F-445B-47D1-AD45-C860E4C11D26}" destId="{B43C67AC-27E4-4561-9945-BA3980B01CB6}" srcOrd="0" destOrd="0" presId="urn:microsoft.com/office/officeart/2016/7/layout/ChevronBlockProcess"/>
-    <dgm:cxn modelId="{17595DAC-C346-4E6A-B0B7-D91B003C052C}" type="presParOf" srcId="{A0E4728F-445B-47D1-AD45-C860E4C11D26}" destId="{1C5EC7DC-DF21-41DE-B8B3-EED110D11954}" srcOrd="1" destOrd="0" presId="urn:microsoft.com/office/officeart/2016/7/layout/ChevronBlockProcess"/>
-    <dgm:cxn modelId="{AC6E62FB-01FE-4FD5-BAA1-C4E210B9058A}" type="presParOf" srcId="{A72AA21A-C1EE-4838-ADC3-60B0FF1E405B}" destId="{90F04AE4-14C7-428C-8CB9-7D75AD48D4B1}" srcOrd="5" destOrd="0" presId="urn:microsoft.com/office/officeart/2016/7/layout/ChevronBlockProcess"/>
-    <dgm:cxn modelId="{CD1B79AA-CC3C-4A4F-AEDF-3F2E54D4D3DB}" type="presParOf" srcId="{A72AA21A-C1EE-4838-ADC3-60B0FF1E405B}" destId="{C87AC7D7-9D6C-4883-9D59-6E38029E6B66}" srcOrd="6" destOrd="0" presId="urn:microsoft.com/office/officeart/2016/7/layout/ChevronBlockProcess"/>
-    <dgm:cxn modelId="{679D5BE2-FCAA-4003-822F-122C040CADC8}" type="presParOf" srcId="{C87AC7D7-9D6C-4883-9D59-6E38029E6B66}" destId="{5A4EA1AD-6123-42BB-83C9-01F7F3CDAE01}" srcOrd="0" destOrd="0" presId="urn:microsoft.com/office/officeart/2016/7/layout/ChevronBlockProcess"/>
-    <dgm:cxn modelId="{A7BE3EEC-BE33-4586-A93D-1DA194962719}" type="presParOf" srcId="{C87AC7D7-9D6C-4883-9D59-6E38029E6B66}" destId="{3DE15086-F8DC-4323-95A7-8F4F3BDAD0C3}" srcOrd="1" destOrd="0" presId="urn:microsoft.com/office/officeart/2016/7/layout/ChevronBlockProcess"/>
-    <dgm:cxn modelId="{A2FB8626-B91C-4916-B8B7-A2FE17766CB3}" type="presParOf" srcId="{A72AA21A-C1EE-4838-ADC3-60B0FF1E405B}" destId="{44E1E74F-9F50-4CDD-A862-0C8EEB5944C8}" srcOrd="7" destOrd="0" presId="urn:microsoft.com/office/officeart/2016/7/layout/ChevronBlockProcess"/>
-    <dgm:cxn modelId="{201CD78B-108D-4B63-B88B-AEEC27DF3AC7}" type="presParOf" srcId="{A72AA21A-C1EE-4838-ADC3-60B0FF1E405B}" destId="{A0608930-FFF6-4A1F-9BE3-71568543785A}" srcOrd="8" destOrd="0" presId="urn:microsoft.com/office/officeart/2016/7/layout/ChevronBlockProcess"/>
-    <dgm:cxn modelId="{7BB5584E-0C89-43E8-A782-2433AC495535}" type="presParOf" srcId="{A0608930-FFF6-4A1F-9BE3-71568543785A}" destId="{A81DD7F7-7048-4B36-B578-47D266510B3E}" srcOrd="0" destOrd="0" presId="urn:microsoft.com/office/officeart/2016/7/layout/ChevronBlockProcess"/>
-    <dgm:cxn modelId="{578999FC-A098-4890-B28E-61CFE8159844}" type="presParOf" srcId="{A0608930-FFF6-4A1F-9BE3-71568543785A}" destId="{127137F1-1257-4E3D-B3BC-CBB9FD586019}" srcOrd="1" destOrd="0" presId="urn:microsoft.com/office/officeart/2016/7/layout/ChevronBlockProcess"/>
-    <dgm:cxn modelId="{57FAB186-54DE-4CEE-89F0-4FD9D7DEDC4D}" type="presParOf" srcId="{A72AA21A-C1EE-4838-ADC3-60B0FF1E405B}" destId="{6B8E5208-4AA5-476A-84F3-293D0A6EC06E}" srcOrd="9" destOrd="0" presId="urn:microsoft.com/office/officeart/2016/7/layout/ChevronBlockProcess"/>
-    <dgm:cxn modelId="{71B0825A-576F-46D9-914A-6DDFA403A2B1}" type="presParOf" srcId="{A72AA21A-C1EE-4838-ADC3-60B0FF1E405B}" destId="{AE2FE1BC-401F-464C-B3B9-94F5D54112E7}" srcOrd="10" destOrd="0" presId="urn:microsoft.com/office/officeart/2016/7/layout/ChevronBlockProcess"/>
-    <dgm:cxn modelId="{079770AF-8A47-4CEC-ACF8-2A96BBC7D7C7}" type="presParOf" srcId="{AE2FE1BC-401F-464C-B3B9-94F5D54112E7}" destId="{CAC99054-4D22-459A-BA4A-E4EA5D24FE8A}" srcOrd="0" destOrd="0" presId="urn:microsoft.com/office/officeart/2016/7/layout/ChevronBlockProcess"/>
-    <dgm:cxn modelId="{C0AC3407-5045-445F-BB59-E080F11B45AA}" type="presParOf" srcId="{AE2FE1BC-401F-464C-B3B9-94F5D54112E7}" destId="{9301E6A2-92F8-4CF4-9DB4-161729A64B0F}" srcOrd="1" destOrd="0" presId="urn:microsoft.com/office/officeart/2016/7/layout/ChevronBlockProcess"/>
+    <dgm:cxn modelId="{C6965994-1C18-494B-A44D-EAF092AE402C}" type="presParOf" srcId="{A72AA21A-C1EE-4838-ADC3-60B0FF1E405B}" destId="{642263DD-9088-4AFF-AA2D-77D6620603D1}" srcOrd="0" destOrd="0" presId="urn:microsoft.com/office/officeart/2016/7/layout/ChevronBlockProcess"/>
+    <dgm:cxn modelId="{EA61CE41-972C-4451-B5C1-7000206876E9}" type="presParOf" srcId="{642263DD-9088-4AFF-AA2D-77D6620603D1}" destId="{3FB81F9A-9101-4634-95F3-90E526C7215D}" srcOrd="0" destOrd="0" presId="urn:microsoft.com/office/officeart/2016/7/layout/ChevronBlockProcess"/>
+    <dgm:cxn modelId="{1453D569-C098-4150-9E9C-0C3730F455E3}" type="presParOf" srcId="{642263DD-9088-4AFF-AA2D-77D6620603D1}" destId="{D733675F-B879-49BD-A715-8A27284F454A}" srcOrd="1" destOrd="0" presId="urn:microsoft.com/office/officeart/2016/7/layout/ChevronBlockProcess"/>
+    <dgm:cxn modelId="{79507290-F298-4CE3-BBE3-8BFA8EA74AE9}" type="presParOf" srcId="{A72AA21A-C1EE-4838-ADC3-60B0FF1E405B}" destId="{35ADCD41-8349-4E8E-B7ED-C957140D1E43}" srcOrd="1" destOrd="0" presId="urn:microsoft.com/office/officeart/2016/7/layout/ChevronBlockProcess"/>
+    <dgm:cxn modelId="{4741897A-A651-453E-9B8D-EF6B3B7296B2}" type="presParOf" srcId="{A72AA21A-C1EE-4838-ADC3-60B0FF1E405B}" destId="{8B6DD8DB-B030-4092-A192-B03277C2DA31}" srcOrd="2" destOrd="0" presId="urn:microsoft.com/office/officeart/2016/7/layout/ChevronBlockProcess"/>
+    <dgm:cxn modelId="{1D504FDB-8A21-4E61-BA3C-1DD072309119}" type="presParOf" srcId="{8B6DD8DB-B030-4092-A192-B03277C2DA31}" destId="{7B2F2EAF-8610-4DC9-B1C8-9E4E33D97A56}" srcOrd="0" destOrd="0" presId="urn:microsoft.com/office/officeart/2016/7/layout/ChevronBlockProcess"/>
+    <dgm:cxn modelId="{455BCE88-A49B-4AD6-A649-741FE56402B9}" type="presParOf" srcId="{8B6DD8DB-B030-4092-A192-B03277C2DA31}" destId="{9865E62D-BAAD-460E-8F52-D5F4617B4A1C}" srcOrd="1" destOrd="0" presId="urn:microsoft.com/office/officeart/2016/7/layout/ChevronBlockProcess"/>
+    <dgm:cxn modelId="{BCD2B040-EB39-484F-904B-43E0092C0B03}" type="presParOf" srcId="{A72AA21A-C1EE-4838-ADC3-60B0FF1E405B}" destId="{C86157D2-5FB4-410F-ABF3-1A233904C7C2}" srcOrd="3" destOrd="0" presId="urn:microsoft.com/office/officeart/2016/7/layout/ChevronBlockProcess"/>
+    <dgm:cxn modelId="{0F673A59-121A-4079-A1DF-B8F6C351D931}" type="presParOf" srcId="{A72AA21A-C1EE-4838-ADC3-60B0FF1E405B}" destId="{4558B6E8-8ABA-4CF2-A8DE-4F8EA9475617}" srcOrd="4" destOrd="0" presId="urn:microsoft.com/office/officeart/2016/7/layout/ChevronBlockProcess"/>
+    <dgm:cxn modelId="{C9605B61-2C64-4DAA-8ACA-353FFE045987}" type="presParOf" srcId="{4558B6E8-8ABA-4CF2-A8DE-4F8EA9475617}" destId="{D4F84793-0769-4FB8-B78C-E93C7846ABBB}" srcOrd="0" destOrd="0" presId="urn:microsoft.com/office/officeart/2016/7/layout/ChevronBlockProcess"/>
+    <dgm:cxn modelId="{AC58784E-993D-4718-9FC9-F5F69D0B77D2}" type="presParOf" srcId="{4558B6E8-8ABA-4CF2-A8DE-4F8EA9475617}" destId="{E7AEFFD8-1F05-46A1-8942-FCB664D4D485}" srcOrd="1" destOrd="0" presId="urn:microsoft.com/office/officeart/2016/7/layout/ChevronBlockProcess"/>
+    <dgm:cxn modelId="{F3F7070F-F477-48FD-8A4E-57835B882CC9}" type="presParOf" srcId="{A72AA21A-C1EE-4838-ADC3-60B0FF1E405B}" destId="{CA9F469B-69CB-454E-B369-3CBA76886DB6}" srcOrd="5" destOrd="0" presId="urn:microsoft.com/office/officeart/2016/7/layout/ChevronBlockProcess"/>
+    <dgm:cxn modelId="{129A99D7-1D09-4CB1-AAFB-37D33D613396}" type="presParOf" srcId="{A72AA21A-C1EE-4838-ADC3-60B0FF1E405B}" destId="{C87AC7D7-9D6C-4883-9D59-6E38029E6B66}" srcOrd="6" destOrd="0" presId="urn:microsoft.com/office/officeart/2016/7/layout/ChevronBlockProcess"/>
+    <dgm:cxn modelId="{384A1C46-66DA-4AF9-81DF-28BEAA4E6E74}" type="presParOf" srcId="{C87AC7D7-9D6C-4883-9D59-6E38029E6B66}" destId="{5A4EA1AD-6123-42BB-83C9-01F7F3CDAE01}" srcOrd="0" destOrd="0" presId="urn:microsoft.com/office/officeart/2016/7/layout/ChevronBlockProcess"/>
+    <dgm:cxn modelId="{71DDA907-73C8-4B17-A283-847A5DD3CECD}" type="presParOf" srcId="{C87AC7D7-9D6C-4883-9D59-6E38029E6B66}" destId="{3DE15086-F8DC-4323-95A7-8F4F3BDAD0C3}" srcOrd="1" destOrd="0" presId="urn:microsoft.com/office/officeart/2016/7/layout/ChevronBlockProcess"/>
+    <dgm:cxn modelId="{344D0534-50DC-4DAE-AB1D-3FF4AC8EDF57}" type="presParOf" srcId="{A72AA21A-C1EE-4838-ADC3-60B0FF1E405B}" destId="{44E1E74F-9F50-4CDD-A862-0C8EEB5944C8}" srcOrd="7" destOrd="0" presId="urn:microsoft.com/office/officeart/2016/7/layout/ChevronBlockProcess"/>
+    <dgm:cxn modelId="{200DB95C-1B6A-4E3C-A050-E0A95EF0F1C9}" type="presParOf" srcId="{A72AA21A-C1EE-4838-ADC3-60B0FF1E405B}" destId="{A0608930-FFF6-4A1F-9BE3-71568543785A}" srcOrd="8" destOrd="0" presId="urn:microsoft.com/office/officeart/2016/7/layout/ChevronBlockProcess"/>
+    <dgm:cxn modelId="{29E7A09E-60D9-4919-937A-929BDB904BC1}" type="presParOf" srcId="{A0608930-FFF6-4A1F-9BE3-71568543785A}" destId="{A81DD7F7-7048-4B36-B578-47D266510B3E}" srcOrd="0" destOrd="0" presId="urn:microsoft.com/office/officeart/2016/7/layout/ChevronBlockProcess"/>
+    <dgm:cxn modelId="{09D6323F-9AED-4D3F-BB6C-04512CC6D853}" type="presParOf" srcId="{A0608930-FFF6-4A1F-9BE3-71568543785A}" destId="{127137F1-1257-4E3D-B3BC-CBB9FD586019}" srcOrd="1" destOrd="0" presId="urn:microsoft.com/office/officeart/2016/7/layout/ChevronBlockProcess"/>
+    <dgm:cxn modelId="{679AB1A1-614D-4934-A6F5-4E207AF7D44B}" type="presParOf" srcId="{A72AA21A-C1EE-4838-ADC3-60B0FF1E405B}" destId="{6B8E5208-4AA5-476A-84F3-293D0A6EC06E}" srcOrd="9" destOrd="0" presId="urn:microsoft.com/office/officeart/2016/7/layout/ChevronBlockProcess"/>
+    <dgm:cxn modelId="{03755522-6D39-4EFF-AF27-747EF37A011D}" type="presParOf" srcId="{A72AA21A-C1EE-4838-ADC3-60B0FF1E405B}" destId="{AE2FE1BC-401F-464C-B3B9-94F5D54112E7}" srcOrd="10" destOrd="0" presId="urn:microsoft.com/office/officeart/2016/7/layout/ChevronBlockProcess"/>
+    <dgm:cxn modelId="{CBEF08CA-7999-40A2-8D8E-C11E55575FD1}" type="presParOf" srcId="{AE2FE1BC-401F-464C-B3B9-94F5D54112E7}" destId="{CAC99054-4D22-459A-BA4A-E4EA5D24FE8A}" srcOrd="0" destOrd="0" presId="urn:microsoft.com/office/officeart/2016/7/layout/ChevronBlockProcess"/>
+    <dgm:cxn modelId="{41C850C0-E1FE-48B0-B03F-E2C18768D6AE}" type="presParOf" srcId="{AE2FE1BC-401F-464C-B3B9-94F5D54112E7}" destId="{9301E6A2-92F8-4CF4-9DB4-161729A64B0F}" srcOrd="1" destOrd="0" presId="urn:microsoft.com/office/officeart/2016/7/layout/ChevronBlockProcess"/>
   </dgm:cxnLst>
   <dgm:bg/>
   <dgm:whole/>
@@ -4507,13 +4498,25 @@
           </a:r>
           <a:r>
             <a:rPr lang="en-US" dirty="0"/>
-            <a:t>" branch. In this branch </a:t>
+            <a:t>" branch.</a:t>
           </a:r>
           <a:r>
             <a:rPr lang="en-US" dirty="0">
               <a:latin typeface="Calibri Light" panose="020F0302020204030204"/>
             </a:rPr>
-            <a:t>c</a:t>
+            <a:t> Modify </a:t>
+          </a:r>
+          <a:r>
+            <a:rPr lang="en-US" dirty="0" err="1">
+              <a:latin typeface="Calibri Light" panose="020F0302020204030204"/>
+            </a:rPr>
+            <a:t>a.tx</a:t>
+          </a:r>
+          <a:r>
+            <a:rPr lang="en-US" dirty="0">
+              <a:latin typeface="Calibri Light" panose="020F0302020204030204"/>
+            </a:rPr>
+            <a:t> and/or b.txt files and replace the c</a:t>
           </a:r>
           <a:r>
             <a:rPr lang="en-US" dirty="0"/>
@@ -4523,12 +4526,9 @@
             <a:rPr lang="en-US" dirty="0">
               <a:latin typeface="Calibri Light" panose="020F0302020204030204"/>
             </a:rPr>
-            <a:t>pdf file</a:t>
+            <a:t>pdf file with another pdf (maintaining the same name)</a:t>
           </a:r>
-          <a:r>
-            <a:rPr lang="en-US" dirty="0"/>
-            <a:t> have been modified</a:t>
-          </a:r>
+          <a:endParaRPr lang="en-US" dirty="0"/>
         </a:p>
       </dgm:t>
     </dgm:pt>
@@ -5752,16 +5752,20 @@
           </a:pPr>
           <a:r>
             <a:rPr lang="en-US" sz="1100" kern="1200" dirty="0"/>
-            <a:t>Fork and clone the </a:t>
+            <a:t>F</a:t>
           </a:r>
           <a:r>
-            <a:rPr lang="en-US" sz="1100" kern="1200" dirty="0">
+            <a:rPr lang="en-US" sz="1100" b="0" kern="1200" dirty="0"/>
+            <a:t>ork and clone the </a:t>
+          </a:r>
+          <a:r>
+            <a:rPr lang="en-US" sz="1100" b="0" kern="1200" dirty="0">
               <a:hlinkClick xmlns:r="http://schemas.openxmlformats.org/officeDocument/2006/relationships" r:id="rId1"/>
             </a:rPr>
             <a:t>repo</a:t>
           </a:r>
           <a:r>
-            <a:rPr lang="en-US" sz="1100" kern="1200" dirty="0"/>
+            <a:rPr lang="en-US" sz="1100" b="0" kern="1200" dirty="0"/>
             <a:t> </a:t>
           </a:r>
         </a:p>
@@ -5927,7 +5931,7 @@
             <a:rPr lang="en-US" sz="1100" kern="1200" dirty="0">
               <a:latin typeface="Calibri Light" panose="020F0302020204030204"/>
             </a:rPr>
-            <a:t>Switch to the "hands-on-1" branch. In this branch a.txt and b.txt files have been modified</a:t>
+            <a:t>Switch to the "hands-on-1" branch. Modify a.txt and/or b.txt files </a:t>
           </a:r>
         </a:p>
       </dsp:txBody>
@@ -5936,7 +5940,7 @@
         <a:ext cx="1268747" cy="1472971"/>
       </dsp:txXfrm>
     </dsp:sp>
-    <dsp:sp modelId="{B43C67AC-27E4-4561-9945-BA3980B01CB6}">
+    <dsp:sp modelId="{D4F84793-0769-4FB8-B78C-E93C7846ABBB}">
       <dsp:nvSpPr>
         <dsp:cNvPr id="0" name=""/>
         <dsp:cNvSpPr/>
@@ -6016,7 +6020,7 @@
         <a:ext cx="1143268" cy="418268"/>
       </dsp:txXfrm>
     </dsp:sp>
-    <dsp:sp modelId="{1C5EC7DC-DF21-41DE-B8B3-EED110D11954}">
+    <dsp:sp modelId="{E7AEFFD8-1F05-46A1-8942-FCB664D4D485}">
       <dsp:nvSpPr>
         <dsp:cNvPr id="0" name=""/>
         <dsp:cNvSpPr/>
@@ -7334,7 +7338,7 @@
       </dsp:nvSpPr>
       <dsp:spPr>
         <a:xfrm>
-          <a:off x="4388" y="630413"/>
+          <a:off x="4388" y="515369"/>
           <a:ext cx="1394228" cy="418268"/>
         </a:xfrm>
         <a:prstGeom prst="chevron">
@@ -7403,7 +7407,7 @@
         </a:p>
       </dsp:txBody>
       <dsp:txXfrm>
-        <a:off x="129868" y="630413"/>
+        <a:off x="129868" y="515369"/>
         <a:ext cx="1143268" cy="418268"/>
       </dsp:txXfrm>
     </dsp:sp>
@@ -7414,8 +7418,8 @@
       </dsp:nvSpPr>
       <dsp:spPr>
         <a:xfrm>
-          <a:off x="4388" y="1048681"/>
-          <a:ext cx="1268747" cy="1472971"/>
+          <a:off x="4388" y="933637"/>
+          <a:ext cx="1268747" cy="1703058"/>
         </a:xfrm>
         <a:prstGeom prst="rect">
           <a:avLst/>
@@ -7493,8 +7497,8 @@
         </a:p>
       </dsp:txBody>
       <dsp:txXfrm>
-        <a:off x="4388" y="1048681"/>
-        <a:ext cx="1268747" cy="1472971"/>
+        <a:off x="4388" y="933637"/>
+        <a:ext cx="1268747" cy="1703058"/>
       </dsp:txXfrm>
     </dsp:sp>
     <dsp:sp modelId="{7B2F2EAF-8610-4DC9-B1C8-9E4E33D97A56}">
@@ -7504,7 +7508,7 @@
       </dsp:nvSpPr>
       <dsp:spPr>
         <a:xfrm>
-          <a:off x="1357767" y="630413"/>
+          <a:off x="1357767" y="515369"/>
           <a:ext cx="1394228" cy="418268"/>
         </a:xfrm>
         <a:prstGeom prst="chevron">
@@ -7576,7 +7580,7 @@
         </a:p>
       </dsp:txBody>
       <dsp:txXfrm>
-        <a:off x="1483247" y="630413"/>
+        <a:off x="1483247" y="515369"/>
         <a:ext cx="1143268" cy="418268"/>
       </dsp:txXfrm>
     </dsp:sp>
@@ -7587,8 +7591,8 @@
       </dsp:nvSpPr>
       <dsp:spPr>
         <a:xfrm>
-          <a:off x="1357767" y="1048681"/>
-          <a:ext cx="1268747" cy="1472971"/>
+          <a:off x="1357767" y="933637"/>
+          <a:ext cx="1268747" cy="1703058"/>
         </a:xfrm>
         <a:prstGeom prst="rect">
           <a:avLst/>
@@ -7661,13 +7665,25 @@
           </a:r>
           <a:r>
             <a:rPr lang="en-US" sz="1100" kern="1200" dirty="0"/>
-            <a:t>" branch. In this branch </a:t>
+            <a:t>" branch.</a:t>
           </a:r>
           <a:r>
             <a:rPr lang="en-US" sz="1100" kern="1200" dirty="0">
               <a:latin typeface="Calibri Light" panose="020F0302020204030204"/>
             </a:rPr>
-            <a:t>c</a:t>
+            <a:t> Modify </a:t>
+          </a:r>
+          <a:r>
+            <a:rPr lang="en-US" sz="1100" kern="1200" dirty="0" err="1">
+              <a:latin typeface="Calibri Light" panose="020F0302020204030204"/>
+            </a:rPr>
+            <a:t>a.tx</a:t>
+          </a:r>
+          <a:r>
+            <a:rPr lang="en-US" sz="1100" kern="1200" dirty="0">
+              <a:latin typeface="Calibri Light" panose="020F0302020204030204"/>
+            </a:rPr>
+            <a:t> and/or b.txt files and replace the c</a:t>
           </a:r>
           <a:r>
             <a:rPr lang="en-US" sz="1100" kern="1200" dirty="0"/>
@@ -7677,17 +7693,14 @@
             <a:rPr lang="en-US" sz="1100" kern="1200" dirty="0">
               <a:latin typeface="Calibri Light" panose="020F0302020204030204"/>
             </a:rPr>
-            <a:t>pdf file</a:t>
+            <a:t>pdf file with another pdf (maintaining the same name)</a:t>
           </a:r>
-          <a:r>
-            <a:rPr lang="en-US" sz="1100" kern="1200" dirty="0"/>
-            <a:t> have been modified</a:t>
-          </a:r>
+          <a:endParaRPr lang="en-US" sz="1100" kern="1200" dirty="0"/>
         </a:p>
       </dsp:txBody>
       <dsp:txXfrm>
-        <a:off x="1357767" y="1048681"/>
-        <a:ext cx="1268747" cy="1472971"/>
+        <a:off x="1357767" y="933637"/>
+        <a:ext cx="1268747" cy="1703058"/>
       </dsp:txXfrm>
     </dsp:sp>
     <dsp:sp modelId="{B43C67AC-27E4-4561-9945-BA3980B01CB6}">
@@ -7697,7 +7710,7 @@
       </dsp:nvSpPr>
       <dsp:spPr>
         <a:xfrm>
-          <a:off x="2711146" y="630413"/>
+          <a:off x="2711146" y="515369"/>
           <a:ext cx="1394228" cy="418268"/>
         </a:xfrm>
         <a:prstGeom prst="chevron">
@@ -7766,7 +7779,7 @@
         </a:p>
       </dsp:txBody>
       <dsp:txXfrm>
-        <a:off x="2836626" y="630413"/>
+        <a:off x="2836626" y="515369"/>
         <a:ext cx="1143268" cy="418268"/>
       </dsp:txXfrm>
     </dsp:sp>
@@ -7777,8 +7790,8 @@
       </dsp:nvSpPr>
       <dsp:spPr>
         <a:xfrm>
-          <a:off x="2711146" y="1048681"/>
-          <a:ext cx="1268747" cy="1472971"/>
+          <a:off x="2711146" y="933637"/>
+          <a:ext cx="1268747" cy="1703058"/>
         </a:xfrm>
         <a:prstGeom prst="rect">
           <a:avLst/>
@@ -7846,8 +7859,8 @@
         </a:p>
       </dsp:txBody>
       <dsp:txXfrm>
-        <a:off x="2711146" y="1048681"/>
-        <a:ext cx="1268747" cy="1472971"/>
+        <a:off x="2711146" y="933637"/>
+        <a:ext cx="1268747" cy="1703058"/>
       </dsp:txXfrm>
     </dsp:sp>
     <dsp:sp modelId="{5A4EA1AD-6123-42BB-83C9-01F7F3CDAE01}">
@@ -7857,7 +7870,7 @@
       </dsp:nvSpPr>
       <dsp:spPr>
         <a:xfrm>
-          <a:off x="4064525" y="630413"/>
+          <a:off x="4064525" y="515369"/>
           <a:ext cx="1394228" cy="418268"/>
         </a:xfrm>
         <a:prstGeom prst="chevron">
@@ -7926,7 +7939,7 @@
         </a:p>
       </dsp:txBody>
       <dsp:txXfrm>
-        <a:off x="4190005" y="630413"/>
+        <a:off x="4190005" y="515369"/>
         <a:ext cx="1143268" cy="418268"/>
       </dsp:txXfrm>
     </dsp:sp>
@@ -7937,8 +7950,8 @@
       </dsp:nvSpPr>
       <dsp:spPr>
         <a:xfrm>
-          <a:off x="4064525" y="1048681"/>
-          <a:ext cx="1268747" cy="1472971"/>
+          <a:off x="4064525" y="933637"/>
+          <a:ext cx="1268747" cy="1703058"/>
         </a:xfrm>
         <a:prstGeom prst="rect">
           <a:avLst/>
@@ -8006,8 +8019,8 @@
         </a:p>
       </dsp:txBody>
       <dsp:txXfrm>
-        <a:off x="4064525" y="1048681"/>
-        <a:ext cx="1268747" cy="1472971"/>
+        <a:off x="4064525" y="933637"/>
+        <a:ext cx="1268747" cy="1703058"/>
       </dsp:txXfrm>
     </dsp:sp>
     <dsp:sp modelId="{A81DD7F7-7048-4B36-B578-47D266510B3E}">
@@ -8017,7 +8030,7 @@
       </dsp:nvSpPr>
       <dsp:spPr>
         <a:xfrm>
-          <a:off x="5417904" y="630413"/>
+          <a:off x="5417904" y="515369"/>
           <a:ext cx="1394228" cy="418268"/>
         </a:xfrm>
         <a:prstGeom prst="chevron">
@@ -8089,7 +8102,7 @@
         </a:p>
       </dsp:txBody>
       <dsp:txXfrm>
-        <a:off x="5543384" y="630413"/>
+        <a:off x="5543384" y="515369"/>
         <a:ext cx="1143268" cy="418268"/>
       </dsp:txXfrm>
     </dsp:sp>
@@ -8100,8 +8113,8 @@
       </dsp:nvSpPr>
       <dsp:spPr>
         <a:xfrm>
-          <a:off x="5417904" y="1048681"/>
-          <a:ext cx="1268747" cy="1472971"/>
+          <a:off x="5417904" y="933637"/>
+          <a:ext cx="1268747" cy="1703058"/>
         </a:xfrm>
         <a:prstGeom prst="rect">
           <a:avLst/>
@@ -8169,8 +8182,8 @@
         </a:p>
       </dsp:txBody>
       <dsp:txXfrm>
-        <a:off x="5417904" y="1048681"/>
-        <a:ext cx="1268747" cy="1472971"/>
+        <a:off x="5417904" y="933637"/>
+        <a:ext cx="1268747" cy="1703058"/>
       </dsp:txXfrm>
     </dsp:sp>
     <dsp:sp modelId="{CAC99054-4D22-459A-BA4A-E4EA5D24FE8A}">
@@ -8180,7 +8193,7 @@
       </dsp:nvSpPr>
       <dsp:spPr>
         <a:xfrm>
-          <a:off x="6771283" y="630413"/>
+          <a:off x="6771283" y="515369"/>
           <a:ext cx="1394228" cy="418268"/>
         </a:xfrm>
         <a:prstGeom prst="chevron">
@@ -8252,7 +8265,7 @@
         </a:p>
       </dsp:txBody>
       <dsp:txXfrm>
-        <a:off x="6896763" y="630413"/>
+        <a:off x="6896763" y="515369"/>
         <a:ext cx="1143268" cy="418268"/>
       </dsp:txXfrm>
     </dsp:sp>
@@ -8263,8 +8276,8 @@
       </dsp:nvSpPr>
       <dsp:spPr>
         <a:xfrm>
-          <a:off x="6771283" y="1048681"/>
-          <a:ext cx="1268747" cy="1472971"/>
+          <a:off x="6771283" y="933637"/>
+          <a:ext cx="1268747" cy="1703058"/>
         </a:xfrm>
         <a:prstGeom prst="rect">
           <a:avLst/>
@@ -8332,8 +8345,8 @@
         </a:p>
       </dsp:txBody>
       <dsp:txXfrm>
-        <a:off x="6771283" y="1048681"/>
-        <a:ext cx="1268747" cy="1472971"/>
+        <a:off x="6771283" y="933637"/>
+        <a:ext cx="1268747" cy="1703058"/>
       </dsp:txXfrm>
     </dsp:sp>
   </dsp:spTree>
@@ -14180,7 +14193,7 @@
           <a:p>
             <a:fld id="{D996A015-6464-43CD-86FB-8401A10589FF}" type="datetimeFigureOut">
               <a:rPr lang="en-US" smtClean="0"/>
-              <a:t>12/14/2020</a:t>
+              <a:t>12/16/2020</a:t>
             </a:fld>
             <a:endParaRPr lang="en-US"/>
           </a:p>
@@ -14378,7 +14391,7 @@
           <a:p>
             <a:fld id="{D996A015-6464-43CD-86FB-8401A10589FF}" type="datetimeFigureOut">
               <a:rPr lang="en-US" smtClean="0"/>
-              <a:t>12/14/2020</a:t>
+              <a:t>12/16/2020</a:t>
             </a:fld>
             <a:endParaRPr lang="en-US"/>
           </a:p>
@@ -14586,7 +14599,7 @@
           <a:p>
             <a:fld id="{D996A015-6464-43CD-86FB-8401A10589FF}" type="datetimeFigureOut">
               <a:rPr lang="en-US" smtClean="0"/>
-              <a:t>12/14/2020</a:t>
+              <a:t>12/16/2020</a:t>
             </a:fld>
             <a:endParaRPr lang="en-US"/>
           </a:p>
@@ -14784,7 +14797,7 @@
           <a:p>
             <a:fld id="{D996A015-6464-43CD-86FB-8401A10589FF}" type="datetimeFigureOut">
               <a:rPr lang="en-US" smtClean="0"/>
-              <a:t>12/14/2020</a:t>
+              <a:t>12/16/2020</a:t>
             </a:fld>
             <a:endParaRPr lang="en-US"/>
           </a:p>
@@ -15059,7 +15072,7 @@
           <a:p>
             <a:fld id="{D996A015-6464-43CD-86FB-8401A10589FF}" type="datetimeFigureOut">
               <a:rPr lang="en-US" smtClean="0"/>
-              <a:t>12/14/2020</a:t>
+              <a:t>12/16/2020</a:t>
             </a:fld>
             <a:endParaRPr lang="en-US"/>
           </a:p>
@@ -15324,7 +15337,7 @@
           <a:p>
             <a:fld id="{D996A015-6464-43CD-86FB-8401A10589FF}" type="datetimeFigureOut">
               <a:rPr lang="en-US" smtClean="0"/>
-              <a:t>12/14/2020</a:t>
+              <a:t>12/16/2020</a:t>
             </a:fld>
             <a:endParaRPr lang="en-US"/>
           </a:p>
@@ -15736,7 +15749,7 @@
           <a:p>
             <a:fld id="{D996A015-6464-43CD-86FB-8401A10589FF}" type="datetimeFigureOut">
               <a:rPr lang="en-US" smtClean="0"/>
-              <a:t>12/14/2020</a:t>
+              <a:t>12/16/2020</a:t>
             </a:fld>
             <a:endParaRPr lang="en-US"/>
           </a:p>
@@ -15877,7 +15890,7 @@
           <a:p>
             <a:fld id="{D996A015-6464-43CD-86FB-8401A10589FF}" type="datetimeFigureOut">
               <a:rPr lang="en-US" smtClean="0"/>
-              <a:t>12/14/2020</a:t>
+              <a:t>12/16/2020</a:t>
             </a:fld>
             <a:endParaRPr lang="en-US"/>
           </a:p>
@@ -15990,7 +16003,7 @@
           <a:p>
             <a:fld id="{D996A015-6464-43CD-86FB-8401A10589FF}" type="datetimeFigureOut">
               <a:rPr lang="en-US" smtClean="0"/>
-              <a:t>12/14/2020</a:t>
+              <a:t>12/16/2020</a:t>
             </a:fld>
             <a:endParaRPr lang="en-US"/>
           </a:p>
@@ -16301,7 +16314,7 @@
           <a:p>
             <a:fld id="{D996A015-6464-43CD-86FB-8401A10589FF}" type="datetimeFigureOut">
               <a:rPr lang="en-US" smtClean="0"/>
-              <a:t>12/14/2020</a:t>
+              <a:t>12/16/2020</a:t>
             </a:fld>
             <a:endParaRPr lang="en-US"/>
           </a:p>
@@ -16589,7 +16602,7 @@
           <a:p>
             <a:fld id="{D996A015-6464-43CD-86FB-8401A10589FF}" type="datetimeFigureOut">
               <a:rPr lang="en-US" smtClean="0"/>
-              <a:t>12/14/2020</a:t>
+              <a:t>12/16/2020</a:t>
             </a:fld>
             <a:endParaRPr lang="en-US"/>
           </a:p>
@@ -16830,7 +16843,7 @@
           <a:p>
             <a:fld id="{D996A015-6464-43CD-86FB-8401A10589FF}" type="datetimeFigureOut">
               <a:rPr lang="en-US" smtClean="0"/>
-              <a:t>12/14/2020</a:t>
+              <a:t>12/16/2020</a:t>
             </a:fld>
             <a:endParaRPr lang="en-US"/>
           </a:p>
@@ -17839,7 +17852,7 @@
                 </a:solidFill>
                 <a:cs typeface="Calibri"/>
               </a:rPr>
-              <a:t>Let's do a practical example</a:t>
+              <a:t>Let's do a practical examples</a:t>
             </a:r>
           </a:p>
           <a:p>

--- a/training-pull-requests.pptx
+++ b/training-pull-requests.pptx
@@ -14193,7 +14193,7 @@
           <a:p>
             <a:fld id="{D996A015-6464-43CD-86FB-8401A10589FF}" type="datetimeFigureOut">
               <a:rPr lang="en-US" smtClean="0"/>
-              <a:t>12/16/2020</a:t>
+              <a:t>12/17/2020</a:t>
             </a:fld>
             <a:endParaRPr lang="en-US"/>
           </a:p>
@@ -14391,7 +14391,7 @@
           <a:p>
             <a:fld id="{D996A015-6464-43CD-86FB-8401A10589FF}" type="datetimeFigureOut">
               <a:rPr lang="en-US" smtClean="0"/>
-              <a:t>12/16/2020</a:t>
+              <a:t>12/17/2020</a:t>
             </a:fld>
             <a:endParaRPr lang="en-US"/>
           </a:p>
@@ -14599,7 +14599,7 @@
           <a:p>
             <a:fld id="{D996A015-6464-43CD-86FB-8401A10589FF}" type="datetimeFigureOut">
               <a:rPr lang="en-US" smtClean="0"/>
-              <a:t>12/16/2020</a:t>
+              <a:t>12/17/2020</a:t>
             </a:fld>
             <a:endParaRPr lang="en-US"/>
           </a:p>
@@ -14797,7 +14797,7 @@
           <a:p>
             <a:fld id="{D996A015-6464-43CD-86FB-8401A10589FF}" type="datetimeFigureOut">
               <a:rPr lang="en-US" smtClean="0"/>
-              <a:t>12/16/2020</a:t>
+              <a:t>12/17/2020</a:t>
             </a:fld>
             <a:endParaRPr lang="en-US"/>
           </a:p>
@@ -15072,7 +15072,7 @@
           <a:p>
             <a:fld id="{D996A015-6464-43CD-86FB-8401A10589FF}" type="datetimeFigureOut">
               <a:rPr lang="en-US" smtClean="0"/>
-              <a:t>12/16/2020</a:t>
+              <a:t>12/17/2020</a:t>
             </a:fld>
             <a:endParaRPr lang="en-US"/>
           </a:p>
@@ -15337,7 +15337,7 @@
           <a:p>
             <a:fld id="{D996A015-6464-43CD-86FB-8401A10589FF}" type="datetimeFigureOut">
               <a:rPr lang="en-US" smtClean="0"/>
-              <a:t>12/16/2020</a:t>
+              <a:t>12/17/2020</a:t>
             </a:fld>
             <a:endParaRPr lang="en-US"/>
           </a:p>
@@ -15749,7 +15749,7 @@
           <a:p>
             <a:fld id="{D996A015-6464-43CD-86FB-8401A10589FF}" type="datetimeFigureOut">
               <a:rPr lang="en-US" smtClean="0"/>
-              <a:t>12/16/2020</a:t>
+              <a:t>12/17/2020</a:t>
             </a:fld>
             <a:endParaRPr lang="en-US"/>
           </a:p>
@@ -15890,7 +15890,7 @@
           <a:p>
             <a:fld id="{D996A015-6464-43CD-86FB-8401A10589FF}" type="datetimeFigureOut">
               <a:rPr lang="en-US" smtClean="0"/>
-              <a:t>12/16/2020</a:t>
+              <a:t>12/17/2020</a:t>
             </a:fld>
             <a:endParaRPr lang="en-US"/>
           </a:p>
@@ -16003,7 +16003,7 @@
           <a:p>
             <a:fld id="{D996A015-6464-43CD-86FB-8401A10589FF}" type="datetimeFigureOut">
               <a:rPr lang="en-US" smtClean="0"/>
-              <a:t>12/16/2020</a:t>
+              <a:t>12/17/2020</a:t>
             </a:fld>
             <a:endParaRPr lang="en-US"/>
           </a:p>
@@ -16314,7 +16314,7 @@
           <a:p>
             <a:fld id="{D996A015-6464-43CD-86FB-8401A10589FF}" type="datetimeFigureOut">
               <a:rPr lang="en-US" smtClean="0"/>
-              <a:t>12/16/2020</a:t>
+              <a:t>12/17/2020</a:t>
             </a:fld>
             <a:endParaRPr lang="en-US"/>
           </a:p>
@@ -16602,7 +16602,7 @@
           <a:p>
             <a:fld id="{D996A015-6464-43CD-86FB-8401A10589FF}" type="datetimeFigureOut">
               <a:rPr lang="en-US" smtClean="0"/>
-              <a:t>12/16/2020</a:t>
+              <a:t>12/17/2020</a:t>
             </a:fld>
             <a:endParaRPr lang="en-US"/>
           </a:p>
@@ -16843,7 +16843,7 @@
           <a:p>
             <a:fld id="{D996A015-6464-43CD-86FB-8401A10589FF}" type="datetimeFigureOut">
               <a:rPr lang="en-US" smtClean="0"/>
-              <a:t>12/16/2020</a:t>
+              <a:t>12/17/2020</a:t>
             </a:fld>
             <a:endParaRPr lang="en-US"/>
           </a:p>
@@ -19804,7 +19804,7 @@
         </p:nvSpPr>
         <p:spPr>
           <a:xfrm>
-            <a:off x="1151744" y="1870023"/>
+            <a:off x="1223466" y="1830358"/>
             <a:ext cx="7390150" cy="4801314"/>
           </a:xfrm>
           <a:prstGeom prst="rect">
@@ -19821,7 +19821,7 @@
           </a:bodyPr>
           <a:lstStyle/>
           <a:p>
-            <a:endParaRPr lang="en-US" b="1" i="1">
+            <a:endParaRPr lang="en-US" b="1" i="1" dirty="0">
               <a:cs typeface="Calibri"/>
             </a:endParaRPr>
           </a:p>
@@ -19861,10 +19861,11 @@
               <a:rPr lang="en-US" dirty="0">
                 <a:ea typeface="+mn-lt"/>
                 <a:cs typeface="+mn-lt"/>
+                <a:hlinkClick r:id="rId3"/>
               </a:rPr>
               <a:t>Assignees</a:t>
             </a:r>
-            <a:endParaRPr lang="en-US">
+            <a:endParaRPr lang="en-US" dirty="0">
               <a:cs typeface="Calibri"/>
             </a:endParaRPr>
           </a:p>
@@ -20078,9 +20079,14 @@
               <a:rPr lang="en-US" dirty="0">
                 <a:ea typeface="+mn-lt"/>
                 <a:cs typeface="+mn-lt"/>
+                <a:hlinkClick r:id="rId4"/>
               </a:rPr>
               <a:t>Ask for a change</a:t>
             </a:r>
+            <a:endParaRPr lang="en-US" dirty="0">
+              <a:ea typeface="+mn-lt"/>
+              <a:cs typeface="+mn-lt"/>
+            </a:endParaRPr>
           </a:p>
           <a:p>
             <a:pPr marL="285750" indent="-285750">
@@ -20104,9 +20110,14 @@
               <a:rPr lang="en-US" dirty="0">
                 <a:ea typeface="+mn-lt"/>
                 <a:cs typeface="+mn-lt"/>
+                <a:hlinkClick r:id="rId5"/>
               </a:rPr>
-              <a:t>Inline comment</a:t>
+              <a:t>Inline comment </a:t>
             </a:r>
+            <a:endParaRPr lang="en-US" dirty="0">
+              <a:ea typeface="+mn-lt"/>
+              <a:cs typeface="+mn-lt"/>
+            </a:endParaRPr>
           </a:p>
           <a:p>
             <a:pPr marL="285750" indent="-285750">
@@ -20117,8 +20128,16 @@
               <a:rPr lang="en-US" dirty="0">
                 <a:ea typeface="+mn-lt"/>
                 <a:cs typeface="+mn-lt"/>
+                <a:hlinkClick r:id="rId6"/>
               </a:rPr>
-              <a:t>Merge a PR : merge, rebase and merge, squash and rebase</a:t>
+              <a:t>Merge a PR</a:t>
+            </a:r>
+            <a:r>
+              <a:rPr lang="en-US" dirty="0">
+                <a:ea typeface="+mn-lt"/>
+                <a:cs typeface="+mn-lt"/>
+              </a:rPr>
+              <a:t> : merge, rebase and merge, squash and rebase</a:t>
             </a:r>
           </a:p>
           <a:p>
@@ -20150,7 +20169,7 @@
           <p:nvPr/>
         </p:nvPicPr>
         <p:blipFill>
-          <a:blip r:embed="rId3"/>
+          <a:blip r:embed="rId7"/>
           <a:stretch>
             <a:fillRect/>
           </a:stretch>
@@ -20180,7 +20199,7 @@
           <p:nvPr/>
         </p:nvPicPr>
         <p:blipFill>
-          <a:blip r:embed="rId4"/>
+          <a:blip r:embed="rId8"/>
           <a:stretch>
             <a:fillRect/>
           </a:stretch>
@@ -20302,7 +20321,7 @@
           <p:nvPr/>
         </p:nvPicPr>
         <p:blipFill>
-          <a:blip r:embed="rId5"/>
+          <a:blip r:embed="rId9"/>
           <a:stretch>
             <a:fillRect/>
           </a:stretch>
@@ -20332,7 +20351,7 @@
           <p:nvPr/>
         </p:nvPicPr>
         <p:blipFill>
-          <a:blip r:embed="rId6"/>
+          <a:blip r:embed="rId10"/>
           <a:stretch>
             <a:fillRect/>
           </a:stretch>
@@ -20781,7 +20800,7 @@
               <a:buFont typeface="Arial" panose="020B0604020202020204" pitchFamily="34" charset="0"/>
               <a:buChar char="•"/>
             </a:pPr>
-            <a:endParaRPr lang="en-US" b="1" i="1"/>
+            <a:endParaRPr lang="en-US" b="1" i="1" dirty="0"/>
           </a:p>
           <a:p>
             <a:pPr indent="-228600">
@@ -20982,7 +21001,7 @@
               <a:buFont typeface="Arial" panose="020B0604020202020204" pitchFamily="34" charset="0"/>
               <a:buChar char="•"/>
             </a:pPr>
-            <a:endParaRPr lang="en-US" b="1"/>
+            <a:endParaRPr lang="en-US" b="1" dirty="0"/>
           </a:p>
           <a:p>
             <a:pPr marL="285750" indent="-228600">
@@ -20995,7 +21014,7 @@
               <a:buFont typeface="Arial" panose="020B0604020202020204" pitchFamily="34" charset="0"/>
               <a:buChar char="•"/>
             </a:pPr>
-            <a:endParaRPr lang="en-US"/>
+            <a:endParaRPr lang="en-US" dirty="0"/>
           </a:p>
           <a:p>
             <a:pPr marL="285750" indent="-228600">
@@ -21008,7 +21027,7 @@
               <a:buFont typeface="Arial" panose="020B0604020202020204" pitchFamily="34" charset="0"/>
               <a:buChar char="•"/>
             </a:pPr>
-            <a:endParaRPr lang="en-US" b="1"/>
+            <a:endParaRPr lang="en-US" b="1" dirty="0"/>
           </a:p>
           <a:p>
             <a:pPr marL="285750" indent="-228600">
@@ -21021,7 +21040,7 @@
               <a:buFont typeface="Arial" panose="020B0604020202020204" pitchFamily="34" charset="0"/>
               <a:buChar char="•"/>
             </a:pPr>
-            <a:endParaRPr lang="en-US"/>
+            <a:endParaRPr lang="en-US" dirty="0"/>
           </a:p>
           <a:p>
             <a:pPr marL="285750" indent="-228600">
@@ -21034,7 +21053,7 @@
               <a:buFont typeface="Arial" panose="020B0604020202020204" pitchFamily="34" charset="0"/>
               <a:buChar char="•"/>
             </a:pPr>
-            <a:endParaRPr lang="en-US"/>
+            <a:endParaRPr lang="en-US" dirty="0"/>
           </a:p>
           <a:p>
             <a:pPr marL="285750" indent="-228600">
@@ -21047,7 +21066,7 @@
               <a:buFont typeface="Arial" panose="020B0604020202020204" pitchFamily="34" charset="0"/>
               <a:buChar char="•"/>
             </a:pPr>
-            <a:endParaRPr lang="en-US"/>
+            <a:endParaRPr lang="en-US" dirty="0"/>
           </a:p>
           <a:p>
             <a:pPr marL="285750" indent="-228600">
@@ -21060,7 +21079,7 @@
               <a:buFont typeface="Arial" panose="020B0604020202020204" pitchFamily="34" charset="0"/>
               <a:buChar char="•"/>
             </a:pPr>
-            <a:endParaRPr lang="en-US"/>
+            <a:endParaRPr lang="en-US" dirty="0"/>
           </a:p>
           <a:p>
             <a:pPr marL="285750" indent="-228600">
@@ -21073,7 +21092,7 @@
               <a:buFont typeface="Arial" panose="020B0604020202020204" pitchFamily="34" charset="0"/>
               <a:buChar char="•"/>
             </a:pPr>
-            <a:endParaRPr lang="en-US"/>
+            <a:endParaRPr lang="en-US" dirty="0"/>
           </a:p>
           <a:p>
             <a:pPr marL="285750" indent="-228600">
@@ -21086,7 +21105,7 @@
               <a:buFont typeface="Arial" panose="020B0604020202020204" pitchFamily="34" charset="0"/>
               <a:buChar char="•"/>
             </a:pPr>
-            <a:endParaRPr lang="en-US"/>
+            <a:endParaRPr lang="en-US" dirty="0"/>
           </a:p>
           <a:p>
             <a:pPr marL="285750" indent="-228600">
@@ -21099,7 +21118,7 @@
               <a:buFont typeface="Arial" panose="020B0604020202020204" pitchFamily="34" charset="0"/>
               <a:buChar char="•"/>
             </a:pPr>
-            <a:endParaRPr lang="en-US"/>
+            <a:endParaRPr lang="en-US" dirty="0"/>
           </a:p>
         </p:txBody>
       </p:sp>

--- a/training-pull-requests.pptx
+++ b/training-pull-requests.pptx
@@ -122,6 +122,7 @@
 <p1510:revInfo xmlns:a="http://schemas.openxmlformats.org/drawingml/2006/main" xmlns:r="http://schemas.openxmlformats.org/officeDocument/2006/relationships" xmlns:p1510="http://schemas.microsoft.com/office/powerpoint/2015/10/main">
   <p1510:revLst>
     <p1510:client id="{15229782-4B9A-7E68-4596-FC5BA2ABDB7A}" v="222" dt="2020-12-01T12:44:57.907"/>
+    <p1510:client id="{58323E3F-ADE9-FBEB-7D46-F0C00BF52E2A}" v="20" dt="2020-12-17T13:00:11.061"/>
     <p1510:client id="{72B65285-DD76-0B0F-4B59-963E989E1D00}" v="159" dt="2020-12-14T16:23:40.892"/>
     <p1510:client id="{7F452304-6D05-BDCF-FEAD-EC30F1164B22}" v="6" dt="2020-12-03T08:11:31.011"/>
     <p1510:client id="{92BE18D3-ED9A-2B3B-077B-C50AA3B29876}" v="16" dt="2020-12-03T15:50:07.863"/>
@@ -21001,7 +21002,25 @@
               <a:buFont typeface="Arial" panose="020B0604020202020204" pitchFamily="34" charset="0"/>
               <a:buChar char="•"/>
             </a:pPr>
-            <a:endParaRPr lang="en-US" b="1" dirty="0"/>
+            <a:r>
+              <a:rPr lang="en-US" dirty="0">
+                <a:cs typeface="Calibri"/>
+              </a:rPr>
+              <a:t>Sync a fork (</a:t>
+            </a:r>
+            <a:r>
+              <a:rPr lang="en-US" dirty="0">
+                <a:cs typeface="Calibri"/>
+                <a:hlinkClick r:id="rId10"/>
+              </a:rPr>
+              <a:t>doc</a:t>
+            </a:r>
+            <a:r>
+              <a:rPr lang="en-US" dirty="0">
+                <a:cs typeface="Calibri"/>
+              </a:rPr>
+              <a:t>)</a:t>
+            </a:r>
           </a:p>
           <a:p>
             <a:pPr marL="285750" indent="-228600">
@@ -21014,7 +21033,9 @@
               <a:buFont typeface="Arial" panose="020B0604020202020204" pitchFamily="34" charset="0"/>
               <a:buChar char="•"/>
             </a:pPr>
-            <a:endParaRPr lang="en-US" dirty="0"/>
+            <a:endParaRPr lang="en-US" b="1" dirty="0">
+              <a:cs typeface="Calibri" panose="020F0502020204030204"/>
+            </a:endParaRPr>
           </a:p>
           <a:p>
             <a:pPr marL="285750" indent="-228600">
@@ -21027,7 +21048,24 @@
               <a:buFont typeface="Arial" panose="020B0604020202020204" pitchFamily="34" charset="0"/>
               <a:buChar char="•"/>
             </a:pPr>
-            <a:endParaRPr lang="en-US" b="1" dirty="0"/>
+            <a:endParaRPr lang="en-US" dirty="0">
+              <a:cs typeface="Calibri" panose="020F0502020204030204"/>
+            </a:endParaRPr>
+          </a:p>
+          <a:p>
+            <a:pPr marL="285750" indent="-228600">
+              <a:lnSpc>
+                <a:spcPct val="90000"/>
+              </a:lnSpc>
+              <a:spcAft>
+                <a:spcPts val="600"/>
+              </a:spcAft>
+              <a:buFont typeface="Arial" panose="020B0604020202020204" pitchFamily="34" charset="0"/>
+              <a:buChar char="•"/>
+            </a:pPr>
+            <a:endParaRPr lang="en-US" b="1" dirty="0">
+              <a:cs typeface="Calibri" panose="020F0502020204030204"/>
+            </a:endParaRPr>
           </a:p>
           <a:p>
             <a:pPr marL="285750" indent="-228600">
@@ -21118,7 +21156,9 @@
               <a:buFont typeface="Arial" panose="020B0604020202020204" pitchFamily="34" charset="0"/>
               <a:buChar char="•"/>
             </a:pPr>
-            <a:endParaRPr lang="en-US" dirty="0"/>
+            <a:endParaRPr lang="en-US" dirty="0">
+              <a:cs typeface="Calibri" panose="020F0502020204030204"/>
+            </a:endParaRPr>
           </a:p>
         </p:txBody>
       </p:sp>
@@ -21137,7 +21177,7 @@
           <p:nvPr/>
         </p:nvPicPr>
         <p:blipFill>
-          <a:blip r:embed="rId10"/>
+          <a:blip r:embed="rId11"/>
           <a:stretch>
             <a:fillRect/>
           </a:stretch>
@@ -21167,7 +21207,7 @@
           <p:nvPr/>
         </p:nvPicPr>
         <p:blipFill>
-          <a:blip r:embed="rId11"/>
+          <a:blip r:embed="rId12"/>
           <a:stretch>
             <a:fillRect/>
           </a:stretch>
@@ -21197,7 +21237,7 @@
           <p:nvPr/>
         </p:nvPicPr>
         <p:blipFill>
-          <a:blip r:embed="rId12"/>
+          <a:blip r:embed="rId13"/>
           <a:stretch>
             <a:fillRect/>
           </a:stretch>
